--- a/chapter_07/figures/verif_overall_scores.pptx
+++ b/chapter_07/figures/verif_overall_scores.pptx
@@ -6,7 +6,6 @@
   </p:sldMasterIdLst>
   <p:sldIdLst>
     <p:sldId id="256" r:id="rId2"/>
-    <p:sldId id="257" r:id="rId3"/>
   </p:sldIdLst>
   <p:sldSz cx="4140200" cy="2339975"/>
   <p:notesSz cx="6858000" cy="9144000"/>
@@ -105,13 +104,18 @@
       </a:defRPr>
     </a:lvl9pPr>
   </p:defaultTextStyle>
+  <p:extLst>
+    <p:ext uri="{EFAFB233-063F-42B5-8137-9DF3F51BA10A}">
+      <p15:sldGuideLst xmlns:p15="http://schemas.microsoft.com/office/powerpoint/2012/main"/>
+    </p:ext>
+  </p:extLst>
 </p:presentation>
 </file>
 
 <file path=ppt/revisionInfo.xml><?xml version="1.0" encoding="utf-8"?>
 <p1510:revInfo xmlns:a="http://schemas.openxmlformats.org/drawingml/2006/main" xmlns:r="http://schemas.openxmlformats.org/officeDocument/2006/relationships" xmlns:p1510="http://schemas.microsoft.com/office/powerpoint/2015/10/main">
   <p1510:revLst>
-    <p1510:client id="{FDA0979D-FCF3-48BF-A18D-D5D049DAD263}" v="6" dt="2025-07-10T08:52:37.167"/>
+    <p1510:client id="{FDA0979D-FCF3-48BF-A18D-D5D049DAD263}" v="12" dt="2025-07-10T11:10:23.016"/>
   </p1510:revLst>
 </p1510:revInfo>
 </file>
@@ -120,17 +124,41 @@
 <pc:chgInfo xmlns:a="http://schemas.openxmlformats.org/drawingml/2006/main" xmlns:r="http://schemas.openxmlformats.org/officeDocument/2006/relationships" xmlns:ac="http://schemas.microsoft.com/office/drawing/2013/main/command" xmlns:pc="http://schemas.microsoft.com/office/powerpoint/2013/main/command">
   <pc:docChgLst>
     <pc:chgData name="Fatima Pillosu" userId="a6295d4dc9e22643" providerId="LiveId" clId="{FDA0979D-FCF3-48BF-A18D-D5D049DAD263}"/>
-    <pc:docChg chg="undo custSel modSld">
-      <pc:chgData name="Fatima Pillosu" userId="a6295d4dc9e22643" providerId="LiveId" clId="{FDA0979D-FCF3-48BF-A18D-D5D049DAD263}" dt="2025-07-10T08:52:58.291" v="340" actId="1035"/>
+    <pc:docChg chg="undo custSel delSld modSld">
+      <pc:chgData name="Fatima Pillosu" userId="a6295d4dc9e22643" providerId="LiveId" clId="{FDA0979D-FCF3-48BF-A18D-D5D049DAD263}" dt="2025-07-10T11:10:31.113" v="383" actId="20577"/>
       <pc:docMkLst>
         <pc:docMk/>
       </pc:docMkLst>
       <pc:sldChg chg="addSp delSp modSp mod">
-        <pc:chgData name="Fatima Pillosu" userId="a6295d4dc9e22643" providerId="LiveId" clId="{FDA0979D-FCF3-48BF-A18D-D5D049DAD263}" dt="2025-07-10T08:52:58.291" v="340" actId="1035"/>
+        <pc:chgData name="Fatima Pillosu" userId="a6295d4dc9e22643" providerId="LiveId" clId="{FDA0979D-FCF3-48BF-A18D-D5D049DAD263}" dt="2025-07-10T11:10:31.113" v="383" actId="20577"/>
         <pc:sldMkLst>
           <pc:docMk/>
           <pc:sldMk cId="3829304072" sldId="256"/>
         </pc:sldMkLst>
+        <pc:spChg chg="add mod">
+          <ac:chgData name="Fatima Pillosu" userId="a6295d4dc9e22643" providerId="LiveId" clId="{FDA0979D-FCF3-48BF-A18D-D5D049DAD263}" dt="2025-07-10T10:57:26.363" v="352" actId="554"/>
+          <ac:spMkLst>
+            <pc:docMk/>
+            <pc:sldMk cId="3829304072" sldId="256"/>
+            <ac:spMk id="2" creationId="{56D055BF-299F-2498-48AD-DF90FC7D5205}"/>
+          </ac:spMkLst>
+        </pc:spChg>
+        <pc:spChg chg="add mod">
+          <ac:chgData name="Fatima Pillosu" userId="a6295d4dc9e22643" providerId="LiveId" clId="{FDA0979D-FCF3-48BF-A18D-D5D049DAD263}" dt="2025-07-10T10:57:38.072" v="353" actId="1076"/>
+          <ac:spMkLst>
+            <pc:docMk/>
+            <pc:sldMk cId="3829304072" sldId="256"/>
+            <ac:spMk id="3" creationId="{48B1BB4E-6C4E-428B-1CAA-32551A7D637F}"/>
+          </ac:spMkLst>
+        </pc:spChg>
+        <pc:spChg chg="add mod">
+          <ac:chgData name="Fatima Pillosu" userId="a6295d4dc9e22643" providerId="LiveId" clId="{FDA0979D-FCF3-48BF-A18D-D5D049DAD263}" dt="2025-07-10T10:57:42.495" v="354" actId="1076"/>
+          <ac:spMkLst>
+            <pc:docMk/>
+            <pc:sldMk cId="3829304072" sldId="256"/>
+            <ac:spMk id="4" creationId="{6A86CF01-D0E3-F046-5F1A-335B8A751FF9}"/>
+          </ac:spMkLst>
+        </pc:spChg>
         <pc:spChg chg="del">
           <ac:chgData name="Fatima Pillosu" userId="a6295d4dc9e22643" providerId="LiveId" clId="{FDA0979D-FCF3-48BF-A18D-D5D049DAD263}" dt="2025-07-10T08:45:27.152" v="2" actId="21"/>
           <ac:spMkLst>
@@ -139,6 +167,22 @@
             <ac:spMk id="5" creationId="{9871467D-0D41-3DE2-7548-6C7AC226404F}"/>
           </ac:spMkLst>
         </pc:spChg>
+        <pc:spChg chg="add mod">
+          <ac:chgData name="Fatima Pillosu" userId="a6295d4dc9e22643" providerId="LiveId" clId="{FDA0979D-FCF3-48BF-A18D-D5D049DAD263}" dt="2025-07-10T11:10:05.905" v="371" actId="1035"/>
+          <ac:spMkLst>
+            <pc:docMk/>
+            <pc:sldMk cId="3829304072" sldId="256"/>
+            <ac:spMk id="5" creationId="{C28FD63F-BB9E-AD69-71B9-B973AD33F83F}"/>
+          </ac:spMkLst>
+        </pc:spChg>
+        <pc:spChg chg="add mod">
+          <ac:chgData name="Fatima Pillosu" userId="a6295d4dc9e22643" providerId="LiveId" clId="{FDA0979D-FCF3-48BF-A18D-D5D049DAD263}" dt="2025-07-10T11:10:18.835" v="379" actId="20577"/>
+          <ac:spMkLst>
+            <pc:docMk/>
+            <pc:sldMk cId="3829304072" sldId="256"/>
+            <ac:spMk id="6" creationId="{36457D3F-8BF8-12D2-AF79-76238B803265}"/>
+          </ac:spMkLst>
+        </pc:spChg>
         <pc:spChg chg="del">
           <ac:chgData name="Fatima Pillosu" userId="a6295d4dc9e22643" providerId="LiveId" clId="{FDA0979D-FCF3-48BF-A18D-D5D049DAD263}" dt="2025-07-10T08:45:27.152" v="2" actId="21"/>
           <ac:spMkLst>
@@ -147,6 +191,14 @@
             <ac:spMk id="7" creationId="{8A1DCA13-5A05-B0DA-DC5F-7F04552704C2}"/>
           </ac:spMkLst>
         </pc:spChg>
+        <pc:spChg chg="add mod">
+          <ac:chgData name="Fatima Pillosu" userId="a6295d4dc9e22643" providerId="LiveId" clId="{FDA0979D-FCF3-48BF-A18D-D5D049DAD263}" dt="2025-07-10T11:10:31.113" v="383" actId="20577"/>
+          <ac:spMkLst>
+            <pc:docMk/>
+            <pc:sldMk cId="3829304072" sldId="256"/>
+            <ac:spMk id="7" creationId="{BFAC298E-30EC-6611-2990-7CB80A58CA76}"/>
+          </ac:spMkLst>
+        </pc:spChg>
         <pc:spChg chg="del">
           <ac:chgData name="Fatima Pillosu" userId="a6295d4dc9e22643" providerId="LiveId" clId="{FDA0979D-FCF3-48BF-A18D-D5D049DAD263}" dt="2025-07-10T08:45:27.152" v="2" actId="21"/>
           <ac:spMkLst>
@@ -596,7 +648,7 @@
           </ac:spMkLst>
         </pc:spChg>
         <pc:spChg chg="add mod">
-          <ac:chgData name="Fatima Pillosu" userId="a6295d4dc9e22643" providerId="LiveId" clId="{FDA0979D-FCF3-48BF-A18D-D5D049DAD263}" dt="2025-07-10T08:52:42.157" v="338" actId="1036"/>
+          <ac:chgData name="Fatima Pillosu" userId="a6295d4dc9e22643" providerId="LiveId" clId="{FDA0979D-FCF3-48BF-A18D-D5D049DAD263}" dt="2025-07-10T11:01:30.714" v="355"/>
           <ac:spMkLst>
             <pc:docMk/>
             <pc:sldMk cId="3829304072" sldId="256"/>
@@ -812,7 +864,7 @@
           </ac:spMkLst>
         </pc:spChg>
         <pc:spChg chg="add mod">
-          <ac:chgData name="Fatima Pillosu" userId="a6295d4dc9e22643" providerId="LiveId" clId="{FDA0979D-FCF3-48BF-A18D-D5D049DAD263}" dt="2025-07-10T08:52:58.291" v="340" actId="1035"/>
+          <ac:chgData name="Fatima Pillosu" userId="a6295d4dc9e22643" providerId="LiveId" clId="{FDA0979D-FCF3-48BF-A18D-D5D049DAD263}" dt="2025-07-10T11:09:19.830" v="367" actId="20577"/>
           <ac:spMkLst>
             <pc:docMk/>
             <pc:sldMk cId="3829304072" sldId="256"/>
@@ -1531,6 +1583,13 @@
             <ac:cxnSpMk id="220" creationId="{A743AA55-0FF7-4322-F12E-5506ECD3A12B}"/>
           </ac:cxnSpMkLst>
         </pc:cxnChg>
+      </pc:sldChg>
+      <pc:sldChg chg="del">
+        <pc:chgData name="Fatima Pillosu" userId="a6295d4dc9e22643" providerId="LiveId" clId="{FDA0979D-FCF3-48BF-A18D-D5D049DAD263}" dt="2025-07-10T10:56:40.860" v="341" actId="47"/>
+        <pc:sldMkLst>
+          <pc:docMk/>
+          <pc:sldMk cId="494028979" sldId="257"/>
+        </pc:sldMkLst>
       </pc:sldChg>
     </pc:docChg>
   </pc:docChgLst>
@@ -1668,7 +1727,7 @@
           <a:p>
             <a:fld id="{CE8B4338-5D18-4C46-BB4C-6A795A89FFCB}" type="datetimeFigureOut">
               <a:rPr lang="en-GB" smtClean="0"/>
-              <a:t>09/07/2025</a:t>
+              <a:t>10/07/2025</a:t>
             </a:fld>
             <a:endParaRPr lang="en-GB"/>
           </a:p>
@@ -1838,7 +1897,7 @@
           <a:p>
             <a:fld id="{CE8B4338-5D18-4C46-BB4C-6A795A89FFCB}" type="datetimeFigureOut">
               <a:rPr lang="en-GB" smtClean="0"/>
-              <a:t>09/07/2025</a:t>
+              <a:t>10/07/2025</a:t>
             </a:fld>
             <a:endParaRPr lang="en-GB"/>
           </a:p>
@@ -2018,7 +2077,7 @@
           <a:p>
             <a:fld id="{CE8B4338-5D18-4C46-BB4C-6A795A89FFCB}" type="datetimeFigureOut">
               <a:rPr lang="en-GB" smtClean="0"/>
-              <a:t>09/07/2025</a:t>
+              <a:t>10/07/2025</a:t>
             </a:fld>
             <a:endParaRPr lang="en-GB"/>
           </a:p>
@@ -2188,7 +2247,7 @@
           <a:p>
             <a:fld id="{CE8B4338-5D18-4C46-BB4C-6A795A89FFCB}" type="datetimeFigureOut">
               <a:rPr lang="en-GB" smtClean="0"/>
-              <a:t>09/07/2025</a:t>
+              <a:t>10/07/2025</a:t>
             </a:fld>
             <a:endParaRPr lang="en-GB"/>
           </a:p>
@@ -2434,7 +2493,7 @@
           <a:p>
             <a:fld id="{CE8B4338-5D18-4C46-BB4C-6A795A89FFCB}" type="datetimeFigureOut">
               <a:rPr lang="en-GB" smtClean="0"/>
-              <a:t>09/07/2025</a:t>
+              <a:t>10/07/2025</a:t>
             </a:fld>
             <a:endParaRPr lang="en-GB"/>
           </a:p>
@@ -2666,7 +2725,7 @@
           <a:p>
             <a:fld id="{CE8B4338-5D18-4C46-BB4C-6A795A89FFCB}" type="datetimeFigureOut">
               <a:rPr lang="en-GB" smtClean="0"/>
-              <a:t>09/07/2025</a:t>
+              <a:t>10/07/2025</a:t>
             </a:fld>
             <a:endParaRPr lang="en-GB"/>
           </a:p>
@@ -3033,7 +3092,7 @@
           <a:p>
             <a:fld id="{CE8B4338-5D18-4C46-BB4C-6A795A89FFCB}" type="datetimeFigureOut">
               <a:rPr lang="en-GB" smtClean="0"/>
-              <a:t>09/07/2025</a:t>
+              <a:t>10/07/2025</a:t>
             </a:fld>
             <a:endParaRPr lang="en-GB"/>
           </a:p>
@@ -3151,7 +3210,7 @@
           <a:p>
             <a:fld id="{CE8B4338-5D18-4C46-BB4C-6A795A89FFCB}" type="datetimeFigureOut">
               <a:rPr lang="en-GB" smtClean="0"/>
-              <a:t>09/07/2025</a:t>
+              <a:t>10/07/2025</a:t>
             </a:fld>
             <a:endParaRPr lang="en-GB"/>
           </a:p>
@@ -3246,7 +3305,7 @@
           <a:p>
             <a:fld id="{CE8B4338-5D18-4C46-BB4C-6A795A89FFCB}" type="datetimeFigureOut">
               <a:rPr lang="en-GB" smtClean="0"/>
-              <a:t>09/07/2025</a:t>
+              <a:t>10/07/2025</a:t>
             </a:fld>
             <a:endParaRPr lang="en-GB"/>
           </a:p>
@@ -3523,7 +3582,7 @@
           <a:p>
             <a:fld id="{CE8B4338-5D18-4C46-BB4C-6A795A89FFCB}" type="datetimeFigureOut">
               <a:rPr lang="en-GB" smtClean="0"/>
-              <a:t>09/07/2025</a:t>
+              <a:t>10/07/2025</a:t>
             </a:fld>
             <a:endParaRPr lang="en-GB"/>
           </a:p>
@@ -3780,7 +3839,7 @@
           <a:p>
             <a:fld id="{CE8B4338-5D18-4C46-BB4C-6A795A89FFCB}" type="datetimeFigureOut">
               <a:rPr lang="en-GB" smtClean="0"/>
-              <a:t>09/07/2025</a:t>
+              <a:t>10/07/2025</a:t>
             </a:fld>
             <a:endParaRPr lang="en-GB"/>
           </a:p>
@@ -3993,7 +4052,7 @@
           <a:p>
             <a:fld id="{CE8B4338-5D18-4C46-BB4C-6A795A89FFCB}" type="datetimeFigureOut">
               <a:rPr lang="en-GB" smtClean="0"/>
-              <a:t>09/07/2025</a:t>
+              <a:t>10/07/2025</a:t>
             </a:fld>
             <a:endParaRPr lang="en-GB"/>
           </a:p>
@@ -4529,7 +4588,30 @@
                 <a:latin typeface="Calibri Light" panose="020F0302020204030204" pitchFamily="34" charset="0"/>
                 <a:cs typeface="Calibri Light" panose="020F0302020204030204" pitchFamily="34" charset="0"/>
               </a:rPr>
-              <a:t>For the </a:t>
+              <a:t>Evaluated over the </a:t>
+            </a:r>
+            <a:r>
+              <a:rPr lang="en-GB" sz="1000" b="1" dirty="0">
+                <a:solidFill>
+                  <a:srgbClr val="00B0F0"/>
+                </a:solidFill>
+                <a:latin typeface="Calibri" panose="020F0502020204030204" pitchFamily="34" charset="0"/>
+                <a:cs typeface="Calibri" panose="020F0502020204030204" pitchFamily="34" charset="0"/>
+              </a:rPr>
+              <a:t>verification</a:t>
+            </a:r>
+            <a:r>
+              <a:rPr lang="en-GB" sz="1000" dirty="0">
+                <a:solidFill>
+                  <a:schemeClr val="tx1">
+                    <a:lumMod val="75000"/>
+                    <a:lumOff val="25000"/>
+                  </a:schemeClr>
+                </a:solidFill>
+                <a:latin typeface="Calibri Light" panose="020F0302020204030204" pitchFamily="34" charset="0"/>
+                <a:cs typeface="Calibri Light" panose="020F0302020204030204" pitchFamily="34" charset="0"/>
+              </a:rPr>
+              <a:t> dataset, for the </a:t>
             </a:r>
             <a:r>
               <a:rPr lang="en-GB" sz="1000" u="sng" dirty="0">
@@ -4544,19 +4626,16 @@
               </a:rPr>
               <a:t>XGBoost implementation of gradient boosting</a:t>
             </a:r>
-            <a:r>
-              <a:rPr lang="en-GB" sz="1000" dirty="0">
-                <a:solidFill>
-                  <a:schemeClr val="tx1">
-                    <a:lumMod val="75000"/>
-                    <a:lumOff val="25000"/>
-                  </a:schemeClr>
-                </a:solidFill>
-                <a:latin typeface="Calibri Light" panose="020F0302020204030204" pitchFamily="34" charset="0"/>
-                <a:cs typeface="Calibri Light" panose="020F0302020204030204" pitchFamily="34" charset="0"/>
-              </a:rPr>
-              <a:t>, trained with loss function for balanced datasets and hyperparameters optimised maximising  AUC-ROC</a:t>
-            </a:r>
+            <a:endParaRPr lang="en-GB" sz="1000" dirty="0">
+              <a:solidFill>
+                <a:schemeClr val="tx1">
+                  <a:lumMod val="75000"/>
+                  <a:lumOff val="25000"/>
+                </a:schemeClr>
+              </a:solidFill>
+              <a:latin typeface="Calibri Light" panose="020F0302020204030204" pitchFamily="34" charset="0"/>
+              <a:cs typeface="Calibri Light" panose="020F0302020204030204" pitchFamily="34" charset="0"/>
+            </a:endParaRPr>
           </a:p>
         </p:txBody>
       </p:sp>
@@ -7362,32 +7441,6 @@
               <a:t>Scores computed with the full training dataset</a:t>
             </a:r>
           </a:p>
-          <a:p>
-            <a:pPr algn="ctr"/>
-            <a:r>
-              <a:rPr lang="en-US" sz="800" dirty="0">
-                <a:solidFill>
-                  <a:schemeClr val="tx1">
-                    <a:lumMod val="75000"/>
-                    <a:lumOff val="25000"/>
-                  </a:schemeClr>
-                </a:solidFill>
-                <a:latin typeface="Calibri Light" panose="020F0302020204030204" pitchFamily="34" charset="0"/>
-                <a:cs typeface="Calibri Light" panose="020F0302020204030204" pitchFamily="34" charset="0"/>
-              </a:rPr>
-              <a:t>(refer to Figure 6.11)</a:t>
-            </a:r>
-            <a:endParaRPr lang="en-GB" sz="800" dirty="0">
-              <a:solidFill>
-                <a:schemeClr val="tx1">
-                  <a:lumMod val="75000"/>
-                  <a:lumOff val="25000"/>
-                </a:schemeClr>
-              </a:solidFill>
-              <a:latin typeface="Calibri Light" panose="020F0302020204030204" pitchFamily="34" charset="0"/>
-              <a:cs typeface="Calibri Light" panose="020F0302020204030204" pitchFamily="34" charset="0"/>
-            </a:endParaRPr>
-          </a:p>
         </p:txBody>
       </p:sp>
       <p:cxnSp>
@@ -7550,40 +7603,389 @@
           </a:fontRef>
         </p:style>
       </p:cxnSp>
+      <p:sp>
+        <p:nvSpPr>
+          <p:cNvPr id="2" name="TextBox 1">
+            <a:extLst>
+              <a:ext uri="{FF2B5EF4-FFF2-40B4-BE49-F238E27FC236}">
+                <a16:creationId xmlns:a16="http://schemas.microsoft.com/office/drawing/2014/main" id="{56D055BF-299F-2498-48AD-DF90FC7D5205}"/>
+              </a:ext>
+            </a:extLst>
+          </p:cNvPr>
+          <p:cNvSpPr txBox="1"/>
+          <p:nvPr/>
+        </p:nvSpPr>
+        <p:spPr>
+          <a:xfrm>
+            <a:off x="990410" y="1216872"/>
+            <a:ext cx="216000" cy="215444"/>
+          </a:xfrm>
+          <a:prstGeom prst="rect">
+            <a:avLst/>
+          </a:prstGeom>
+          <a:noFill/>
+          <a:ln w="3175">
+            <a:solidFill>
+              <a:schemeClr val="tx1">
+                <a:lumMod val="75000"/>
+                <a:lumOff val="25000"/>
+              </a:schemeClr>
+            </a:solidFill>
+          </a:ln>
+        </p:spPr>
+        <p:txBody>
+          <a:bodyPr wrap="none" rtlCol="0">
+            <a:spAutoFit/>
+          </a:bodyPr>
+          <a:lstStyle/>
+          <a:p>
+            <a:r>
+              <a:rPr lang="en-US" sz="800" dirty="0">
+                <a:latin typeface="Calibri Light" panose="020F0302020204030204" pitchFamily="34" charset="0"/>
+                <a:cs typeface="Calibri Light" panose="020F0302020204030204" pitchFamily="34" charset="0"/>
+              </a:rPr>
+              <a:t>a</a:t>
+            </a:r>
+            <a:endParaRPr lang="en-GB" sz="800" dirty="0">
+              <a:latin typeface="Calibri Light" panose="020F0302020204030204" pitchFamily="34" charset="0"/>
+              <a:cs typeface="Calibri Light" panose="020F0302020204030204" pitchFamily="34" charset="0"/>
+            </a:endParaRPr>
+          </a:p>
+        </p:txBody>
+      </p:sp>
+      <p:sp>
+        <p:nvSpPr>
+          <p:cNvPr id="3" name="TextBox 2">
+            <a:extLst>
+              <a:ext uri="{FF2B5EF4-FFF2-40B4-BE49-F238E27FC236}">
+                <a16:creationId xmlns:a16="http://schemas.microsoft.com/office/drawing/2014/main" id="{48B1BB4E-6C4E-428B-1CAA-32551A7D637F}"/>
+              </a:ext>
+            </a:extLst>
+          </p:cNvPr>
+          <p:cNvSpPr txBox="1"/>
+          <p:nvPr/>
+        </p:nvSpPr>
+        <p:spPr>
+          <a:xfrm>
+            <a:off x="2410356" y="1189292"/>
+            <a:ext cx="237566" cy="215444"/>
+          </a:xfrm>
+          <a:prstGeom prst="rect">
+            <a:avLst/>
+          </a:prstGeom>
+          <a:noFill/>
+          <a:ln w="3175">
+            <a:solidFill>
+              <a:schemeClr val="tx1">
+                <a:lumMod val="75000"/>
+                <a:lumOff val="25000"/>
+              </a:schemeClr>
+            </a:solidFill>
+          </a:ln>
+        </p:spPr>
+        <p:txBody>
+          <a:bodyPr wrap="none" rtlCol="0">
+            <a:spAutoFit/>
+          </a:bodyPr>
+          <a:lstStyle/>
+          <a:p>
+            <a:r>
+              <a:rPr lang="en-US" sz="800" dirty="0">
+                <a:latin typeface="Calibri Light" panose="020F0302020204030204" pitchFamily="34" charset="0"/>
+                <a:cs typeface="Calibri Light" panose="020F0302020204030204" pitchFamily="34" charset="0"/>
+              </a:rPr>
+              <a:t>b</a:t>
+            </a:r>
+            <a:endParaRPr lang="en-GB" sz="800" dirty="0">
+              <a:latin typeface="Calibri Light" panose="020F0302020204030204" pitchFamily="34" charset="0"/>
+              <a:cs typeface="Calibri Light" panose="020F0302020204030204" pitchFamily="34" charset="0"/>
+            </a:endParaRPr>
+          </a:p>
+        </p:txBody>
+      </p:sp>
+      <p:sp>
+        <p:nvSpPr>
+          <p:cNvPr id="4" name="TextBox 3">
+            <a:extLst>
+              <a:ext uri="{FF2B5EF4-FFF2-40B4-BE49-F238E27FC236}">
+                <a16:creationId xmlns:a16="http://schemas.microsoft.com/office/drawing/2014/main" id="{6A86CF01-D0E3-F046-5F1A-335B8A751FF9}"/>
+              </a:ext>
+            </a:extLst>
+          </p:cNvPr>
+          <p:cNvSpPr txBox="1"/>
+          <p:nvPr/>
+        </p:nvSpPr>
+        <p:spPr>
+          <a:xfrm>
+            <a:off x="3848516" y="1196375"/>
+            <a:ext cx="227948" cy="215444"/>
+          </a:xfrm>
+          <a:prstGeom prst="rect">
+            <a:avLst/>
+          </a:prstGeom>
+          <a:noFill/>
+          <a:ln w="3175">
+            <a:solidFill>
+              <a:schemeClr val="tx1">
+                <a:lumMod val="75000"/>
+                <a:lumOff val="25000"/>
+              </a:schemeClr>
+            </a:solidFill>
+          </a:ln>
+        </p:spPr>
+        <p:txBody>
+          <a:bodyPr wrap="none" rtlCol="0">
+            <a:spAutoFit/>
+          </a:bodyPr>
+          <a:lstStyle/>
+          <a:p>
+            <a:r>
+              <a:rPr lang="en-US" sz="800" dirty="0">
+                <a:latin typeface="Calibri Light" panose="020F0302020204030204" pitchFamily="34" charset="0"/>
+                <a:cs typeface="Calibri Light" panose="020F0302020204030204" pitchFamily="34" charset="0"/>
+              </a:rPr>
+              <a:t>c</a:t>
+            </a:r>
+            <a:endParaRPr lang="en-GB" sz="800" dirty="0">
+              <a:latin typeface="Calibri Light" panose="020F0302020204030204" pitchFamily="34" charset="0"/>
+              <a:cs typeface="Calibri Light" panose="020F0302020204030204" pitchFamily="34" charset="0"/>
+            </a:endParaRPr>
+          </a:p>
+        </p:txBody>
+      </p:sp>
+      <p:sp>
+        <p:nvSpPr>
+          <p:cNvPr id="5" name="Rectangle 4">
+            <a:extLst>
+              <a:ext uri="{FF2B5EF4-FFF2-40B4-BE49-F238E27FC236}">
+                <a16:creationId xmlns:a16="http://schemas.microsoft.com/office/drawing/2014/main" id="{C28FD63F-BB9E-AD69-71B9-B973AD33F83F}"/>
+              </a:ext>
+            </a:extLst>
+          </p:cNvPr>
+          <p:cNvSpPr/>
+          <p:nvPr/>
+        </p:nvSpPr>
+        <p:spPr>
+          <a:xfrm rot="5400000">
+            <a:off x="581235" y="981465"/>
+            <a:ext cx="190946" cy="1080000"/>
+          </a:xfrm>
+          <a:prstGeom prst="rect">
+            <a:avLst/>
+          </a:prstGeom>
+          <a:noFill/>
+          <a:ln w="3175">
+            <a:noFill/>
+          </a:ln>
+        </p:spPr>
+        <p:style>
+          <a:lnRef idx="2">
+            <a:schemeClr val="accent1">
+              <a:shade val="15000"/>
+            </a:schemeClr>
+          </a:lnRef>
+          <a:fillRef idx="1">
+            <a:schemeClr val="accent1"/>
+          </a:fillRef>
+          <a:effectRef idx="0">
+            <a:schemeClr val="accent1"/>
+          </a:effectRef>
+          <a:fontRef idx="minor">
+            <a:schemeClr val="lt1"/>
+          </a:fontRef>
+        </p:style>
+        <p:txBody>
+          <a:bodyPr vert="vert270" rtlCol="0" anchor="ctr"/>
+          <a:lstStyle/>
+          <a:p>
+            <a:pPr algn="ctr"/>
+            <a:r>
+              <a:rPr lang="en-US" sz="800" dirty="0">
+                <a:solidFill>
+                  <a:schemeClr val="tx1">
+                    <a:lumMod val="75000"/>
+                    <a:lumOff val="25000"/>
+                  </a:schemeClr>
+                </a:solidFill>
+                <a:latin typeface="Calibri Light" panose="020F0302020204030204" pitchFamily="34" charset="0"/>
+                <a:cs typeface="Calibri Light" panose="020F0302020204030204" pitchFamily="34" charset="0"/>
+              </a:rPr>
+              <a:t>Refer to Figure 6.11a</a:t>
+            </a:r>
+            <a:endParaRPr lang="en-GB" sz="800" dirty="0">
+              <a:solidFill>
+                <a:schemeClr val="tx1">
+                  <a:lumMod val="75000"/>
+                  <a:lumOff val="25000"/>
+                </a:schemeClr>
+              </a:solidFill>
+              <a:latin typeface="Calibri Light" panose="020F0302020204030204" pitchFamily="34" charset="0"/>
+              <a:cs typeface="Calibri Light" panose="020F0302020204030204" pitchFamily="34" charset="0"/>
+            </a:endParaRPr>
+          </a:p>
+        </p:txBody>
+      </p:sp>
+      <p:sp>
+        <p:nvSpPr>
+          <p:cNvPr id="6" name="Rectangle 5">
+            <a:extLst>
+              <a:ext uri="{FF2B5EF4-FFF2-40B4-BE49-F238E27FC236}">
+                <a16:creationId xmlns:a16="http://schemas.microsoft.com/office/drawing/2014/main" id="{36457D3F-8BF8-12D2-AF79-76238B803265}"/>
+              </a:ext>
+            </a:extLst>
+          </p:cNvPr>
+          <p:cNvSpPr/>
+          <p:nvPr/>
+        </p:nvSpPr>
+        <p:spPr>
+          <a:xfrm rot="5400000">
+            <a:off x="2027980" y="1219383"/>
+            <a:ext cx="190946" cy="1080000"/>
+          </a:xfrm>
+          <a:prstGeom prst="rect">
+            <a:avLst/>
+          </a:prstGeom>
+          <a:noFill/>
+          <a:ln w="3175">
+            <a:noFill/>
+          </a:ln>
+        </p:spPr>
+        <p:style>
+          <a:lnRef idx="2">
+            <a:schemeClr val="accent1">
+              <a:shade val="15000"/>
+            </a:schemeClr>
+          </a:lnRef>
+          <a:fillRef idx="1">
+            <a:schemeClr val="accent1"/>
+          </a:fillRef>
+          <a:effectRef idx="0">
+            <a:schemeClr val="accent1"/>
+          </a:effectRef>
+          <a:fontRef idx="minor">
+            <a:schemeClr val="lt1"/>
+          </a:fontRef>
+        </p:style>
+        <p:txBody>
+          <a:bodyPr vert="vert270" rtlCol="0" anchor="ctr"/>
+          <a:lstStyle/>
+          <a:p>
+            <a:pPr algn="ctr"/>
+            <a:r>
+              <a:rPr lang="en-US" sz="800" dirty="0">
+                <a:solidFill>
+                  <a:schemeClr val="tx1">
+                    <a:lumMod val="75000"/>
+                    <a:lumOff val="25000"/>
+                  </a:schemeClr>
+                </a:solidFill>
+                <a:latin typeface="Calibri Light" panose="020F0302020204030204" pitchFamily="34" charset="0"/>
+                <a:cs typeface="Calibri Light" panose="020F0302020204030204" pitchFamily="34" charset="0"/>
+              </a:rPr>
+              <a:t>Refer to Figure 6.11e</a:t>
+            </a:r>
+            <a:endParaRPr lang="en-GB" sz="800" dirty="0">
+              <a:solidFill>
+                <a:schemeClr val="tx1">
+                  <a:lumMod val="75000"/>
+                  <a:lumOff val="25000"/>
+                </a:schemeClr>
+              </a:solidFill>
+              <a:latin typeface="Calibri Light" panose="020F0302020204030204" pitchFamily="34" charset="0"/>
+              <a:cs typeface="Calibri Light" panose="020F0302020204030204" pitchFamily="34" charset="0"/>
+            </a:endParaRPr>
+          </a:p>
+        </p:txBody>
+      </p:sp>
+      <p:sp>
+        <p:nvSpPr>
+          <p:cNvPr id="7" name="Rectangle 6">
+            <a:extLst>
+              <a:ext uri="{FF2B5EF4-FFF2-40B4-BE49-F238E27FC236}">
+                <a16:creationId xmlns:a16="http://schemas.microsoft.com/office/drawing/2014/main" id="{BFAC298E-30EC-6611-2990-7CB80A58CA76}"/>
+              </a:ext>
+            </a:extLst>
+          </p:cNvPr>
+          <p:cNvSpPr/>
+          <p:nvPr/>
+        </p:nvSpPr>
+        <p:spPr>
+          <a:xfrm rot="5400000">
+            <a:off x="3482769" y="964083"/>
+            <a:ext cx="190946" cy="1080000"/>
+          </a:xfrm>
+          <a:prstGeom prst="rect">
+            <a:avLst/>
+          </a:prstGeom>
+          <a:noFill/>
+          <a:ln w="3175">
+            <a:noFill/>
+          </a:ln>
+        </p:spPr>
+        <p:style>
+          <a:lnRef idx="2">
+            <a:schemeClr val="accent1">
+              <a:shade val="15000"/>
+            </a:schemeClr>
+          </a:lnRef>
+          <a:fillRef idx="1">
+            <a:schemeClr val="accent1"/>
+          </a:fillRef>
+          <a:effectRef idx="0">
+            <a:schemeClr val="accent1"/>
+          </a:effectRef>
+          <a:fontRef idx="minor">
+            <a:schemeClr val="lt1"/>
+          </a:fontRef>
+        </p:style>
+        <p:txBody>
+          <a:bodyPr vert="vert270" rtlCol="0" anchor="ctr"/>
+          <a:lstStyle/>
+          <a:p>
+            <a:pPr algn="ctr"/>
+            <a:r>
+              <a:rPr lang="en-US" sz="800" dirty="0">
+                <a:solidFill>
+                  <a:schemeClr val="tx1">
+                    <a:lumMod val="75000"/>
+                    <a:lumOff val="25000"/>
+                  </a:schemeClr>
+                </a:solidFill>
+                <a:latin typeface="Calibri Light" panose="020F0302020204030204" pitchFamily="34" charset="0"/>
+                <a:cs typeface="Calibri Light" panose="020F0302020204030204" pitchFamily="34" charset="0"/>
+              </a:rPr>
+              <a:t>Refer to </a:t>
+            </a:r>
+            <a:r>
+              <a:rPr lang="en-US" sz="800">
+                <a:solidFill>
+                  <a:schemeClr val="tx1">
+                    <a:lumMod val="75000"/>
+                    <a:lumOff val="25000"/>
+                  </a:schemeClr>
+                </a:solidFill>
+                <a:latin typeface="Calibri Light" panose="020F0302020204030204" pitchFamily="34" charset="0"/>
+                <a:cs typeface="Calibri Light" panose="020F0302020204030204" pitchFamily="34" charset="0"/>
+              </a:rPr>
+              <a:t>Figure 6.11i</a:t>
+            </a:r>
+            <a:endParaRPr lang="en-GB" sz="800" dirty="0">
+              <a:solidFill>
+                <a:schemeClr val="tx1">
+                  <a:lumMod val="75000"/>
+                  <a:lumOff val="25000"/>
+                </a:schemeClr>
+              </a:solidFill>
+              <a:latin typeface="Calibri Light" panose="020F0302020204030204" pitchFamily="34" charset="0"/>
+              <a:cs typeface="Calibri Light" panose="020F0302020204030204" pitchFamily="34" charset="0"/>
+            </a:endParaRPr>
+          </a:p>
+        </p:txBody>
+      </p:sp>
     </p:spTree>
     <p:extLst>
       <p:ext uri="{BB962C8B-B14F-4D97-AF65-F5344CB8AC3E}">
         <p14:creationId xmlns:p14="http://schemas.microsoft.com/office/powerpoint/2010/main" val="3829304072"/>
-      </p:ext>
-    </p:extLst>
-  </p:cSld>
-  <p:clrMapOvr>
-    <a:masterClrMapping/>
-  </p:clrMapOvr>
-</p:sld>
-</file>
-
-<file path=ppt/slides/slide2.xml><?xml version="1.0" encoding="utf-8"?>
-<p:sld xmlns:a="http://schemas.openxmlformats.org/drawingml/2006/main" xmlns:r="http://schemas.openxmlformats.org/officeDocument/2006/relationships" xmlns:p="http://schemas.openxmlformats.org/presentationml/2006/main">
-  <p:cSld>
-    <p:spTree>
-      <p:nvGrpSpPr>
-        <p:cNvPr id="1" name=""/>
-        <p:cNvGrpSpPr/>
-        <p:nvPr/>
-      </p:nvGrpSpPr>
-      <p:grpSpPr>
-        <a:xfrm>
-          <a:off x="0" y="0"/>
-          <a:ext cx="0" cy="0"/>
-          <a:chOff x="0" y="0"/>
-          <a:chExt cx="0" cy="0"/>
-        </a:xfrm>
-      </p:grpSpPr>
-    </p:spTree>
-    <p:extLst>
-      <p:ext uri="{BB962C8B-B14F-4D97-AF65-F5344CB8AC3E}">
-        <p14:creationId xmlns:p14="http://schemas.microsoft.com/office/powerpoint/2010/main" val="494028979"/>
       </p:ext>
     </p:extLst>
   </p:cSld>

--- a/chapter_07/figures/verif_overall_scores.pptx
+++ b/chapter_07/figures/verif_overall_scores.pptx
@@ -2,12 +2,12 @@
 <file path=ppt/presentation.xml><?xml version="1.0" encoding="utf-8"?>
 <p:presentation xmlns:a="http://schemas.openxmlformats.org/drawingml/2006/main" xmlns:r="http://schemas.openxmlformats.org/officeDocument/2006/relationships" xmlns:p="http://schemas.openxmlformats.org/presentationml/2006/main" saveSubsetFonts="1">
   <p:sldMasterIdLst>
-    <p:sldMasterId id="2147483684" r:id="rId1"/>
+    <p:sldMasterId id="2147483696" r:id="rId1"/>
   </p:sldMasterIdLst>
   <p:sldIdLst>
     <p:sldId id="256" r:id="rId2"/>
   </p:sldIdLst>
-  <p:sldSz cx="4140200" cy="2339975"/>
+  <p:sldSz cx="4140200" cy="2519363"/>
   <p:notesSz cx="6858000" cy="9144000"/>
   <p:defaultTextStyle>
     <a:defPPr>
@@ -115,7 +115,7 @@
 <file path=ppt/revisionInfo.xml><?xml version="1.0" encoding="utf-8"?>
 <p1510:revInfo xmlns:a="http://schemas.openxmlformats.org/drawingml/2006/main" xmlns:r="http://schemas.openxmlformats.org/officeDocument/2006/relationships" xmlns:p1510="http://schemas.microsoft.com/office/powerpoint/2015/10/main">
   <p1510:revLst>
-    <p1510:client id="{FDA0979D-FCF3-48BF-A18D-D5D049DAD263}" v="12" dt="2025-07-10T11:10:23.016"/>
+    <p1510:client id="{FDA0979D-FCF3-48BF-A18D-D5D049DAD263}" v="35" dt="2025-07-10T14:44:26.601"/>
   </p1510:revLst>
 </p1510:revInfo>
 </file>
@@ -124,35 +124,35 @@
 <pc:chgInfo xmlns:a="http://schemas.openxmlformats.org/drawingml/2006/main" xmlns:r="http://schemas.openxmlformats.org/officeDocument/2006/relationships" xmlns:ac="http://schemas.microsoft.com/office/drawing/2013/main/command" xmlns:pc="http://schemas.microsoft.com/office/powerpoint/2013/main/command">
   <pc:docChgLst>
     <pc:chgData name="Fatima Pillosu" userId="a6295d4dc9e22643" providerId="LiveId" clId="{FDA0979D-FCF3-48BF-A18D-D5D049DAD263}"/>
-    <pc:docChg chg="undo custSel delSld modSld">
-      <pc:chgData name="Fatima Pillosu" userId="a6295d4dc9e22643" providerId="LiveId" clId="{FDA0979D-FCF3-48BF-A18D-D5D049DAD263}" dt="2025-07-10T11:10:31.113" v="383" actId="20577"/>
+    <pc:docChg chg="undo custSel addSld delSld modSld">
+      <pc:chgData name="Fatima Pillosu" userId="a6295d4dc9e22643" providerId="LiveId" clId="{FDA0979D-FCF3-48BF-A18D-D5D049DAD263}" dt="2025-07-10T14:44:39.716" v="835" actId="555"/>
       <pc:docMkLst>
         <pc:docMk/>
       </pc:docMkLst>
       <pc:sldChg chg="addSp delSp modSp mod">
-        <pc:chgData name="Fatima Pillosu" userId="a6295d4dc9e22643" providerId="LiveId" clId="{FDA0979D-FCF3-48BF-A18D-D5D049DAD263}" dt="2025-07-10T11:10:31.113" v="383" actId="20577"/>
+        <pc:chgData name="Fatima Pillosu" userId="a6295d4dc9e22643" providerId="LiveId" clId="{FDA0979D-FCF3-48BF-A18D-D5D049DAD263}" dt="2025-07-10T14:44:39.716" v="835" actId="555"/>
         <pc:sldMkLst>
           <pc:docMk/>
           <pc:sldMk cId="3829304072" sldId="256"/>
         </pc:sldMkLst>
-        <pc:spChg chg="add mod">
-          <ac:chgData name="Fatima Pillosu" userId="a6295d4dc9e22643" providerId="LiveId" clId="{FDA0979D-FCF3-48BF-A18D-D5D049DAD263}" dt="2025-07-10T10:57:26.363" v="352" actId="554"/>
+        <pc:spChg chg="add del mod">
+          <ac:chgData name="Fatima Pillosu" userId="a6295d4dc9e22643" providerId="LiveId" clId="{FDA0979D-FCF3-48BF-A18D-D5D049DAD263}" dt="2025-07-10T14:42:49.684" v="803" actId="21"/>
           <ac:spMkLst>
             <pc:docMk/>
             <pc:sldMk cId="3829304072" sldId="256"/>
             <ac:spMk id="2" creationId="{56D055BF-299F-2498-48AD-DF90FC7D5205}"/>
           </ac:spMkLst>
         </pc:spChg>
-        <pc:spChg chg="add mod">
-          <ac:chgData name="Fatima Pillosu" userId="a6295d4dc9e22643" providerId="LiveId" clId="{FDA0979D-FCF3-48BF-A18D-D5D049DAD263}" dt="2025-07-10T10:57:38.072" v="353" actId="1076"/>
+        <pc:spChg chg="add del mod ord">
+          <ac:chgData name="Fatima Pillosu" userId="a6295d4dc9e22643" providerId="LiveId" clId="{FDA0979D-FCF3-48BF-A18D-D5D049DAD263}" dt="2025-07-10T14:42:49.684" v="803" actId="21"/>
           <ac:spMkLst>
             <pc:docMk/>
             <pc:sldMk cId="3829304072" sldId="256"/>
             <ac:spMk id="3" creationId="{48B1BB4E-6C4E-428B-1CAA-32551A7D637F}"/>
           </ac:spMkLst>
         </pc:spChg>
-        <pc:spChg chg="add mod">
-          <ac:chgData name="Fatima Pillosu" userId="a6295d4dc9e22643" providerId="LiveId" clId="{FDA0979D-FCF3-48BF-A18D-D5D049DAD263}" dt="2025-07-10T10:57:42.495" v="354" actId="1076"/>
+        <pc:spChg chg="add del mod ord">
+          <ac:chgData name="Fatima Pillosu" userId="a6295d4dc9e22643" providerId="LiveId" clId="{FDA0979D-FCF3-48BF-A18D-D5D049DAD263}" dt="2025-07-10T14:42:49.684" v="803" actId="21"/>
           <ac:spMkLst>
             <pc:docMk/>
             <pc:sldMk cId="3829304072" sldId="256"/>
@@ -167,16 +167,16 @@
             <ac:spMk id="5" creationId="{9871467D-0D41-3DE2-7548-6C7AC226404F}"/>
           </ac:spMkLst>
         </pc:spChg>
-        <pc:spChg chg="add mod">
-          <ac:chgData name="Fatima Pillosu" userId="a6295d4dc9e22643" providerId="LiveId" clId="{FDA0979D-FCF3-48BF-A18D-D5D049DAD263}" dt="2025-07-10T11:10:05.905" v="371" actId="1035"/>
+        <pc:spChg chg="add del mod">
+          <ac:chgData name="Fatima Pillosu" userId="a6295d4dc9e22643" providerId="LiveId" clId="{FDA0979D-FCF3-48BF-A18D-D5D049DAD263}" dt="2025-07-10T14:42:49.684" v="803" actId="21"/>
           <ac:spMkLst>
             <pc:docMk/>
             <pc:sldMk cId="3829304072" sldId="256"/>
             <ac:spMk id="5" creationId="{C28FD63F-BB9E-AD69-71B9-B973AD33F83F}"/>
           </ac:spMkLst>
         </pc:spChg>
-        <pc:spChg chg="add mod">
-          <ac:chgData name="Fatima Pillosu" userId="a6295d4dc9e22643" providerId="LiveId" clId="{FDA0979D-FCF3-48BF-A18D-D5D049DAD263}" dt="2025-07-10T11:10:18.835" v="379" actId="20577"/>
+        <pc:spChg chg="add del mod ord">
+          <ac:chgData name="Fatima Pillosu" userId="a6295d4dc9e22643" providerId="LiveId" clId="{FDA0979D-FCF3-48BF-A18D-D5D049DAD263}" dt="2025-07-10T14:42:49.684" v="803" actId="21"/>
           <ac:spMkLst>
             <pc:docMk/>
             <pc:sldMk cId="3829304072" sldId="256"/>
@@ -191,8 +191,8 @@
             <ac:spMk id="7" creationId="{8A1DCA13-5A05-B0DA-DC5F-7F04552704C2}"/>
           </ac:spMkLst>
         </pc:spChg>
-        <pc:spChg chg="add mod">
-          <ac:chgData name="Fatima Pillosu" userId="a6295d4dc9e22643" providerId="LiveId" clId="{FDA0979D-FCF3-48BF-A18D-D5D049DAD263}" dt="2025-07-10T11:10:31.113" v="383" actId="20577"/>
+        <pc:spChg chg="add del mod ord">
+          <ac:chgData name="Fatima Pillosu" userId="a6295d4dc9e22643" providerId="LiveId" clId="{FDA0979D-FCF3-48BF-A18D-D5D049DAD263}" dt="2025-07-10T14:42:49.684" v="803" actId="21"/>
           <ac:spMkLst>
             <pc:docMk/>
             <pc:sldMk cId="3829304072" sldId="256"/>
@@ -287,6 +287,22 @@
             <ac:spMk id="18" creationId="{4E7F4EDB-0B5F-ABBD-497C-173455376A2A}"/>
           </ac:spMkLst>
         </pc:spChg>
+        <pc:spChg chg="add del mod">
+          <ac:chgData name="Fatima Pillosu" userId="a6295d4dc9e22643" providerId="LiveId" clId="{FDA0979D-FCF3-48BF-A18D-D5D049DAD263}" dt="2025-07-10T14:42:49.684" v="803" actId="21"/>
+          <ac:spMkLst>
+            <pc:docMk/>
+            <pc:sldMk cId="3829304072" sldId="256"/>
+            <ac:spMk id="18" creationId="{F959B1C1-522A-86B4-600F-28598F1BA02A}"/>
+          </ac:spMkLst>
+        </pc:spChg>
+        <pc:spChg chg="add del mod">
+          <ac:chgData name="Fatima Pillosu" userId="a6295d4dc9e22643" providerId="LiveId" clId="{FDA0979D-FCF3-48BF-A18D-D5D049DAD263}" dt="2025-07-10T14:42:49.684" v="803" actId="21"/>
+          <ac:spMkLst>
+            <pc:docMk/>
+            <pc:sldMk cId="3829304072" sldId="256"/>
+            <ac:spMk id="19" creationId="{A3C2AA43-7D01-E39B-C621-FC16CE1CD069}"/>
+          </ac:spMkLst>
+        </pc:spChg>
         <pc:spChg chg="del">
           <ac:chgData name="Fatima Pillosu" userId="a6295d4dc9e22643" providerId="LiveId" clId="{FDA0979D-FCF3-48BF-A18D-D5D049DAD263}" dt="2025-07-10T08:45:27.152" v="2" actId="21"/>
           <ac:spMkLst>
@@ -303,6 +319,22 @@
             <ac:spMk id="20" creationId="{6FEC7F9F-2C7A-396B-AEEC-B925C19B970E}"/>
           </ac:spMkLst>
         </pc:spChg>
+        <pc:spChg chg="add del mod">
+          <ac:chgData name="Fatima Pillosu" userId="a6295d4dc9e22643" providerId="LiveId" clId="{FDA0979D-FCF3-48BF-A18D-D5D049DAD263}" dt="2025-07-10T14:42:49.684" v="803" actId="21"/>
+          <ac:spMkLst>
+            <pc:docMk/>
+            <pc:sldMk cId="3829304072" sldId="256"/>
+            <ac:spMk id="20" creationId="{77CF0A1E-E8C5-FA22-B5E2-42111D50D28F}"/>
+          </ac:spMkLst>
+        </pc:spChg>
+        <pc:spChg chg="add del mod">
+          <ac:chgData name="Fatima Pillosu" userId="a6295d4dc9e22643" providerId="LiveId" clId="{FDA0979D-FCF3-48BF-A18D-D5D049DAD263}" dt="2025-07-10T14:42:49.684" v="803" actId="21"/>
+          <ac:spMkLst>
+            <pc:docMk/>
+            <pc:sldMk cId="3829304072" sldId="256"/>
+            <ac:spMk id="21" creationId="{93B9BE9E-8BE0-0CC2-C17F-8C8514BC17B2}"/>
+          </ac:spMkLst>
+        </pc:spChg>
         <pc:spChg chg="del">
           <ac:chgData name="Fatima Pillosu" userId="a6295d4dc9e22643" providerId="LiveId" clId="{FDA0979D-FCF3-48BF-A18D-D5D049DAD263}" dt="2025-07-10T08:45:27.152" v="2" actId="21"/>
           <ac:spMkLst>
@@ -311,6 +343,14 @@
             <ac:spMk id="21" creationId="{D5B43F26-BC11-13F3-A796-55836A48EBD8}"/>
           </ac:spMkLst>
         </pc:spChg>
+        <pc:spChg chg="add del mod">
+          <ac:chgData name="Fatima Pillosu" userId="a6295d4dc9e22643" providerId="LiveId" clId="{FDA0979D-FCF3-48BF-A18D-D5D049DAD263}" dt="2025-07-10T14:42:49.684" v="803" actId="21"/>
+          <ac:spMkLst>
+            <pc:docMk/>
+            <pc:sldMk cId="3829304072" sldId="256"/>
+            <ac:spMk id="22" creationId="{1EC539E1-A3FB-C75B-3E46-4D6B1444A1B1}"/>
+          </ac:spMkLst>
+        </pc:spChg>
         <pc:spChg chg="del">
           <ac:chgData name="Fatima Pillosu" userId="a6295d4dc9e22643" providerId="LiveId" clId="{FDA0979D-FCF3-48BF-A18D-D5D049DAD263}" dt="2025-07-10T08:45:27.152" v="2" actId="21"/>
           <ac:spMkLst>
@@ -327,6 +367,22 @@
             <ac:spMk id="23" creationId="{0EA7C0D2-8839-773E-E59C-AB1361216F81}"/>
           </ac:spMkLst>
         </pc:spChg>
+        <pc:spChg chg="add del mod">
+          <ac:chgData name="Fatima Pillosu" userId="a6295d4dc9e22643" providerId="LiveId" clId="{FDA0979D-FCF3-48BF-A18D-D5D049DAD263}" dt="2025-07-10T14:42:49.684" v="803" actId="21"/>
+          <ac:spMkLst>
+            <pc:docMk/>
+            <pc:sldMk cId="3829304072" sldId="256"/>
+            <ac:spMk id="23" creationId="{A390E18E-6C70-F72C-F2FB-B9F54055E83E}"/>
+          </ac:spMkLst>
+        </pc:spChg>
+        <pc:spChg chg="add del mod">
+          <ac:chgData name="Fatima Pillosu" userId="a6295d4dc9e22643" providerId="LiveId" clId="{FDA0979D-FCF3-48BF-A18D-D5D049DAD263}" dt="2025-07-10T14:42:49.684" v="803" actId="21"/>
+          <ac:spMkLst>
+            <pc:docMk/>
+            <pc:sldMk cId="3829304072" sldId="256"/>
+            <ac:spMk id="24" creationId="{C25B0ECE-5041-D514-3CA1-6D1C5EA1C90A}"/>
+          </ac:spMkLst>
+        </pc:spChg>
         <pc:spChg chg="del">
           <ac:chgData name="Fatima Pillosu" userId="a6295d4dc9e22643" providerId="LiveId" clId="{FDA0979D-FCF3-48BF-A18D-D5D049DAD263}" dt="2025-07-10T08:45:27.152" v="2" actId="21"/>
           <ac:spMkLst>
@@ -343,6 +399,22 @@
             <ac:spMk id="26" creationId="{04532465-1A1F-43D1-8C13-845C6B8A1732}"/>
           </ac:spMkLst>
         </pc:spChg>
+        <pc:spChg chg="add mod">
+          <ac:chgData name="Fatima Pillosu" userId="a6295d4dc9e22643" providerId="LiveId" clId="{FDA0979D-FCF3-48BF-A18D-D5D049DAD263}" dt="2025-07-10T14:43:09.829" v="814" actId="1036"/>
+          <ac:spMkLst>
+            <pc:docMk/>
+            <pc:sldMk cId="3829304072" sldId="256"/>
+            <ac:spMk id="26" creationId="{9871467D-0D41-3DE2-7548-6C7AC226404F}"/>
+          </ac:spMkLst>
+        </pc:spChg>
+        <pc:spChg chg="add mod">
+          <ac:chgData name="Fatima Pillosu" userId="a6295d4dc9e22643" providerId="LiveId" clId="{FDA0979D-FCF3-48BF-A18D-D5D049DAD263}" dt="2025-07-10T14:43:22.010" v="829" actId="1036"/>
+          <ac:spMkLst>
+            <pc:docMk/>
+            <pc:sldMk cId="3829304072" sldId="256"/>
+            <ac:spMk id="27" creationId="{8A1DCA13-5A05-B0DA-DC5F-7F04552704C2}"/>
+          </ac:spMkLst>
+        </pc:spChg>
         <pc:spChg chg="del">
           <ac:chgData name="Fatima Pillosu" userId="a6295d4dc9e22643" providerId="LiveId" clId="{FDA0979D-FCF3-48BF-A18D-D5D049DAD263}" dt="2025-07-10T08:45:27.152" v="2" actId="21"/>
           <ac:spMkLst>
@@ -351,6 +423,14 @@
             <ac:spMk id="27" creationId="{BBAB9E90-7CA1-1F07-BA50-44CC6719896A}"/>
           </ac:spMkLst>
         </pc:spChg>
+        <pc:spChg chg="add mod">
+          <ac:chgData name="Fatima Pillosu" userId="a6295d4dc9e22643" providerId="LiveId" clId="{FDA0979D-FCF3-48BF-A18D-D5D049DAD263}" dt="2025-07-10T14:43:22.010" v="829" actId="1036"/>
+          <ac:spMkLst>
+            <pc:docMk/>
+            <pc:sldMk cId="3829304072" sldId="256"/>
+            <ac:spMk id="28" creationId="{7524E92B-41E5-BE9B-9C15-3276156CFC56}"/>
+          </ac:spMkLst>
+        </pc:spChg>
         <pc:spChg chg="del">
           <ac:chgData name="Fatima Pillosu" userId="a6295d4dc9e22643" providerId="LiveId" clId="{FDA0979D-FCF3-48BF-A18D-D5D049DAD263}" dt="2025-07-10T08:45:27.152" v="2" actId="21"/>
           <ac:spMkLst>
@@ -367,6 +447,14 @@
             <ac:spMk id="29" creationId="{6E096800-DD13-581C-DB3D-446395B3B724}"/>
           </ac:spMkLst>
         </pc:spChg>
+        <pc:spChg chg="add mod">
+          <ac:chgData name="Fatima Pillosu" userId="a6295d4dc9e22643" providerId="LiveId" clId="{FDA0979D-FCF3-48BF-A18D-D5D049DAD263}" dt="2025-07-10T14:43:22.010" v="829" actId="1036"/>
+          <ac:spMkLst>
+            <pc:docMk/>
+            <pc:sldMk cId="3829304072" sldId="256"/>
+            <ac:spMk id="29" creationId="{CE31CED2-52A1-08CC-4307-379FA4392489}"/>
+          </ac:spMkLst>
+        </pc:spChg>
         <pc:spChg chg="del">
           <ac:chgData name="Fatima Pillosu" userId="a6295d4dc9e22643" providerId="LiveId" clId="{FDA0979D-FCF3-48BF-A18D-D5D049DAD263}" dt="2025-07-10T08:45:27.152" v="2" actId="21"/>
           <ac:spMkLst>
@@ -375,6 +463,14 @@
             <ac:spMk id="30" creationId="{0752D7ED-0886-10DD-F3B1-229C954F0445}"/>
           </ac:spMkLst>
         </pc:spChg>
+        <pc:spChg chg="add mod">
+          <ac:chgData name="Fatima Pillosu" userId="a6295d4dc9e22643" providerId="LiveId" clId="{FDA0979D-FCF3-48BF-A18D-D5D049DAD263}" dt="2025-07-10T14:43:22.010" v="829" actId="1036"/>
+          <ac:spMkLst>
+            <pc:docMk/>
+            <pc:sldMk cId="3829304072" sldId="256"/>
+            <ac:spMk id="30" creationId="{AAB84623-40FA-D0F8-CB9B-42608D1B7BB5}"/>
+          </ac:spMkLst>
+        </pc:spChg>
         <pc:spChg chg="del">
           <ac:chgData name="Fatima Pillosu" userId="a6295d4dc9e22643" providerId="LiveId" clId="{FDA0979D-FCF3-48BF-A18D-D5D049DAD263}" dt="2025-07-10T08:45:27.152" v="2" actId="21"/>
           <ac:spMkLst>
@@ -383,6 +479,22 @@
             <ac:spMk id="31" creationId="{0B815309-0BDA-68BF-5443-24159CD35F2E}"/>
           </ac:spMkLst>
         </pc:spChg>
+        <pc:spChg chg="add mod">
+          <ac:chgData name="Fatima Pillosu" userId="a6295d4dc9e22643" providerId="LiveId" clId="{FDA0979D-FCF3-48BF-A18D-D5D049DAD263}" dt="2025-07-10T14:43:22.010" v="829" actId="1036"/>
+          <ac:spMkLst>
+            <pc:docMk/>
+            <pc:sldMk cId="3829304072" sldId="256"/>
+            <ac:spMk id="31" creationId="{0C1FBA06-B667-EC2B-9B3F-24201CE3E9D5}"/>
+          </ac:spMkLst>
+        </pc:spChg>
+        <pc:spChg chg="add mod">
+          <ac:chgData name="Fatima Pillosu" userId="a6295d4dc9e22643" providerId="LiveId" clId="{FDA0979D-FCF3-48BF-A18D-D5D049DAD263}" dt="2025-07-10T14:43:22.010" v="829" actId="1036"/>
+          <ac:spMkLst>
+            <pc:docMk/>
+            <pc:sldMk cId="3829304072" sldId="256"/>
+            <ac:spMk id="32" creationId="{224B07A3-CA72-DB35-A371-2567F5963C86}"/>
+          </ac:spMkLst>
+        </pc:spChg>
         <pc:spChg chg="del">
           <ac:chgData name="Fatima Pillosu" userId="a6295d4dc9e22643" providerId="LiveId" clId="{FDA0979D-FCF3-48BF-A18D-D5D049DAD263}" dt="2025-07-10T08:45:27.152" v="2" actId="21"/>
           <ac:spMkLst>
@@ -399,6 +511,150 @@
             <ac:spMk id="33" creationId="{5F5043FF-4507-9A78-356F-000AD077DBE8}"/>
           </ac:spMkLst>
         </pc:spChg>
+        <pc:spChg chg="add mod">
+          <ac:chgData name="Fatima Pillosu" userId="a6295d4dc9e22643" providerId="LiveId" clId="{FDA0979D-FCF3-48BF-A18D-D5D049DAD263}" dt="2025-07-10T14:43:22.010" v="829" actId="1036"/>
+          <ac:spMkLst>
+            <pc:docMk/>
+            <pc:sldMk cId="3829304072" sldId="256"/>
+            <ac:spMk id="33" creationId="{7B1469EB-6272-5CF2-9772-F044D8EDE1DD}"/>
+          </ac:spMkLst>
+        </pc:spChg>
+        <pc:spChg chg="add mod">
+          <ac:chgData name="Fatima Pillosu" userId="a6295d4dc9e22643" providerId="LiveId" clId="{FDA0979D-FCF3-48BF-A18D-D5D049DAD263}" dt="2025-07-10T14:43:22.010" v="829" actId="1036"/>
+          <ac:spMkLst>
+            <pc:docMk/>
+            <pc:sldMk cId="3829304072" sldId="256"/>
+            <ac:spMk id="34" creationId="{1ECB7435-E064-1E9B-0FF1-FC41EFCE2178}"/>
+          </ac:spMkLst>
+        </pc:spChg>
+        <pc:spChg chg="add mod">
+          <ac:chgData name="Fatima Pillosu" userId="a6295d4dc9e22643" providerId="LiveId" clId="{FDA0979D-FCF3-48BF-A18D-D5D049DAD263}" dt="2025-07-10T14:43:22.010" v="829" actId="1036"/>
+          <ac:spMkLst>
+            <pc:docMk/>
+            <pc:sldMk cId="3829304072" sldId="256"/>
+            <ac:spMk id="35" creationId="{2BB238A4-8152-65E1-3BEA-185CF6B4DD96}"/>
+          </ac:spMkLst>
+        </pc:spChg>
+        <pc:spChg chg="add mod">
+          <ac:chgData name="Fatima Pillosu" userId="a6295d4dc9e22643" providerId="LiveId" clId="{FDA0979D-FCF3-48BF-A18D-D5D049DAD263}" dt="2025-07-10T14:43:22.010" v="829" actId="1036"/>
+          <ac:spMkLst>
+            <pc:docMk/>
+            <pc:sldMk cId="3829304072" sldId="256"/>
+            <ac:spMk id="36" creationId="{8A099BDB-6D80-BBA4-164C-C69FE60FAC68}"/>
+          </ac:spMkLst>
+        </pc:spChg>
+        <pc:spChg chg="add mod">
+          <ac:chgData name="Fatima Pillosu" userId="a6295d4dc9e22643" providerId="LiveId" clId="{FDA0979D-FCF3-48BF-A18D-D5D049DAD263}" dt="2025-07-10T14:43:22.010" v="829" actId="1036"/>
+          <ac:spMkLst>
+            <pc:docMk/>
+            <pc:sldMk cId="3829304072" sldId="256"/>
+            <ac:spMk id="37" creationId="{2AF7D3A9-0D14-A42A-5306-169CBA33ADAD}"/>
+          </ac:spMkLst>
+        </pc:spChg>
+        <pc:spChg chg="add mod">
+          <ac:chgData name="Fatima Pillosu" userId="a6295d4dc9e22643" providerId="LiveId" clId="{FDA0979D-FCF3-48BF-A18D-D5D049DAD263}" dt="2025-07-10T14:43:22.010" v="829" actId="1036"/>
+          <ac:spMkLst>
+            <pc:docMk/>
+            <pc:sldMk cId="3829304072" sldId="256"/>
+            <ac:spMk id="38" creationId="{D5B43F26-BC11-13F3-A796-55836A48EBD8}"/>
+          </ac:spMkLst>
+        </pc:spChg>
+        <pc:spChg chg="add mod">
+          <ac:chgData name="Fatima Pillosu" userId="a6295d4dc9e22643" providerId="LiveId" clId="{FDA0979D-FCF3-48BF-A18D-D5D049DAD263}" dt="2025-07-10T14:43:22.010" v="829" actId="1036"/>
+          <ac:spMkLst>
+            <pc:docMk/>
+            <pc:sldMk cId="3829304072" sldId="256"/>
+            <ac:spMk id="39" creationId="{5C335FEE-86F9-A1DF-0480-C5BD84AC8B16}"/>
+          </ac:spMkLst>
+        </pc:spChg>
+        <pc:spChg chg="add mod">
+          <ac:chgData name="Fatima Pillosu" userId="a6295d4dc9e22643" providerId="LiveId" clId="{FDA0979D-FCF3-48BF-A18D-D5D049DAD263}" dt="2025-07-10T14:43:22.010" v="829" actId="1036"/>
+          <ac:spMkLst>
+            <pc:docMk/>
+            <pc:sldMk cId="3829304072" sldId="256"/>
+            <ac:spMk id="40" creationId="{0EA7C0D2-8839-773E-E59C-AB1361216F81}"/>
+          </ac:spMkLst>
+        </pc:spChg>
+        <pc:spChg chg="add mod">
+          <ac:chgData name="Fatima Pillosu" userId="a6295d4dc9e22643" providerId="LiveId" clId="{FDA0979D-FCF3-48BF-A18D-D5D049DAD263}" dt="2025-07-10T14:43:22.010" v="829" actId="1036"/>
+          <ac:spMkLst>
+            <pc:docMk/>
+            <pc:sldMk cId="3829304072" sldId="256"/>
+            <ac:spMk id="41" creationId="{3820E193-BB63-DBF2-2390-BAAB4A3E6E31}"/>
+          </ac:spMkLst>
+        </pc:spChg>
+        <pc:spChg chg="add mod">
+          <ac:chgData name="Fatima Pillosu" userId="a6295d4dc9e22643" providerId="LiveId" clId="{FDA0979D-FCF3-48BF-A18D-D5D049DAD263}" dt="2025-07-10T14:43:22.010" v="829" actId="1036"/>
+          <ac:spMkLst>
+            <pc:docMk/>
+            <pc:sldMk cId="3829304072" sldId="256"/>
+            <ac:spMk id="42" creationId="{04532465-1A1F-43D1-8C13-845C6B8A1732}"/>
+          </ac:spMkLst>
+        </pc:spChg>
+        <pc:spChg chg="add mod">
+          <ac:chgData name="Fatima Pillosu" userId="a6295d4dc9e22643" providerId="LiveId" clId="{FDA0979D-FCF3-48BF-A18D-D5D049DAD263}" dt="2025-07-10T14:43:22.010" v="829" actId="1036"/>
+          <ac:spMkLst>
+            <pc:docMk/>
+            <pc:sldMk cId="3829304072" sldId="256"/>
+            <ac:spMk id="43" creationId="{BBAB9E90-7CA1-1F07-BA50-44CC6719896A}"/>
+          </ac:spMkLst>
+        </pc:spChg>
+        <pc:spChg chg="add mod">
+          <ac:chgData name="Fatima Pillosu" userId="a6295d4dc9e22643" providerId="LiveId" clId="{FDA0979D-FCF3-48BF-A18D-D5D049DAD263}" dt="2025-07-10T14:43:22.010" v="829" actId="1036"/>
+          <ac:spMkLst>
+            <pc:docMk/>
+            <pc:sldMk cId="3829304072" sldId="256"/>
+            <ac:spMk id="44" creationId="{6E096800-DD13-581C-DB3D-446395B3B724}"/>
+          </ac:spMkLst>
+        </pc:spChg>
+        <pc:spChg chg="add mod">
+          <ac:chgData name="Fatima Pillosu" userId="a6295d4dc9e22643" providerId="LiveId" clId="{FDA0979D-FCF3-48BF-A18D-D5D049DAD263}" dt="2025-07-10T14:43:22.010" v="829" actId="1036"/>
+          <ac:spMkLst>
+            <pc:docMk/>
+            <pc:sldMk cId="3829304072" sldId="256"/>
+            <ac:spMk id="45" creationId="{0752D7ED-0886-10DD-F3B1-229C954F0445}"/>
+          </ac:spMkLst>
+        </pc:spChg>
+        <pc:spChg chg="add mod">
+          <ac:chgData name="Fatima Pillosu" userId="a6295d4dc9e22643" providerId="LiveId" clId="{FDA0979D-FCF3-48BF-A18D-D5D049DAD263}" dt="2025-07-10T14:43:22.010" v="829" actId="1036"/>
+          <ac:spMkLst>
+            <pc:docMk/>
+            <pc:sldMk cId="3829304072" sldId="256"/>
+            <ac:spMk id="46" creationId="{5F5043FF-4507-9A78-356F-000AD077DBE8}"/>
+          </ac:spMkLst>
+        </pc:spChg>
+        <pc:spChg chg="add mod">
+          <ac:chgData name="Fatima Pillosu" userId="a6295d4dc9e22643" providerId="LiveId" clId="{FDA0979D-FCF3-48BF-A18D-D5D049DAD263}" dt="2025-07-10T14:43:16.151" v="824" actId="1036"/>
+          <ac:spMkLst>
+            <pc:docMk/>
+            <pc:sldMk cId="3829304072" sldId="256"/>
+            <ac:spMk id="54" creationId="{B14CBCE5-B818-7A35-6F71-E822F2AC63B4}"/>
+          </ac:spMkLst>
+        </pc:spChg>
+        <pc:spChg chg="add mod">
+          <ac:chgData name="Fatima Pillosu" userId="a6295d4dc9e22643" providerId="LiveId" clId="{FDA0979D-FCF3-48BF-A18D-D5D049DAD263}" dt="2025-07-10T14:43:16.151" v="824" actId="1036"/>
+          <ac:spMkLst>
+            <pc:docMk/>
+            <pc:sldMk cId="3829304072" sldId="256"/>
+            <ac:spMk id="56" creationId="{14D925CB-275B-33EA-7D65-0962CECCEDD3}"/>
+          </ac:spMkLst>
+        </pc:spChg>
+        <pc:spChg chg="add mod">
+          <ac:chgData name="Fatima Pillosu" userId="a6295d4dc9e22643" providerId="LiveId" clId="{FDA0979D-FCF3-48BF-A18D-D5D049DAD263}" dt="2025-07-10T14:43:22.010" v="829" actId="1036"/>
+          <ac:spMkLst>
+            <pc:docMk/>
+            <pc:sldMk cId="3829304072" sldId="256"/>
+            <ac:spMk id="58" creationId="{56D055BF-299F-2498-48AD-DF90FC7D5205}"/>
+          </ac:spMkLst>
+        </pc:spChg>
+        <pc:spChg chg="add mod">
+          <ac:chgData name="Fatima Pillosu" userId="a6295d4dc9e22643" providerId="LiveId" clId="{FDA0979D-FCF3-48BF-A18D-D5D049DAD263}" dt="2025-07-10T14:43:22.010" v="829" actId="1036"/>
+          <ac:spMkLst>
+            <pc:docMk/>
+            <pc:sldMk cId="3829304072" sldId="256"/>
+            <ac:spMk id="59" creationId="{C28FD63F-BB9E-AD69-71B9-B973AD33F83F}"/>
+          </ac:spMkLst>
+        </pc:spChg>
         <pc:spChg chg="add del">
           <ac:chgData name="Fatima Pillosu" userId="a6295d4dc9e22643" providerId="LiveId" clId="{FDA0979D-FCF3-48BF-A18D-D5D049DAD263}" dt="2025-07-10T08:45:24.347" v="1" actId="478"/>
           <ac:spMkLst>
@@ -623,6 +879,142 @@
             <ac:spMk id="125" creationId="{5F5043FF-4507-9A78-356F-000AD077DBE8}"/>
           </ac:spMkLst>
         </pc:spChg>
+        <pc:spChg chg="add mod">
+          <ac:chgData name="Fatima Pillosu" userId="a6295d4dc9e22643" providerId="LiveId" clId="{FDA0979D-FCF3-48BF-A18D-D5D049DAD263}" dt="2025-07-10T14:43:22.010" v="829" actId="1036"/>
+          <ac:spMkLst>
+            <pc:docMk/>
+            <pc:sldMk cId="3829304072" sldId="256"/>
+            <ac:spMk id="131" creationId="{48B1BB4E-6C4E-428B-1CAA-32551A7D637F}"/>
+          </ac:spMkLst>
+        </pc:spChg>
+        <pc:spChg chg="add mod">
+          <ac:chgData name="Fatima Pillosu" userId="a6295d4dc9e22643" providerId="LiveId" clId="{FDA0979D-FCF3-48BF-A18D-D5D049DAD263}" dt="2025-07-10T14:43:22.010" v="829" actId="1036"/>
+          <ac:spMkLst>
+            <pc:docMk/>
+            <pc:sldMk cId="3829304072" sldId="256"/>
+            <ac:spMk id="132" creationId="{6A86CF01-D0E3-F046-5F1A-335B8A751FF9}"/>
+          </ac:spMkLst>
+        </pc:spChg>
+        <pc:spChg chg="add mod">
+          <ac:chgData name="Fatima Pillosu" userId="a6295d4dc9e22643" providerId="LiveId" clId="{FDA0979D-FCF3-48BF-A18D-D5D049DAD263}" dt="2025-07-10T14:43:22.010" v="829" actId="1036"/>
+          <ac:spMkLst>
+            <pc:docMk/>
+            <pc:sldMk cId="3829304072" sldId="256"/>
+            <ac:spMk id="133" creationId="{4E7F4EDB-0B5F-ABBD-497C-173455376A2A}"/>
+          </ac:spMkLst>
+        </pc:spChg>
+        <pc:spChg chg="add mod">
+          <ac:chgData name="Fatima Pillosu" userId="a6295d4dc9e22643" providerId="LiveId" clId="{FDA0979D-FCF3-48BF-A18D-D5D049DAD263}" dt="2025-07-10T14:43:22.010" v="829" actId="1036"/>
+          <ac:spMkLst>
+            <pc:docMk/>
+            <pc:sldMk cId="3829304072" sldId="256"/>
+            <ac:spMk id="134" creationId="{EEB0C3C2-3EED-B645-C34B-1C3A61468F43}"/>
+          </ac:spMkLst>
+        </pc:spChg>
+        <pc:spChg chg="add mod">
+          <ac:chgData name="Fatima Pillosu" userId="a6295d4dc9e22643" providerId="LiveId" clId="{FDA0979D-FCF3-48BF-A18D-D5D049DAD263}" dt="2025-07-10T14:43:22.010" v="829" actId="1036"/>
+          <ac:spMkLst>
+            <pc:docMk/>
+            <pc:sldMk cId="3829304072" sldId="256"/>
+            <ac:spMk id="135" creationId="{6FEC7F9F-2C7A-396B-AEEC-B925C19B970E}"/>
+          </ac:spMkLst>
+        </pc:spChg>
+        <pc:spChg chg="add mod">
+          <ac:chgData name="Fatima Pillosu" userId="a6295d4dc9e22643" providerId="LiveId" clId="{FDA0979D-FCF3-48BF-A18D-D5D049DAD263}" dt="2025-07-10T14:43:22.010" v="829" actId="1036"/>
+          <ac:spMkLst>
+            <pc:docMk/>
+            <pc:sldMk cId="3829304072" sldId="256"/>
+            <ac:spMk id="136" creationId="{D8759AE2-5EEE-8728-82D8-5BCE19C4B6BC}"/>
+          </ac:spMkLst>
+        </pc:spChg>
+        <pc:spChg chg="add mod">
+          <ac:chgData name="Fatima Pillosu" userId="a6295d4dc9e22643" providerId="LiveId" clId="{FDA0979D-FCF3-48BF-A18D-D5D049DAD263}" dt="2025-07-10T14:43:22.010" v="829" actId="1036"/>
+          <ac:spMkLst>
+            <pc:docMk/>
+            <pc:sldMk cId="3829304072" sldId="256"/>
+            <ac:spMk id="137" creationId="{0B815309-0BDA-68BF-5443-24159CD35F2E}"/>
+          </ac:spMkLst>
+        </pc:spChg>
+        <pc:spChg chg="add mod">
+          <ac:chgData name="Fatima Pillosu" userId="a6295d4dc9e22643" providerId="LiveId" clId="{FDA0979D-FCF3-48BF-A18D-D5D049DAD263}" dt="2025-07-10T14:43:22.010" v="829" actId="1036"/>
+          <ac:spMkLst>
+            <pc:docMk/>
+            <pc:sldMk cId="3829304072" sldId="256"/>
+            <ac:spMk id="138" creationId="{EB6D2D94-8750-6431-1291-1F096B6190FD}"/>
+          </ac:spMkLst>
+        </pc:spChg>
+        <pc:spChg chg="add mod">
+          <ac:chgData name="Fatima Pillosu" userId="a6295d4dc9e22643" providerId="LiveId" clId="{FDA0979D-FCF3-48BF-A18D-D5D049DAD263}" dt="2025-07-10T14:43:22.010" v="829" actId="1036"/>
+          <ac:spMkLst>
+            <pc:docMk/>
+            <pc:sldMk cId="3829304072" sldId="256"/>
+            <ac:spMk id="139" creationId="{36457D3F-8BF8-12D2-AF79-76238B803265}"/>
+          </ac:spMkLst>
+        </pc:spChg>
+        <pc:spChg chg="add mod">
+          <ac:chgData name="Fatima Pillosu" userId="a6295d4dc9e22643" providerId="LiveId" clId="{FDA0979D-FCF3-48BF-A18D-D5D049DAD263}" dt="2025-07-10T14:43:22.010" v="829" actId="1036"/>
+          <ac:spMkLst>
+            <pc:docMk/>
+            <pc:sldMk cId="3829304072" sldId="256"/>
+            <ac:spMk id="140" creationId="{BFAC298E-30EC-6611-2990-7CB80A58CA76}"/>
+          </ac:spMkLst>
+        </pc:spChg>
+        <pc:spChg chg="add mod">
+          <ac:chgData name="Fatima Pillosu" userId="a6295d4dc9e22643" providerId="LiveId" clId="{FDA0979D-FCF3-48BF-A18D-D5D049DAD263}" dt="2025-07-10T14:44:14.769" v="830" actId="164"/>
+          <ac:spMkLst>
+            <pc:docMk/>
+            <pc:sldMk cId="3829304072" sldId="256"/>
+            <ac:spMk id="141" creationId="{F959B1C1-522A-86B4-600F-28598F1BA02A}"/>
+          </ac:spMkLst>
+        </pc:spChg>
+        <pc:spChg chg="add mod">
+          <ac:chgData name="Fatima Pillosu" userId="a6295d4dc9e22643" providerId="LiveId" clId="{FDA0979D-FCF3-48BF-A18D-D5D049DAD263}" dt="2025-07-10T14:44:14.769" v="830" actId="164"/>
+          <ac:spMkLst>
+            <pc:docMk/>
+            <pc:sldMk cId="3829304072" sldId="256"/>
+            <ac:spMk id="142" creationId="{A3C2AA43-7D01-E39B-C621-FC16CE1CD069}"/>
+          </ac:spMkLst>
+        </pc:spChg>
+        <pc:spChg chg="add mod">
+          <ac:chgData name="Fatima Pillosu" userId="a6295d4dc9e22643" providerId="LiveId" clId="{FDA0979D-FCF3-48BF-A18D-D5D049DAD263}" dt="2025-07-10T14:44:14.769" v="830" actId="164"/>
+          <ac:spMkLst>
+            <pc:docMk/>
+            <pc:sldMk cId="3829304072" sldId="256"/>
+            <ac:spMk id="143" creationId="{77CF0A1E-E8C5-FA22-B5E2-42111D50D28F}"/>
+          </ac:spMkLst>
+        </pc:spChg>
+        <pc:spChg chg="add mod">
+          <ac:chgData name="Fatima Pillosu" userId="a6295d4dc9e22643" providerId="LiveId" clId="{FDA0979D-FCF3-48BF-A18D-D5D049DAD263}" dt="2025-07-10T14:44:14.769" v="830" actId="164"/>
+          <ac:spMkLst>
+            <pc:docMk/>
+            <pc:sldMk cId="3829304072" sldId="256"/>
+            <ac:spMk id="144" creationId="{93B9BE9E-8BE0-0CC2-C17F-8C8514BC17B2}"/>
+          </ac:spMkLst>
+        </pc:spChg>
+        <pc:spChg chg="add mod">
+          <ac:chgData name="Fatima Pillosu" userId="a6295d4dc9e22643" providerId="LiveId" clId="{FDA0979D-FCF3-48BF-A18D-D5D049DAD263}" dt="2025-07-10T14:44:14.769" v="830" actId="164"/>
+          <ac:spMkLst>
+            <pc:docMk/>
+            <pc:sldMk cId="3829304072" sldId="256"/>
+            <ac:spMk id="145" creationId="{1EC539E1-A3FB-C75B-3E46-4D6B1444A1B1}"/>
+          </ac:spMkLst>
+        </pc:spChg>
+        <pc:spChg chg="add mod">
+          <ac:chgData name="Fatima Pillosu" userId="a6295d4dc9e22643" providerId="LiveId" clId="{FDA0979D-FCF3-48BF-A18D-D5D049DAD263}" dt="2025-07-10T14:44:14.769" v="830" actId="164"/>
+          <ac:spMkLst>
+            <pc:docMk/>
+            <pc:sldMk cId="3829304072" sldId="256"/>
+            <ac:spMk id="146" creationId="{A390E18E-6C70-F72C-F2FB-B9F54055E83E}"/>
+          </ac:spMkLst>
+        </pc:spChg>
+        <pc:spChg chg="add mod">
+          <ac:chgData name="Fatima Pillosu" userId="a6295d4dc9e22643" providerId="LiveId" clId="{FDA0979D-FCF3-48BF-A18D-D5D049DAD263}" dt="2025-07-10T14:44:14.769" v="830" actId="164"/>
+          <ac:spMkLst>
+            <pc:docMk/>
+            <pc:sldMk cId="3829304072" sldId="256"/>
+            <ac:spMk id="147" creationId="{C25B0ECE-5041-D514-3CA1-6D1C5EA1C90A}"/>
+          </ac:spMkLst>
+        </pc:spChg>
         <pc:spChg chg="add del mod">
           <ac:chgData name="Fatima Pillosu" userId="a6295d4dc9e22643" providerId="LiveId" clId="{FDA0979D-FCF3-48BF-A18D-D5D049DAD263}" dt="2025-07-10T08:52:28.060" v="336" actId="21"/>
           <ac:spMkLst>
@@ -639,6 +1031,30 @@
             <ac:spMk id="157" creationId="{14D925CB-275B-33EA-7D65-0962CECCEDD3}"/>
           </ac:spMkLst>
         </pc:spChg>
+        <pc:spChg chg="mod">
+          <ac:chgData name="Fatima Pillosu" userId="a6295d4dc9e22643" providerId="LiveId" clId="{FDA0979D-FCF3-48BF-A18D-D5D049DAD263}" dt="2025-07-10T14:44:17.855" v="831"/>
+          <ac:spMkLst>
+            <pc:docMk/>
+            <pc:sldMk cId="3829304072" sldId="256"/>
+            <ac:spMk id="157" creationId="{FEE8368E-CE89-0F85-012A-85640739907F}"/>
+          </ac:spMkLst>
+        </pc:spChg>
+        <pc:spChg chg="mod">
+          <ac:chgData name="Fatima Pillosu" userId="a6295d4dc9e22643" providerId="LiveId" clId="{FDA0979D-FCF3-48BF-A18D-D5D049DAD263}" dt="2025-07-10T14:44:17.855" v="831"/>
+          <ac:spMkLst>
+            <pc:docMk/>
+            <pc:sldMk cId="3829304072" sldId="256"/>
+            <ac:spMk id="158" creationId="{44C49D3B-E39B-73A6-1604-4157D6E162A7}"/>
+          </ac:spMkLst>
+        </pc:spChg>
+        <pc:spChg chg="mod">
+          <ac:chgData name="Fatima Pillosu" userId="a6295d4dc9e22643" providerId="LiveId" clId="{FDA0979D-FCF3-48BF-A18D-D5D049DAD263}" dt="2025-07-10T14:44:17.855" v="831"/>
+          <ac:spMkLst>
+            <pc:docMk/>
+            <pc:sldMk cId="3829304072" sldId="256"/>
+            <ac:spMk id="159" creationId="{4508F22C-56AE-0192-3ECC-5913FA647FF1}"/>
+          </ac:spMkLst>
+        </pc:spChg>
         <pc:spChg chg="add del">
           <ac:chgData name="Fatima Pillosu" userId="a6295d4dc9e22643" providerId="LiveId" clId="{FDA0979D-FCF3-48BF-A18D-D5D049DAD263}" dt="2025-07-10T08:52:25.515" v="335" actId="478"/>
           <ac:spMkLst>
@@ -647,238 +1063,350 @@
             <ac:spMk id="159" creationId="{76E352D0-22BF-3CE2-45A8-A0D590146C3B}"/>
           </ac:spMkLst>
         </pc:spChg>
-        <pc:spChg chg="add mod">
-          <ac:chgData name="Fatima Pillosu" userId="a6295d4dc9e22643" providerId="LiveId" clId="{FDA0979D-FCF3-48BF-A18D-D5D049DAD263}" dt="2025-07-10T11:01:30.714" v="355"/>
+        <pc:spChg chg="add del mod">
+          <ac:chgData name="Fatima Pillosu" userId="a6295d4dc9e22643" providerId="LiveId" clId="{FDA0979D-FCF3-48BF-A18D-D5D049DAD263}" dt="2025-07-10T14:42:49.684" v="803" actId="21"/>
           <ac:spMkLst>
             <pc:docMk/>
             <pc:sldMk cId="3829304072" sldId="256"/>
             <ac:spMk id="162" creationId="{9871467D-0D41-3DE2-7548-6C7AC226404F}"/>
           </ac:spMkLst>
         </pc:spChg>
-        <pc:spChg chg="add mod">
-          <ac:chgData name="Fatima Pillosu" userId="a6295d4dc9e22643" providerId="LiveId" clId="{FDA0979D-FCF3-48BF-A18D-D5D049DAD263}" dt="2025-07-10T08:52:42.157" v="338" actId="1036"/>
+        <pc:spChg chg="add del mod">
+          <ac:chgData name="Fatima Pillosu" userId="a6295d4dc9e22643" providerId="LiveId" clId="{FDA0979D-FCF3-48BF-A18D-D5D049DAD263}" dt="2025-07-10T14:42:49.684" v="803" actId="21"/>
           <ac:spMkLst>
             <pc:docMk/>
             <pc:sldMk cId="3829304072" sldId="256"/>
             <ac:spMk id="163" creationId="{8A1DCA13-5A05-B0DA-DC5F-7F04552704C2}"/>
           </ac:spMkLst>
         </pc:spChg>
-        <pc:spChg chg="add mod">
-          <ac:chgData name="Fatima Pillosu" userId="a6295d4dc9e22643" providerId="LiveId" clId="{FDA0979D-FCF3-48BF-A18D-D5D049DAD263}" dt="2025-07-10T08:52:42.157" v="338" actId="1036"/>
+        <pc:spChg chg="add del mod">
+          <ac:chgData name="Fatima Pillosu" userId="a6295d4dc9e22643" providerId="LiveId" clId="{FDA0979D-FCF3-48BF-A18D-D5D049DAD263}" dt="2025-07-10T14:42:49.684" v="803" actId="21"/>
           <ac:spMkLst>
             <pc:docMk/>
             <pc:sldMk cId="3829304072" sldId="256"/>
             <ac:spMk id="164" creationId="{7524E92B-41E5-BE9B-9C15-3276156CFC56}"/>
           </ac:spMkLst>
         </pc:spChg>
-        <pc:spChg chg="add mod">
-          <ac:chgData name="Fatima Pillosu" userId="a6295d4dc9e22643" providerId="LiveId" clId="{FDA0979D-FCF3-48BF-A18D-D5D049DAD263}" dt="2025-07-10T08:52:42.157" v="338" actId="1036"/>
+        <pc:spChg chg="add del mod">
+          <ac:chgData name="Fatima Pillosu" userId="a6295d4dc9e22643" providerId="LiveId" clId="{FDA0979D-FCF3-48BF-A18D-D5D049DAD263}" dt="2025-07-10T14:42:49.684" v="803" actId="21"/>
           <ac:spMkLst>
             <pc:docMk/>
             <pc:sldMk cId="3829304072" sldId="256"/>
             <ac:spMk id="165" creationId="{CE31CED2-52A1-08CC-4307-379FA4392489}"/>
           </ac:spMkLst>
         </pc:spChg>
-        <pc:spChg chg="add mod">
-          <ac:chgData name="Fatima Pillosu" userId="a6295d4dc9e22643" providerId="LiveId" clId="{FDA0979D-FCF3-48BF-A18D-D5D049DAD263}" dt="2025-07-10T08:52:42.157" v="338" actId="1036"/>
+        <pc:spChg chg="add del mod">
+          <ac:chgData name="Fatima Pillosu" userId="a6295d4dc9e22643" providerId="LiveId" clId="{FDA0979D-FCF3-48BF-A18D-D5D049DAD263}" dt="2025-07-10T14:42:49.684" v="803" actId="21"/>
           <ac:spMkLst>
             <pc:docMk/>
             <pc:sldMk cId="3829304072" sldId="256"/>
             <ac:spMk id="166" creationId="{AAB84623-40FA-D0F8-CB9B-42608D1B7BB5}"/>
           </ac:spMkLst>
         </pc:spChg>
-        <pc:spChg chg="add mod">
-          <ac:chgData name="Fatima Pillosu" userId="a6295d4dc9e22643" providerId="LiveId" clId="{FDA0979D-FCF3-48BF-A18D-D5D049DAD263}" dt="2025-07-10T08:52:42.157" v="338" actId="1036"/>
+        <pc:spChg chg="add del mod">
+          <ac:chgData name="Fatima Pillosu" userId="a6295d4dc9e22643" providerId="LiveId" clId="{FDA0979D-FCF3-48BF-A18D-D5D049DAD263}" dt="2025-07-10T14:42:49.684" v="803" actId="21"/>
           <ac:spMkLst>
             <pc:docMk/>
             <pc:sldMk cId="3829304072" sldId="256"/>
             <ac:spMk id="167" creationId="{0C1FBA06-B667-EC2B-9B3F-24201CE3E9D5}"/>
           </ac:spMkLst>
         </pc:spChg>
-        <pc:spChg chg="add mod">
-          <ac:chgData name="Fatima Pillosu" userId="a6295d4dc9e22643" providerId="LiveId" clId="{FDA0979D-FCF3-48BF-A18D-D5D049DAD263}" dt="2025-07-10T08:52:42.157" v="338" actId="1036"/>
+        <pc:spChg chg="add del mod">
+          <ac:chgData name="Fatima Pillosu" userId="a6295d4dc9e22643" providerId="LiveId" clId="{FDA0979D-FCF3-48BF-A18D-D5D049DAD263}" dt="2025-07-10T14:42:49.684" v="803" actId="21"/>
           <ac:spMkLst>
             <pc:docMk/>
             <pc:sldMk cId="3829304072" sldId="256"/>
             <ac:spMk id="168" creationId="{224B07A3-CA72-DB35-A371-2567F5963C86}"/>
           </ac:spMkLst>
         </pc:spChg>
-        <pc:spChg chg="add mod">
-          <ac:chgData name="Fatima Pillosu" userId="a6295d4dc9e22643" providerId="LiveId" clId="{FDA0979D-FCF3-48BF-A18D-D5D049DAD263}" dt="2025-07-10T08:52:42.157" v="338" actId="1036"/>
+        <pc:spChg chg="add del mod">
+          <ac:chgData name="Fatima Pillosu" userId="a6295d4dc9e22643" providerId="LiveId" clId="{FDA0979D-FCF3-48BF-A18D-D5D049DAD263}" dt="2025-07-10T14:42:49.684" v="803" actId="21"/>
           <ac:spMkLst>
             <pc:docMk/>
             <pc:sldMk cId="3829304072" sldId="256"/>
             <ac:spMk id="169" creationId="{7B1469EB-6272-5CF2-9772-F044D8EDE1DD}"/>
           </ac:spMkLst>
         </pc:spChg>
-        <pc:spChg chg="add mod">
-          <ac:chgData name="Fatima Pillosu" userId="a6295d4dc9e22643" providerId="LiveId" clId="{FDA0979D-FCF3-48BF-A18D-D5D049DAD263}" dt="2025-07-10T08:52:42.157" v="338" actId="1036"/>
+        <pc:spChg chg="add del mod">
+          <ac:chgData name="Fatima Pillosu" userId="a6295d4dc9e22643" providerId="LiveId" clId="{FDA0979D-FCF3-48BF-A18D-D5D049DAD263}" dt="2025-07-10T14:42:49.684" v="803" actId="21"/>
           <ac:spMkLst>
             <pc:docMk/>
             <pc:sldMk cId="3829304072" sldId="256"/>
             <ac:spMk id="170" creationId="{1ECB7435-E064-1E9B-0FF1-FC41EFCE2178}"/>
           </ac:spMkLst>
         </pc:spChg>
-        <pc:spChg chg="add mod">
-          <ac:chgData name="Fatima Pillosu" userId="a6295d4dc9e22643" providerId="LiveId" clId="{FDA0979D-FCF3-48BF-A18D-D5D049DAD263}" dt="2025-07-10T08:52:42.157" v="338" actId="1036"/>
+        <pc:spChg chg="add del mod">
+          <ac:chgData name="Fatima Pillosu" userId="a6295d4dc9e22643" providerId="LiveId" clId="{FDA0979D-FCF3-48BF-A18D-D5D049DAD263}" dt="2025-07-10T14:42:49.684" v="803" actId="21"/>
           <ac:spMkLst>
             <pc:docMk/>
             <pc:sldMk cId="3829304072" sldId="256"/>
             <ac:spMk id="171" creationId="{2BB238A4-8152-65E1-3BEA-185CF6B4DD96}"/>
           </ac:spMkLst>
         </pc:spChg>
-        <pc:spChg chg="add mod">
-          <ac:chgData name="Fatima Pillosu" userId="a6295d4dc9e22643" providerId="LiveId" clId="{FDA0979D-FCF3-48BF-A18D-D5D049DAD263}" dt="2025-07-10T08:52:42.157" v="338" actId="1036"/>
+        <pc:spChg chg="add del mod">
+          <ac:chgData name="Fatima Pillosu" userId="a6295d4dc9e22643" providerId="LiveId" clId="{FDA0979D-FCF3-48BF-A18D-D5D049DAD263}" dt="2025-07-10T14:42:49.684" v="803" actId="21"/>
           <ac:spMkLst>
             <pc:docMk/>
             <pc:sldMk cId="3829304072" sldId="256"/>
             <ac:spMk id="172" creationId="{8A099BDB-6D80-BBA4-164C-C69FE60FAC68}"/>
           </ac:spMkLst>
         </pc:spChg>
-        <pc:spChg chg="add mod">
-          <ac:chgData name="Fatima Pillosu" userId="a6295d4dc9e22643" providerId="LiveId" clId="{FDA0979D-FCF3-48BF-A18D-D5D049DAD263}" dt="2025-07-10T08:52:42.157" v="338" actId="1036"/>
+        <pc:spChg chg="add del mod">
+          <ac:chgData name="Fatima Pillosu" userId="a6295d4dc9e22643" providerId="LiveId" clId="{FDA0979D-FCF3-48BF-A18D-D5D049DAD263}" dt="2025-07-10T14:42:49.684" v="803" actId="21"/>
           <ac:spMkLst>
             <pc:docMk/>
             <pc:sldMk cId="3829304072" sldId="256"/>
             <ac:spMk id="173" creationId="{2AF7D3A9-0D14-A42A-5306-169CBA33ADAD}"/>
           </ac:spMkLst>
         </pc:spChg>
-        <pc:spChg chg="add mod">
-          <ac:chgData name="Fatima Pillosu" userId="a6295d4dc9e22643" providerId="LiveId" clId="{FDA0979D-FCF3-48BF-A18D-D5D049DAD263}" dt="2025-07-10T08:52:42.157" v="338" actId="1036"/>
+        <pc:spChg chg="add del mod ord">
+          <ac:chgData name="Fatima Pillosu" userId="a6295d4dc9e22643" providerId="LiveId" clId="{FDA0979D-FCF3-48BF-A18D-D5D049DAD263}" dt="2025-07-10T14:42:49.684" v="803" actId="21"/>
           <ac:spMkLst>
             <pc:docMk/>
             <pc:sldMk cId="3829304072" sldId="256"/>
             <ac:spMk id="174" creationId="{4E7F4EDB-0B5F-ABBD-497C-173455376A2A}"/>
           </ac:spMkLst>
         </pc:spChg>
-        <pc:spChg chg="add mod">
-          <ac:chgData name="Fatima Pillosu" userId="a6295d4dc9e22643" providerId="LiveId" clId="{FDA0979D-FCF3-48BF-A18D-D5D049DAD263}" dt="2025-07-10T08:52:42.157" v="338" actId="1036"/>
+        <pc:spChg chg="add del mod ord">
+          <ac:chgData name="Fatima Pillosu" userId="a6295d4dc9e22643" providerId="LiveId" clId="{FDA0979D-FCF3-48BF-A18D-D5D049DAD263}" dt="2025-07-10T14:42:49.684" v="803" actId="21"/>
           <ac:spMkLst>
             <pc:docMk/>
             <pc:sldMk cId="3829304072" sldId="256"/>
             <ac:spMk id="175" creationId="{EEB0C3C2-3EED-B645-C34B-1C3A61468F43}"/>
           </ac:spMkLst>
         </pc:spChg>
-        <pc:spChg chg="add mod">
-          <ac:chgData name="Fatima Pillosu" userId="a6295d4dc9e22643" providerId="LiveId" clId="{FDA0979D-FCF3-48BF-A18D-D5D049DAD263}" dt="2025-07-10T08:52:42.157" v="338" actId="1036"/>
+        <pc:spChg chg="add del mod ord">
+          <ac:chgData name="Fatima Pillosu" userId="a6295d4dc9e22643" providerId="LiveId" clId="{FDA0979D-FCF3-48BF-A18D-D5D049DAD263}" dt="2025-07-10T14:42:49.684" v="803" actId="21"/>
           <ac:spMkLst>
             <pc:docMk/>
             <pc:sldMk cId="3829304072" sldId="256"/>
             <ac:spMk id="176" creationId="{6FEC7F9F-2C7A-396B-AEEC-B925C19B970E}"/>
           </ac:spMkLst>
         </pc:spChg>
-        <pc:spChg chg="add mod">
-          <ac:chgData name="Fatima Pillosu" userId="a6295d4dc9e22643" providerId="LiveId" clId="{FDA0979D-FCF3-48BF-A18D-D5D049DAD263}" dt="2025-07-10T08:52:42.157" v="338" actId="1036"/>
+        <pc:spChg chg="add del mod">
+          <ac:chgData name="Fatima Pillosu" userId="a6295d4dc9e22643" providerId="LiveId" clId="{FDA0979D-FCF3-48BF-A18D-D5D049DAD263}" dt="2025-07-10T14:42:49.684" v="803" actId="21"/>
           <ac:spMkLst>
             <pc:docMk/>
             <pc:sldMk cId="3829304072" sldId="256"/>
             <ac:spMk id="177" creationId="{D5B43F26-BC11-13F3-A796-55836A48EBD8}"/>
           </ac:spMkLst>
         </pc:spChg>
-        <pc:spChg chg="add mod">
-          <ac:chgData name="Fatima Pillosu" userId="a6295d4dc9e22643" providerId="LiveId" clId="{FDA0979D-FCF3-48BF-A18D-D5D049DAD263}" dt="2025-07-10T08:52:42.157" v="338" actId="1036"/>
+        <pc:spChg chg="add del mod">
+          <ac:chgData name="Fatima Pillosu" userId="a6295d4dc9e22643" providerId="LiveId" clId="{FDA0979D-FCF3-48BF-A18D-D5D049DAD263}" dt="2025-07-10T14:42:49.684" v="803" actId="21"/>
           <ac:spMkLst>
             <pc:docMk/>
             <pc:sldMk cId="3829304072" sldId="256"/>
             <ac:spMk id="178" creationId="{5C335FEE-86F9-A1DF-0480-C5BD84AC8B16}"/>
           </ac:spMkLst>
         </pc:spChg>
-        <pc:spChg chg="add mod">
-          <ac:chgData name="Fatima Pillosu" userId="a6295d4dc9e22643" providerId="LiveId" clId="{FDA0979D-FCF3-48BF-A18D-D5D049DAD263}" dt="2025-07-10T08:52:42.157" v="338" actId="1036"/>
+        <pc:spChg chg="add del mod">
+          <ac:chgData name="Fatima Pillosu" userId="a6295d4dc9e22643" providerId="LiveId" clId="{FDA0979D-FCF3-48BF-A18D-D5D049DAD263}" dt="2025-07-10T14:42:49.684" v="803" actId="21"/>
           <ac:spMkLst>
             <pc:docMk/>
             <pc:sldMk cId="3829304072" sldId="256"/>
             <ac:spMk id="179" creationId="{0EA7C0D2-8839-773E-E59C-AB1361216F81}"/>
           </ac:spMkLst>
         </pc:spChg>
-        <pc:spChg chg="add mod">
-          <ac:chgData name="Fatima Pillosu" userId="a6295d4dc9e22643" providerId="LiveId" clId="{FDA0979D-FCF3-48BF-A18D-D5D049DAD263}" dt="2025-07-10T08:52:42.157" v="338" actId="1036"/>
+        <pc:spChg chg="add del mod">
+          <ac:chgData name="Fatima Pillosu" userId="a6295d4dc9e22643" providerId="LiveId" clId="{FDA0979D-FCF3-48BF-A18D-D5D049DAD263}" dt="2025-07-10T14:42:49.684" v="803" actId="21"/>
           <ac:spMkLst>
             <pc:docMk/>
             <pc:sldMk cId="3829304072" sldId="256"/>
             <ac:spMk id="180" creationId="{3820E193-BB63-DBF2-2390-BAAB4A3E6E31}"/>
           </ac:spMkLst>
         </pc:spChg>
-        <pc:spChg chg="add mod">
-          <ac:chgData name="Fatima Pillosu" userId="a6295d4dc9e22643" providerId="LiveId" clId="{FDA0979D-FCF3-48BF-A18D-D5D049DAD263}" dt="2025-07-10T08:52:42.157" v="338" actId="1036"/>
+        <pc:spChg chg="add del mod">
+          <ac:chgData name="Fatima Pillosu" userId="a6295d4dc9e22643" providerId="LiveId" clId="{FDA0979D-FCF3-48BF-A18D-D5D049DAD263}" dt="2025-07-10T14:42:49.684" v="803" actId="21"/>
           <ac:spMkLst>
             <pc:docMk/>
             <pc:sldMk cId="3829304072" sldId="256"/>
             <ac:spMk id="181" creationId="{04532465-1A1F-43D1-8C13-845C6B8A1732}"/>
           </ac:spMkLst>
         </pc:spChg>
-        <pc:spChg chg="add mod">
-          <ac:chgData name="Fatima Pillosu" userId="a6295d4dc9e22643" providerId="LiveId" clId="{FDA0979D-FCF3-48BF-A18D-D5D049DAD263}" dt="2025-07-10T08:52:42.157" v="338" actId="1036"/>
+        <pc:spChg chg="add del mod">
+          <ac:chgData name="Fatima Pillosu" userId="a6295d4dc9e22643" providerId="LiveId" clId="{FDA0979D-FCF3-48BF-A18D-D5D049DAD263}" dt="2025-07-10T14:42:49.684" v="803" actId="21"/>
           <ac:spMkLst>
             <pc:docMk/>
             <pc:sldMk cId="3829304072" sldId="256"/>
             <ac:spMk id="182" creationId="{BBAB9E90-7CA1-1F07-BA50-44CC6719896A}"/>
           </ac:spMkLst>
         </pc:spChg>
-        <pc:spChg chg="add mod">
-          <ac:chgData name="Fatima Pillosu" userId="a6295d4dc9e22643" providerId="LiveId" clId="{FDA0979D-FCF3-48BF-A18D-D5D049DAD263}" dt="2025-07-10T08:52:42.157" v="338" actId="1036"/>
+        <pc:spChg chg="add del mod ord">
+          <ac:chgData name="Fatima Pillosu" userId="a6295d4dc9e22643" providerId="LiveId" clId="{FDA0979D-FCF3-48BF-A18D-D5D049DAD263}" dt="2025-07-10T14:42:49.684" v="803" actId="21"/>
           <ac:spMkLst>
             <pc:docMk/>
             <pc:sldMk cId="3829304072" sldId="256"/>
             <ac:spMk id="183" creationId="{D8759AE2-5EEE-8728-82D8-5BCE19C4B6BC}"/>
           </ac:spMkLst>
         </pc:spChg>
-        <pc:spChg chg="add mod">
-          <ac:chgData name="Fatima Pillosu" userId="a6295d4dc9e22643" providerId="LiveId" clId="{FDA0979D-FCF3-48BF-A18D-D5D049DAD263}" dt="2025-07-10T08:52:42.157" v="338" actId="1036"/>
+        <pc:spChg chg="add del mod">
+          <ac:chgData name="Fatima Pillosu" userId="a6295d4dc9e22643" providerId="LiveId" clId="{FDA0979D-FCF3-48BF-A18D-D5D049DAD263}" dt="2025-07-10T14:42:49.684" v="803" actId="21"/>
           <ac:spMkLst>
             <pc:docMk/>
             <pc:sldMk cId="3829304072" sldId="256"/>
             <ac:spMk id="184" creationId="{6E096800-DD13-581C-DB3D-446395B3B724}"/>
           </ac:spMkLst>
         </pc:spChg>
-        <pc:spChg chg="add mod">
-          <ac:chgData name="Fatima Pillosu" userId="a6295d4dc9e22643" providerId="LiveId" clId="{FDA0979D-FCF3-48BF-A18D-D5D049DAD263}" dt="2025-07-10T08:52:42.157" v="338" actId="1036"/>
+        <pc:spChg chg="add del mod">
+          <ac:chgData name="Fatima Pillosu" userId="a6295d4dc9e22643" providerId="LiveId" clId="{FDA0979D-FCF3-48BF-A18D-D5D049DAD263}" dt="2025-07-10T14:42:49.684" v="803" actId="21"/>
           <ac:spMkLst>
             <pc:docMk/>
             <pc:sldMk cId="3829304072" sldId="256"/>
             <ac:spMk id="185" creationId="{0752D7ED-0886-10DD-F3B1-229C954F0445}"/>
           </ac:spMkLst>
         </pc:spChg>
-        <pc:spChg chg="add mod">
-          <ac:chgData name="Fatima Pillosu" userId="a6295d4dc9e22643" providerId="LiveId" clId="{FDA0979D-FCF3-48BF-A18D-D5D049DAD263}" dt="2025-07-10T08:52:42.157" v="338" actId="1036"/>
+        <pc:spChg chg="add del mod ord">
+          <ac:chgData name="Fatima Pillosu" userId="a6295d4dc9e22643" providerId="LiveId" clId="{FDA0979D-FCF3-48BF-A18D-D5D049DAD263}" dt="2025-07-10T14:42:49.684" v="803" actId="21"/>
           <ac:spMkLst>
             <pc:docMk/>
             <pc:sldMk cId="3829304072" sldId="256"/>
             <ac:spMk id="186" creationId="{0B815309-0BDA-68BF-5443-24159CD35F2E}"/>
           </ac:spMkLst>
         </pc:spChg>
-        <pc:spChg chg="add mod">
-          <ac:chgData name="Fatima Pillosu" userId="a6295d4dc9e22643" providerId="LiveId" clId="{FDA0979D-FCF3-48BF-A18D-D5D049DAD263}" dt="2025-07-10T08:52:42.157" v="338" actId="1036"/>
+        <pc:spChg chg="add del mod ord">
+          <ac:chgData name="Fatima Pillosu" userId="a6295d4dc9e22643" providerId="LiveId" clId="{FDA0979D-FCF3-48BF-A18D-D5D049DAD263}" dt="2025-07-10T14:42:49.684" v="803" actId="21"/>
           <ac:spMkLst>
             <pc:docMk/>
             <pc:sldMk cId="3829304072" sldId="256"/>
             <ac:spMk id="187" creationId="{EB6D2D94-8750-6431-1291-1F096B6190FD}"/>
           </ac:spMkLst>
         </pc:spChg>
-        <pc:spChg chg="add mod">
-          <ac:chgData name="Fatima Pillosu" userId="a6295d4dc9e22643" providerId="LiveId" clId="{FDA0979D-FCF3-48BF-A18D-D5D049DAD263}" dt="2025-07-10T08:52:42.157" v="338" actId="1036"/>
+        <pc:spChg chg="add del mod">
+          <ac:chgData name="Fatima Pillosu" userId="a6295d4dc9e22643" providerId="LiveId" clId="{FDA0979D-FCF3-48BF-A18D-D5D049DAD263}" dt="2025-07-10T14:42:49.684" v="803" actId="21"/>
           <ac:spMkLst>
             <pc:docMk/>
             <pc:sldMk cId="3829304072" sldId="256"/>
             <ac:spMk id="188" creationId="{5F5043FF-4507-9A78-356F-000AD077DBE8}"/>
           </ac:spMkLst>
         </pc:spChg>
-        <pc:spChg chg="add mod">
-          <ac:chgData name="Fatima Pillosu" userId="a6295d4dc9e22643" providerId="LiveId" clId="{FDA0979D-FCF3-48BF-A18D-D5D049DAD263}" dt="2025-07-10T11:09:19.830" v="367" actId="20577"/>
+        <pc:spChg chg="add del mod">
+          <ac:chgData name="Fatima Pillosu" userId="a6295d4dc9e22643" providerId="LiveId" clId="{FDA0979D-FCF3-48BF-A18D-D5D049DAD263}" dt="2025-07-10T14:42:49.684" v="803" actId="21"/>
           <ac:spMkLst>
             <pc:docMk/>
             <pc:sldMk cId="3829304072" sldId="256"/>
             <ac:spMk id="217" creationId="{B14CBCE5-B818-7A35-6F71-E822F2AC63B4}"/>
           </ac:spMkLst>
         </pc:spChg>
-        <pc:spChg chg="add mod">
-          <ac:chgData name="Fatima Pillosu" userId="a6295d4dc9e22643" providerId="LiveId" clId="{FDA0979D-FCF3-48BF-A18D-D5D049DAD263}" dt="2025-07-10T08:52:58.291" v="340" actId="1035"/>
+        <pc:spChg chg="add del mod">
+          <ac:chgData name="Fatima Pillosu" userId="a6295d4dc9e22643" providerId="LiveId" clId="{FDA0979D-FCF3-48BF-A18D-D5D049DAD263}" dt="2025-07-10T14:42:49.684" v="803" actId="21"/>
           <ac:spMkLst>
             <pc:docMk/>
             <pc:sldMk cId="3829304072" sldId="256"/>
             <ac:spMk id="219" creationId="{14D925CB-275B-33EA-7D65-0962CECCEDD3}"/>
           </ac:spMkLst>
         </pc:spChg>
+        <pc:spChg chg="mod">
+          <ac:chgData name="Fatima Pillosu" userId="a6295d4dc9e22643" providerId="LiveId" clId="{FDA0979D-FCF3-48BF-A18D-D5D049DAD263}" dt="2025-07-10T14:44:17.855" v="831"/>
+          <ac:spMkLst>
+            <pc:docMk/>
+            <pc:sldMk cId="3829304072" sldId="256"/>
+            <ac:spMk id="221" creationId="{7A5ACFF5-B593-5258-0AA8-4338CB1D7B7F}"/>
+          </ac:spMkLst>
+        </pc:spChg>
+        <pc:spChg chg="mod">
+          <ac:chgData name="Fatima Pillosu" userId="a6295d4dc9e22643" providerId="LiveId" clId="{FDA0979D-FCF3-48BF-A18D-D5D049DAD263}" dt="2025-07-10T14:44:17.855" v="831"/>
+          <ac:spMkLst>
+            <pc:docMk/>
+            <pc:sldMk cId="3829304072" sldId="256"/>
+            <ac:spMk id="222" creationId="{7E7D005F-C4F2-504F-8DF8-F8B9E2992679}"/>
+          </ac:spMkLst>
+        </pc:spChg>
+        <pc:spChg chg="mod">
+          <ac:chgData name="Fatima Pillosu" userId="a6295d4dc9e22643" providerId="LiveId" clId="{FDA0979D-FCF3-48BF-A18D-D5D049DAD263}" dt="2025-07-10T14:44:17.855" v="831"/>
+          <ac:spMkLst>
+            <pc:docMk/>
+            <pc:sldMk cId="3829304072" sldId="256"/>
+            <ac:spMk id="223" creationId="{E3897602-E572-4F2A-1E2C-94FE50A334FD}"/>
+          </ac:spMkLst>
+        </pc:spChg>
+        <pc:spChg chg="mod">
+          <ac:chgData name="Fatima Pillosu" userId="a6295d4dc9e22643" providerId="LiveId" clId="{FDA0979D-FCF3-48BF-A18D-D5D049DAD263}" dt="2025-07-10T14:44:17.855" v="831"/>
+          <ac:spMkLst>
+            <pc:docMk/>
+            <pc:sldMk cId="3829304072" sldId="256"/>
+            <ac:spMk id="224" creationId="{845C521F-8D9E-AC60-12CA-DA0D6390F82C}"/>
+          </ac:spMkLst>
+        </pc:spChg>
+        <pc:spChg chg="mod">
+          <ac:chgData name="Fatima Pillosu" userId="a6295d4dc9e22643" providerId="LiveId" clId="{FDA0979D-FCF3-48BF-A18D-D5D049DAD263}" dt="2025-07-10T14:44:26.600" v="833"/>
+          <ac:spMkLst>
+            <pc:docMk/>
+            <pc:sldMk cId="3829304072" sldId="256"/>
+            <ac:spMk id="233" creationId="{F7112DAD-8B6D-848E-C159-33BC61E263FE}"/>
+          </ac:spMkLst>
+        </pc:spChg>
+        <pc:spChg chg="mod">
+          <ac:chgData name="Fatima Pillosu" userId="a6295d4dc9e22643" providerId="LiveId" clId="{FDA0979D-FCF3-48BF-A18D-D5D049DAD263}" dt="2025-07-10T14:44:26.600" v="833"/>
+          <ac:spMkLst>
+            <pc:docMk/>
+            <pc:sldMk cId="3829304072" sldId="256"/>
+            <ac:spMk id="234" creationId="{AAFE7917-4217-3AD5-26B2-9E1B2E20EAAC}"/>
+          </ac:spMkLst>
+        </pc:spChg>
+        <pc:spChg chg="mod">
+          <ac:chgData name="Fatima Pillosu" userId="a6295d4dc9e22643" providerId="LiveId" clId="{FDA0979D-FCF3-48BF-A18D-D5D049DAD263}" dt="2025-07-10T14:44:26.600" v="833"/>
+          <ac:spMkLst>
+            <pc:docMk/>
+            <pc:sldMk cId="3829304072" sldId="256"/>
+            <ac:spMk id="235" creationId="{14E2A411-2E78-FCFE-BDE1-0AA7A7D1177A}"/>
+          </ac:spMkLst>
+        </pc:spChg>
+        <pc:spChg chg="mod">
+          <ac:chgData name="Fatima Pillosu" userId="a6295d4dc9e22643" providerId="LiveId" clId="{FDA0979D-FCF3-48BF-A18D-D5D049DAD263}" dt="2025-07-10T14:44:26.600" v="833"/>
+          <ac:spMkLst>
+            <pc:docMk/>
+            <pc:sldMk cId="3829304072" sldId="256"/>
+            <ac:spMk id="236" creationId="{B709ADF5-DB37-F213-6AC1-DE6A5F4D9067}"/>
+          </ac:spMkLst>
+        </pc:spChg>
+        <pc:spChg chg="mod">
+          <ac:chgData name="Fatima Pillosu" userId="a6295d4dc9e22643" providerId="LiveId" clId="{FDA0979D-FCF3-48BF-A18D-D5D049DAD263}" dt="2025-07-10T14:44:26.600" v="833"/>
+          <ac:spMkLst>
+            <pc:docMk/>
+            <pc:sldMk cId="3829304072" sldId="256"/>
+            <ac:spMk id="237" creationId="{CBD8E5EA-F211-E307-3199-AE09D36216F5}"/>
+          </ac:spMkLst>
+        </pc:spChg>
+        <pc:spChg chg="mod">
+          <ac:chgData name="Fatima Pillosu" userId="a6295d4dc9e22643" providerId="LiveId" clId="{FDA0979D-FCF3-48BF-A18D-D5D049DAD263}" dt="2025-07-10T14:44:26.600" v="833"/>
+          <ac:spMkLst>
+            <pc:docMk/>
+            <pc:sldMk cId="3829304072" sldId="256"/>
+            <ac:spMk id="238" creationId="{7B8D9C1B-FD2F-92B5-52B5-D3580AA26F0B}"/>
+          </ac:spMkLst>
+        </pc:spChg>
+        <pc:spChg chg="mod">
+          <ac:chgData name="Fatima Pillosu" userId="a6295d4dc9e22643" providerId="LiveId" clId="{FDA0979D-FCF3-48BF-A18D-D5D049DAD263}" dt="2025-07-10T14:44:26.600" v="833"/>
+          <ac:spMkLst>
+            <pc:docMk/>
+            <pc:sldMk cId="3829304072" sldId="256"/>
+            <ac:spMk id="239" creationId="{2531575D-0229-ED07-68E3-F522463A1026}"/>
+          </ac:spMkLst>
+        </pc:spChg>
+        <pc:grpChg chg="add del mod">
+          <ac:chgData name="Fatima Pillosu" userId="a6295d4dc9e22643" providerId="LiveId" clId="{FDA0979D-FCF3-48BF-A18D-D5D049DAD263}" dt="2025-07-10T14:42:49.684" v="803" actId="21"/>
+          <ac:grpSpMkLst>
+            <pc:docMk/>
+            <pc:sldMk cId="3829304072" sldId="256"/>
+            <ac:grpSpMk id="16" creationId="{472C515A-7183-4C77-E91C-9C6D2DDC1BE7}"/>
+          </ac:grpSpMkLst>
+        </pc:grpChg>
+        <pc:grpChg chg="add del mod">
+          <ac:chgData name="Fatima Pillosu" userId="a6295d4dc9e22643" providerId="LiveId" clId="{FDA0979D-FCF3-48BF-A18D-D5D049DAD263}" dt="2025-07-10T14:42:49.684" v="803" actId="21"/>
+          <ac:grpSpMkLst>
+            <pc:docMk/>
+            <pc:sldMk cId="3829304072" sldId="256"/>
+            <ac:grpSpMk id="17" creationId="{A7E9D2B2-22C9-C8F4-F986-8F836108324F}"/>
+          </ac:grpSpMkLst>
+        </pc:grpChg>
+        <pc:grpChg chg="add mod">
+          <ac:chgData name="Fatima Pillosu" userId="a6295d4dc9e22643" providerId="LiveId" clId="{FDA0979D-FCF3-48BF-A18D-D5D049DAD263}" dt="2025-07-10T14:43:22.010" v="829" actId="1036"/>
+          <ac:grpSpMkLst>
+            <pc:docMk/>
+            <pc:sldMk cId="3829304072" sldId="256"/>
+            <ac:grpSpMk id="61" creationId="{472C515A-7183-4C77-E91C-9C6D2DDC1BE7}"/>
+          </ac:grpSpMkLst>
+        </pc:grpChg>
         <pc:grpChg chg="del">
           <ac:chgData name="Fatima Pillosu" userId="a6295d4dc9e22643" providerId="LiveId" clId="{FDA0979D-FCF3-48BF-A18D-D5D049DAD263}" dt="2025-07-10T08:45:27.152" v="2" actId="21"/>
           <ac:grpSpMkLst>
@@ -911,6 +1439,14 @@
             <ac:grpSpMk id="126" creationId="{B7D364F3-AE62-9001-380D-541BE1447D3F}"/>
           </ac:grpSpMkLst>
         </pc:grpChg>
+        <pc:grpChg chg="add mod">
+          <ac:chgData name="Fatima Pillosu" userId="a6295d4dc9e22643" providerId="LiveId" clId="{FDA0979D-FCF3-48BF-A18D-D5D049DAD263}" dt="2025-07-10T14:43:22.010" v="829" actId="1036"/>
+          <ac:grpSpMkLst>
+            <pc:docMk/>
+            <pc:sldMk cId="3829304072" sldId="256"/>
+            <ac:grpSpMk id="128" creationId="{A7E9D2B2-22C9-C8F4-F986-8F836108324F}"/>
+          </ac:grpSpMkLst>
+        </pc:grpChg>
         <pc:grpChg chg="add del mod">
           <ac:chgData name="Fatima Pillosu" userId="a6295d4dc9e22643" providerId="LiveId" clId="{FDA0979D-FCF3-48BF-A18D-D5D049DAD263}" dt="2025-07-10T08:52:28.060" v="336" actId="21"/>
           <ac:grpSpMkLst>
@@ -928,29 +1464,157 @@
           </ac:grpSpMkLst>
         </pc:grpChg>
         <pc:grpChg chg="add mod">
-          <ac:chgData name="Fatima Pillosu" userId="a6295d4dc9e22643" providerId="LiveId" clId="{FDA0979D-FCF3-48BF-A18D-D5D049DAD263}" dt="2025-07-10T08:52:42.157" v="338" actId="1036"/>
+          <ac:chgData name="Fatima Pillosu" userId="a6295d4dc9e22643" providerId="LiveId" clId="{FDA0979D-FCF3-48BF-A18D-D5D049DAD263}" dt="2025-07-10T14:44:39.716" v="835" actId="555"/>
+          <ac:grpSpMkLst>
+            <pc:docMk/>
+            <pc:sldMk cId="3829304072" sldId="256"/>
+            <ac:grpSpMk id="148" creationId="{79F555FF-D51E-8A8D-7529-15578505B4F1}"/>
+          </ac:grpSpMkLst>
+        </pc:grpChg>
+        <pc:grpChg chg="add mod">
+          <ac:chgData name="Fatima Pillosu" userId="a6295d4dc9e22643" providerId="LiveId" clId="{FDA0979D-FCF3-48BF-A18D-D5D049DAD263}" dt="2025-07-10T14:44:39.716" v="835" actId="555"/>
+          <ac:grpSpMkLst>
+            <pc:docMk/>
+            <pc:sldMk cId="3829304072" sldId="256"/>
+            <ac:grpSpMk id="149" creationId="{C2E9A82F-14E1-982A-C99A-DED1624AADCF}"/>
+          </ac:grpSpMkLst>
+        </pc:grpChg>
+        <pc:grpChg chg="add del mod">
+          <ac:chgData name="Fatima Pillosu" userId="a6295d4dc9e22643" providerId="LiveId" clId="{FDA0979D-FCF3-48BF-A18D-D5D049DAD263}" dt="2025-07-10T14:32:25.839" v="437" actId="165"/>
           <ac:grpSpMkLst>
             <pc:docMk/>
             <pc:sldMk cId="3829304072" sldId="256"/>
             <ac:grpSpMk id="189" creationId="{B7D364F3-AE62-9001-380D-541BE1447D3F}"/>
           </ac:grpSpMkLst>
         </pc:grpChg>
-        <pc:grpChg chg="add mod">
-          <ac:chgData name="Fatima Pillosu" userId="a6295d4dc9e22643" providerId="LiveId" clId="{FDA0979D-FCF3-48BF-A18D-D5D049DAD263}" dt="2025-07-10T08:52:42.157" v="338" actId="1036"/>
+        <pc:grpChg chg="add del mod">
+          <ac:chgData name="Fatima Pillosu" userId="a6295d4dc9e22643" providerId="LiveId" clId="{FDA0979D-FCF3-48BF-A18D-D5D049DAD263}" dt="2025-07-10T14:33:36.544" v="461" actId="478"/>
           <ac:grpSpMkLst>
             <pc:docMk/>
             <pc:sldMk cId="3829304072" sldId="256"/>
             <ac:grpSpMk id="192" creationId="{5E1C83FC-A171-224B-CE9D-49E3291BB1FA}"/>
           </ac:grpSpMkLst>
         </pc:grpChg>
-        <pc:grpChg chg="add mod">
-          <ac:chgData name="Fatima Pillosu" userId="a6295d4dc9e22643" providerId="LiveId" clId="{FDA0979D-FCF3-48BF-A18D-D5D049DAD263}" dt="2025-07-10T08:52:42.157" v="338" actId="1036"/>
+        <pc:grpChg chg="add del mod">
+          <ac:chgData name="Fatima Pillosu" userId="a6295d4dc9e22643" providerId="LiveId" clId="{FDA0979D-FCF3-48BF-A18D-D5D049DAD263}" dt="2025-07-10T14:33:37.565" v="462" actId="478"/>
           <ac:grpSpMkLst>
             <pc:docMk/>
             <pc:sldMk cId="3829304072" sldId="256"/>
             <ac:grpSpMk id="195" creationId="{16C61612-805C-C791-3E35-FDE0B031D3A0}"/>
           </ac:grpSpMkLst>
         </pc:grpChg>
+        <pc:grpChg chg="add mod">
+          <ac:chgData name="Fatima Pillosu" userId="a6295d4dc9e22643" providerId="LiveId" clId="{FDA0979D-FCF3-48BF-A18D-D5D049DAD263}" dt="2025-07-10T14:44:39.716" v="835" actId="555"/>
+          <ac:grpSpMkLst>
+            <pc:docMk/>
+            <pc:sldMk cId="3829304072" sldId="256"/>
+            <ac:grpSpMk id="225" creationId="{A4F2CE50-5DC7-43B0-FE70-A1304504C9C5}"/>
+          </ac:grpSpMkLst>
+        </pc:grpChg>
+        <pc:picChg chg="add del mod ord">
+          <ac:chgData name="Fatima Pillosu" userId="a6295d4dc9e22643" providerId="LiveId" clId="{FDA0979D-FCF3-48BF-A18D-D5D049DAD263}" dt="2025-07-10T14:42:49.684" v="803" actId="21"/>
+          <ac:picMkLst>
+            <pc:docMk/>
+            <pc:sldMk cId="3829304072" sldId="256"/>
+            <ac:picMk id="8" creationId="{83914194-B525-42BB-CDE3-BD089E7E516F}"/>
+          </ac:picMkLst>
+        </pc:picChg>
+        <pc:picChg chg="add mod">
+          <ac:chgData name="Fatima Pillosu" userId="a6295d4dc9e22643" providerId="LiveId" clId="{FDA0979D-FCF3-48BF-A18D-D5D049DAD263}" dt="2025-07-10T14:35:35.188" v="507" actId="164"/>
+          <ac:picMkLst>
+            <pc:docMk/>
+            <pc:sldMk cId="3829304072" sldId="256"/>
+            <ac:picMk id="9" creationId="{ECB23FD0-0A3B-9FD1-07C1-090A8E5BEEAA}"/>
+          </ac:picMkLst>
+        </pc:picChg>
+        <pc:picChg chg="add mod ord">
+          <ac:chgData name="Fatima Pillosu" userId="a6295d4dc9e22643" providerId="LiveId" clId="{FDA0979D-FCF3-48BF-A18D-D5D049DAD263}" dt="2025-07-10T14:35:38.759" v="508" actId="164"/>
+          <ac:picMkLst>
+            <pc:docMk/>
+            <pc:sldMk cId="3829304072" sldId="256"/>
+            <ac:picMk id="10" creationId="{819EEFBA-097C-0AC3-75F7-EC9EE4867C35}"/>
+          </ac:picMkLst>
+        </pc:picChg>
+        <pc:picChg chg="add del mod">
+          <ac:chgData name="Fatima Pillosu" userId="a6295d4dc9e22643" providerId="LiveId" clId="{FDA0979D-FCF3-48BF-A18D-D5D049DAD263}" dt="2025-07-10T14:32:21.642" v="436" actId="478"/>
+          <ac:picMkLst>
+            <pc:docMk/>
+            <pc:sldMk cId="3829304072" sldId="256"/>
+            <ac:picMk id="11" creationId="{5F79A7E0-8883-73C4-6AF4-250C6F49CAE0}"/>
+          </ac:picMkLst>
+        </pc:picChg>
+        <pc:picChg chg="add mod">
+          <ac:chgData name="Fatima Pillosu" userId="a6295d4dc9e22643" providerId="LiveId" clId="{FDA0979D-FCF3-48BF-A18D-D5D049DAD263}" dt="2025-07-10T14:43:22.010" v="829" actId="1036"/>
+          <ac:picMkLst>
+            <pc:docMk/>
+            <pc:sldMk cId="3829304072" sldId="256"/>
+            <ac:picMk id="25" creationId="{83914194-B525-42BB-CDE3-BD089E7E516F}"/>
+          </ac:picMkLst>
+        </pc:picChg>
+        <pc:picChg chg="add mod">
+          <ac:chgData name="Fatima Pillosu" userId="a6295d4dc9e22643" providerId="LiveId" clId="{FDA0979D-FCF3-48BF-A18D-D5D049DAD263}" dt="2025-07-10T14:44:14.769" v="830" actId="164"/>
+          <ac:picMkLst>
+            <pc:docMk/>
+            <pc:sldMk cId="3829304072" sldId="256"/>
+            <ac:picMk id="47" creationId="{2466EFB0-673E-53E9-A9A4-DDE93FEB0FCB}"/>
+          </ac:picMkLst>
+        </pc:picChg>
+        <pc:picChg chg="add mod">
+          <ac:chgData name="Fatima Pillosu" userId="a6295d4dc9e22643" providerId="LiveId" clId="{FDA0979D-FCF3-48BF-A18D-D5D049DAD263}" dt="2025-07-10T14:44:14.769" v="830" actId="164"/>
+          <ac:picMkLst>
+            <pc:docMk/>
+            <pc:sldMk cId="3829304072" sldId="256"/>
+            <ac:picMk id="48" creationId="{B0ECD035-9242-0BD8-D71F-D201466CF362}"/>
+          </ac:picMkLst>
+        </pc:picChg>
+        <pc:picChg chg="add mod">
+          <ac:chgData name="Fatima Pillosu" userId="a6295d4dc9e22643" providerId="LiveId" clId="{FDA0979D-FCF3-48BF-A18D-D5D049DAD263}" dt="2025-07-10T14:44:14.769" v="830" actId="164"/>
+          <ac:picMkLst>
+            <pc:docMk/>
+            <pc:sldMk cId="3829304072" sldId="256"/>
+            <ac:picMk id="49" creationId="{09F98784-9EB1-A415-2B88-F3655B86A654}"/>
+          </ac:picMkLst>
+        </pc:picChg>
+        <pc:picChg chg="add mod">
+          <ac:chgData name="Fatima Pillosu" userId="a6295d4dc9e22643" providerId="LiveId" clId="{FDA0979D-FCF3-48BF-A18D-D5D049DAD263}" dt="2025-07-10T14:44:14.769" v="830" actId="164"/>
+          <ac:picMkLst>
+            <pc:docMk/>
+            <pc:sldMk cId="3829304072" sldId="256"/>
+            <ac:picMk id="50" creationId="{204E24D5-38CE-F075-BB8A-8E58D832CA13}"/>
+          </ac:picMkLst>
+        </pc:picChg>
+        <pc:picChg chg="add mod">
+          <ac:chgData name="Fatima Pillosu" userId="a6295d4dc9e22643" providerId="LiveId" clId="{FDA0979D-FCF3-48BF-A18D-D5D049DAD263}" dt="2025-07-10T14:44:14.769" v="830" actId="164"/>
+          <ac:picMkLst>
+            <pc:docMk/>
+            <pc:sldMk cId="3829304072" sldId="256"/>
+            <ac:picMk id="51" creationId="{96D5F2FA-4416-72EB-B547-E7B9D7176362}"/>
+          </ac:picMkLst>
+        </pc:picChg>
+        <pc:picChg chg="add mod">
+          <ac:chgData name="Fatima Pillosu" userId="a6295d4dc9e22643" providerId="LiveId" clId="{FDA0979D-FCF3-48BF-A18D-D5D049DAD263}" dt="2025-07-10T14:44:14.769" v="830" actId="164"/>
+          <ac:picMkLst>
+            <pc:docMk/>
+            <pc:sldMk cId="3829304072" sldId="256"/>
+            <ac:picMk id="52" creationId="{B69A4449-5E05-C132-6AB4-D983D0C053C5}"/>
+          </ac:picMkLst>
+        </pc:picChg>
+        <pc:picChg chg="add mod">
+          <ac:chgData name="Fatima Pillosu" userId="a6295d4dc9e22643" providerId="LiveId" clId="{FDA0979D-FCF3-48BF-A18D-D5D049DAD263}" dt="2025-07-10T14:44:14.769" v="830" actId="164"/>
+          <ac:picMkLst>
+            <pc:docMk/>
+            <pc:sldMk cId="3829304072" sldId="256"/>
+            <ac:picMk id="53" creationId="{A3210EAA-203C-2D5D-9F3A-077DFE0A7B2F}"/>
+          </ac:picMkLst>
+        </pc:picChg>
+        <pc:picChg chg="mod">
+          <ac:chgData name="Fatima Pillosu" userId="a6295d4dc9e22643" providerId="LiveId" clId="{FDA0979D-FCF3-48BF-A18D-D5D049DAD263}" dt="2025-07-10T14:43:04.850" v="804"/>
+          <ac:picMkLst>
+            <pc:docMk/>
+            <pc:sldMk cId="3829304072" sldId="256"/>
+            <ac:picMk id="62" creationId="{ECB23FD0-0A3B-9FD1-07C1-090A8E5BEEAA}"/>
+          </ac:picMkLst>
+        </pc:picChg>
         <pc:picChg chg="del">
           <ac:chgData name="Fatima Pillosu" userId="a6295d4dc9e22643" providerId="LiveId" clId="{FDA0979D-FCF3-48BF-A18D-D5D049DAD263}" dt="2025-07-10T08:45:27.152" v="2" actId="21"/>
           <ac:picMkLst>
@@ -1144,6 +1808,14 @@
           </ac:picMkLst>
         </pc:picChg>
         <pc:picChg chg="mod">
+          <ac:chgData name="Fatima Pillosu" userId="a6295d4dc9e22643" providerId="LiveId" clId="{FDA0979D-FCF3-48BF-A18D-D5D049DAD263}" dt="2025-07-10T14:43:04.850" v="804"/>
+          <ac:picMkLst>
+            <pc:docMk/>
+            <pc:sldMk cId="3829304072" sldId="256"/>
+            <ac:picMk id="129" creationId="{819EEFBA-097C-0AC3-75F7-EC9EE4867C35}"/>
+          </ac:picMkLst>
+        </pc:picChg>
+        <pc:picChg chg="mod">
           <ac:chgData name="Fatima Pillosu" userId="a6295d4dc9e22643" providerId="LiveId" clId="{FDA0979D-FCF3-48BF-A18D-D5D049DAD263}" dt="2025-07-10T08:45:36.437" v="3"/>
           <ac:picMkLst>
             <pc:docMk/>
@@ -1287,6 +1959,22 @@
             <ac:picMk id="150" creationId="{204E24D5-38CE-F075-BB8A-8E58D832CA13}"/>
           </ac:picMkLst>
         </pc:picChg>
+        <pc:picChg chg="mod">
+          <ac:chgData name="Fatima Pillosu" userId="a6295d4dc9e22643" providerId="LiveId" clId="{FDA0979D-FCF3-48BF-A18D-D5D049DAD263}" dt="2025-07-10T14:44:17.855" v="831"/>
+          <ac:picMkLst>
+            <pc:docMk/>
+            <pc:sldMk cId="3829304072" sldId="256"/>
+            <ac:picMk id="150" creationId="{608F5AF1-4500-A00E-B108-B91EF437DB17}"/>
+          </ac:picMkLst>
+        </pc:picChg>
+        <pc:picChg chg="mod">
+          <ac:chgData name="Fatima Pillosu" userId="a6295d4dc9e22643" providerId="LiveId" clId="{FDA0979D-FCF3-48BF-A18D-D5D049DAD263}" dt="2025-07-10T14:44:17.855" v="831"/>
+          <ac:picMkLst>
+            <pc:docMk/>
+            <pc:sldMk cId="3829304072" sldId="256"/>
+            <ac:picMk id="151" creationId="{527A9B20-6442-4274-FCEB-2AF135F5ABB0}"/>
+          </ac:picMkLst>
+        </pc:picChg>
         <pc:picChg chg="add del mod">
           <ac:chgData name="Fatima Pillosu" userId="a6295d4dc9e22643" providerId="LiveId" clId="{FDA0979D-FCF3-48BF-A18D-D5D049DAD263}" dt="2025-07-10T08:52:28.060" v="336" actId="21"/>
           <ac:picMkLst>
@@ -1303,6 +1991,14 @@
             <ac:picMk id="152" creationId="{B69A4449-5E05-C132-6AB4-D983D0C053C5}"/>
           </ac:picMkLst>
         </pc:picChg>
+        <pc:picChg chg="mod">
+          <ac:chgData name="Fatima Pillosu" userId="a6295d4dc9e22643" providerId="LiveId" clId="{FDA0979D-FCF3-48BF-A18D-D5D049DAD263}" dt="2025-07-10T14:44:17.855" v="831"/>
+          <ac:picMkLst>
+            <pc:docMk/>
+            <pc:sldMk cId="3829304072" sldId="256"/>
+            <ac:picMk id="152" creationId="{F5321BBA-4D06-B8C5-40BA-68223D1F84FE}"/>
+          </ac:picMkLst>
+        </pc:picChg>
         <pc:picChg chg="add del mod">
           <ac:chgData name="Fatima Pillosu" userId="a6295d4dc9e22643" providerId="LiveId" clId="{FDA0979D-FCF3-48BF-A18D-D5D049DAD263}" dt="2025-07-10T08:52:28.060" v="336" actId="21"/>
           <ac:picMkLst>
@@ -1311,24 +2007,56 @@
             <ac:picMk id="153" creationId="{A3210EAA-203C-2D5D-9F3A-077DFE0A7B2F}"/>
           </ac:picMkLst>
         </pc:picChg>
-        <pc:picChg chg="add mod">
-          <ac:chgData name="Fatima Pillosu" userId="a6295d4dc9e22643" providerId="LiveId" clId="{FDA0979D-FCF3-48BF-A18D-D5D049DAD263}" dt="2025-07-10T08:52:42.157" v="338" actId="1036"/>
+        <pc:picChg chg="mod">
+          <ac:chgData name="Fatima Pillosu" userId="a6295d4dc9e22643" providerId="LiveId" clId="{FDA0979D-FCF3-48BF-A18D-D5D049DAD263}" dt="2025-07-10T14:44:17.855" v="831"/>
+          <ac:picMkLst>
+            <pc:docMk/>
+            <pc:sldMk cId="3829304072" sldId="256"/>
+            <ac:picMk id="153" creationId="{EE564FDF-3266-B565-B0CE-425389560139}"/>
+          </ac:picMkLst>
+        </pc:picChg>
+        <pc:picChg chg="mod">
+          <ac:chgData name="Fatima Pillosu" userId="a6295d4dc9e22643" providerId="LiveId" clId="{FDA0979D-FCF3-48BF-A18D-D5D049DAD263}" dt="2025-07-10T14:44:17.855" v="831"/>
+          <ac:picMkLst>
+            <pc:docMk/>
+            <pc:sldMk cId="3829304072" sldId="256"/>
+            <ac:picMk id="154" creationId="{9D30B4AC-7A4C-05A1-0A26-04B263D3481D}"/>
+          </ac:picMkLst>
+        </pc:picChg>
+        <pc:picChg chg="mod">
+          <ac:chgData name="Fatima Pillosu" userId="a6295d4dc9e22643" providerId="LiveId" clId="{FDA0979D-FCF3-48BF-A18D-D5D049DAD263}" dt="2025-07-10T14:44:17.855" v="831"/>
+          <ac:picMkLst>
+            <pc:docMk/>
+            <pc:sldMk cId="3829304072" sldId="256"/>
+            <ac:picMk id="155" creationId="{F55C663A-37AD-4542-99E0-AED6FBD2CBED}"/>
+          </ac:picMkLst>
+        </pc:picChg>
+        <pc:picChg chg="mod">
+          <ac:chgData name="Fatima Pillosu" userId="a6295d4dc9e22643" providerId="LiveId" clId="{FDA0979D-FCF3-48BF-A18D-D5D049DAD263}" dt="2025-07-10T14:44:17.855" v="831"/>
+          <ac:picMkLst>
+            <pc:docMk/>
+            <pc:sldMk cId="3829304072" sldId="256"/>
+            <ac:picMk id="156" creationId="{DBCB0E48-A4D7-D808-157B-3380AEA6F0EF}"/>
+          </ac:picMkLst>
+        </pc:picChg>
+        <pc:picChg chg="add del mod">
+          <ac:chgData name="Fatima Pillosu" userId="a6295d4dc9e22643" providerId="LiveId" clId="{FDA0979D-FCF3-48BF-A18D-D5D049DAD263}" dt="2025-07-10T14:35:06.479" v="502" actId="478"/>
           <ac:picMkLst>
             <pc:docMk/>
             <pc:sldMk cId="3829304072" sldId="256"/>
             <ac:picMk id="160" creationId="{118F694B-9CFC-6038-7DCA-FE64DD489B6A}"/>
           </ac:picMkLst>
         </pc:picChg>
-        <pc:picChg chg="add mod">
-          <ac:chgData name="Fatima Pillosu" userId="a6295d4dc9e22643" providerId="LiveId" clId="{FDA0979D-FCF3-48BF-A18D-D5D049DAD263}" dt="2025-07-10T08:52:42.157" v="338" actId="1036"/>
+        <pc:picChg chg="add del mod">
+          <ac:chgData name="Fatima Pillosu" userId="a6295d4dc9e22643" providerId="LiveId" clId="{FDA0979D-FCF3-48BF-A18D-D5D049DAD263}" dt="2025-07-10T14:35:06.479" v="502" actId="478"/>
           <ac:picMkLst>
             <pc:docMk/>
             <pc:sldMk cId="3829304072" sldId="256"/>
             <ac:picMk id="161" creationId="{0D36CC73-F624-8636-88AC-C4259BFBB842}"/>
           </ac:picMkLst>
         </pc:picChg>
-        <pc:picChg chg="mod">
-          <ac:chgData name="Fatima Pillosu" userId="a6295d4dc9e22643" providerId="LiveId" clId="{FDA0979D-FCF3-48BF-A18D-D5D049DAD263}" dt="2025-07-10T08:52:37.167" v="337"/>
+        <pc:picChg chg="del mod topLvl">
+          <ac:chgData name="Fatima Pillosu" userId="a6295d4dc9e22643" providerId="LiveId" clId="{FDA0979D-FCF3-48BF-A18D-D5D049DAD263}" dt="2025-07-10T14:33:26.404" v="457" actId="478"/>
           <ac:picMkLst>
             <pc:docMk/>
             <pc:sldMk cId="3829304072" sldId="256"/>
@@ -1351,164 +2079,292 @@
             <ac:picMk id="196" creationId="{CB495863-B3C9-6DCE-4E2A-84E8923086C5}"/>
           </ac:picMkLst>
         </pc:picChg>
-        <pc:picChg chg="add mod">
-          <ac:chgData name="Fatima Pillosu" userId="a6295d4dc9e22643" providerId="LiveId" clId="{FDA0979D-FCF3-48BF-A18D-D5D049DAD263}" dt="2025-07-10T08:52:42.157" v="338" actId="1036"/>
+        <pc:picChg chg="add del mod">
+          <ac:chgData name="Fatima Pillosu" userId="a6295d4dc9e22643" providerId="LiveId" clId="{FDA0979D-FCF3-48BF-A18D-D5D049DAD263}" dt="2025-07-10T14:35:06.479" v="502" actId="478"/>
           <ac:picMkLst>
             <pc:docMk/>
             <pc:sldMk cId="3829304072" sldId="256"/>
             <ac:picMk id="198" creationId="{302C735F-96B6-B212-F67D-00AC2F967C19}"/>
           </ac:picMkLst>
         </pc:picChg>
-        <pc:picChg chg="add mod">
-          <ac:chgData name="Fatima Pillosu" userId="a6295d4dc9e22643" providerId="LiveId" clId="{FDA0979D-FCF3-48BF-A18D-D5D049DAD263}" dt="2025-07-10T08:52:42.157" v="338" actId="1036"/>
+        <pc:picChg chg="add del mod">
+          <ac:chgData name="Fatima Pillosu" userId="a6295d4dc9e22643" providerId="LiveId" clId="{FDA0979D-FCF3-48BF-A18D-D5D049DAD263}" dt="2025-07-10T14:35:06.479" v="502" actId="478"/>
           <ac:picMkLst>
             <pc:docMk/>
             <pc:sldMk cId="3829304072" sldId="256"/>
             <ac:picMk id="199" creationId="{CF2A7B2A-C42D-A834-0226-93D1C100C582}"/>
           </ac:picMkLst>
         </pc:picChg>
-        <pc:picChg chg="add mod">
-          <ac:chgData name="Fatima Pillosu" userId="a6295d4dc9e22643" providerId="LiveId" clId="{FDA0979D-FCF3-48BF-A18D-D5D049DAD263}" dt="2025-07-10T08:52:42.157" v="338" actId="1036"/>
+        <pc:picChg chg="add del mod">
+          <ac:chgData name="Fatima Pillosu" userId="a6295d4dc9e22643" providerId="LiveId" clId="{FDA0979D-FCF3-48BF-A18D-D5D049DAD263}" dt="2025-07-10T14:35:06.479" v="502" actId="478"/>
           <ac:picMkLst>
             <pc:docMk/>
             <pc:sldMk cId="3829304072" sldId="256"/>
             <ac:picMk id="200" creationId="{282B448A-8352-AD24-2DD4-A2A87ABE8AE9}"/>
           </ac:picMkLst>
         </pc:picChg>
-        <pc:picChg chg="add mod">
-          <ac:chgData name="Fatima Pillosu" userId="a6295d4dc9e22643" providerId="LiveId" clId="{FDA0979D-FCF3-48BF-A18D-D5D049DAD263}" dt="2025-07-10T08:52:42.157" v="338" actId="1036"/>
+        <pc:picChg chg="add del mod">
+          <ac:chgData name="Fatima Pillosu" userId="a6295d4dc9e22643" providerId="LiveId" clId="{FDA0979D-FCF3-48BF-A18D-D5D049DAD263}" dt="2025-07-10T14:35:06.479" v="502" actId="478"/>
           <ac:picMkLst>
             <pc:docMk/>
             <pc:sldMk cId="3829304072" sldId="256"/>
             <ac:picMk id="201" creationId="{BEBC7EED-D4FC-2E3D-8CEE-9DD243C701E4}"/>
           </ac:picMkLst>
         </pc:picChg>
-        <pc:picChg chg="add mod">
-          <ac:chgData name="Fatima Pillosu" userId="a6295d4dc9e22643" providerId="LiveId" clId="{FDA0979D-FCF3-48BF-A18D-D5D049DAD263}" dt="2025-07-10T08:52:42.157" v="338" actId="1036"/>
+        <pc:picChg chg="add del mod">
+          <ac:chgData name="Fatima Pillosu" userId="a6295d4dc9e22643" providerId="LiveId" clId="{FDA0979D-FCF3-48BF-A18D-D5D049DAD263}" dt="2025-07-10T14:35:06.479" v="502" actId="478"/>
           <ac:picMkLst>
             <pc:docMk/>
             <pc:sldMk cId="3829304072" sldId="256"/>
             <ac:picMk id="202" creationId="{EAD50C32-358F-F0D5-D2D0-754419F2EB2B}"/>
           </ac:picMkLst>
         </pc:picChg>
-        <pc:picChg chg="add mod">
-          <ac:chgData name="Fatima Pillosu" userId="a6295d4dc9e22643" providerId="LiveId" clId="{FDA0979D-FCF3-48BF-A18D-D5D049DAD263}" dt="2025-07-10T08:52:42.157" v="338" actId="1036"/>
+        <pc:picChg chg="add del mod">
+          <ac:chgData name="Fatima Pillosu" userId="a6295d4dc9e22643" providerId="LiveId" clId="{FDA0979D-FCF3-48BF-A18D-D5D049DAD263}" dt="2025-07-10T14:35:06.479" v="502" actId="478"/>
           <ac:picMkLst>
             <pc:docMk/>
             <pc:sldMk cId="3829304072" sldId="256"/>
             <ac:picMk id="203" creationId="{84FD4052-5417-5960-A157-83F5901C5D06}"/>
           </ac:picMkLst>
         </pc:picChg>
-        <pc:picChg chg="add mod">
-          <ac:chgData name="Fatima Pillosu" userId="a6295d4dc9e22643" providerId="LiveId" clId="{FDA0979D-FCF3-48BF-A18D-D5D049DAD263}" dt="2025-07-10T08:52:42.157" v="338" actId="1036"/>
+        <pc:picChg chg="add del mod">
+          <ac:chgData name="Fatima Pillosu" userId="a6295d4dc9e22643" providerId="LiveId" clId="{FDA0979D-FCF3-48BF-A18D-D5D049DAD263}" dt="2025-07-10T14:35:06.479" v="502" actId="478"/>
           <ac:picMkLst>
             <pc:docMk/>
             <pc:sldMk cId="3829304072" sldId="256"/>
             <ac:picMk id="204" creationId="{73562763-DBC9-0CEA-2447-9E1DF743914E}"/>
           </ac:picMkLst>
         </pc:picChg>
-        <pc:picChg chg="add mod">
-          <ac:chgData name="Fatima Pillosu" userId="a6295d4dc9e22643" providerId="LiveId" clId="{FDA0979D-FCF3-48BF-A18D-D5D049DAD263}" dt="2025-07-10T08:52:42.157" v="338" actId="1036"/>
+        <pc:picChg chg="add del mod">
+          <ac:chgData name="Fatima Pillosu" userId="a6295d4dc9e22643" providerId="LiveId" clId="{FDA0979D-FCF3-48BF-A18D-D5D049DAD263}" dt="2025-07-10T14:35:06.479" v="502" actId="478"/>
           <ac:picMkLst>
             <pc:docMk/>
             <pc:sldMk cId="3829304072" sldId="256"/>
             <ac:picMk id="205" creationId="{426C71DC-6F57-CFA1-2E6F-C9663A7CE856}"/>
           </ac:picMkLst>
         </pc:picChg>
-        <pc:picChg chg="add mod">
-          <ac:chgData name="Fatima Pillosu" userId="a6295d4dc9e22643" providerId="LiveId" clId="{FDA0979D-FCF3-48BF-A18D-D5D049DAD263}" dt="2025-07-10T08:52:42.157" v="338" actId="1036"/>
+        <pc:picChg chg="add del mod">
+          <ac:chgData name="Fatima Pillosu" userId="a6295d4dc9e22643" providerId="LiveId" clId="{FDA0979D-FCF3-48BF-A18D-D5D049DAD263}" dt="2025-07-10T14:35:06.479" v="502" actId="478"/>
           <ac:picMkLst>
             <pc:docMk/>
             <pc:sldMk cId="3829304072" sldId="256"/>
             <ac:picMk id="206" creationId="{F1B9D762-F99D-793B-9E6B-2637C5F7A103}"/>
           </ac:picMkLst>
         </pc:picChg>
-        <pc:picChg chg="add mod">
-          <ac:chgData name="Fatima Pillosu" userId="a6295d4dc9e22643" providerId="LiveId" clId="{FDA0979D-FCF3-48BF-A18D-D5D049DAD263}" dt="2025-07-10T08:52:42.157" v="338" actId="1036"/>
+        <pc:picChg chg="add del mod">
+          <ac:chgData name="Fatima Pillosu" userId="a6295d4dc9e22643" providerId="LiveId" clId="{FDA0979D-FCF3-48BF-A18D-D5D049DAD263}" dt="2025-07-10T14:35:06.479" v="502" actId="478"/>
           <ac:picMkLst>
             <pc:docMk/>
             <pc:sldMk cId="3829304072" sldId="256"/>
             <ac:picMk id="207" creationId="{D97F7284-1163-5C94-DF0B-46947D3AB6DF}"/>
           </ac:picMkLst>
         </pc:picChg>
-        <pc:picChg chg="add mod">
-          <ac:chgData name="Fatima Pillosu" userId="a6295d4dc9e22643" providerId="LiveId" clId="{FDA0979D-FCF3-48BF-A18D-D5D049DAD263}" dt="2025-07-10T08:52:42.157" v="338" actId="1036"/>
+        <pc:picChg chg="add del mod">
+          <ac:chgData name="Fatima Pillosu" userId="a6295d4dc9e22643" providerId="LiveId" clId="{FDA0979D-FCF3-48BF-A18D-D5D049DAD263}" dt="2025-07-10T14:35:06.479" v="502" actId="478"/>
           <ac:picMkLst>
             <pc:docMk/>
             <pc:sldMk cId="3829304072" sldId="256"/>
             <ac:picMk id="208" creationId="{6B83D215-89B4-64D1-D9AA-8E41806EF695}"/>
           </ac:picMkLst>
         </pc:picChg>
-        <pc:picChg chg="add mod">
-          <ac:chgData name="Fatima Pillosu" userId="a6295d4dc9e22643" providerId="LiveId" clId="{FDA0979D-FCF3-48BF-A18D-D5D049DAD263}" dt="2025-07-10T08:52:42.157" v="338" actId="1036"/>
+        <pc:picChg chg="add del mod">
+          <ac:chgData name="Fatima Pillosu" userId="a6295d4dc9e22643" providerId="LiveId" clId="{FDA0979D-FCF3-48BF-A18D-D5D049DAD263}" dt="2025-07-10T14:35:06.479" v="502" actId="478"/>
           <ac:picMkLst>
             <pc:docMk/>
             <pc:sldMk cId="3829304072" sldId="256"/>
             <ac:picMk id="209" creationId="{B31A1B4E-31C6-7BE9-7661-EB1C8D98B1CA}"/>
           </ac:picMkLst>
         </pc:picChg>
-        <pc:picChg chg="add mod">
-          <ac:chgData name="Fatima Pillosu" userId="a6295d4dc9e22643" providerId="LiveId" clId="{FDA0979D-FCF3-48BF-A18D-D5D049DAD263}" dt="2025-07-10T08:52:42.157" v="338" actId="1036"/>
+        <pc:picChg chg="add del mod">
+          <ac:chgData name="Fatima Pillosu" userId="a6295d4dc9e22643" providerId="LiveId" clId="{FDA0979D-FCF3-48BF-A18D-D5D049DAD263}" dt="2025-07-10T14:42:49.684" v="803" actId="21"/>
           <ac:picMkLst>
             <pc:docMk/>
             <pc:sldMk cId="3829304072" sldId="256"/>
             <ac:picMk id="210" creationId="{2466EFB0-673E-53E9-A9A4-DDE93FEB0FCB}"/>
           </ac:picMkLst>
         </pc:picChg>
-        <pc:picChg chg="add mod">
-          <ac:chgData name="Fatima Pillosu" userId="a6295d4dc9e22643" providerId="LiveId" clId="{FDA0979D-FCF3-48BF-A18D-D5D049DAD263}" dt="2025-07-10T08:52:42.157" v="338" actId="1036"/>
+        <pc:picChg chg="add del mod">
+          <ac:chgData name="Fatima Pillosu" userId="a6295d4dc9e22643" providerId="LiveId" clId="{FDA0979D-FCF3-48BF-A18D-D5D049DAD263}" dt="2025-07-10T14:42:49.684" v="803" actId="21"/>
           <ac:picMkLst>
             <pc:docMk/>
             <pc:sldMk cId="3829304072" sldId="256"/>
             <ac:picMk id="211" creationId="{B0ECD035-9242-0BD8-D71F-D201466CF362}"/>
           </ac:picMkLst>
         </pc:picChg>
-        <pc:picChg chg="add mod">
-          <ac:chgData name="Fatima Pillosu" userId="a6295d4dc9e22643" providerId="LiveId" clId="{FDA0979D-FCF3-48BF-A18D-D5D049DAD263}" dt="2025-07-10T08:52:42.157" v="338" actId="1036"/>
+        <pc:picChg chg="add del mod">
+          <ac:chgData name="Fatima Pillosu" userId="a6295d4dc9e22643" providerId="LiveId" clId="{FDA0979D-FCF3-48BF-A18D-D5D049DAD263}" dt="2025-07-10T14:42:49.684" v="803" actId="21"/>
           <ac:picMkLst>
             <pc:docMk/>
             <pc:sldMk cId="3829304072" sldId="256"/>
             <ac:picMk id="212" creationId="{09F98784-9EB1-A415-2B88-F3655B86A654}"/>
           </ac:picMkLst>
         </pc:picChg>
-        <pc:picChg chg="add mod">
-          <ac:chgData name="Fatima Pillosu" userId="a6295d4dc9e22643" providerId="LiveId" clId="{FDA0979D-FCF3-48BF-A18D-D5D049DAD263}" dt="2025-07-10T08:52:42.157" v="338" actId="1036"/>
+        <pc:picChg chg="add del mod">
+          <ac:chgData name="Fatima Pillosu" userId="a6295d4dc9e22643" providerId="LiveId" clId="{FDA0979D-FCF3-48BF-A18D-D5D049DAD263}" dt="2025-07-10T14:42:49.684" v="803" actId="21"/>
           <ac:picMkLst>
             <pc:docMk/>
             <pc:sldMk cId="3829304072" sldId="256"/>
             <ac:picMk id="213" creationId="{204E24D5-38CE-F075-BB8A-8E58D832CA13}"/>
           </ac:picMkLst>
         </pc:picChg>
-        <pc:picChg chg="add mod">
-          <ac:chgData name="Fatima Pillosu" userId="a6295d4dc9e22643" providerId="LiveId" clId="{FDA0979D-FCF3-48BF-A18D-D5D049DAD263}" dt="2025-07-10T08:52:42.157" v="338" actId="1036"/>
+        <pc:picChg chg="add del mod">
+          <ac:chgData name="Fatima Pillosu" userId="a6295d4dc9e22643" providerId="LiveId" clId="{FDA0979D-FCF3-48BF-A18D-D5D049DAD263}" dt="2025-07-10T14:42:49.684" v="803" actId="21"/>
           <ac:picMkLst>
             <pc:docMk/>
             <pc:sldMk cId="3829304072" sldId="256"/>
             <ac:picMk id="214" creationId="{96D5F2FA-4416-72EB-B547-E7B9D7176362}"/>
           </ac:picMkLst>
         </pc:picChg>
-        <pc:picChg chg="add mod">
-          <ac:chgData name="Fatima Pillosu" userId="a6295d4dc9e22643" providerId="LiveId" clId="{FDA0979D-FCF3-48BF-A18D-D5D049DAD263}" dt="2025-07-10T08:52:42.157" v="338" actId="1036"/>
+        <pc:picChg chg="add del mod">
+          <ac:chgData name="Fatima Pillosu" userId="a6295d4dc9e22643" providerId="LiveId" clId="{FDA0979D-FCF3-48BF-A18D-D5D049DAD263}" dt="2025-07-10T14:42:49.684" v="803" actId="21"/>
           <ac:picMkLst>
             <pc:docMk/>
             <pc:sldMk cId="3829304072" sldId="256"/>
             <ac:picMk id="215" creationId="{B69A4449-5E05-C132-6AB4-D983D0C053C5}"/>
           </ac:picMkLst>
         </pc:picChg>
-        <pc:picChg chg="add mod">
-          <ac:chgData name="Fatima Pillosu" userId="a6295d4dc9e22643" providerId="LiveId" clId="{FDA0979D-FCF3-48BF-A18D-D5D049DAD263}" dt="2025-07-10T08:52:42.157" v="338" actId="1036"/>
+        <pc:picChg chg="add del mod">
+          <ac:chgData name="Fatima Pillosu" userId="a6295d4dc9e22643" providerId="LiveId" clId="{FDA0979D-FCF3-48BF-A18D-D5D049DAD263}" dt="2025-07-10T14:42:49.684" v="803" actId="21"/>
           <ac:picMkLst>
             <pc:docMk/>
             <pc:sldMk cId="3829304072" sldId="256"/>
             <ac:picMk id="216" creationId="{A3210EAA-203C-2D5D-9F3A-077DFE0A7B2F}"/>
           </ac:picMkLst>
         </pc:picChg>
+        <pc:picChg chg="mod">
+          <ac:chgData name="Fatima Pillosu" userId="a6295d4dc9e22643" providerId="LiveId" clId="{FDA0979D-FCF3-48BF-A18D-D5D049DAD263}" dt="2025-07-10T14:44:26.600" v="833"/>
+          <ac:picMkLst>
+            <pc:docMk/>
+            <pc:sldMk cId="3829304072" sldId="256"/>
+            <ac:picMk id="226" creationId="{90E8AFA2-71E7-9720-D2E0-1189B5980E3D}"/>
+          </ac:picMkLst>
+        </pc:picChg>
+        <pc:picChg chg="mod">
+          <ac:chgData name="Fatima Pillosu" userId="a6295d4dc9e22643" providerId="LiveId" clId="{FDA0979D-FCF3-48BF-A18D-D5D049DAD263}" dt="2025-07-10T14:44:26.600" v="833"/>
+          <ac:picMkLst>
+            <pc:docMk/>
+            <pc:sldMk cId="3829304072" sldId="256"/>
+            <ac:picMk id="227" creationId="{DCFEAF49-C3E3-290C-87B3-87A7AD1DECF7}"/>
+          </ac:picMkLst>
+        </pc:picChg>
+        <pc:picChg chg="mod">
+          <ac:chgData name="Fatima Pillosu" userId="a6295d4dc9e22643" providerId="LiveId" clId="{FDA0979D-FCF3-48BF-A18D-D5D049DAD263}" dt="2025-07-10T14:44:26.600" v="833"/>
+          <ac:picMkLst>
+            <pc:docMk/>
+            <pc:sldMk cId="3829304072" sldId="256"/>
+            <ac:picMk id="228" creationId="{616D85DF-2BB1-D214-FF87-2BAD11D572FF}"/>
+          </ac:picMkLst>
+        </pc:picChg>
+        <pc:picChg chg="mod">
+          <ac:chgData name="Fatima Pillosu" userId="a6295d4dc9e22643" providerId="LiveId" clId="{FDA0979D-FCF3-48BF-A18D-D5D049DAD263}" dt="2025-07-10T14:44:26.600" v="833"/>
+          <ac:picMkLst>
+            <pc:docMk/>
+            <pc:sldMk cId="3829304072" sldId="256"/>
+            <ac:picMk id="229" creationId="{4DFD59DC-AB94-8795-49B5-35EA09129A1B}"/>
+          </ac:picMkLst>
+        </pc:picChg>
+        <pc:picChg chg="mod">
+          <ac:chgData name="Fatima Pillosu" userId="a6295d4dc9e22643" providerId="LiveId" clId="{FDA0979D-FCF3-48BF-A18D-D5D049DAD263}" dt="2025-07-10T14:44:26.600" v="833"/>
+          <ac:picMkLst>
+            <pc:docMk/>
+            <pc:sldMk cId="3829304072" sldId="256"/>
+            <ac:picMk id="230" creationId="{47AC7C6E-E001-E28E-0C06-C7BBDA301ABB}"/>
+          </ac:picMkLst>
+        </pc:picChg>
+        <pc:picChg chg="mod">
+          <ac:chgData name="Fatima Pillosu" userId="a6295d4dc9e22643" providerId="LiveId" clId="{FDA0979D-FCF3-48BF-A18D-D5D049DAD263}" dt="2025-07-10T14:44:26.600" v="833"/>
+          <ac:picMkLst>
+            <pc:docMk/>
+            <pc:sldMk cId="3829304072" sldId="256"/>
+            <ac:picMk id="231" creationId="{B00E30C1-3925-AFBE-5F29-367199499FE2}"/>
+          </ac:picMkLst>
+        </pc:picChg>
+        <pc:picChg chg="mod">
+          <ac:chgData name="Fatima Pillosu" userId="a6295d4dc9e22643" providerId="LiveId" clId="{FDA0979D-FCF3-48BF-A18D-D5D049DAD263}" dt="2025-07-10T14:44:26.600" v="833"/>
+          <ac:picMkLst>
+            <pc:docMk/>
+            <pc:sldMk cId="3829304072" sldId="256"/>
+            <ac:picMk id="232" creationId="{25060532-1509-9268-82B8-4B3CC8CBE0EB}"/>
+          </ac:picMkLst>
+        </pc:picChg>
+        <pc:cxnChg chg="add del mod">
+          <ac:chgData name="Fatima Pillosu" userId="a6295d4dc9e22643" providerId="LiveId" clId="{FDA0979D-FCF3-48BF-A18D-D5D049DAD263}" dt="2025-07-10T14:32:21.642" v="436" actId="478"/>
+          <ac:cxnSpMkLst>
+            <pc:docMk/>
+            <pc:sldMk cId="3829304072" sldId="256"/>
+            <ac:cxnSpMk id="12" creationId="{36A8FA98-3E8D-5CCD-DAF9-37AE7E6187A7}"/>
+          </ac:cxnSpMkLst>
+        </pc:cxnChg>
+        <pc:cxnChg chg="add del mod">
+          <ac:chgData name="Fatima Pillosu" userId="a6295d4dc9e22643" providerId="LiveId" clId="{FDA0979D-FCF3-48BF-A18D-D5D049DAD263}" dt="2025-07-10T14:42:49.684" v="803" actId="21"/>
+          <ac:cxnSpMkLst>
+            <pc:docMk/>
+            <pc:sldMk cId="3829304072" sldId="256"/>
+            <ac:cxnSpMk id="13" creationId="{CB1BA6C9-E5AA-6103-F92C-4772F924E547}"/>
+          </ac:cxnSpMkLst>
+        </pc:cxnChg>
+        <pc:cxnChg chg="add mod">
+          <ac:chgData name="Fatima Pillosu" userId="a6295d4dc9e22643" providerId="LiveId" clId="{FDA0979D-FCF3-48BF-A18D-D5D049DAD263}" dt="2025-07-10T14:35:35.188" v="507" actId="164"/>
+          <ac:cxnSpMkLst>
+            <pc:docMk/>
+            <pc:sldMk cId="3829304072" sldId="256"/>
+            <ac:cxnSpMk id="14" creationId="{B10760B3-4F78-4D57-A5CB-E1B95BFDBC03}"/>
+          </ac:cxnSpMkLst>
+        </pc:cxnChg>
+        <pc:cxnChg chg="add mod">
+          <ac:chgData name="Fatima Pillosu" userId="a6295d4dc9e22643" providerId="LiveId" clId="{FDA0979D-FCF3-48BF-A18D-D5D049DAD263}" dt="2025-07-10T14:35:38.759" v="508" actId="164"/>
+          <ac:cxnSpMkLst>
+            <pc:docMk/>
+            <pc:sldMk cId="3829304072" sldId="256"/>
+            <ac:cxnSpMk id="15" creationId="{B059ED62-A2DE-C211-EE27-38189DA63A37}"/>
+          </ac:cxnSpMkLst>
+        </pc:cxnChg>
+        <pc:cxnChg chg="add mod">
+          <ac:chgData name="Fatima Pillosu" userId="a6295d4dc9e22643" providerId="LiveId" clId="{FDA0979D-FCF3-48BF-A18D-D5D049DAD263}" dt="2025-07-10T14:43:16.151" v="824" actId="1036"/>
+          <ac:cxnSpMkLst>
+            <pc:docMk/>
+            <pc:sldMk cId="3829304072" sldId="256"/>
+            <ac:cxnSpMk id="55" creationId="{4F69ABAE-7775-42FB-C18D-9856B273834C}"/>
+          </ac:cxnSpMkLst>
+        </pc:cxnChg>
+        <pc:cxnChg chg="add mod">
+          <ac:chgData name="Fatima Pillosu" userId="a6295d4dc9e22643" providerId="LiveId" clId="{FDA0979D-FCF3-48BF-A18D-D5D049DAD263}" dt="2025-07-10T14:43:16.151" v="824" actId="1036"/>
+          <ac:cxnSpMkLst>
+            <pc:docMk/>
+            <pc:sldMk cId="3829304072" sldId="256"/>
+            <ac:cxnSpMk id="57" creationId="{A743AA55-0FF7-4322-F12E-5506ECD3A12B}"/>
+          </ac:cxnSpMkLst>
+        </pc:cxnChg>
+        <pc:cxnChg chg="add mod">
+          <ac:chgData name="Fatima Pillosu" userId="a6295d4dc9e22643" providerId="LiveId" clId="{FDA0979D-FCF3-48BF-A18D-D5D049DAD263}" dt="2025-07-10T14:43:22.010" v="829" actId="1036"/>
+          <ac:cxnSpMkLst>
+            <pc:docMk/>
+            <pc:sldMk cId="3829304072" sldId="256"/>
+            <ac:cxnSpMk id="60" creationId="{CB1BA6C9-E5AA-6103-F92C-4772F924E547}"/>
+          </ac:cxnSpMkLst>
+        </pc:cxnChg>
+        <pc:cxnChg chg="mod">
+          <ac:chgData name="Fatima Pillosu" userId="a6295d4dc9e22643" providerId="LiveId" clId="{FDA0979D-FCF3-48BF-A18D-D5D049DAD263}" dt="2025-07-10T14:43:04.850" v="804"/>
+          <ac:cxnSpMkLst>
+            <pc:docMk/>
+            <pc:sldMk cId="3829304072" sldId="256"/>
+            <ac:cxnSpMk id="63" creationId="{B10760B3-4F78-4D57-A5CB-E1B95BFDBC03}"/>
+          </ac:cxnSpMkLst>
+        </pc:cxnChg>
         <pc:cxnChg chg="mod">
           <ac:chgData name="Fatima Pillosu" userId="a6295d4dc9e22643" providerId="LiveId" clId="{FDA0979D-FCF3-48BF-A18D-D5D049DAD263}" dt="2025-07-10T08:48:48.175" v="143" actId="693"/>
           <ac:cxnSpMkLst>
             <pc:docMk/>
             <pc:sldMk cId="3829304072" sldId="256"/>
             <ac:cxnSpMk id="128" creationId="{CB16476B-BEE9-21B0-5A56-E5017C8B59C9}"/>
+          </ac:cxnSpMkLst>
+        </pc:cxnChg>
+        <pc:cxnChg chg="mod">
+          <ac:chgData name="Fatima Pillosu" userId="a6295d4dc9e22643" providerId="LiveId" clId="{FDA0979D-FCF3-48BF-A18D-D5D049DAD263}" dt="2025-07-10T14:43:04.850" v="804"/>
+          <ac:cxnSpMkLst>
+            <pc:docMk/>
+            <pc:sldMk cId="3829304072" sldId="256"/>
+            <ac:cxnSpMk id="130" creationId="{B059ED62-A2DE-C211-EE27-38189DA63A37}"/>
           </ac:cxnSpMkLst>
         </pc:cxnChg>
         <pc:cxnChg chg="mod">
@@ -1543,8 +2399,8 @@
             <ac:cxnSpMk id="158" creationId="{A743AA55-0FF7-4322-F12E-5506ECD3A12B}"/>
           </ac:cxnSpMkLst>
         </pc:cxnChg>
-        <pc:cxnChg chg="mod">
-          <ac:chgData name="Fatima Pillosu" userId="a6295d4dc9e22643" providerId="LiveId" clId="{FDA0979D-FCF3-48BF-A18D-D5D049DAD263}" dt="2025-07-10T08:52:37.167" v="337"/>
+        <pc:cxnChg chg="del mod topLvl">
+          <ac:chgData name="Fatima Pillosu" userId="a6295d4dc9e22643" providerId="LiveId" clId="{FDA0979D-FCF3-48BF-A18D-D5D049DAD263}" dt="2025-07-10T14:33:34.950" v="460" actId="478"/>
           <ac:cxnSpMkLst>
             <pc:docMk/>
             <pc:sldMk cId="3829304072" sldId="256"/>
@@ -1567,16 +2423,16 @@
             <ac:cxnSpMk id="197" creationId="{1DDDD514-FD01-24BB-F37D-FCE400D310B9}"/>
           </ac:cxnSpMkLst>
         </pc:cxnChg>
-        <pc:cxnChg chg="add mod">
-          <ac:chgData name="Fatima Pillosu" userId="a6295d4dc9e22643" providerId="LiveId" clId="{FDA0979D-FCF3-48BF-A18D-D5D049DAD263}" dt="2025-07-10T08:52:58.291" v="340" actId="1035"/>
+        <pc:cxnChg chg="add del mod">
+          <ac:chgData name="Fatima Pillosu" userId="a6295d4dc9e22643" providerId="LiveId" clId="{FDA0979D-FCF3-48BF-A18D-D5D049DAD263}" dt="2025-07-10T14:42:49.684" v="803" actId="21"/>
           <ac:cxnSpMkLst>
             <pc:docMk/>
             <pc:sldMk cId="3829304072" sldId="256"/>
             <ac:cxnSpMk id="218" creationId="{4F69ABAE-7775-42FB-C18D-9856B273834C}"/>
           </ac:cxnSpMkLst>
         </pc:cxnChg>
-        <pc:cxnChg chg="add mod">
-          <ac:chgData name="Fatima Pillosu" userId="a6295d4dc9e22643" providerId="LiveId" clId="{FDA0979D-FCF3-48BF-A18D-D5D049DAD263}" dt="2025-07-10T08:52:58.291" v="340" actId="1035"/>
+        <pc:cxnChg chg="add del mod">
+          <ac:chgData name="Fatima Pillosu" userId="a6295d4dc9e22643" providerId="LiveId" clId="{FDA0979D-FCF3-48BF-A18D-D5D049DAD263}" dt="2025-07-10T14:42:49.684" v="803" actId="21"/>
           <ac:cxnSpMkLst>
             <pc:docMk/>
             <pc:sldMk cId="3829304072" sldId="256"/>
@@ -1589,6 +2445,60 @@
         <pc:sldMkLst>
           <pc:docMk/>
           <pc:sldMk cId="494028979" sldId="257"/>
+        </pc:sldMkLst>
+      </pc:sldChg>
+      <pc:sldChg chg="addSp delSp modSp new del mod">
+        <pc:chgData name="Fatima Pillosu" userId="a6295d4dc9e22643" providerId="LiveId" clId="{FDA0979D-FCF3-48BF-A18D-D5D049DAD263}" dt="2025-07-10T14:30:26.174" v="413" actId="2696"/>
+        <pc:sldMkLst>
+          <pc:docMk/>
+          <pc:sldMk cId="755188634" sldId="257"/>
+        </pc:sldMkLst>
+        <pc:spChg chg="del">
+          <ac:chgData name="Fatima Pillosu" userId="a6295d4dc9e22643" providerId="LiveId" clId="{FDA0979D-FCF3-48BF-A18D-D5D049DAD263}" dt="2025-07-10T14:28:54.919" v="387" actId="478"/>
+          <ac:spMkLst>
+            <pc:docMk/>
+            <pc:sldMk cId="755188634" sldId="257"/>
+            <ac:spMk id="2" creationId="{78169B07-E8ED-BA54-E520-AEB04CC20B4A}"/>
+          </ac:spMkLst>
+        </pc:spChg>
+        <pc:spChg chg="del">
+          <ac:chgData name="Fatima Pillosu" userId="a6295d4dc9e22643" providerId="LiveId" clId="{FDA0979D-FCF3-48BF-A18D-D5D049DAD263}" dt="2025-07-10T14:28:56.685" v="388" actId="478"/>
+          <ac:spMkLst>
+            <pc:docMk/>
+            <pc:sldMk cId="755188634" sldId="257"/>
+            <ac:spMk id="3" creationId="{DDC5D93E-9F5F-0526-8C18-A7CE05C469CE}"/>
+          </ac:spMkLst>
+        </pc:spChg>
+        <pc:picChg chg="add del mod modCrop">
+          <ac:chgData name="Fatima Pillosu" userId="a6295d4dc9e22643" providerId="LiveId" clId="{FDA0979D-FCF3-48BF-A18D-D5D049DAD263}" dt="2025-07-10T14:30:19.190" v="411" actId="21"/>
+          <ac:picMkLst>
+            <pc:docMk/>
+            <pc:sldMk cId="755188634" sldId="257"/>
+            <ac:picMk id="5" creationId="{83914194-B525-42BB-CDE3-BD089E7E516F}"/>
+          </ac:picMkLst>
+        </pc:picChg>
+        <pc:picChg chg="add del mod modCrop">
+          <ac:chgData name="Fatima Pillosu" userId="a6295d4dc9e22643" providerId="LiveId" clId="{FDA0979D-FCF3-48BF-A18D-D5D049DAD263}" dt="2025-07-10T14:30:19.190" v="411" actId="21"/>
+          <ac:picMkLst>
+            <pc:docMk/>
+            <pc:sldMk cId="755188634" sldId="257"/>
+            <ac:picMk id="7" creationId="{ECB23FD0-0A3B-9FD1-07C1-090A8E5BEEAA}"/>
+          </ac:picMkLst>
+        </pc:picChg>
+        <pc:picChg chg="add del mod modCrop">
+          <ac:chgData name="Fatima Pillosu" userId="a6295d4dc9e22643" providerId="LiveId" clId="{FDA0979D-FCF3-48BF-A18D-D5D049DAD263}" dt="2025-07-10T14:30:19.190" v="411" actId="21"/>
+          <ac:picMkLst>
+            <pc:docMk/>
+            <pc:sldMk cId="755188634" sldId="257"/>
+            <ac:picMk id="9" creationId="{819EEFBA-097C-0AC3-75F7-EC9EE4867C35}"/>
+          </ac:picMkLst>
+        </pc:picChg>
+      </pc:sldChg>
+      <pc:sldChg chg="new del">
+        <pc:chgData name="Fatima Pillosu" userId="a6295d4dc9e22643" providerId="LiveId" clId="{FDA0979D-FCF3-48BF-A18D-D5D049DAD263}" dt="2025-07-10T14:28:50.968" v="385" actId="47"/>
+        <pc:sldMkLst>
+          <pc:docMk/>
+          <pc:sldMk cId="2477284266" sldId="257"/>
         </pc:sldMkLst>
       </pc:sldChg>
     </pc:docChg>
@@ -1625,8 +2535,8 @@
         </p:nvSpPr>
         <p:spPr>
           <a:xfrm>
-            <a:off x="517525" y="382954"/>
-            <a:ext cx="3105150" cy="814658"/>
+            <a:off x="517525" y="412312"/>
+            <a:ext cx="3105150" cy="877112"/>
           </a:xfrm>
         </p:spPr>
         <p:txBody>
@@ -1657,8 +2567,8 @@
         </p:nvSpPr>
         <p:spPr>
           <a:xfrm>
-            <a:off x="517525" y="1229029"/>
-            <a:ext cx="3105150" cy="564952"/>
+            <a:off x="517525" y="1323249"/>
+            <a:ext cx="3105150" cy="608263"/>
           </a:xfrm>
         </p:spPr>
         <p:txBody>
@@ -1778,7 +2688,7 @@
     </p:spTree>
     <p:extLst>
       <p:ext uri="{BB962C8B-B14F-4D97-AF65-F5344CB8AC3E}">
-        <p14:creationId xmlns:p14="http://schemas.microsoft.com/office/powerpoint/2010/main" val="224293738"/>
+        <p14:creationId xmlns:p14="http://schemas.microsoft.com/office/powerpoint/2010/main" val="2728805463"/>
       </p:ext>
     </p:extLst>
   </p:cSld>
@@ -1948,7 +2858,7 @@
     </p:spTree>
     <p:extLst>
       <p:ext uri="{BB962C8B-B14F-4D97-AF65-F5344CB8AC3E}">
-        <p14:creationId xmlns:p14="http://schemas.microsoft.com/office/powerpoint/2010/main" val="2676272986"/>
+        <p14:creationId xmlns:p14="http://schemas.microsoft.com/office/powerpoint/2010/main" val="3504792385"/>
       </p:ext>
     </p:extLst>
   </p:cSld>
@@ -1987,8 +2897,8 @@
         </p:nvSpPr>
         <p:spPr>
           <a:xfrm>
-            <a:off x="2962830" y="124582"/>
-            <a:ext cx="892731" cy="1983021"/>
+            <a:off x="2962830" y="134133"/>
+            <a:ext cx="892731" cy="2135044"/>
           </a:xfrm>
         </p:spPr>
         <p:txBody>
@@ -2015,8 +2925,8 @@
         </p:nvSpPr>
         <p:spPr>
           <a:xfrm>
-            <a:off x="284639" y="124582"/>
-            <a:ext cx="2626439" cy="1983021"/>
+            <a:off x="284639" y="134133"/>
+            <a:ext cx="2626439" cy="2135044"/>
           </a:xfrm>
         </p:spPr>
         <p:txBody>
@@ -2128,7 +3038,7 @@
     </p:spTree>
     <p:extLst>
       <p:ext uri="{BB962C8B-B14F-4D97-AF65-F5344CB8AC3E}">
-        <p14:creationId xmlns:p14="http://schemas.microsoft.com/office/powerpoint/2010/main" val="3029847318"/>
+        <p14:creationId xmlns:p14="http://schemas.microsoft.com/office/powerpoint/2010/main" val="3837327154"/>
       </p:ext>
     </p:extLst>
   </p:cSld>
@@ -2298,7 +3208,7 @@
     </p:spTree>
     <p:extLst>
       <p:ext uri="{BB962C8B-B14F-4D97-AF65-F5344CB8AC3E}">
-        <p14:creationId xmlns:p14="http://schemas.microsoft.com/office/powerpoint/2010/main" val="3884801232"/>
+        <p14:creationId xmlns:p14="http://schemas.microsoft.com/office/powerpoint/2010/main" val="1754416143"/>
       </p:ext>
     </p:extLst>
   </p:cSld>
@@ -2337,8 +3247,8 @@
         </p:nvSpPr>
         <p:spPr>
           <a:xfrm>
-            <a:off x="282482" y="583369"/>
-            <a:ext cx="3570923" cy="973364"/>
+            <a:off x="282482" y="628091"/>
+            <a:ext cx="3570923" cy="1047985"/>
           </a:xfrm>
         </p:spPr>
         <p:txBody>
@@ -2369,8 +3279,8 @@
         </p:nvSpPr>
         <p:spPr>
           <a:xfrm>
-            <a:off x="282482" y="1565942"/>
-            <a:ext cx="3570923" cy="511869"/>
+            <a:off x="282482" y="1685991"/>
+            <a:ext cx="3570923" cy="551110"/>
           </a:xfrm>
         </p:spPr>
         <p:txBody>
@@ -2544,7 +3454,7 @@
     </p:spTree>
     <p:extLst>
       <p:ext uri="{BB962C8B-B14F-4D97-AF65-F5344CB8AC3E}">
-        <p14:creationId xmlns:p14="http://schemas.microsoft.com/office/powerpoint/2010/main" val="1824371923"/>
+        <p14:creationId xmlns:p14="http://schemas.microsoft.com/office/powerpoint/2010/main" val="3358299689"/>
       </p:ext>
     </p:extLst>
   </p:cSld>
@@ -2606,8 +3516,8 @@
         </p:nvSpPr>
         <p:spPr>
           <a:xfrm>
-            <a:off x="284639" y="622910"/>
-            <a:ext cx="1759585" cy="1484693"/>
+            <a:off x="284639" y="670664"/>
+            <a:ext cx="1759585" cy="1598513"/>
           </a:xfrm>
         </p:spPr>
         <p:txBody>
@@ -2663,8 +3573,8 @@
         </p:nvSpPr>
         <p:spPr>
           <a:xfrm>
-            <a:off x="2095976" y="622910"/>
-            <a:ext cx="1759585" cy="1484693"/>
+            <a:off x="2095976" y="670664"/>
+            <a:ext cx="1759585" cy="1598513"/>
           </a:xfrm>
         </p:spPr>
         <p:txBody>
@@ -2776,7 +3686,7 @@
     </p:spTree>
     <p:extLst>
       <p:ext uri="{BB962C8B-B14F-4D97-AF65-F5344CB8AC3E}">
-        <p14:creationId xmlns:p14="http://schemas.microsoft.com/office/powerpoint/2010/main" val="2030229613"/>
+        <p14:creationId xmlns:p14="http://schemas.microsoft.com/office/powerpoint/2010/main" val="2965957286"/>
       </p:ext>
     </p:extLst>
   </p:cSld>
@@ -2815,8 +3725,8 @@
         </p:nvSpPr>
         <p:spPr>
           <a:xfrm>
-            <a:off x="285178" y="124582"/>
-            <a:ext cx="3570923" cy="452287"/>
+            <a:off x="285178" y="134133"/>
+            <a:ext cx="3570923" cy="486960"/>
           </a:xfrm>
         </p:spPr>
         <p:txBody>
@@ -2843,8 +3753,8 @@
         </p:nvSpPr>
         <p:spPr>
           <a:xfrm>
-            <a:off x="285178" y="573619"/>
-            <a:ext cx="1751499" cy="281122"/>
+            <a:off x="285178" y="617594"/>
+            <a:ext cx="1751499" cy="302673"/>
           </a:xfrm>
         </p:spPr>
         <p:txBody>
@@ -2908,8 +3818,8 @@
         </p:nvSpPr>
         <p:spPr>
           <a:xfrm>
-            <a:off x="285178" y="854741"/>
-            <a:ext cx="1751499" cy="1257195"/>
+            <a:off x="285178" y="920267"/>
+            <a:ext cx="1751499" cy="1353575"/>
           </a:xfrm>
         </p:spPr>
         <p:txBody>
@@ -2965,8 +3875,8 @@
         </p:nvSpPr>
         <p:spPr>
           <a:xfrm>
-            <a:off x="2095976" y="573619"/>
-            <a:ext cx="1760124" cy="281122"/>
+            <a:off x="2095976" y="617594"/>
+            <a:ext cx="1760124" cy="302673"/>
           </a:xfrm>
         </p:spPr>
         <p:txBody>
@@ -3030,8 +3940,8 @@
         </p:nvSpPr>
         <p:spPr>
           <a:xfrm>
-            <a:off x="2095976" y="854741"/>
-            <a:ext cx="1760124" cy="1257195"/>
+            <a:off x="2095976" y="920267"/>
+            <a:ext cx="1760124" cy="1353575"/>
           </a:xfrm>
         </p:spPr>
         <p:txBody>
@@ -3143,7 +4053,7 @@
     </p:spTree>
     <p:extLst>
       <p:ext uri="{BB962C8B-B14F-4D97-AF65-F5344CB8AC3E}">
-        <p14:creationId xmlns:p14="http://schemas.microsoft.com/office/powerpoint/2010/main" val="3360777217"/>
+        <p14:creationId xmlns:p14="http://schemas.microsoft.com/office/powerpoint/2010/main" val="2337430042"/>
       </p:ext>
     </p:extLst>
   </p:cSld>
@@ -3261,7 +4171,7 @@
     </p:spTree>
     <p:extLst>
       <p:ext uri="{BB962C8B-B14F-4D97-AF65-F5344CB8AC3E}">
-        <p14:creationId xmlns:p14="http://schemas.microsoft.com/office/powerpoint/2010/main" val="3985045748"/>
+        <p14:creationId xmlns:p14="http://schemas.microsoft.com/office/powerpoint/2010/main" val="3778431377"/>
       </p:ext>
     </p:extLst>
   </p:cSld>
@@ -3356,7 +4266,7 @@
     </p:spTree>
     <p:extLst>
       <p:ext uri="{BB962C8B-B14F-4D97-AF65-F5344CB8AC3E}">
-        <p14:creationId xmlns:p14="http://schemas.microsoft.com/office/powerpoint/2010/main" val="30969725"/>
+        <p14:creationId xmlns:p14="http://schemas.microsoft.com/office/powerpoint/2010/main" val="1180983953"/>
       </p:ext>
     </p:extLst>
   </p:cSld>
@@ -3395,8 +4305,8 @@
         </p:nvSpPr>
         <p:spPr>
           <a:xfrm>
-            <a:off x="285178" y="155998"/>
-            <a:ext cx="1335322" cy="545994"/>
+            <a:off x="285178" y="167958"/>
+            <a:ext cx="1335322" cy="587851"/>
           </a:xfrm>
         </p:spPr>
         <p:txBody>
@@ -3427,8 +4337,8 @@
         </p:nvSpPr>
         <p:spPr>
           <a:xfrm>
-            <a:off x="1760124" y="336913"/>
-            <a:ext cx="2095976" cy="1662899"/>
+            <a:off x="1760124" y="362742"/>
+            <a:ext cx="2095976" cy="1790381"/>
           </a:xfrm>
         </p:spPr>
         <p:txBody>
@@ -3512,8 +4422,8 @@
         </p:nvSpPr>
         <p:spPr>
           <a:xfrm>
-            <a:off x="285178" y="701992"/>
-            <a:ext cx="1335322" cy="1300528"/>
+            <a:off x="285178" y="755809"/>
+            <a:ext cx="1335322" cy="1400229"/>
           </a:xfrm>
         </p:spPr>
         <p:txBody>
@@ -3633,7 +4543,7 @@
     </p:spTree>
     <p:extLst>
       <p:ext uri="{BB962C8B-B14F-4D97-AF65-F5344CB8AC3E}">
-        <p14:creationId xmlns:p14="http://schemas.microsoft.com/office/powerpoint/2010/main" val="3580397813"/>
+        <p14:creationId xmlns:p14="http://schemas.microsoft.com/office/powerpoint/2010/main" val="605157747"/>
       </p:ext>
     </p:extLst>
   </p:cSld>
@@ -3672,8 +4582,8 @@
         </p:nvSpPr>
         <p:spPr>
           <a:xfrm>
-            <a:off x="285178" y="155998"/>
-            <a:ext cx="1335322" cy="545994"/>
+            <a:off x="285178" y="167958"/>
+            <a:ext cx="1335322" cy="587851"/>
           </a:xfrm>
         </p:spPr>
         <p:txBody>
@@ -3704,8 +4614,8 @@
         </p:nvSpPr>
         <p:spPr>
           <a:xfrm>
-            <a:off x="1760124" y="336913"/>
-            <a:ext cx="2095976" cy="1662899"/>
+            <a:off x="1760124" y="362742"/>
+            <a:ext cx="2095976" cy="1790381"/>
           </a:xfrm>
         </p:spPr>
         <p:txBody>
@@ -3769,8 +4679,8 @@
         </p:nvSpPr>
         <p:spPr>
           <a:xfrm>
-            <a:off x="285178" y="701992"/>
-            <a:ext cx="1335322" cy="1300528"/>
+            <a:off x="285178" y="755809"/>
+            <a:ext cx="1335322" cy="1400229"/>
           </a:xfrm>
         </p:spPr>
         <p:txBody>
@@ -3890,7 +4800,7 @@
     </p:spTree>
     <p:extLst>
       <p:ext uri="{BB962C8B-B14F-4D97-AF65-F5344CB8AC3E}">
-        <p14:creationId xmlns:p14="http://schemas.microsoft.com/office/powerpoint/2010/main" val="2201276153"/>
+        <p14:creationId xmlns:p14="http://schemas.microsoft.com/office/powerpoint/2010/main" val="3719422511"/>
       </p:ext>
     </p:extLst>
   </p:cSld>
@@ -3934,8 +4844,8 @@
         </p:nvSpPr>
         <p:spPr>
           <a:xfrm>
-            <a:off x="284639" y="124582"/>
-            <a:ext cx="3570923" cy="452287"/>
+            <a:off x="284639" y="134133"/>
+            <a:ext cx="3570923" cy="486960"/>
           </a:xfrm>
           <a:prstGeom prst="rect">
             <a:avLst/>
@@ -3967,8 +4877,8 @@
         </p:nvSpPr>
         <p:spPr>
           <a:xfrm>
-            <a:off x="284639" y="622910"/>
-            <a:ext cx="3570923" cy="1484693"/>
+            <a:off x="284639" y="670664"/>
+            <a:ext cx="3570923" cy="1598513"/>
           </a:xfrm>
           <a:prstGeom prst="rect">
             <a:avLst/>
@@ -4029,8 +4939,8 @@
         </p:nvSpPr>
         <p:spPr>
           <a:xfrm>
-            <a:off x="284639" y="2168810"/>
-            <a:ext cx="931545" cy="124582"/>
+            <a:off x="284639" y="2335076"/>
+            <a:ext cx="931545" cy="134133"/>
           </a:xfrm>
           <a:prstGeom prst="rect">
             <a:avLst/>
@@ -4070,8 +4980,8 @@
         </p:nvSpPr>
         <p:spPr>
           <a:xfrm>
-            <a:off x="1371441" y="2168810"/>
-            <a:ext cx="1397318" cy="124582"/>
+            <a:off x="1371441" y="2335076"/>
+            <a:ext cx="1397318" cy="134133"/>
           </a:xfrm>
           <a:prstGeom prst="rect">
             <a:avLst/>
@@ -4107,8 +5017,8 @@
         </p:nvSpPr>
         <p:spPr>
           <a:xfrm>
-            <a:off x="2924016" y="2168810"/>
-            <a:ext cx="931545" cy="124582"/>
+            <a:off x="2924016" y="2335076"/>
+            <a:ext cx="931545" cy="134133"/>
           </a:xfrm>
           <a:prstGeom prst="rect">
             <a:avLst/>
@@ -4139,23 +5049,23 @@
     </p:spTree>
     <p:extLst>
       <p:ext uri="{BB962C8B-B14F-4D97-AF65-F5344CB8AC3E}">
-        <p14:creationId xmlns:p14="http://schemas.microsoft.com/office/powerpoint/2010/main" val="731214181"/>
+        <p14:creationId xmlns:p14="http://schemas.microsoft.com/office/powerpoint/2010/main" val="83487992"/>
       </p:ext>
     </p:extLst>
   </p:cSld>
   <p:clrMap bg1="lt1" tx1="dk1" bg2="lt2" tx2="dk2" accent1="accent1" accent2="accent2" accent3="accent3" accent4="accent4" accent5="accent5" accent6="accent6" hlink="hlink" folHlink="folHlink"/>
   <p:sldLayoutIdLst>
-    <p:sldLayoutId id="2147483685" r:id="rId1"/>
-    <p:sldLayoutId id="2147483686" r:id="rId2"/>
-    <p:sldLayoutId id="2147483687" r:id="rId3"/>
-    <p:sldLayoutId id="2147483688" r:id="rId4"/>
-    <p:sldLayoutId id="2147483689" r:id="rId5"/>
-    <p:sldLayoutId id="2147483690" r:id="rId6"/>
-    <p:sldLayoutId id="2147483691" r:id="rId7"/>
-    <p:sldLayoutId id="2147483692" r:id="rId8"/>
-    <p:sldLayoutId id="2147483693" r:id="rId9"/>
-    <p:sldLayoutId id="2147483694" r:id="rId10"/>
-    <p:sldLayoutId id="2147483695" r:id="rId11"/>
+    <p:sldLayoutId id="2147483697" r:id="rId1"/>
+    <p:sldLayoutId id="2147483698" r:id="rId2"/>
+    <p:sldLayoutId id="2147483699" r:id="rId3"/>
+    <p:sldLayoutId id="2147483700" r:id="rId4"/>
+    <p:sldLayoutId id="2147483701" r:id="rId5"/>
+    <p:sldLayoutId id="2147483702" r:id="rId6"/>
+    <p:sldLayoutId id="2147483703" r:id="rId7"/>
+    <p:sldLayoutId id="2147483704" r:id="rId8"/>
+    <p:sldLayoutId id="2147483705" r:id="rId9"/>
+    <p:sldLayoutId id="2147483706" r:id="rId10"/>
+    <p:sldLayoutId id="2147483707" r:id="rId11"/>
   </p:sldLayoutIdLst>
   <p:txStyles>
     <p:titleStyle>
@@ -4459,10 +5369,10 @@
       </p:grpSpPr>
       <p:pic>
         <p:nvPicPr>
-          <p:cNvPr id="160" name="Picture 159">
+          <p:cNvPr id="25" name="Picture 24" descr="A graph with blue line&#10;&#10;AI-generated content may be incorrect.">
             <a:extLst>
               <a:ext uri="{FF2B5EF4-FFF2-40B4-BE49-F238E27FC236}">
-                <a16:creationId xmlns:a16="http://schemas.microsoft.com/office/drawing/2014/main" id="{118F694B-9CFC-6038-7DCA-FE64DD489B6A}"/>
+                <a16:creationId xmlns:a16="http://schemas.microsoft.com/office/drawing/2014/main" id="{83914194-B525-42BB-CDE3-BD089E7E516F}"/>
               </a:ext>
             </a:extLst>
           </p:cNvPr>
@@ -4472,45 +5382,20 @@
           <p:nvPr/>
         </p:nvPicPr>
         <p:blipFill>
-          <a:blip r:embed="rId2"/>
-          <a:stretch>
-            <a:fillRect/>
-          </a:stretch>
+          <a:blip r:embed="rId2">
+            <a:extLst>
+              <a:ext uri="{28A0092B-C50C-407E-A947-70E740481C1C}">
+                <a14:useLocalDpi xmlns:a14="http://schemas.microsoft.com/office/drawing/2010/main" val="0"/>
+              </a:ext>
+            </a:extLst>
+          </a:blip>
+          <a:srcRect l="10727" t="3921" r="12606" b="21170"/>
+          <a:stretch/>
         </p:blipFill>
         <p:spPr>
           <a:xfrm>
-            <a:off x="3359327" y="2248797"/>
-            <a:ext cx="117000" cy="72000"/>
-          </a:xfrm>
-          <a:prstGeom prst="rect">
-            <a:avLst/>
-          </a:prstGeom>
-        </p:spPr>
-      </p:pic>
-      <p:pic>
-        <p:nvPicPr>
-          <p:cNvPr id="161" name="Picture 160">
-            <a:extLst>
-              <a:ext uri="{FF2B5EF4-FFF2-40B4-BE49-F238E27FC236}">
-                <a16:creationId xmlns:a16="http://schemas.microsoft.com/office/drawing/2014/main" id="{0D36CC73-F624-8636-88AC-C4259BFBB842}"/>
-              </a:ext>
-            </a:extLst>
-          </p:cNvPr>
-          <p:cNvPicPr>
-            <a:picLocks noChangeAspect="1"/>
-          </p:cNvPicPr>
-          <p:nvPr/>
-        </p:nvPicPr>
-        <p:blipFill>
-          <a:blip r:embed="rId3"/>
-          <a:stretch>
-            <a:fillRect/>
-          </a:stretch>
-        </p:blipFill>
-        <p:spPr>
-          <a:xfrm>
-            <a:off x="3040534" y="2248797"/>
-            <a:ext cx="117000" cy="72000"/>
+            <a:off x="183118" y="1138887"/>
+            <a:ext cx="1080000" cy="1080000"/>
           </a:xfrm>
           <a:prstGeom prst="rect">
             <a:avLst/>
@@ -4519,7 +5404,7 @@
       </p:pic>
       <p:sp>
         <p:nvSpPr>
-          <p:cNvPr id="162" name="Rectangle 161">
+          <p:cNvPr id="26" name="Rectangle 25">
             <a:extLst>
               <a:ext uri="{FF2B5EF4-FFF2-40B4-BE49-F238E27FC236}">
                 <a16:creationId xmlns:a16="http://schemas.microsoft.com/office/drawing/2014/main" id="{9871467D-0D41-3DE2-7548-6C7AC226404F}"/>
@@ -4641,7 +5526,7 @@
       </p:sp>
       <p:sp>
         <p:nvSpPr>
-          <p:cNvPr id="163" name="Rectangle 162">
+          <p:cNvPr id="27" name="Rectangle 26">
             <a:extLst>
               <a:ext uri="{FF2B5EF4-FFF2-40B4-BE49-F238E27FC236}">
                 <a16:creationId xmlns:a16="http://schemas.microsoft.com/office/drawing/2014/main" id="{8A1DCA13-5A05-B0DA-DC5F-7F04552704C2}"/>
@@ -4653,7 +5538,7 @@
         </p:nvSpPr>
         <p:spPr>
           <a:xfrm rot="5400000">
-            <a:off x="629325" y="553524"/>
+            <a:off x="629325" y="522379"/>
             <a:ext cx="137522" cy="1080000"/>
           </a:xfrm>
           <a:prstGeom prst="rect">
@@ -4713,7 +5598,7 @@
       </p:sp>
       <p:sp>
         <p:nvSpPr>
-          <p:cNvPr id="164" name="Rectangle 163">
+          <p:cNvPr id="28" name="Rectangle 27">
             <a:extLst>
               <a:ext uri="{FF2B5EF4-FFF2-40B4-BE49-F238E27FC236}">
                 <a16:creationId xmlns:a16="http://schemas.microsoft.com/office/drawing/2014/main" id="{7524E92B-41E5-BE9B-9C15-3276156CFC56}"/>
@@ -4725,7 +5610,7 @@
         </p:nvSpPr>
         <p:spPr>
           <a:xfrm rot="5400000">
-            <a:off x="3566" y="1068156"/>
+            <a:off x="3566" y="1037011"/>
             <a:ext cx="189979" cy="220337"/>
           </a:xfrm>
           <a:prstGeom prst="rect">
@@ -4785,7 +5670,7 @@
       </p:sp>
       <p:sp>
         <p:nvSpPr>
-          <p:cNvPr id="165" name="Rectangle 164">
+          <p:cNvPr id="29" name="Rectangle 28">
             <a:extLst>
               <a:ext uri="{FF2B5EF4-FFF2-40B4-BE49-F238E27FC236}">
                 <a16:creationId xmlns:a16="http://schemas.microsoft.com/office/drawing/2014/main" id="{CE31CED2-52A1-08CC-4307-379FA4392489}"/>
@@ -4797,7 +5682,7 @@
         </p:nvSpPr>
         <p:spPr>
           <a:xfrm rot="5400000">
-            <a:off x="3566" y="1480292"/>
+            <a:off x="3566" y="1461803"/>
             <a:ext cx="189979" cy="220337"/>
           </a:xfrm>
           <a:prstGeom prst="rect">
@@ -4857,7 +5742,7 @@
       </p:sp>
       <p:sp>
         <p:nvSpPr>
-          <p:cNvPr id="166" name="Rectangle 165">
+          <p:cNvPr id="30" name="Rectangle 29">
             <a:extLst>
               <a:ext uri="{FF2B5EF4-FFF2-40B4-BE49-F238E27FC236}">
                 <a16:creationId xmlns:a16="http://schemas.microsoft.com/office/drawing/2014/main" id="{AAB84623-40FA-D0F8-CB9B-42608D1B7BB5}"/>
@@ -4869,7 +5754,7 @@
         </p:nvSpPr>
         <p:spPr>
           <a:xfrm rot="5400000">
-            <a:off x="3566" y="1686360"/>
+            <a:off x="3566" y="1671035"/>
             <a:ext cx="189979" cy="220337"/>
           </a:xfrm>
           <a:prstGeom prst="rect">
@@ -4929,7 +5814,7 @@
       </p:sp>
       <p:sp>
         <p:nvSpPr>
-          <p:cNvPr id="167" name="Rectangle 166">
+          <p:cNvPr id="31" name="Rectangle 30">
             <a:extLst>
               <a:ext uri="{FF2B5EF4-FFF2-40B4-BE49-F238E27FC236}">
                 <a16:creationId xmlns:a16="http://schemas.microsoft.com/office/drawing/2014/main" id="{0C1FBA06-B667-EC2B-9B3F-24201CE3E9D5}"/>
@@ -4941,7 +5826,7 @@
         </p:nvSpPr>
         <p:spPr>
           <a:xfrm rot="5400000">
-            <a:off x="3566" y="1892428"/>
+            <a:off x="3566" y="1880267"/>
             <a:ext cx="189979" cy="220337"/>
           </a:xfrm>
           <a:prstGeom prst="rect">
@@ -5001,7 +5886,7 @@
       </p:sp>
       <p:sp>
         <p:nvSpPr>
-          <p:cNvPr id="168" name="Rectangle 167">
+          <p:cNvPr id="32" name="Rectangle 31">
             <a:extLst>
               <a:ext uri="{FF2B5EF4-FFF2-40B4-BE49-F238E27FC236}">
                 <a16:creationId xmlns:a16="http://schemas.microsoft.com/office/drawing/2014/main" id="{224B07A3-CA72-DB35-A371-2567F5963C86}"/>
@@ -5013,7 +5898,7 @@
         </p:nvSpPr>
         <p:spPr>
           <a:xfrm rot="5400000">
-            <a:off x="3566" y="2098498"/>
+            <a:off x="3566" y="2086337"/>
             <a:ext cx="189979" cy="220337"/>
           </a:xfrm>
           <a:prstGeom prst="rect">
@@ -5073,7 +5958,7 @@
       </p:sp>
       <p:sp>
         <p:nvSpPr>
-          <p:cNvPr id="169" name="Rectangle 168">
+          <p:cNvPr id="33" name="Rectangle 32">
             <a:extLst>
               <a:ext uri="{FF2B5EF4-FFF2-40B4-BE49-F238E27FC236}">
                 <a16:creationId xmlns:a16="http://schemas.microsoft.com/office/drawing/2014/main" id="{7B1469EB-6272-5CF2-9772-F044D8EDE1DD}"/>
@@ -5085,7 +5970,7 @@
         </p:nvSpPr>
         <p:spPr>
           <a:xfrm rot="5400000">
-            <a:off x="3565" y="1274224"/>
+            <a:off x="3565" y="1249407"/>
             <a:ext cx="189979" cy="220337"/>
           </a:xfrm>
           <a:prstGeom prst="rect">
@@ -5145,7 +6030,7 @@
       </p:sp>
       <p:sp>
         <p:nvSpPr>
-          <p:cNvPr id="170" name="Rectangle 169">
+          <p:cNvPr id="34" name="Rectangle 33">
             <a:extLst>
               <a:ext uri="{FF2B5EF4-FFF2-40B4-BE49-F238E27FC236}">
                 <a16:creationId xmlns:a16="http://schemas.microsoft.com/office/drawing/2014/main" id="{1ECB7435-E064-1E9B-0FF1-FC41EFCE2178}"/>
@@ -5157,7 +6042,7 @@
         </p:nvSpPr>
         <p:spPr>
           <a:xfrm rot="5400000">
-            <a:off x="2088217" y="551522"/>
+            <a:off x="2088217" y="520377"/>
             <a:ext cx="137524" cy="1060798"/>
           </a:xfrm>
           <a:prstGeom prst="rect">
@@ -5217,7 +6102,7 @@
       </p:sp>
       <p:sp>
         <p:nvSpPr>
-          <p:cNvPr id="171" name="Rectangle 170">
+          <p:cNvPr id="35" name="Rectangle 34">
             <a:extLst>
               <a:ext uri="{FF2B5EF4-FFF2-40B4-BE49-F238E27FC236}">
                 <a16:creationId xmlns:a16="http://schemas.microsoft.com/office/drawing/2014/main" id="{2BB238A4-8152-65E1-3BEA-185CF6B4DD96}"/>
@@ -5229,7 +6114,7 @@
         </p:nvSpPr>
         <p:spPr>
           <a:xfrm rot="5400000">
-            <a:off x="3493941" y="563125"/>
+            <a:off x="3493941" y="531980"/>
             <a:ext cx="137523" cy="1060797"/>
           </a:xfrm>
           <a:prstGeom prst="rect">
@@ -5289,7 +6174,7 @@
       </p:sp>
       <p:sp>
         <p:nvSpPr>
-          <p:cNvPr id="172" name="Rectangle 171">
+          <p:cNvPr id="36" name="Rectangle 35">
             <a:extLst>
               <a:ext uri="{FF2B5EF4-FFF2-40B4-BE49-F238E27FC236}">
                 <a16:creationId xmlns:a16="http://schemas.microsoft.com/office/drawing/2014/main" id="{8A099BDB-6D80-BBA4-164C-C69FE60FAC68}"/>
@@ -5301,7 +6186,7 @@
         </p:nvSpPr>
         <p:spPr>
           <a:xfrm rot="5400000">
-            <a:off x="1388549" y="1012543"/>
+            <a:off x="1388549" y="1003546"/>
             <a:ext cx="189979" cy="286082"/>
           </a:xfrm>
           <a:prstGeom prst="rect">
@@ -5361,7 +6246,7 @@
       </p:sp>
       <p:sp>
         <p:nvSpPr>
-          <p:cNvPr id="173" name="Rectangle 172">
+          <p:cNvPr id="37" name="Rectangle 36">
             <a:extLst>
               <a:ext uri="{FF2B5EF4-FFF2-40B4-BE49-F238E27FC236}">
                 <a16:creationId xmlns:a16="http://schemas.microsoft.com/office/drawing/2014/main" id="{2AF7D3A9-0D14-A42A-5306-169CBA33ADAD}"/>
@@ -5373,7 +6258,7 @@
         </p:nvSpPr>
         <p:spPr>
           <a:xfrm rot="5400000">
-            <a:off x="1388549" y="1162713"/>
+            <a:off x="1388549" y="1153716"/>
             <a:ext cx="189979" cy="286082"/>
           </a:xfrm>
           <a:prstGeom prst="rect">
@@ -5433,10 +6318,10 @@
       </p:sp>
       <p:sp>
         <p:nvSpPr>
-          <p:cNvPr id="174" name="Rectangle 173">
+          <p:cNvPr id="38" name="Rectangle 37">
             <a:extLst>
               <a:ext uri="{FF2B5EF4-FFF2-40B4-BE49-F238E27FC236}">
-                <a16:creationId xmlns:a16="http://schemas.microsoft.com/office/drawing/2014/main" id="{4E7F4EDB-0B5F-ABBD-497C-173455376A2A}"/>
+                <a16:creationId xmlns:a16="http://schemas.microsoft.com/office/drawing/2014/main" id="{D5B43F26-BC11-13F3-A796-55836A48EBD8}"/>
               </a:ext>
             </a:extLst>
           </p:cNvPr>
@@ -5445,7 +6330,7 @@
         </p:nvSpPr>
         <p:spPr>
           <a:xfrm rot="5400000">
-            <a:off x="1388549" y="1312883"/>
+            <a:off x="1388549" y="1754396"/>
             <a:ext cx="189979" cy="286082"/>
           </a:xfrm>
           <a:prstGeom prst="rect">
@@ -5488,7 +6373,7 @@
                 <a:latin typeface="Calibri Light" panose="020F0302020204030204" pitchFamily="34" charset="0"/>
                 <a:cs typeface="Calibri Light" panose="020F0302020204030204" pitchFamily="34" charset="0"/>
               </a:rPr>
-              <a:t>0.05</a:t>
+              <a:t>0.02</a:t>
             </a:r>
             <a:endParaRPr lang="en-GB" sz="800" dirty="0">
               <a:solidFill>
@@ -5505,10 +6390,10 @@
       </p:sp>
       <p:sp>
         <p:nvSpPr>
-          <p:cNvPr id="175" name="Rectangle 174">
+          <p:cNvPr id="39" name="Rectangle 38">
             <a:extLst>
               <a:ext uri="{FF2B5EF4-FFF2-40B4-BE49-F238E27FC236}">
-                <a16:creationId xmlns:a16="http://schemas.microsoft.com/office/drawing/2014/main" id="{EEB0C3C2-3EED-B645-C34B-1C3A61468F43}"/>
+                <a16:creationId xmlns:a16="http://schemas.microsoft.com/office/drawing/2014/main" id="{5C335FEE-86F9-A1DF-0480-C5BD84AC8B16}"/>
               </a:ext>
             </a:extLst>
           </p:cNvPr>
@@ -5517,7 +6402,7 @@
         </p:nvSpPr>
         <p:spPr>
           <a:xfrm rot="5400000">
-            <a:off x="1388549" y="1463053"/>
+            <a:off x="1388549" y="1910894"/>
             <a:ext cx="189979" cy="286082"/>
           </a:xfrm>
           <a:prstGeom prst="rect">
@@ -5560,7 +6445,7 @@
                 <a:latin typeface="Calibri Light" panose="020F0302020204030204" pitchFamily="34" charset="0"/>
                 <a:cs typeface="Calibri Light" panose="020F0302020204030204" pitchFamily="34" charset="0"/>
               </a:rPr>
-              <a:t>0.04</a:t>
+              <a:t>0.01</a:t>
             </a:r>
             <a:endParaRPr lang="en-GB" sz="800" dirty="0">
               <a:solidFill>
@@ -5577,10 +6462,10 @@
       </p:sp>
       <p:sp>
         <p:nvSpPr>
-          <p:cNvPr id="176" name="Rectangle 175">
+          <p:cNvPr id="40" name="Rectangle 39">
             <a:extLst>
               <a:ext uri="{FF2B5EF4-FFF2-40B4-BE49-F238E27FC236}">
-                <a16:creationId xmlns:a16="http://schemas.microsoft.com/office/drawing/2014/main" id="{6FEC7F9F-2C7A-396B-AEEC-B925C19B970E}"/>
+                <a16:creationId xmlns:a16="http://schemas.microsoft.com/office/drawing/2014/main" id="{0EA7C0D2-8839-773E-E59C-AB1361216F81}"/>
               </a:ext>
             </a:extLst>
           </p:cNvPr>
@@ -5589,7 +6474,7 @@
         </p:nvSpPr>
         <p:spPr>
           <a:xfrm rot="5400000">
-            <a:off x="1388549" y="1613223"/>
+            <a:off x="1388549" y="2057900"/>
             <a:ext cx="189979" cy="286082"/>
           </a:xfrm>
           <a:prstGeom prst="rect">
@@ -5632,7 +6517,7 @@
                 <a:latin typeface="Calibri Light" panose="020F0302020204030204" pitchFamily="34" charset="0"/>
                 <a:cs typeface="Calibri Light" panose="020F0302020204030204" pitchFamily="34" charset="0"/>
               </a:rPr>
-              <a:t>0.03</a:t>
+              <a:t>0</a:t>
             </a:r>
             <a:endParaRPr lang="en-GB" sz="800" dirty="0">
               <a:solidFill>
@@ -5649,10 +6534,10 @@
       </p:sp>
       <p:sp>
         <p:nvSpPr>
-          <p:cNvPr id="177" name="Rectangle 176">
+          <p:cNvPr id="41" name="Rectangle 40">
             <a:extLst>
               <a:ext uri="{FF2B5EF4-FFF2-40B4-BE49-F238E27FC236}">
-                <a16:creationId xmlns:a16="http://schemas.microsoft.com/office/drawing/2014/main" id="{D5B43F26-BC11-13F3-A796-55836A48EBD8}"/>
+                <a16:creationId xmlns:a16="http://schemas.microsoft.com/office/drawing/2014/main" id="{3820E193-BB63-DBF2-2390-BAAB4A3E6E31}"/>
               </a:ext>
             </a:extLst>
           </p:cNvPr>
@@ -5661,7 +6546,7 @@
         </p:nvSpPr>
         <p:spPr>
           <a:xfrm rot="5400000">
-            <a:off x="1388549" y="1763393"/>
+            <a:off x="2820966" y="1006346"/>
             <a:ext cx="189979" cy="286082"/>
           </a:xfrm>
           <a:prstGeom prst="rect">
@@ -5704,7 +6589,7 @@
                 <a:latin typeface="Calibri Light" panose="020F0302020204030204" pitchFamily="34" charset="0"/>
                 <a:cs typeface="Calibri Light" panose="020F0302020204030204" pitchFamily="34" charset="0"/>
               </a:rPr>
-              <a:t>0.02</a:t>
+              <a:t>2</a:t>
             </a:r>
             <a:endParaRPr lang="en-GB" sz="800" dirty="0">
               <a:solidFill>
@@ -5721,10 +6606,10 @@
       </p:sp>
       <p:sp>
         <p:nvSpPr>
-          <p:cNvPr id="178" name="Rectangle 177">
+          <p:cNvPr id="42" name="Rectangle 41">
             <a:extLst>
               <a:ext uri="{FF2B5EF4-FFF2-40B4-BE49-F238E27FC236}">
-                <a16:creationId xmlns:a16="http://schemas.microsoft.com/office/drawing/2014/main" id="{5C335FEE-86F9-A1DF-0480-C5BD84AC8B16}"/>
+                <a16:creationId xmlns:a16="http://schemas.microsoft.com/office/drawing/2014/main" id="{04532465-1A1F-43D1-8C13-845C6B8A1732}"/>
               </a:ext>
             </a:extLst>
           </p:cNvPr>
@@ -5733,7 +6618,7 @@
         </p:nvSpPr>
         <p:spPr>
           <a:xfrm rot="5400000">
-            <a:off x="1388549" y="1913563"/>
+            <a:off x="2820966" y="1134565"/>
             <a:ext cx="189979" cy="286082"/>
           </a:xfrm>
           <a:prstGeom prst="rect">
@@ -5776,7 +6661,7 @@
                 <a:latin typeface="Calibri Light" panose="020F0302020204030204" pitchFamily="34" charset="0"/>
                 <a:cs typeface="Calibri Light" panose="020F0302020204030204" pitchFamily="34" charset="0"/>
               </a:rPr>
-              <a:t>0.01</a:t>
+              <a:t>1.75</a:t>
             </a:r>
             <a:endParaRPr lang="en-GB" sz="800" dirty="0">
               <a:solidFill>
@@ -5793,10 +6678,10 @@
       </p:sp>
       <p:sp>
         <p:nvSpPr>
-          <p:cNvPr id="179" name="Rectangle 178">
+          <p:cNvPr id="43" name="Rectangle 42">
             <a:extLst>
               <a:ext uri="{FF2B5EF4-FFF2-40B4-BE49-F238E27FC236}">
-                <a16:creationId xmlns:a16="http://schemas.microsoft.com/office/drawing/2014/main" id="{0EA7C0D2-8839-773E-E59C-AB1361216F81}"/>
+                <a16:creationId xmlns:a16="http://schemas.microsoft.com/office/drawing/2014/main" id="{BBAB9E90-7CA1-1F07-BA50-44CC6719896A}"/>
               </a:ext>
             </a:extLst>
           </p:cNvPr>
@@ -5805,7 +6690,7 @@
         </p:nvSpPr>
         <p:spPr>
           <a:xfrm rot="5400000">
-            <a:off x="1388549" y="2063733"/>
+            <a:off x="2820966" y="1265948"/>
             <a:ext cx="189979" cy="286082"/>
           </a:xfrm>
           <a:prstGeom prst="rect">
@@ -5848,7 +6733,7 @@
                 <a:latin typeface="Calibri Light" panose="020F0302020204030204" pitchFamily="34" charset="0"/>
                 <a:cs typeface="Calibri Light" panose="020F0302020204030204" pitchFamily="34" charset="0"/>
               </a:rPr>
-              <a:t>0</a:t>
+              <a:t>1.5</a:t>
             </a:r>
             <a:endParaRPr lang="en-GB" sz="800" dirty="0">
               <a:solidFill>
@@ -5865,10 +6750,10 @@
       </p:sp>
       <p:sp>
         <p:nvSpPr>
-          <p:cNvPr id="180" name="Rectangle 179">
+          <p:cNvPr id="44" name="Rectangle 43">
             <a:extLst>
               <a:ext uri="{FF2B5EF4-FFF2-40B4-BE49-F238E27FC236}">
-                <a16:creationId xmlns:a16="http://schemas.microsoft.com/office/drawing/2014/main" id="{3820E193-BB63-DBF2-2390-BAAB4A3E6E31}"/>
+                <a16:creationId xmlns:a16="http://schemas.microsoft.com/office/drawing/2014/main" id="{6E096800-DD13-581C-DB3D-446395B3B724}"/>
               </a:ext>
             </a:extLst>
           </p:cNvPr>
@@ -5877,7 +6762,7 @@
         </p:nvSpPr>
         <p:spPr>
           <a:xfrm rot="5400000">
-            <a:off x="2820966" y="1037491"/>
+            <a:off x="2820966" y="1791480"/>
             <a:ext cx="189979" cy="286082"/>
           </a:xfrm>
           <a:prstGeom prst="rect">
@@ -5920,7 +6805,7 @@
                 <a:latin typeface="Calibri Light" panose="020F0302020204030204" pitchFamily="34" charset="0"/>
                 <a:cs typeface="Calibri Light" panose="020F0302020204030204" pitchFamily="34" charset="0"/>
               </a:rPr>
-              <a:t>2</a:t>
+              <a:t>0.5</a:t>
             </a:r>
             <a:endParaRPr lang="en-GB" sz="800" dirty="0">
               <a:solidFill>
@@ -5937,10 +6822,10 @@
       </p:sp>
       <p:sp>
         <p:nvSpPr>
-          <p:cNvPr id="181" name="Rectangle 180">
+          <p:cNvPr id="45" name="Rectangle 44">
             <a:extLst>
               <a:ext uri="{FF2B5EF4-FFF2-40B4-BE49-F238E27FC236}">
-                <a16:creationId xmlns:a16="http://schemas.microsoft.com/office/drawing/2014/main" id="{04532465-1A1F-43D1-8C13-845C6B8A1732}"/>
+                <a16:creationId xmlns:a16="http://schemas.microsoft.com/office/drawing/2014/main" id="{0752D7ED-0886-10DD-F3B1-229C954F0445}"/>
               </a:ext>
             </a:extLst>
           </p:cNvPr>
@@ -5949,7 +6834,7 @@
         </p:nvSpPr>
         <p:spPr>
           <a:xfrm rot="5400000">
-            <a:off x="2820966" y="1165710"/>
+            <a:off x="2820966" y="2057411"/>
             <a:ext cx="189979" cy="286082"/>
           </a:xfrm>
           <a:prstGeom prst="rect">
@@ -5992,7 +6877,7 @@
                 <a:latin typeface="Calibri Light" panose="020F0302020204030204" pitchFamily="34" charset="0"/>
                 <a:cs typeface="Calibri Light" panose="020F0302020204030204" pitchFamily="34" charset="0"/>
               </a:rPr>
-              <a:t>1.75</a:t>
+              <a:t>0</a:t>
             </a:r>
             <a:endParaRPr lang="en-GB" sz="800" dirty="0">
               <a:solidFill>
@@ -6009,10 +6894,10 @@
       </p:sp>
       <p:sp>
         <p:nvSpPr>
-          <p:cNvPr id="182" name="Rectangle 181">
+          <p:cNvPr id="46" name="Rectangle 45">
             <a:extLst>
               <a:ext uri="{FF2B5EF4-FFF2-40B4-BE49-F238E27FC236}">
-                <a16:creationId xmlns:a16="http://schemas.microsoft.com/office/drawing/2014/main" id="{BBAB9E90-7CA1-1F07-BA50-44CC6719896A}"/>
+                <a16:creationId xmlns:a16="http://schemas.microsoft.com/office/drawing/2014/main" id="{5F5043FF-4507-9A78-356F-000AD077DBE8}"/>
               </a:ext>
             </a:extLst>
           </p:cNvPr>
@@ -6021,7 +6906,7 @@
         </p:nvSpPr>
         <p:spPr>
           <a:xfrm rot="5400000">
-            <a:off x="2820966" y="1293929"/>
+            <a:off x="2820966" y="1926027"/>
             <a:ext cx="189979" cy="286082"/>
           </a:xfrm>
           <a:prstGeom prst="rect">
@@ -6064,7 +6949,7 @@
                 <a:latin typeface="Calibri Light" panose="020F0302020204030204" pitchFamily="34" charset="0"/>
                 <a:cs typeface="Calibri Light" panose="020F0302020204030204" pitchFamily="34" charset="0"/>
               </a:rPr>
-              <a:t>1.5</a:t>
+              <a:t>0.25</a:t>
             </a:r>
             <a:endParaRPr lang="en-GB" sz="800" dirty="0">
               <a:solidFill>
@@ -6081,10 +6966,10 @@
       </p:sp>
       <p:sp>
         <p:nvSpPr>
-          <p:cNvPr id="183" name="Rectangle 182">
+          <p:cNvPr id="54" name="Rectangle 53">
             <a:extLst>
               <a:ext uri="{FF2B5EF4-FFF2-40B4-BE49-F238E27FC236}">
-                <a16:creationId xmlns:a16="http://schemas.microsoft.com/office/drawing/2014/main" id="{D8759AE2-5EEE-8728-82D8-5BCE19C4B6BC}"/>
+                <a16:creationId xmlns:a16="http://schemas.microsoft.com/office/drawing/2014/main" id="{B14CBCE5-B818-7A35-6F71-E822F2AC63B4}"/>
               </a:ext>
             </a:extLst>
           </p:cNvPr>
@@ -6093,7 +6978,711 @@
         </p:nvSpPr>
         <p:spPr>
           <a:xfrm rot="5400000">
-            <a:off x="2820966" y="1550367"/>
+            <a:off x="1236126" y="203903"/>
+            <a:ext cx="452607" cy="1080000"/>
+          </a:xfrm>
+          <a:prstGeom prst="rect">
+            <a:avLst/>
+          </a:prstGeom>
+          <a:noFill/>
+          <a:ln w="3175">
+            <a:noFill/>
+          </a:ln>
+        </p:spPr>
+        <p:style>
+          <a:lnRef idx="2">
+            <a:schemeClr val="accent1">
+              <a:shade val="15000"/>
+            </a:schemeClr>
+          </a:lnRef>
+          <a:fillRef idx="1">
+            <a:schemeClr val="accent1"/>
+          </a:fillRef>
+          <a:effectRef idx="0">
+            <a:schemeClr val="accent1"/>
+          </a:effectRef>
+          <a:fontRef idx="minor">
+            <a:schemeClr val="lt1"/>
+          </a:fontRef>
+        </p:style>
+        <p:txBody>
+          <a:bodyPr vert="vert270" rtlCol="0" anchor="ctr"/>
+          <a:lstStyle/>
+          <a:p>
+            <a:pPr algn="ctr"/>
+            <a:r>
+              <a:rPr lang="en-US" sz="800" dirty="0">
+                <a:solidFill>
+                  <a:schemeClr val="tx1">
+                    <a:lumMod val="75000"/>
+                    <a:lumOff val="25000"/>
+                  </a:schemeClr>
+                </a:solidFill>
+                <a:latin typeface="Calibri Light" panose="020F0302020204030204" pitchFamily="34" charset="0"/>
+                <a:cs typeface="Calibri Light" panose="020F0302020204030204" pitchFamily="34" charset="0"/>
+              </a:rPr>
+              <a:t>Scores computed with the full training dataset</a:t>
+            </a:r>
+          </a:p>
+          <a:p>
+            <a:pPr algn="ctr"/>
+            <a:r>
+              <a:rPr lang="en-US" sz="800" dirty="0">
+                <a:solidFill>
+                  <a:schemeClr val="tx1">
+                    <a:lumMod val="75000"/>
+                    <a:lumOff val="25000"/>
+                  </a:schemeClr>
+                </a:solidFill>
+                <a:latin typeface="Calibri Light" panose="020F0302020204030204" pitchFamily="34" charset="0"/>
+                <a:cs typeface="Calibri Light" panose="020F0302020204030204" pitchFamily="34" charset="0"/>
+              </a:rPr>
+              <a:t>(in Chapter 6)</a:t>
+            </a:r>
+          </a:p>
+        </p:txBody>
+      </p:sp>
+      <p:cxnSp>
+        <p:nvCxnSpPr>
+          <p:cNvPr id="55" name="Straight Connector 54">
+            <a:extLst>
+              <a:ext uri="{FF2B5EF4-FFF2-40B4-BE49-F238E27FC236}">
+                <a16:creationId xmlns:a16="http://schemas.microsoft.com/office/drawing/2014/main" id="{4F69ABAE-7775-42FB-C18D-9856B273834C}"/>
+              </a:ext>
+            </a:extLst>
+          </p:cNvPr>
+          <p:cNvCxnSpPr>
+            <a:cxnSpLocks/>
+          </p:cNvCxnSpPr>
+          <p:nvPr/>
+        </p:nvCxnSpPr>
+        <p:spPr>
+          <a:xfrm>
+            <a:off x="467397" y="743903"/>
+            <a:ext cx="468000" cy="0"/>
+          </a:xfrm>
+          <a:prstGeom prst="line">
+            <a:avLst/>
+          </a:prstGeom>
+          <a:ln>
+            <a:solidFill>
+              <a:srgbClr val="00B0F0"/>
+            </a:solidFill>
+            <a:prstDash val="lgDashDot"/>
+          </a:ln>
+        </p:spPr>
+        <p:style>
+          <a:lnRef idx="2">
+            <a:schemeClr val="accent1"/>
+          </a:lnRef>
+          <a:fillRef idx="0">
+            <a:schemeClr val="accent1"/>
+          </a:fillRef>
+          <a:effectRef idx="1">
+            <a:schemeClr val="accent1"/>
+          </a:effectRef>
+          <a:fontRef idx="minor">
+            <a:schemeClr val="tx1"/>
+          </a:fontRef>
+        </p:style>
+      </p:cxnSp>
+      <p:sp>
+        <p:nvSpPr>
+          <p:cNvPr id="56" name="Rectangle 55">
+            <a:extLst>
+              <a:ext uri="{FF2B5EF4-FFF2-40B4-BE49-F238E27FC236}">
+                <a16:creationId xmlns:a16="http://schemas.microsoft.com/office/drawing/2014/main" id="{14D925CB-275B-33EA-7D65-0962CECCEDD3}"/>
+              </a:ext>
+            </a:extLst>
+          </p:cNvPr>
+          <p:cNvSpPr/>
+          <p:nvPr/>
+        </p:nvSpPr>
+        <p:spPr>
+          <a:xfrm rot="5400000">
+            <a:off x="2991194" y="204466"/>
+            <a:ext cx="452607" cy="1080000"/>
+          </a:xfrm>
+          <a:prstGeom prst="rect">
+            <a:avLst/>
+          </a:prstGeom>
+          <a:noFill/>
+          <a:ln w="3175">
+            <a:noFill/>
+          </a:ln>
+        </p:spPr>
+        <p:style>
+          <a:lnRef idx="2">
+            <a:schemeClr val="accent1">
+              <a:shade val="15000"/>
+            </a:schemeClr>
+          </a:lnRef>
+          <a:fillRef idx="1">
+            <a:schemeClr val="accent1"/>
+          </a:fillRef>
+          <a:effectRef idx="0">
+            <a:schemeClr val="accent1"/>
+          </a:effectRef>
+          <a:fontRef idx="minor">
+            <a:schemeClr val="lt1"/>
+          </a:fontRef>
+        </p:style>
+        <p:txBody>
+          <a:bodyPr vert="vert270" rtlCol="0" anchor="ctr"/>
+          <a:lstStyle/>
+          <a:p>
+            <a:pPr algn="ctr"/>
+            <a:r>
+              <a:rPr lang="en-US" sz="800" dirty="0">
+                <a:solidFill>
+                  <a:schemeClr val="tx1">
+                    <a:lumMod val="75000"/>
+                    <a:lumOff val="25000"/>
+                  </a:schemeClr>
+                </a:solidFill>
+                <a:latin typeface="Calibri Light" panose="020F0302020204030204" pitchFamily="34" charset="0"/>
+                <a:cs typeface="Calibri Light" panose="020F0302020204030204" pitchFamily="34" charset="0"/>
+              </a:rPr>
+              <a:t>Scores computed with the training subsets</a:t>
+            </a:r>
+            <a:endParaRPr lang="en-GB" sz="800" dirty="0">
+              <a:solidFill>
+                <a:schemeClr val="tx1">
+                  <a:lumMod val="75000"/>
+                  <a:lumOff val="25000"/>
+                </a:schemeClr>
+              </a:solidFill>
+              <a:latin typeface="Calibri Light" panose="020F0302020204030204" pitchFamily="34" charset="0"/>
+              <a:cs typeface="Calibri Light" panose="020F0302020204030204" pitchFamily="34" charset="0"/>
+            </a:endParaRPr>
+          </a:p>
+        </p:txBody>
+      </p:sp>
+      <p:cxnSp>
+        <p:nvCxnSpPr>
+          <p:cNvPr id="57" name="Straight Connector 56">
+            <a:extLst>
+              <a:ext uri="{FF2B5EF4-FFF2-40B4-BE49-F238E27FC236}">
+                <a16:creationId xmlns:a16="http://schemas.microsoft.com/office/drawing/2014/main" id="{A743AA55-0FF7-4322-F12E-5506ECD3A12B}"/>
+              </a:ext>
+            </a:extLst>
+          </p:cNvPr>
+          <p:cNvCxnSpPr>
+            <a:cxnSpLocks/>
+          </p:cNvCxnSpPr>
+          <p:nvPr/>
+        </p:nvCxnSpPr>
+        <p:spPr>
+          <a:xfrm>
+            <a:off x="2250515" y="744466"/>
+            <a:ext cx="468000" cy="0"/>
+          </a:xfrm>
+          <a:prstGeom prst="line">
+            <a:avLst/>
+          </a:prstGeom>
+          <a:ln>
+            <a:solidFill>
+              <a:srgbClr val="00B0F0"/>
+            </a:solidFill>
+            <a:prstDash val="solid"/>
+          </a:ln>
+        </p:spPr>
+        <p:style>
+          <a:lnRef idx="2">
+            <a:schemeClr val="accent1"/>
+          </a:lnRef>
+          <a:fillRef idx="0">
+            <a:schemeClr val="accent1"/>
+          </a:fillRef>
+          <a:effectRef idx="1">
+            <a:schemeClr val="accent1"/>
+          </a:effectRef>
+          <a:fontRef idx="minor">
+            <a:schemeClr val="tx1"/>
+          </a:fontRef>
+        </p:style>
+      </p:cxnSp>
+      <p:sp>
+        <p:nvSpPr>
+          <p:cNvPr id="58" name="TextBox 57">
+            <a:extLst>
+              <a:ext uri="{FF2B5EF4-FFF2-40B4-BE49-F238E27FC236}">
+                <a16:creationId xmlns:a16="http://schemas.microsoft.com/office/drawing/2014/main" id="{56D055BF-299F-2498-48AD-DF90FC7D5205}"/>
+              </a:ext>
+            </a:extLst>
+          </p:cNvPr>
+          <p:cNvSpPr txBox="1"/>
+          <p:nvPr/>
+        </p:nvSpPr>
+        <p:spPr>
+          <a:xfrm>
+            <a:off x="1006230" y="1185727"/>
+            <a:ext cx="216000" cy="215444"/>
+          </a:xfrm>
+          <a:prstGeom prst="rect">
+            <a:avLst/>
+          </a:prstGeom>
+          <a:noFill/>
+          <a:ln w="3175">
+            <a:solidFill>
+              <a:schemeClr val="tx1">
+                <a:lumMod val="75000"/>
+                <a:lumOff val="25000"/>
+              </a:schemeClr>
+            </a:solidFill>
+          </a:ln>
+        </p:spPr>
+        <p:txBody>
+          <a:bodyPr wrap="none" rtlCol="0">
+            <a:spAutoFit/>
+          </a:bodyPr>
+          <a:lstStyle/>
+          <a:p>
+            <a:r>
+              <a:rPr lang="en-US" sz="800" dirty="0">
+                <a:latin typeface="Calibri Light" panose="020F0302020204030204" pitchFamily="34" charset="0"/>
+                <a:cs typeface="Calibri Light" panose="020F0302020204030204" pitchFamily="34" charset="0"/>
+              </a:rPr>
+              <a:t>a</a:t>
+            </a:r>
+            <a:endParaRPr lang="en-GB" sz="800" dirty="0">
+              <a:latin typeface="Calibri Light" panose="020F0302020204030204" pitchFamily="34" charset="0"/>
+              <a:cs typeface="Calibri Light" panose="020F0302020204030204" pitchFamily="34" charset="0"/>
+            </a:endParaRPr>
+          </a:p>
+        </p:txBody>
+      </p:sp>
+      <p:sp>
+        <p:nvSpPr>
+          <p:cNvPr id="59" name="Rectangle 58">
+            <a:extLst>
+              <a:ext uri="{FF2B5EF4-FFF2-40B4-BE49-F238E27FC236}">
+                <a16:creationId xmlns:a16="http://schemas.microsoft.com/office/drawing/2014/main" id="{C28FD63F-BB9E-AD69-71B9-B973AD33F83F}"/>
+              </a:ext>
+            </a:extLst>
+          </p:cNvPr>
+          <p:cNvSpPr/>
+          <p:nvPr/>
+        </p:nvSpPr>
+        <p:spPr>
+          <a:xfrm rot="5400000">
+            <a:off x="625612" y="971467"/>
+            <a:ext cx="190946" cy="1063018"/>
+          </a:xfrm>
+          <a:prstGeom prst="rect">
+            <a:avLst/>
+          </a:prstGeom>
+          <a:noFill/>
+          <a:ln w="3175">
+            <a:noFill/>
+          </a:ln>
+        </p:spPr>
+        <p:style>
+          <a:lnRef idx="2">
+            <a:schemeClr val="accent1">
+              <a:shade val="15000"/>
+            </a:schemeClr>
+          </a:lnRef>
+          <a:fillRef idx="1">
+            <a:schemeClr val="accent1"/>
+          </a:fillRef>
+          <a:effectRef idx="0">
+            <a:schemeClr val="accent1"/>
+          </a:effectRef>
+          <a:fontRef idx="minor">
+            <a:schemeClr val="lt1"/>
+          </a:fontRef>
+        </p:style>
+        <p:txBody>
+          <a:bodyPr vert="vert270" rtlCol="0" anchor="ctr"/>
+          <a:lstStyle/>
+          <a:p>
+            <a:pPr algn="ctr"/>
+            <a:r>
+              <a:rPr lang="en-US" sz="800" dirty="0">
+                <a:solidFill>
+                  <a:schemeClr val="tx1">
+                    <a:lumMod val="75000"/>
+                    <a:lumOff val="25000"/>
+                  </a:schemeClr>
+                </a:solidFill>
+                <a:latin typeface="Calibri Light" panose="020F0302020204030204" pitchFamily="34" charset="0"/>
+                <a:cs typeface="Calibri Light" panose="020F0302020204030204" pitchFamily="34" charset="0"/>
+              </a:rPr>
+              <a:t>Refer to Figure 6.11a</a:t>
+            </a:r>
+            <a:endParaRPr lang="en-GB" sz="800" dirty="0">
+              <a:solidFill>
+                <a:schemeClr val="tx1">
+                  <a:lumMod val="75000"/>
+                  <a:lumOff val="25000"/>
+                </a:schemeClr>
+              </a:solidFill>
+              <a:latin typeface="Calibri Light" panose="020F0302020204030204" pitchFamily="34" charset="0"/>
+              <a:cs typeface="Calibri Light" panose="020F0302020204030204" pitchFamily="34" charset="0"/>
+            </a:endParaRPr>
+          </a:p>
+        </p:txBody>
+      </p:sp>
+      <p:cxnSp>
+        <p:nvCxnSpPr>
+          <p:cNvPr id="60" name="Straight Connector 59">
+            <a:extLst>
+              <a:ext uri="{FF2B5EF4-FFF2-40B4-BE49-F238E27FC236}">
+                <a16:creationId xmlns:a16="http://schemas.microsoft.com/office/drawing/2014/main" id="{CB1BA6C9-E5AA-6103-F92C-4772F924E547}"/>
+              </a:ext>
+            </a:extLst>
+          </p:cNvPr>
+          <p:cNvCxnSpPr>
+            <a:cxnSpLocks/>
+          </p:cNvCxnSpPr>
+          <p:nvPr/>
+        </p:nvCxnSpPr>
+        <p:spPr>
+          <a:xfrm>
+            <a:off x="195801" y="1574778"/>
+            <a:ext cx="1063018" cy="0"/>
+          </a:xfrm>
+          <a:prstGeom prst="line">
+            <a:avLst/>
+          </a:prstGeom>
+          <a:ln w="9525">
+            <a:solidFill>
+              <a:srgbClr val="00B0F0"/>
+            </a:solidFill>
+            <a:prstDash val="lgDashDot"/>
+          </a:ln>
+        </p:spPr>
+        <p:style>
+          <a:lnRef idx="2">
+            <a:schemeClr val="accent1"/>
+          </a:lnRef>
+          <a:fillRef idx="0">
+            <a:schemeClr val="accent1"/>
+          </a:fillRef>
+          <a:effectRef idx="1">
+            <a:schemeClr val="accent1"/>
+          </a:effectRef>
+          <a:fontRef idx="minor">
+            <a:schemeClr val="tx1"/>
+          </a:fontRef>
+        </p:style>
+      </p:cxnSp>
+      <p:grpSp>
+        <p:nvGrpSpPr>
+          <p:cNvPr id="61" name="Group 60">
+            <a:extLst>
+              <a:ext uri="{FF2B5EF4-FFF2-40B4-BE49-F238E27FC236}">
+                <a16:creationId xmlns:a16="http://schemas.microsoft.com/office/drawing/2014/main" id="{472C515A-7183-4C77-E91C-9C6D2DDC1BE7}"/>
+              </a:ext>
+            </a:extLst>
+          </p:cNvPr>
+          <p:cNvGrpSpPr/>
+          <p:nvPr/>
+        </p:nvGrpSpPr>
+        <p:grpSpPr>
+          <a:xfrm>
+            <a:off x="1608672" y="1138887"/>
+            <a:ext cx="1077768" cy="1080000"/>
+            <a:chOff x="1608672" y="2452134"/>
+            <a:chExt cx="1077768" cy="1080000"/>
+          </a:xfrm>
+        </p:grpSpPr>
+        <p:pic>
+          <p:nvPicPr>
+            <p:cNvPr id="62" name="Picture 61" descr="A graph with blue lines and words&#10;&#10;AI-generated content may be incorrect.">
+              <a:extLst>
+                <a:ext uri="{FF2B5EF4-FFF2-40B4-BE49-F238E27FC236}">
+                  <a16:creationId xmlns:a16="http://schemas.microsoft.com/office/drawing/2014/main" id="{ECB23FD0-0A3B-9FD1-07C1-090A8E5BEEAA}"/>
+                </a:ext>
+              </a:extLst>
+            </p:cNvPr>
+            <p:cNvPicPr>
+              <a:picLocks noChangeAspect="1"/>
+            </p:cNvPicPr>
+            <p:nvPr/>
+          </p:nvPicPr>
+          <p:blipFill>
+            <a:blip r:embed="rId3">
+              <a:extLst>
+                <a:ext uri="{28A0092B-C50C-407E-A947-70E740481C1C}">
+                  <a14:useLocalDpi xmlns:a14="http://schemas.microsoft.com/office/drawing/2010/main" val="0"/>
+                </a:ext>
+              </a:extLst>
+            </a:blip>
+            <a:srcRect l="12451" t="3921" r="12606" b="21169"/>
+            <a:stretch/>
+          </p:blipFill>
+          <p:spPr>
+            <a:xfrm>
+              <a:off x="1608672" y="2452134"/>
+              <a:ext cx="1077768" cy="1080000"/>
+            </a:xfrm>
+            <a:prstGeom prst="rect">
+              <a:avLst/>
+            </a:prstGeom>
+          </p:spPr>
+        </p:pic>
+        <p:cxnSp>
+          <p:nvCxnSpPr>
+            <p:cNvPr id="63" name="Straight Connector 62">
+              <a:extLst>
+                <a:ext uri="{FF2B5EF4-FFF2-40B4-BE49-F238E27FC236}">
+                  <a16:creationId xmlns:a16="http://schemas.microsoft.com/office/drawing/2014/main" id="{B10760B3-4F78-4D57-A5CB-E1B95BFDBC03}"/>
+                </a:ext>
+              </a:extLst>
+            </p:cNvPr>
+            <p:cNvCxnSpPr>
+              <a:cxnSpLocks/>
+            </p:cNvCxnSpPr>
+            <p:nvPr/>
+          </p:nvCxnSpPr>
+          <p:spPr>
+            <a:xfrm>
+              <a:off x="1620252" y="3138510"/>
+              <a:ext cx="1063018" cy="0"/>
+            </a:xfrm>
+            <a:prstGeom prst="line">
+              <a:avLst/>
+            </a:prstGeom>
+            <a:ln w="9525">
+              <a:solidFill>
+                <a:srgbClr val="00B0F0"/>
+              </a:solidFill>
+              <a:prstDash val="lgDashDot"/>
+            </a:ln>
+          </p:spPr>
+          <p:style>
+            <a:lnRef idx="2">
+              <a:schemeClr val="accent1"/>
+            </a:lnRef>
+            <a:fillRef idx="0">
+              <a:schemeClr val="accent1"/>
+            </a:fillRef>
+            <a:effectRef idx="1">
+              <a:schemeClr val="accent1"/>
+            </a:effectRef>
+            <a:fontRef idx="minor">
+              <a:schemeClr val="tx1"/>
+            </a:fontRef>
+          </p:style>
+        </p:cxnSp>
+      </p:grpSp>
+      <p:grpSp>
+        <p:nvGrpSpPr>
+          <p:cNvPr id="128" name="Group 127">
+            <a:extLst>
+              <a:ext uri="{FF2B5EF4-FFF2-40B4-BE49-F238E27FC236}">
+                <a16:creationId xmlns:a16="http://schemas.microsoft.com/office/drawing/2014/main" id="{A7E9D2B2-22C9-C8F4-F986-8F836108324F}"/>
+              </a:ext>
+            </a:extLst>
+          </p:cNvPr>
+          <p:cNvGrpSpPr/>
+          <p:nvPr/>
+        </p:nvGrpSpPr>
+        <p:grpSpPr>
+          <a:xfrm>
+            <a:off x="3039636" y="1138887"/>
+            <a:ext cx="1077768" cy="1080000"/>
+            <a:chOff x="3039636" y="2452134"/>
+            <a:chExt cx="1077768" cy="1080000"/>
+          </a:xfrm>
+        </p:grpSpPr>
+        <p:pic>
+          <p:nvPicPr>
+            <p:cNvPr id="129" name="Picture 128" descr="A graph with blue line&#10;&#10;AI-generated content may be incorrect.">
+              <a:extLst>
+                <a:ext uri="{FF2B5EF4-FFF2-40B4-BE49-F238E27FC236}">
+                  <a16:creationId xmlns:a16="http://schemas.microsoft.com/office/drawing/2014/main" id="{819EEFBA-097C-0AC3-75F7-EC9EE4867C35}"/>
+                </a:ext>
+              </a:extLst>
+            </p:cNvPr>
+            <p:cNvPicPr>
+              <a:picLocks noChangeAspect="1"/>
+            </p:cNvPicPr>
+            <p:nvPr/>
+          </p:nvPicPr>
+          <p:blipFill>
+            <a:blip r:embed="rId4">
+              <a:extLst>
+                <a:ext uri="{28A0092B-C50C-407E-A947-70E740481C1C}">
+                  <a14:useLocalDpi xmlns:a14="http://schemas.microsoft.com/office/drawing/2010/main" val="0"/>
+                </a:ext>
+              </a:extLst>
+            </a:blip>
+            <a:srcRect l="12451" t="3921" r="12605" b="21169"/>
+            <a:stretch/>
+          </p:blipFill>
+          <p:spPr>
+            <a:xfrm>
+              <a:off x="3039636" y="2452134"/>
+              <a:ext cx="1077768" cy="1080000"/>
+            </a:xfrm>
+            <a:prstGeom prst="rect">
+              <a:avLst/>
+            </a:prstGeom>
+          </p:spPr>
+        </p:pic>
+        <p:cxnSp>
+          <p:nvCxnSpPr>
+            <p:cNvPr id="130" name="Straight Connector 129">
+              <a:extLst>
+                <a:ext uri="{FF2B5EF4-FFF2-40B4-BE49-F238E27FC236}">
+                  <a16:creationId xmlns:a16="http://schemas.microsoft.com/office/drawing/2014/main" id="{B059ED62-A2DE-C211-EE27-38189DA63A37}"/>
+                </a:ext>
+              </a:extLst>
+            </p:cNvPr>
+            <p:cNvCxnSpPr>
+              <a:cxnSpLocks/>
+            </p:cNvCxnSpPr>
+            <p:nvPr/>
+          </p:nvCxnSpPr>
+          <p:spPr>
+            <a:xfrm>
+              <a:off x="3054386" y="2872541"/>
+              <a:ext cx="1063018" cy="0"/>
+            </a:xfrm>
+            <a:prstGeom prst="line">
+              <a:avLst/>
+            </a:prstGeom>
+            <a:ln w="9525">
+              <a:solidFill>
+                <a:srgbClr val="00B0F0"/>
+              </a:solidFill>
+              <a:prstDash val="lgDashDot"/>
+            </a:ln>
+          </p:spPr>
+          <p:style>
+            <a:lnRef idx="2">
+              <a:schemeClr val="accent1"/>
+            </a:lnRef>
+            <a:fillRef idx="0">
+              <a:schemeClr val="accent1"/>
+            </a:fillRef>
+            <a:effectRef idx="1">
+              <a:schemeClr val="accent1"/>
+            </a:effectRef>
+            <a:fontRef idx="minor">
+              <a:schemeClr val="tx1"/>
+            </a:fontRef>
+          </p:style>
+        </p:cxnSp>
+      </p:grpSp>
+      <p:sp>
+        <p:nvSpPr>
+          <p:cNvPr id="131" name="TextBox 130">
+            <a:extLst>
+              <a:ext uri="{FF2B5EF4-FFF2-40B4-BE49-F238E27FC236}">
+                <a16:creationId xmlns:a16="http://schemas.microsoft.com/office/drawing/2014/main" id="{48B1BB4E-6C4E-428B-1CAA-32551A7D637F}"/>
+              </a:ext>
+            </a:extLst>
+          </p:cNvPr>
+          <p:cNvSpPr txBox="1"/>
+          <p:nvPr/>
+        </p:nvSpPr>
+        <p:spPr>
+          <a:xfrm>
+            <a:off x="2410356" y="1185727"/>
+            <a:ext cx="237566" cy="215444"/>
+          </a:xfrm>
+          <a:prstGeom prst="rect">
+            <a:avLst/>
+          </a:prstGeom>
+          <a:noFill/>
+          <a:ln w="3175">
+            <a:solidFill>
+              <a:schemeClr val="tx1">
+                <a:lumMod val="75000"/>
+                <a:lumOff val="25000"/>
+              </a:schemeClr>
+            </a:solidFill>
+          </a:ln>
+        </p:spPr>
+        <p:txBody>
+          <a:bodyPr wrap="none" rtlCol="0">
+            <a:spAutoFit/>
+          </a:bodyPr>
+          <a:lstStyle/>
+          <a:p>
+            <a:r>
+              <a:rPr lang="en-US" sz="800" dirty="0">
+                <a:latin typeface="Calibri Light" panose="020F0302020204030204" pitchFamily="34" charset="0"/>
+                <a:cs typeface="Calibri Light" panose="020F0302020204030204" pitchFamily="34" charset="0"/>
+              </a:rPr>
+              <a:t>b</a:t>
+            </a:r>
+            <a:endParaRPr lang="en-GB" sz="800" dirty="0">
+              <a:latin typeface="Calibri Light" panose="020F0302020204030204" pitchFamily="34" charset="0"/>
+              <a:cs typeface="Calibri Light" panose="020F0302020204030204" pitchFamily="34" charset="0"/>
+            </a:endParaRPr>
+          </a:p>
+        </p:txBody>
+      </p:sp>
+      <p:sp>
+        <p:nvSpPr>
+          <p:cNvPr id="132" name="TextBox 131">
+            <a:extLst>
+              <a:ext uri="{FF2B5EF4-FFF2-40B4-BE49-F238E27FC236}">
+                <a16:creationId xmlns:a16="http://schemas.microsoft.com/office/drawing/2014/main" id="{6A86CF01-D0E3-F046-5F1A-335B8A751FF9}"/>
+              </a:ext>
+            </a:extLst>
+          </p:cNvPr>
+          <p:cNvSpPr txBox="1"/>
+          <p:nvPr/>
+        </p:nvSpPr>
+        <p:spPr>
+          <a:xfrm>
+            <a:off x="3848516" y="1185727"/>
+            <a:ext cx="227948" cy="215444"/>
+          </a:xfrm>
+          <a:prstGeom prst="rect">
+            <a:avLst/>
+          </a:prstGeom>
+          <a:noFill/>
+          <a:ln w="3175">
+            <a:solidFill>
+              <a:schemeClr val="tx1">
+                <a:lumMod val="75000"/>
+                <a:lumOff val="25000"/>
+              </a:schemeClr>
+            </a:solidFill>
+          </a:ln>
+        </p:spPr>
+        <p:txBody>
+          <a:bodyPr wrap="none" rtlCol="0">
+            <a:spAutoFit/>
+          </a:bodyPr>
+          <a:lstStyle/>
+          <a:p>
+            <a:r>
+              <a:rPr lang="en-US" sz="800" dirty="0">
+                <a:latin typeface="Calibri Light" panose="020F0302020204030204" pitchFamily="34" charset="0"/>
+                <a:cs typeface="Calibri Light" panose="020F0302020204030204" pitchFamily="34" charset="0"/>
+              </a:rPr>
+              <a:t>c</a:t>
+            </a:r>
+            <a:endParaRPr lang="en-GB" sz="800" dirty="0">
+              <a:latin typeface="Calibri Light" panose="020F0302020204030204" pitchFamily="34" charset="0"/>
+              <a:cs typeface="Calibri Light" panose="020F0302020204030204" pitchFamily="34" charset="0"/>
+            </a:endParaRPr>
+          </a:p>
+        </p:txBody>
+      </p:sp>
+      <p:sp>
+        <p:nvSpPr>
+          <p:cNvPr id="133" name="Rectangle 132">
+            <a:extLst>
+              <a:ext uri="{FF2B5EF4-FFF2-40B4-BE49-F238E27FC236}">
+                <a16:creationId xmlns:a16="http://schemas.microsoft.com/office/drawing/2014/main" id="{4E7F4EDB-0B5F-ABBD-497C-173455376A2A}"/>
+              </a:ext>
+            </a:extLst>
+          </p:cNvPr>
+          <p:cNvSpPr/>
+          <p:nvPr/>
+        </p:nvSpPr>
+        <p:spPr>
+          <a:xfrm rot="5400000">
+            <a:off x="1388549" y="1303886"/>
             <a:ext cx="189979" cy="286082"/>
           </a:xfrm>
           <a:prstGeom prst="rect">
@@ -6136,7 +7725,7 @@
                 <a:latin typeface="Calibri Light" panose="020F0302020204030204" pitchFamily="34" charset="0"/>
                 <a:cs typeface="Calibri Light" panose="020F0302020204030204" pitchFamily="34" charset="0"/>
               </a:rPr>
-              <a:t>1</a:t>
+              <a:t>0.05</a:t>
             </a:r>
             <a:endParaRPr lang="en-GB" sz="800" dirty="0">
               <a:solidFill>
@@ -6153,10 +7742,10 @@
       </p:sp>
       <p:sp>
         <p:nvSpPr>
-          <p:cNvPr id="184" name="Rectangle 183">
+          <p:cNvPr id="134" name="Rectangle 133">
             <a:extLst>
               <a:ext uri="{FF2B5EF4-FFF2-40B4-BE49-F238E27FC236}">
-                <a16:creationId xmlns:a16="http://schemas.microsoft.com/office/drawing/2014/main" id="{6E096800-DD13-581C-DB3D-446395B3B724}"/>
+                <a16:creationId xmlns:a16="http://schemas.microsoft.com/office/drawing/2014/main" id="{EEB0C3C2-3EED-B645-C34B-1C3A61468F43}"/>
               </a:ext>
             </a:extLst>
           </p:cNvPr>
@@ -6165,7 +7754,7 @@
         </p:nvSpPr>
         <p:spPr>
           <a:xfrm rot="5400000">
-            <a:off x="2820966" y="1806805"/>
+            <a:off x="1388549" y="1457220"/>
             <a:ext cx="189979" cy="286082"/>
           </a:xfrm>
           <a:prstGeom prst="rect">
@@ -6208,7 +7797,7 @@
                 <a:latin typeface="Calibri Light" panose="020F0302020204030204" pitchFamily="34" charset="0"/>
                 <a:cs typeface="Calibri Light" panose="020F0302020204030204" pitchFamily="34" charset="0"/>
               </a:rPr>
-              <a:t>0.5</a:t>
+              <a:t>0.04</a:t>
             </a:r>
             <a:endParaRPr lang="en-GB" sz="800" dirty="0">
               <a:solidFill>
@@ -6225,10 +7814,10 @@
       </p:sp>
       <p:sp>
         <p:nvSpPr>
-          <p:cNvPr id="185" name="Rectangle 184">
+          <p:cNvPr id="135" name="Rectangle 134">
             <a:extLst>
               <a:ext uri="{FF2B5EF4-FFF2-40B4-BE49-F238E27FC236}">
-                <a16:creationId xmlns:a16="http://schemas.microsoft.com/office/drawing/2014/main" id="{0752D7ED-0886-10DD-F3B1-229C954F0445}"/>
+                <a16:creationId xmlns:a16="http://schemas.microsoft.com/office/drawing/2014/main" id="{6FEC7F9F-2C7A-396B-AEEC-B925C19B970E}"/>
               </a:ext>
             </a:extLst>
           </p:cNvPr>
@@ -6237,7 +7826,7 @@
         </p:nvSpPr>
         <p:spPr>
           <a:xfrm rot="5400000">
-            <a:off x="2820966" y="2063244"/>
+            <a:off x="1388549" y="1604226"/>
             <a:ext cx="189979" cy="286082"/>
           </a:xfrm>
           <a:prstGeom prst="rect">
@@ -6280,7 +7869,7 @@
                 <a:latin typeface="Calibri Light" panose="020F0302020204030204" pitchFamily="34" charset="0"/>
                 <a:cs typeface="Calibri Light" panose="020F0302020204030204" pitchFamily="34" charset="0"/>
               </a:rPr>
-              <a:t>0</a:t>
+              <a:t>0.03</a:t>
             </a:r>
             <a:endParaRPr lang="en-GB" sz="800" dirty="0">
               <a:solidFill>
@@ -6297,10 +7886,10 @@
       </p:sp>
       <p:sp>
         <p:nvSpPr>
-          <p:cNvPr id="186" name="Rectangle 185">
+          <p:cNvPr id="136" name="Rectangle 135">
             <a:extLst>
               <a:ext uri="{FF2B5EF4-FFF2-40B4-BE49-F238E27FC236}">
-                <a16:creationId xmlns:a16="http://schemas.microsoft.com/office/drawing/2014/main" id="{0B815309-0BDA-68BF-5443-24159CD35F2E}"/>
+                <a16:creationId xmlns:a16="http://schemas.microsoft.com/office/drawing/2014/main" id="{D8759AE2-5EEE-8728-82D8-5BCE19C4B6BC}"/>
               </a:ext>
             </a:extLst>
           </p:cNvPr>
@@ -6309,7 +7898,7 @@
         </p:nvSpPr>
         <p:spPr>
           <a:xfrm rot="5400000">
-            <a:off x="2820966" y="1422148"/>
+            <a:off x="2820966" y="1528714"/>
             <a:ext cx="189979" cy="286082"/>
           </a:xfrm>
           <a:prstGeom prst="rect">
@@ -6352,7 +7941,7 @@
                 <a:latin typeface="Calibri Light" panose="020F0302020204030204" pitchFamily="34" charset="0"/>
                 <a:cs typeface="Calibri Light" panose="020F0302020204030204" pitchFamily="34" charset="0"/>
               </a:rPr>
-              <a:t>1.25</a:t>
+              <a:t>1</a:t>
             </a:r>
             <a:endParaRPr lang="en-GB" sz="800" dirty="0">
               <a:solidFill>
@@ -6369,10 +7958,10 @@
       </p:sp>
       <p:sp>
         <p:nvSpPr>
-          <p:cNvPr id="187" name="Rectangle 186">
+          <p:cNvPr id="137" name="Rectangle 136">
             <a:extLst>
               <a:ext uri="{FF2B5EF4-FFF2-40B4-BE49-F238E27FC236}">
-                <a16:creationId xmlns:a16="http://schemas.microsoft.com/office/drawing/2014/main" id="{EB6D2D94-8750-6431-1291-1F096B6190FD}"/>
+                <a16:creationId xmlns:a16="http://schemas.microsoft.com/office/drawing/2014/main" id="{0B815309-0BDA-68BF-5443-24159CD35F2E}"/>
               </a:ext>
             </a:extLst>
           </p:cNvPr>
@@ -6381,7 +7970,7 @@
         </p:nvSpPr>
         <p:spPr>
           <a:xfrm rot="5400000">
-            <a:off x="2820966" y="1678586"/>
+            <a:off x="2820966" y="1400495"/>
             <a:ext cx="189979" cy="286082"/>
           </a:xfrm>
           <a:prstGeom prst="rect">
@@ -6424,7 +8013,7 @@
                 <a:latin typeface="Calibri Light" panose="020F0302020204030204" pitchFamily="34" charset="0"/>
                 <a:cs typeface="Calibri Light" panose="020F0302020204030204" pitchFamily="34" charset="0"/>
               </a:rPr>
-              <a:t>0.75</a:t>
+              <a:t>1.25</a:t>
             </a:r>
             <a:endParaRPr lang="en-GB" sz="800" dirty="0">
               <a:solidFill>
@@ -6441,10 +8030,10 @@
       </p:sp>
       <p:sp>
         <p:nvSpPr>
-          <p:cNvPr id="188" name="Rectangle 187">
+          <p:cNvPr id="138" name="Rectangle 137">
             <a:extLst>
               <a:ext uri="{FF2B5EF4-FFF2-40B4-BE49-F238E27FC236}">
-                <a16:creationId xmlns:a16="http://schemas.microsoft.com/office/drawing/2014/main" id="{5F5043FF-4507-9A78-356F-000AD077DBE8}"/>
+                <a16:creationId xmlns:a16="http://schemas.microsoft.com/office/drawing/2014/main" id="{EB6D2D94-8750-6431-1291-1F096B6190FD}"/>
               </a:ext>
             </a:extLst>
           </p:cNvPr>
@@ -6453,7 +8042,7 @@
         </p:nvSpPr>
         <p:spPr>
           <a:xfrm rot="5400000">
-            <a:off x="2820966" y="1935024"/>
+            <a:off x="2820966" y="1663261"/>
             <a:ext cx="189979" cy="286082"/>
           </a:xfrm>
           <a:prstGeom prst="rect">
@@ -6496,7 +8085,7 @@
                 <a:latin typeface="Calibri Light" panose="020F0302020204030204" pitchFamily="34" charset="0"/>
                 <a:cs typeface="Calibri Light" panose="020F0302020204030204" pitchFamily="34" charset="0"/>
               </a:rPr>
-              <a:t>0.25</a:t>
+              <a:t>0.75</a:t>
             </a:r>
             <a:endParaRPr lang="en-GB" sz="800" dirty="0">
               <a:solidFill>
@@ -6511,882 +8100,12 @@
           </a:p>
         </p:txBody>
       </p:sp>
-      <p:grpSp>
-        <p:nvGrpSpPr>
-          <p:cNvPr id="189" name="Group 188">
+      <p:sp>
+        <p:nvSpPr>
+          <p:cNvPr id="139" name="Rectangle 138">
             <a:extLst>
               <a:ext uri="{FF2B5EF4-FFF2-40B4-BE49-F238E27FC236}">
-                <a16:creationId xmlns:a16="http://schemas.microsoft.com/office/drawing/2014/main" id="{B7D364F3-AE62-9001-380D-541BE1447D3F}"/>
-              </a:ext>
-            </a:extLst>
-          </p:cNvPr>
-          <p:cNvGrpSpPr/>
-          <p:nvPr/>
-        </p:nvGrpSpPr>
-        <p:grpSpPr>
-          <a:xfrm>
-            <a:off x="177710" y="1170704"/>
-            <a:ext cx="1080000" cy="1054936"/>
-            <a:chOff x="648809" y="3094564"/>
-            <a:chExt cx="832590" cy="1054936"/>
-          </a:xfrm>
-        </p:grpSpPr>
-        <p:pic>
-          <p:nvPicPr>
-            <p:cNvPr id="190" name="Picture 189" descr="A graph with blue lines and words&#10;&#10;AI-generated content may be incorrect.">
-              <a:extLst>
-                <a:ext uri="{FF2B5EF4-FFF2-40B4-BE49-F238E27FC236}">
-                  <a16:creationId xmlns:a16="http://schemas.microsoft.com/office/drawing/2014/main" id="{87AA4D55-596C-0345-63E1-8DE45EB06268}"/>
-                </a:ext>
-              </a:extLst>
-            </p:cNvPr>
-            <p:cNvPicPr>
-              <a:picLocks noChangeAspect="1"/>
-            </p:cNvPicPr>
-            <p:nvPr/>
-          </p:nvPicPr>
-          <p:blipFill>
-            <a:blip r:embed="rId4">
-              <a:extLst>
-                <a:ext uri="{28A0092B-C50C-407E-A947-70E740481C1C}">
-                  <a14:useLocalDpi xmlns:a14="http://schemas.microsoft.com/office/drawing/2010/main" val="0"/>
-                </a:ext>
-              </a:extLst>
-            </a:blip>
-            <a:srcRect l="10813" t="3937" r="12653" b="21217"/>
-            <a:stretch/>
-          </p:blipFill>
-          <p:spPr>
-            <a:xfrm>
-              <a:off x="648809" y="3094564"/>
-              <a:ext cx="832590" cy="1054936"/>
-            </a:xfrm>
-            <a:prstGeom prst="rect">
-              <a:avLst/>
-            </a:prstGeom>
-          </p:spPr>
-        </p:pic>
-        <p:cxnSp>
-          <p:nvCxnSpPr>
-            <p:cNvPr id="191" name="Straight Connector 190">
-              <a:extLst>
-                <a:ext uri="{FF2B5EF4-FFF2-40B4-BE49-F238E27FC236}">
-                  <a16:creationId xmlns:a16="http://schemas.microsoft.com/office/drawing/2014/main" id="{CB16476B-BEE9-21B0-5A56-E5017C8B59C9}"/>
-                </a:ext>
-              </a:extLst>
-            </p:cNvPr>
-            <p:cNvCxnSpPr>
-              <a:cxnSpLocks/>
-            </p:cNvCxnSpPr>
-            <p:nvPr/>
-          </p:nvCxnSpPr>
-          <p:spPr>
-            <a:xfrm>
-              <a:off x="661901" y="3520440"/>
-              <a:ext cx="819498" cy="0"/>
-            </a:xfrm>
-            <a:prstGeom prst="line">
-              <a:avLst/>
-            </a:prstGeom>
-            <a:ln w="9525">
-              <a:solidFill>
-                <a:srgbClr val="00B0F0"/>
-              </a:solidFill>
-              <a:prstDash val="lgDashDot"/>
-            </a:ln>
-          </p:spPr>
-          <p:style>
-            <a:lnRef idx="2">
-              <a:schemeClr val="accent1"/>
-            </a:lnRef>
-            <a:fillRef idx="0">
-              <a:schemeClr val="accent1"/>
-            </a:fillRef>
-            <a:effectRef idx="1">
-              <a:schemeClr val="accent1"/>
-            </a:effectRef>
-            <a:fontRef idx="minor">
-              <a:schemeClr val="tx1"/>
-            </a:fontRef>
-          </p:style>
-        </p:cxnSp>
-      </p:grpSp>
-      <p:grpSp>
-        <p:nvGrpSpPr>
-          <p:cNvPr id="192" name="Group 191">
-            <a:extLst>
-              <a:ext uri="{FF2B5EF4-FFF2-40B4-BE49-F238E27FC236}">
-                <a16:creationId xmlns:a16="http://schemas.microsoft.com/office/drawing/2014/main" id="{5E1C83FC-A171-224B-CE9D-49E3291BB1FA}"/>
-              </a:ext>
-            </a:extLst>
-          </p:cNvPr>
-          <p:cNvGrpSpPr/>
-          <p:nvPr/>
-        </p:nvGrpSpPr>
-        <p:grpSpPr>
-          <a:xfrm>
-            <a:off x="1608672" y="1147688"/>
-            <a:ext cx="1080000" cy="1080000"/>
-            <a:chOff x="1969757" y="3082324"/>
-            <a:chExt cx="821195" cy="1080000"/>
-          </a:xfrm>
-        </p:grpSpPr>
-        <p:pic>
-          <p:nvPicPr>
-            <p:cNvPr id="193" name="Picture 192" descr="A graph with blue line and black text&#10;&#10;AI-generated content may be incorrect.">
-              <a:extLst>
-                <a:ext uri="{FF2B5EF4-FFF2-40B4-BE49-F238E27FC236}">
-                  <a16:creationId xmlns:a16="http://schemas.microsoft.com/office/drawing/2014/main" id="{CA4EC3F4-E5BE-BCD6-EAEB-BD2EECB6FE2A}"/>
-                </a:ext>
-              </a:extLst>
-            </p:cNvPr>
-            <p:cNvPicPr>
-              <a:picLocks noChangeAspect="1"/>
-            </p:cNvPicPr>
-            <p:nvPr/>
-          </p:nvPicPr>
-          <p:blipFill>
-            <a:blip r:embed="rId5">
-              <a:extLst>
-                <a:ext uri="{28A0092B-C50C-407E-A947-70E740481C1C}">
-                  <a14:useLocalDpi xmlns:a14="http://schemas.microsoft.com/office/drawing/2010/main" val="0"/>
-                </a:ext>
-              </a:extLst>
-            </a:blip>
-            <a:srcRect l="12577" t="3937" r="12653" b="21217"/>
-            <a:stretch/>
-          </p:blipFill>
-          <p:spPr>
-            <a:xfrm>
-              <a:off x="1969757" y="3082324"/>
-              <a:ext cx="821195" cy="1080000"/>
-            </a:xfrm>
-            <a:prstGeom prst="rect">
-              <a:avLst/>
-            </a:prstGeom>
-          </p:spPr>
-        </p:pic>
-        <p:cxnSp>
-          <p:nvCxnSpPr>
-            <p:cNvPr id="194" name="Straight Connector 193">
-              <a:extLst>
-                <a:ext uri="{FF2B5EF4-FFF2-40B4-BE49-F238E27FC236}">
-                  <a16:creationId xmlns:a16="http://schemas.microsoft.com/office/drawing/2014/main" id="{B6B424F8-56A0-96EB-CB15-A8D0AE24983B}"/>
-                </a:ext>
-              </a:extLst>
-            </p:cNvPr>
-            <p:cNvCxnSpPr>
-              <a:cxnSpLocks/>
-            </p:cNvCxnSpPr>
-            <p:nvPr/>
-          </p:nvCxnSpPr>
-          <p:spPr>
-            <a:xfrm>
-              <a:off x="1969757" y="3771900"/>
-              <a:ext cx="819498" cy="0"/>
-            </a:xfrm>
-            <a:prstGeom prst="line">
-              <a:avLst/>
-            </a:prstGeom>
-            <a:ln w="9525">
-              <a:solidFill>
-                <a:srgbClr val="00B0F0"/>
-              </a:solidFill>
-              <a:prstDash val="lgDashDot"/>
-            </a:ln>
-          </p:spPr>
-          <p:style>
-            <a:lnRef idx="2">
-              <a:schemeClr val="accent1"/>
-            </a:lnRef>
-            <a:fillRef idx="0">
-              <a:schemeClr val="accent1"/>
-            </a:fillRef>
-            <a:effectRef idx="1">
-              <a:schemeClr val="accent1"/>
-            </a:effectRef>
-            <a:fontRef idx="minor">
-              <a:schemeClr val="tx1"/>
-            </a:fontRef>
-          </p:style>
-        </p:cxnSp>
-      </p:grpSp>
-      <p:grpSp>
-        <p:nvGrpSpPr>
-          <p:cNvPr id="195" name="Group 194">
-            <a:extLst>
-              <a:ext uri="{FF2B5EF4-FFF2-40B4-BE49-F238E27FC236}">
-                <a16:creationId xmlns:a16="http://schemas.microsoft.com/office/drawing/2014/main" id="{16C61612-805C-C791-3E35-FDE0B031D3A0}"/>
-              </a:ext>
-            </a:extLst>
-          </p:cNvPr>
-          <p:cNvGrpSpPr/>
-          <p:nvPr/>
-        </p:nvGrpSpPr>
-        <p:grpSpPr>
-          <a:xfrm>
-            <a:off x="3039635" y="1168390"/>
-            <a:ext cx="1080000" cy="1055386"/>
-            <a:chOff x="3307610" y="3094114"/>
-            <a:chExt cx="832590" cy="1055386"/>
-          </a:xfrm>
-        </p:grpSpPr>
-        <p:pic>
-          <p:nvPicPr>
-            <p:cNvPr id="196" name="Picture 195" descr="A graph with blue lines&#10;&#10;AI-generated content may be incorrect.">
-              <a:extLst>
-                <a:ext uri="{FF2B5EF4-FFF2-40B4-BE49-F238E27FC236}">
-                  <a16:creationId xmlns:a16="http://schemas.microsoft.com/office/drawing/2014/main" id="{CB495863-B3C9-6DCE-4E2A-84E8923086C5}"/>
-                </a:ext>
-              </a:extLst>
-            </p:cNvPr>
-            <p:cNvPicPr>
-              <a:picLocks noChangeAspect="1"/>
-            </p:cNvPicPr>
-            <p:nvPr/>
-          </p:nvPicPr>
-          <p:blipFill>
-            <a:blip r:embed="rId6">
-              <a:extLst>
-                <a:ext uri="{28A0092B-C50C-407E-A947-70E740481C1C}">
-                  <a14:useLocalDpi xmlns:a14="http://schemas.microsoft.com/office/drawing/2010/main" val="0"/>
-                </a:ext>
-              </a:extLst>
-            </a:blip>
-            <a:srcRect l="12653" t="3937" r="12577" b="21217"/>
-            <a:stretch/>
-          </p:blipFill>
-          <p:spPr>
-            <a:xfrm>
-              <a:off x="3307610" y="3094114"/>
-              <a:ext cx="832590" cy="1055386"/>
-            </a:xfrm>
-            <a:prstGeom prst="rect">
-              <a:avLst/>
-            </a:prstGeom>
-          </p:spPr>
-        </p:pic>
-        <p:cxnSp>
-          <p:nvCxnSpPr>
-            <p:cNvPr id="197" name="Straight Connector 196">
-              <a:extLst>
-                <a:ext uri="{FF2B5EF4-FFF2-40B4-BE49-F238E27FC236}">
-                  <a16:creationId xmlns:a16="http://schemas.microsoft.com/office/drawing/2014/main" id="{1DDDD514-FD01-24BB-F37D-FCE400D310B9}"/>
-                </a:ext>
-              </a:extLst>
-            </p:cNvPr>
-            <p:cNvCxnSpPr>
-              <a:cxnSpLocks/>
-            </p:cNvCxnSpPr>
-            <p:nvPr/>
-          </p:nvCxnSpPr>
-          <p:spPr>
-            <a:xfrm>
-              <a:off x="3313082" y="3505200"/>
-              <a:ext cx="819498" cy="0"/>
-            </a:xfrm>
-            <a:prstGeom prst="line">
-              <a:avLst/>
-            </a:prstGeom>
-            <a:ln w="9525">
-              <a:solidFill>
-                <a:srgbClr val="00B0F0"/>
-              </a:solidFill>
-              <a:prstDash val="lgDashDot"/>
-            </a:ln>
-          </p:spPr>
-          <p:style>
-            <a:lnRef idx="2">
-              <a:schemeClr val="accent1"/>
-            </a:lnRef>
-            <a:fillRef idx="0">
-              <a:schemeClr val="accent1"/>
-            </a:fillRef>
-            <a:effectRef idx="1">
-              <a:schemeClr val="accent1"/>
-            </a:effectRef>
-            <a:fontRef idx="minor">
-              <a:schemeClr val="tx1"/>
-            </a:fontRef>
-          </p:style>
-        </p:cxnSp>
-      </p:grpSp>
-      <p:pic>
-        <p:nvPicPr>
-          <p:cNvPr id="198" name="Picture 197">
-            <a:extLst>
-              <a:ext uri="{FF2B5EF4-FFF2-40B4-BE49-F238E27FC236}">
-                <a16:creationId xmlns:a16="http://schemas.microsoft.com/office/drawing/2014/main" id="{302C735F-96B6-B212-F67D-00AC2F967C19}"/>
-              </a:ext>
-            </a:extLst>
-          </p:cNvPr>
-          <p:cNvPicPr>
-            <a:picLocks noChangeAspect="1"/>
-          </p:cNvPicPr>
-          <p:nvPr/>
-        </p:nvPicPr>
-        <p:blipFill>
-          <a:blip r:embed="rId7"/>
-          <a:stretch>
-            <a:fillRect/>
-          </a:stretch>
-        </p:blipFill>
-        <p:spPr>
-          <a:xfrm>
-            <a:off x="3521360" y="2248797"/>
-            <a:ext cx="117000" cy="72000"/>
-          </a:xfrm>
-          <a:prstGeom prst="rect">
-            <a:avLst/>
-          </a:prstGeom>
-        </p:spPr>
-      </p:pic>
-      <p:pic>
-        <p:nvPicPr>
-          <p:cNvPr id="199" name="Picture 198">
-            <a:extLst>
-              <a:ext uri="{FF2B5EF4-FFF2-40B4-BE49-F238E27FC236}">
-                <a16:creationId xmlns:a16="http://schemas.microsoft.com/office/drawing/2014/main" id="{CF2A7B2A-C42D-A834-0226-93D1C100C582}"/>
-              </a:ext>
-            </a:extLst>
-          </p:cNvPr>
-          <p:cNvPicPr>
-            <a:picLocks noChangeAspect="1"/>
-          </p:cNvPicPr>
-          <p:nvPr/>
-        </p:nvPicPr>
-        <p:blipFill>
-          <a:blip r:embed="rId8"/>
-          <a:stretch>
-            <a:fillRect/>
-          </a:stretch>
-        </p:blipFill>
-        <p:spPr>
-          <a:xfrm>
-            <a:off x="3681826" y="2248797"/>
-            <a:ext cx="116394" cy="72000"/>
-          </a:xfrm>
-          <a:prstGeom prst="rect">
-            <a:avLst/>
-          </a:prstGeom>
-        </p:spPr>
-      </p:pic>
-      <p:pic>
-        <p:nvPicPr>
-          <p:cNvPr id="200" name="Picture 199">
-            <a:extLst>
-              <a:ext uri="{FF2B5EF4-FFF2-40B4-BE49-F238E27FC236}">
-                <a16:creationId xmlns:a16="http://schemas.microsoft.com/office/drawing/2014/main" id="{282B448A-8352-AD24-2DD4-A2A87ABE8AE9}"/>
-              </a:ext>
-            </a:extLst>
-          </p:cNvPr>
-          <p:cNvPicPr>
-            <a:picLocks noChangeAspect="1"/>
-          </p:cNvPicPr>
-          <p:nvPr/>
-        </p:nvPicPr>
-        <p:blipFill>
-          <a:blip r:embed="rId9"/>
-          <a:stretch>
-            <a:fillRect/>
-          </a:stretch>
-        </p:blipFill>
-        <p:spPr>
-          <a:xfrm>
-            <a:off x="4029075" y="2248797"/>
-            <a:ext cx="116394" cy="72000"/>
-          </a:xfrm>
-          <a:prstGeom prst="rect">
-            <a:avLst/>
-          </a:prstGeom>
-        </p:spPr>
-      </p:pic>
-      <p:pic>
-        <p:nvPicPr>
-          <p:cNvPr id="201" name="Picture 200">
-            <a:extLst>
-              <a:ext uri="{FF2B5EF4-FFF2-40B4-BE49-F238E27FC236}">
-                <a16:creationId xmlns:a16="http://schemas.microsoft.com/office/drawing/2014/main" id="{BEBC7EED-D4FC-2E3D-8CEE-9DD243C701E4}"/>
-              </a:ext>
-            </a:extLst>
-          </p:cNvPr>
-          <p:cNvPicPr>
-            <a:picLocks noChangeAspect="1"/>
-          </p:cNvPicPr>
-          <p:nvPr/>
-        </p:nvPicPr>
-        <p:blipFill>
-          <a:blip r:embed="rId10"/>
-          <a:stretch>
-            <a:fillRect/>
-          </a:stretch>
-        </p:blipFill>
-        <p:spPr>
-          <a:xfrm>
-            <a:off x="3824172" y="2248797"/>
-            <a:ext cx="117001" cy="72000"/>
-          </a:xfrm>
-          <a:prstGeom prst="rect">
-            <a:avLst/>
-          </a:prstGeom>
-        </p:spPr>
-      </p:pic>
-      <p:pic>
-        <p:nvPicPr>
-          <p:cNvPr id="202" name="Picture 201">
-            <a:extLst>
-              <a:ext uri="{FF2B5EF4-FFF2-40B4-BE49-F238E27FC236}">
-                <a16:creationId xmlns:a16="http://schemas.microsoft.com/office/drawing/2014/main" id="{EAD50C32-358F-F0D5-D2D0-754419F2EB2B}"/>
-              </a:ext>
-            </a:extLst>
-          </p:cNvPr>
-          <p:cNvPicPr>
-            <a:picLocks noChangeAspect="1"/>
-          </p:cNvPicPr>
-          <p:nvPr/>
-        </p:nvPicPr>
-        <p:blipFill>
-          <a:blip r:embed="rId11"/>
-          <a:stretch>
-            <a:fillRect/>
-          </a:stretch>
-        </p:blipFill>
-        <p:spPr>
-          <a:xfrm>
-            <a:off x="3201603" y="2248797"/>
-            <a:ext cx="116394" cy="72000"/>
-          </a:xfrm>
-          <a:prstGeom prst="rect">
-            <a:avLst/>
-          </a:prstGeom>
-        </p:spPr>
-      </p:pic>
-      <p:pic>
-        <p:nvPicPr>
-          <p:cNvPr id="203" name="Picture 202">
-            <a:extLst>
-              <a:ext uri="{FF2B5EF4-FFF2-40B4-BE49-F238E27FC236}">
-                <a16:creationId xmlns:a16="http://schemas.microsoft.com/office/drawing/2014/main" id="{84FD4052-5417-5960-A157-83F5901C5D06}"/>
-              </a:ext>
-            </a:extLst>
-          </p:cNvPr>
-          <p:cNvPicPr>
-            <a:picLocks noChangeAspect="1"/>
-          </p:cNvPicPr>
-          <p:nvPr/>
-        </p:nvPicPr>
-        <p:blipFill>
-          <a:blip r:embed="rId2"/>
-          <a:stretch>
-            <a:fillRect/>
-          </a:stretch>
-        </p:blipFill>
-        <p:spPr>
-          <a:xfrm>
-            <a:off x="1935255" y="2246868"/>
-            <a:ext cx="117000" cy="72000"/>
-          </a:xfrm>
-          <a:prstGeom prst="rect">
-            <a:avLst/>
-          </a:prstGeom>
-        </p:spPr>
-      </p:pic>
-      <p:pic>
-        <p:nvPicPr>
-          <p:cNvPr id="204" name="Picture 203">
-            <a:extLst>
-              <a:ext uri="{FF2B5EF4-FFF2-40B4-BE49-F238E27FC236}">
-                <a16:creationId xmlns:a16="http://schemas.microsoft.com/office/drawing/2014/main" id="{73562763-DBC9-0CEA-2447-9E1DF743914E}"/>
-              </a:ext>
-            </a:extLst>
-          </p:cNvPr>
-          <p:cNvPicPr>
-            <a:picLocks noChangeAspect="1"/>
-          </p:cNvPicPr>
-          <p:nvPr/>
-        </p:nvPicPr>
-        <p:blipFill>
-          <a:blip r:embed="rId3"/>
-          <a:stretch>
-            <a:fillRect/>
-          </a:stretch>
-        </p:blipFill>
-        <p:spPr>
-          <a:xfrm>
-            <a:off x="1616462" y="2246868"/>
-            <a:ext cx="117000" cy="72000"/>
-          </a:xfrm>
-          <a:prstGeom prst="rect">
-            <a:avLst/>
-          </a:prstGeom>
-        </p:spPr>
-      </p:pic>
-      <p:pic>
-        <p:nvPicPr>
-          <p:cNvPr id="205" name="Picture 204">
-            <a:extLst>
-              <a:ext uri="{FF2B5EF4-FFF2-40B4-BE49-F238E27FC236}">
-                <a16:creationId xmlns:a16="http://schemas.microsoft.com/office/drawing/2014/main" id="{426C71DC-6F57-CFA1-2E6F-C9663A7CE856}"/>
-              </a:ext>
-            </a:extLst>
-          </p:cNvPr>
-          <p:cNvPicPr>
-            <a:picLocks noChangeAspect="1"/>
-          </p:cNvPicPr>
-          <p:nvPr/>
-        </p:nvPicPr>
-        <p:blipFill>
-          <a:blip r:embed="rId7"/>
-          <a:stretch>
-            <a:fillRect/>
-          </a:stretch>
-        </p:blipFill>
-        <p:spPr>
-          <a:xfrm>
-            <a:off x="2097288" y="2246868"/>
-            <a:ext cx="117000" cy="72000"/>
-          </a:xfrm>
-          <a:prstGeom prst="rect">
-            <a:avLst/>
-          </a:prstGeom>
-        </p:spPr>
-      </p:pic>
-      <p:pic>
-        <p:nvPicPr>
-          <p:cNvPr id="206" name="Picture 205">
-            <a:extLst>
-              <a:ext uri="{FF2B5EF4-FFF2-40B4-BE49-F238E27FC236}">
-                <a16:creationId xmlns:a16="http://schemas.microsoft.com/office/drawing/2014/main" id="{F1B9D762-F99D-793B-9E6B-2637C5F7A103}"/>
-              </a:ext>
-            </a:extLst>
-          </p:cNvPr>
-          <p:cNvPicPr>
-            <a:picLocks noChangeAspect="1"/>
-          </p:cNvPicPr>
-          <p:nvPr/>
-        </p:nvPicPr>
-        <p:blipFill>
-          <a:blip r:embed="rId8"/>
-          <a:stretch>
-            <a:fillRect/>
-          </a:stretch>
-        </p:blipFill>
-        <p:spPr>
-          <a:xfrm>
-            <a:off x="2257754" y="2246868"/>
-            <a:ext cx="116394" cy="72000"/>
-          </a:xfrm>
-          <a:prstGeom prst="rect">
-            <a:avLst/>
-          </a:prstGeom>
-        </p:spPr>
-      </p:pic>
-      <p:pic>
-        <p:nvPicPr>
-          <p:cNvPr id="207" name="Picture 206">
-            <a:extLst>
-              <a:ext uri="{FF2B5EF4-FFF2-40B4-BE49-F238E27FC236}">
-                <a16:creationId xmlns:a16="http://schemas.microsoft.com/office/drawing/2014/main" id="{D97F7284-1163-5C94-DF0B-46947D3AB6DF}"/>
-              </a:ext>
-            </a:extLst>
-          </p:cNvPr>
-          <p:cNvPicPr>
-            <a:picLocks noChangeAspect="1"/>
-          </p:cNvPicPr>
-          <p:nvPr/>
-        </p:nvPicPr>
-        <p:blipFill>
-          <a:blip r:embed="rId9"/>
-          <a:stretch>
-            <a:fillRect/>
-          </a:stretch>
-        </p:blipFill>
-        <p:spPr>
-          <a:xfrm>
-            <a:off x="2605003" y="2246868"/>
-            <a:ext cx="116394" cy="72000"/>
-          </a:xfrm>
-          <a:prstGeom prst="rect">
-            <a:avLst/>
-          </a:prstGeom>
-        </p:spPr>
-      </p:pic>
-      <p:pic>
-        <p:nvPicPr>
-          <p:cNvPr id="208" name="Picture 207">
-            <a:extLst>
-              <a:ext uri="{FF2B5EF4-FFF2-40B4-BE49-F238E27FC236}">
-                <a16:creationId xmlns:a16="http://schemas.microsoft.com/office/drawing/2014/main" id="{6B83D215-89B4-64D1-D9AA-8E41806EF695}"/>
-              </a:ext>
-            </a:extLst>
-          </p:cNvPr>
-          <p:cNvPicPr>
-            <a:picLocks noChangeAspect="1"/>
-          </p:cNvPicPr>
-          <p:nvPr/>
-        </p:nvPicPr>
-        <p:blipFill>
-          <a:blip r:embed="rId10"/>
-          <a:stretch>
-            <a:fillRect/>
-          </a:stretch>
-        </p:blipFill>
-        <p:spPr>
-          <a:xfrm>
-            <a:off x="2400100" y="2246868"/>
-            <a:ext cx="117001" cy="72000"/>
-          </a:xfrm>
-          <a:prstGeom prst="rect">
-            <a:avLst/>
-          </a:prstGeom>
-        </p:spPr>
-      </p:pic>
-      <p:pic>
-        <p:nvPicPr>
-          <p:cNvPr id="209" name="Picture 208">
-            <a:extLst>
-              <a:ext uri="{FF2B5EF4-FFF2-40B4-BE49-F238E27FC236}">
-                <a16:creationId xmlns:a16="http://schemas.microsoft.com/office/drawing/2014/main" id="{B31A1B4E-31C6-7BE9-7661-EB1C8D98B1CA}"/>
-              </a:ext>
-            </a:extLst>
-          </p:cNvPr>
-          <p:cNvPicPr>
-            <a:picLocks noChangeAspect="1"/>
-          </p:cNvPicPr>
-          <p:nvPr/>
-        </p:nvPicPr>
-        <p:blipFill>
-          <a:blip r:embed="rId11"/>
-          <a:stretch>
-            <a:fillRect/>
-          </a:stretch>
-        </p:blipFill>
-        <p:spPr>
-          <a:xfrm>
-            <a:off x="1777531" y="2246868"/>
-            <a:ext cx="116394" cy="72000"/>
-          </a:xfrm>
-          <a:prstGeom prst="rect">
-            <a:avLst/>
-          </a:prstGeom>
-        </p:spPr>
-      </p:pic>
-      <p:pic>
-        <p:nvPicPr>
-          <p:cNvPr id="210" name="Picture 209">
-            <a:extLst>
-              <a:ext uri="{FF2B5EF4-FFF2-40B4-BE49-F238E27FC236}">
-                <a16:creationId xmlns:a16="http://schemas.microsoft.com/office/drawing/2014/main" id="{2466EFB0-673E-53E9-A9A4-DDE93FEB0FCB}"/>
-              </a:ext>
-            </a:extLst>
-          </p:cNvPr>
-          <p:cNvPicPr>
-            <a:picLocks noChangeAspect="1"/>
-          </p:cNvPicPr>
-          <p:nvPr/>
-        </p:nvPicPr>
-        <p:blipFill>
-          <a:blip r:embed="rId2"/>
-          <a:stretch>
-            <a:fillRect/>
-          </a:stretch>
-        </p:blipFill>
-        <p:spPr>
-          <a:xfrm>
-            <a:off x="506022" y="2254749"/>
-            <a:ext cx="117000" cy="72000"/>
-          </a:xfrm>
-          <a:prstGeom prst="rect">
-            <a:avLst/>
-          </a:prstGeom>
-        </p:spPr>
-      </p:pic>
-      <p:pic>
-        <p:nvPicPr>
-          <p:cNvPr id="211" name="Picture 210">
-            <a:extLst>
-              <a:ext uri="{FF2B5EF4-FFF2-40B4-BE49-F238E27FC236}">
-                <a16:creationId xmlns:a16="http://schemas.microsoft.com/office/drawing/2014/main" id="{B0ECD035-9242-0BD8-D71F-D201466CF362}"/>
-              </a:ext>
-            </a:extLst>
-          </p:cNvPr>
-          <p:cNvPicPr>
-            <a:picLocks noChangeAspect="1"/>
-          </p:cNvPicPr>
-          <p:nvPr/>
-        </p:nvPicPr>
-        <p:blipFill>
-          <a:blip r:embed="rId3"/>
-          <a:stretch>
-            <a:fillRect/>
-          </a:stretch>
-        </p:blipFill>
-        <p:spPr>
-          <a:xfrm>
-            <a:off x="187229" y="2254749"/>
-            <a:ext cx="117000" cy="72000"/>
-          </a:xfrm>
-          <a:prstGeom prst="rect">
-            <a:avLst/>
-          </a:prstGeom>
-        </p:spPr>
-      </p:pic>
-      <p:pic>
-        <p:nvPicPr>
-          <p:cNvPr id="212" name="Picture 211">
-            <a:extLst>
-              <a:ext uri="{FF2B5EF4-FFF2-40B4-BE49-F238E27FC236}">
-                <a16:creationId xmlns:a16="http://schemas.microsoft.com/office/drawing/2014/main" id="{09F98784-9EB1-A415-2B88-F3655B86A654}"/>
-              </a:ext>
-            </a:extLst>
-          </p:cNvPr>
-          <p:cNvPicPr>
-            <a:picLocks noChangeAspect="1"/>
-          </p:cNvPicPr>
-          <p:nvPr/>
-        </p:nvPicPr>
-        <p:blipFill>
-          <a:blip r:embed="rId7"/>
-          <a:stretch>
-            <a:fillRect/>
-          </a:stretch>
-        </p:blipFill>
-        <p:spPr>
-          <a:xfrm>
-            <a:off x="668055" y="2254749"/>
-            <a:ext cx="117000" cy="72000"/>
-          </a:xfrm>
-          <a:prstGeom prst="rect">
-            <a:avLst/>
-          </a:prstGeom>
-        </p:spPr>
-      </p:pic>
-      <p:pic>
-        <p:nvPicPr>
-          <p:cNvPr id="213" name="Picture 212">
-            <a:extLst>
-              <a:ext uri="{FF2B5EF4-FFF2-40B4-BE49-F238E27FC236}">
-                <a16:creationId xmlns:a16="http://schemas.microsoft.com/office/drawing/2014/main" id="{204E24D5-38CE-F075-BB8A-8E58D832CA13}"/>
-              </a:ext>
-            </a:extLst>
-          </p:cNvPr>
-          <p:cNvPicPr>
-            <a:picLocks noChangeAspect="1"/>
-          </p:cNvPicPr>
-          <p:nvPr/>
-        </p:nvPicPr>
-        <p:blipFill>
-          <a:blip r:embed="rId8"/>
-          <a:stretch>
-            <a:fillRect/>
-          </a:stretch>
-        </p:blipFill>
-        <p:spPr>
-          <a:xfrm>
-            <a:off x="828521" y="2254749"/>
-            <a:ext cx="116394" cy="72000"/>
-          </a:xfrm>
-          <a:prstGeom prst="rect">
-            <a:avLst/>
-          </a:prstGeom>
-        </p:spPr>
-      </p:pic>
-      <p:pic>
-        <p:nvPicPr>
-          <p:cNvPr id="214" name="Picture 213">
-            <a:extLst>
-              <a:ext uri="{FF2B5EF4-FFF2-40B4-BE49-F238E27FC236}">
-                <a16:creationId xmlns:a16="http://schemas.microsoft.com/office/drawing/2014/main" id="{96D5F2FA-4416-72EB-B547-E7B9D7176362}"/>
-              </a:ext>
-            </a:extLst>
-          </p:cNvPr>
-          <p:cNvPicPr>
-            <a:picLocks noChangeAspect="1"/>
-          </p:cNvPicPr>
-          <p:nvPr/>
-        </p:nvPicPr>
-        <p:blipFill>
-          <a:blip r:embed="rId9"/>
-          <a:stretch>
-            <a:fillRect/>
-          </a:stretch>
-        </p:blipFill>
-        <p:spPr>
-          <a:xfrm>
-            <a:off x="1175770" y="2254749"/>
-            <a:ext cx="116394" cy="72000"/>
-          </a:xfrm>
-          <a:prstGeom prst="rect">
-            <a:avLst/>
-          </a:prstGeom>
-        </p:spPr>
-      </p:pic>
-      <p:pic>
-        <p:nvPicPr>
-          <p:cNvPr id="215" name="Picture 214">
-            <a:extLst>
-              <a:ext uri="{FF2B5EF4-FFF2-40B4-BE49-F238E27FC236}">
-                <a16:creationId xmlns:a16="http://schemas.microsoft.com/office/drawing/2014/main" id="{B69A4449-5E05-C132-6AB4-D983D0C053C5}"/>
-              </a:ext>
-            </a:extLst>
-          </p:cNvPr>
-          <p:cNvPicPr>
-            <a:picLocks noChangeAspect="1"/>
-          </p:cNvPicPr>
-          <p:nvPr/>
-        </p:nvPicPr>
-        <p:blipFill>
-          <a:blip r:embed="rId10"/>
-          <a:stretch>
-            <a:fillRect/>
-          </a:stretch>
-        </p:blipFill>
-        <p:spPr>
-          <a:xfrm>
-            <a:off x="970867" y="2254749"/>
-            <a:ext cx="117001" cy="72000"/>
-          </a:xfrm>
-          <a:prstGeom prst="rect">
-            <a:avLst/>
-          </a:prstGeom>
-        </p:spPr>
-      </p:pic>
-      <p:pic>
-        <p:nvPicPr>
-          <p:cNvPr id="216" name="Picture 215">
-            <a:extLst>
-              <a:ext uri="{FF2B5EF4-FFF2-40B4-BE49-F238E27FC236}">
-                <a16:creationId xmlns:a16="http://schemas.microsoft.com/office/drawing/2014/main" id="{A3210EAA-203C-2D5D-9F3A-077DFE0A7B2F}"/>
-              </a:ext>
-            </a:extLst>
-          </p:cNvPr>
-          <p:cNvPicPr>
-            <a:picLocks noChangeAspect="1"/>
-          </p:cNvPicPr>
-          <p:nvPr/>
-        </p:nvPicPr>
-        <p:blipFill>
-          <a:blip r:embed="rId11"/>
-          <a:stretch>
-            <a:fillRect/>
-          </a:stretch>
-        </p:blipFill>
-        <p:spPr>
-          <a:xfrm>
-            <a:off x="348298" y="2254749"/>
-            <a:ext cx="116394" cy="72000"/>
-          </a:xfrm>
-          <a:prstGeom prst="rect">
-            <a:avLst/>
-          </a:prstGeom>
-        </p:spPr>
-      </p:pic>
-      <p:sp>
-        <p:nvSpPr>
-          <p:cNvPr id="217" name="Rectangle 216">
-            <a:extLst>
-              <a:ext uri="{FF2B5EF4-FFF2-40B4-BE49-F238E27FC236}">
-                <a16:creationId xmlns:a16="http://schemas.microsoft.com/office/drawing/2014/main" id="{B14CBCE5-B818-7A35-6F71-E822F2AC63B4}"/>
+                <a16:creationId xmlns:a16="http://schemas.microsoft.com/office/drawing/2014/main" id="{36457D3F-8BF8-12D2-AF79-76238B803265}"/>
               </a:ext>
             </a:extLst>
           </p:cNvPr>
@@ -7395,8 +8114,8 @@
         </p:nvSpPr>
         <p:spPr>
           <a:xfrm rot="5400000">
-            <a:off x="1236126" y="178261"/>
-            <a:ext cx="452607" cy="1080000"/>
+            <a:off x="2057872" y="1217292"/>
+            <a:ext cx="190946" cy="1066188"/>
           </a:xfrm>
           <a:prstGeom prst="rect">
             <a:avLst/>
@@ -7438,61 +8157,27 @@
                 <a:latin typeface="Calibri Light" panose="020F0302020204030204" pitchFamily="34" charset="0"/>
                 <a:cs typeface="Calibri Light" panose="020F0302020204030204" pitchFamily="34" charset="0"/>
               </a:rPr>
-              <a:t>Scores computed with the full training dataset</a:t>
+              <a:t>Refer to Figure 6.11e</a:t>
             </a:r>
+            <a:endParaRPr lang="en-GB" sz="800" dirty="0">
+              <a:solidFill>
+                <a:schemeClr val="tx1">
+                  <a:lumMod val="75000"/>
+                  <a:lumOff val="25000"/>
+                </a:schemeClr>
+              </a:solidFill>
+              <a:latin typeface="Calibri Light" panose="020F0302020204030204" pitchFamily="34" charset="0"/>
+              <a:cs typeface="Calibri Light" panose="020F0302020204030204" pitchFamily="34" charset="0"/>
+            </a:endParaRPr>
           </a:p>
         </p:txBody>
       </p:sp>
-      <p:cxnSp>
-        <p:nvCxnSpPr>
-          <p:cNvPr id="218" name="Straight Connector 217">
+      <p:sp>
+        <p:nvSpPr>
+          <p:cNvPr id="140" name="Rectangle 139">
             <a:extLst>
               <a:ext uri="{FF2B5EF4-FFF2-40B4-BE49-F238E27FC236}">
-                <a16:creationId xmlns:a16="http://schemas.microsoft.com/office/drawing/2014/main" id="{4F69ABAE-7775-42FB-C18D-9856B273834C}"/>
-              </a:ext>
-            </a:extLst>
-          </p:cNvPr>
-          <p:cNvCxnSpPr>
-            <a:cxnSpLocks/>
-          </p:cNvCxnSpPr>
-          <p:nvPr/>
-        </p:nvCxnSpPr>
-        <p:spPr>
-          <a:xfrm>
-            <a:off x="467397" y="718261"/>
-            <a:ext cx="468000" cy="0"/>
-          </a:xfrm>
-          <a:prstGeom prst="line">
-            <a:avLst/>
-          </a:prstGeom>
-          <a:ln>
-            <a:solidFill>
-              <a:srgbClr val="00B0F0"/>
-            </a:solidFill>
-            <a:prstDash val="lgDashDot"/>
-          </a:ln>
-        </p:spPr>
-        <p:style>
-          <a:lnRef idx="2">
-            <a:schemeClr val="accent1"/>
-          </a:lnRef>
-          <a:fillRef idx="0">
-            <a:schemeClr val="accent1"/>
-          </a:fillRef>
-          <a:effectRef idx="1">
-            <a:schemeClr val="accent1"/>
-          </a:effectRef>
-          <a:fontRef idx="minor">
-            <a:schemeClr val="tx1"/>
-          </a:fontRef>
-        </p:style>
-      </p:cxnSp>
-      <p:sp>
-        <p:nvSpPr>
-          <p:cNvPr id="219" name="Rectangle 218">
-            <a:extLst>
-              <a:ext uri="{FF2B5EF4-FFF2-40B4-BE49-F238E27FC236}">
-                <a16:creationId xmlns:a16="http://schemas.microsoft.com/office/drawing/2014/main" id="{14D925CB-275B-33EA-7D65-0962CECCEDD3}"/>
+                <a16:creationId xmlns:a16="http://schemas.microsoft.com/office/drawing/2014/main" id="{BFAC298E-30EC-6611-2990-7CB80A58CA76}"/>
               </a:ext>
             </a:extLst>
           </p:cNvPr>
@@ -7501,8 +8186,8 @@
         </p:nvSpPr>
         <p:spPr>
           <a:xfrm rot="5400000">
-            <a:off x="2991194" y="178824"/>
-            <a:ext cx="452607" cy="1080000"/>
+            <a:off x="3489725" y="957946"/>
+            <a:ext cx="190946" cy="1061624"/>
           </a:xfrm>
           <a:prstGeom prst="rect">
             <a:avLst/>
@@ -7544,7 +8229,7 @@
                 <a:latin typeface="Calibri Light" panose="020F0302020204030204" pitchFamily="34" charset="0"/>
                 <a:cs typeface="Calibri Light" panose="020F0302020204030204" pitchFamily="34" charset="0"/>
               </a:rPr>
-              <a:t>Scores computed with the training subsets</a:t>
+              <a:t>Refer to Figure 6.11i</a:t>
             </a:r>
             <a:endParaRPr lang="en-GB" sz="800" dirty="0">
               <a:solidFill>
@@ -7559,248 +8244,296 @@
           </a:p>
         </p:txBody>
       </p:sp>
-      <p:cxnSp>
-        <p:nvCxnSpPr>
-          <p:cNvPr id="220" name="Straight Connector 219">
+      <p:grpSp>
+        <p:nvGrpSpPr>
+          <p:cNvPr id="148" name="Group 147">
             <a:extLst>
               <a:ext uri="{FF2B5EF4-FFF2-40B4-BE49-F238E27FC236}">
-                <a16:creationId xmlns:a16="http://schemas.microsoft.com/office/drawing/2014/main" id="{A743AA55-0FF7-4322-F12E-5506ECD3A12B}"/>
+                <a16:creationId xmlns:a16="http://schemas.microsoft.com/office/drawing/2014/main" id="{79F555FF-D51E-8A8D-7529-15578505B4F1}"/>
               </a:ext>
             </a:extLst>
           </p:cNvPr>
-          <p:cNvCxnSpPr>
-            <a:cxnSpLocks/>
-          </p:cNvCxnSpPr>
+          <p:cNvGrpSpPr/>
           <p:nvPr/>
-        </p:nvCxnSpPr>
-        <p:spPr>
+        </p:nvGrpSpPr>
+        <p:grpSpPr>
           <a:xfrm>
-            <a:off x="2250515" y="718824"/>
-            <a:ext cx="468000" cy="0"/>
+            <a:off x="-5825" y="2223604"/>
+            <a:ext cx="1311385" cy="267034"/>
+            <a:chOff x="-5825" y="2215816"/>
+            <a:chExt cx="1311385" cy="267034"/>
           </a:xfrm>
-          <a:prstGeom prst="line">
-            <a:avLst/>
-          </a:prstGeom>
-          <a:ln>
-            <a:solidFill>
-              <a:srgbClr val="00B0F0"/>
-            </a:solidFill>
-            <a:prstDash val="solid"/>
-          </a:ln>
-        </p:spPr>
-        <p:style>
-          <a:lnRef idx="2">
-            <a:schemeClr val="accent1"/>
-          </a:lnRef>
-          <a:fillRef idx="0">
-            <a:schemeClr val="accent1"/>
-          </a:fillRef>
-          <a:effectRef idx="1">
-            <a:schemeClr val="accent1"/>
-          </a:effectRef>
-          <a:fontRef idx="minor">
-            <a:schemeClr val="tx1"/>
-          </a:fontRef>
-        </p:style>
-      </p:cxnSp>
-      <p:sp>
-        <p:nvSpPr>
-          <p:cNvPr id="2" name="TextBox 1">
-            <a:extLst>
-              <a:ext uri="{FF2B5EF4-FFF2-40B4-BE49-F238E27FC236}">
-                <a16:creationId xmlns:a16="http://schemas.microsoft.com/office/drawing/2014/main" id="{56D055BF-299F-2498-48AD-DF90FC7D5205}"/>
-              </a:ext>
-            </a:extLst>
-          </p:cNvPr>
-          <p:cNvSpPr txBox="1"/>
-          <p:nvPr/>
-        </p:nvSpPr>
-        <p:spPr>
-          <a:xfrm>
-            <a:off x="990410" y="1216872"/>
-            <a:ext cx="216000" cy="215444"/>
-          </a:xfrm>
-          <a:prstGeom prst="rect">
-            <a:avLst/>
-          </a:prstGeom>
-          <a:noFill/>
-          <a:ln w="3175">
-            <a:solidFill>
-              <a:schemeClr val="tx1">
-                <a:lumMod val="75000"/>
-                <a:lumOff val="25000"/>
+        </p:grpSpPr>
+        <p:pic>
+          <p:nvPicPr>
+            <p:cNvPr id="47" name="Picture 46">
+              <a:extLst>
+                <a:ext uri="{FF2B5EF4-FFF2-40B4-BE49-F238E27FC236}">
+                  <a16:creationId xmlns:a16="http://schemas.microsoft.com/office/drawing/2014/main" id="{2466EFB0-673E-53E9-A9A4-DDE93FEB0FCB}"/>
+                </a:ext>
+              </a:extLst>
+            </p:cNvPr>
+            <p:cNvPicPr>
+              <a:picLocks noChangeAspect="1"/>
+            </p:cNvPicPr>
+            <p:nvPr/>
+          </p:nvPicPr>
+          <p:blipFill>
+            <a:blip r:embed="rId5"/>
+            <a:stretch>
+              <a:fillRect/>
+            </a:stretch>
+          </p:blipFill>
+          <p:spPr>
+            <a:xfrm>
+              <a:off x="506022" y="2223604"/>
+              <a:ext cx="117000" cy="72000"/>
+            </a:xfrm>
+            <a:prstGeom prst="rect">
+              <a:avLst/>
+            </a:prstGeom>
+          </p:spPr>
+        </p:pic>
+        <p:pic>
+          <p:nvPicPr>
+            <p:cNvPr id="48" name="Picture 47">
+              <a:extLst>
+                <a:ext uri="{FF2B5EF4-FFF2-40B4-BE49-F238E27FC236}">
+                  <a16:creationId xmlns:a16="http://schemas.microsoft.com/office/drawing/2014/main" id="{B0ECD035-9242-0BD8-D71F-D201466CF362}"/>
+                </a:ext>
+              </a:extLst>
+            </p:cNvPr>
+            <p:cNvPicPr>
+              <a:picLocks noChangeAspect="1"/>
+            </p:cNvPicPr>
+            <p:nvPr/>
+          </p:nvPicPr>
+          <p:blipFill>
+            <a:blip r:embed="rId6"/>
+            <a:stretch>
+              <a:fillRect/>
+            </a:stretch>
+          </p:blipFill>
+          <p:spPr>
+            <a:xfrm>
+              <a:off x="187229" y="2223604"/>
+              <a:ext cx="117000" cy="72000"/>
+            </a:xfrm>
+            <a:prstGeom prst="rect">
+              <a:avLst/>
+            </a:prstGeom>
+          </p:spPr>
+        </p:pic>
+        <p:pic>
+          <p:nvPicPr>
+            <p:cNvPr id="49" name="Picture 48">
+              <a:extLst>
+                <a:ext uri="{FF2B5EF4-FFF2-40B4-BE49-F238E27FC236}">
+                  <a16:creationId xmlns:a16="http://schemas.microsoft.com/office/drawing/2014/main" id="{09F98784-9EB1-A415-2B88-F3655B86A654}"/>
+                </a:ext>
+              </a:extLst>
+            </p:cNvPr>
+            <p:cNvPicPr>
+              <a:picLocks noChangeAspect="1"/>
+            </p:cNvPicPr>
+            <p:nvPr/>
+          </p:nvPicPr>
+          <p:blipFill>
+            <a:blip r:embed="rId7"/>
+            <a:stretch>
+              <a:fillRect/>
+            </a:stretch>
+          </p:blipFill>
+          <p:spPr>
+            <a:xfrm>
+              <a:off x="843648" y="2223604"/>
+              <a:ext cx="117000" cy="72000"/>
+            </a:xfrm>
+            <a:prstGeom prst="rect">
+              <a:avLst/>
+            </a:prstGeom>
+          </p:spPr>
+        </p:pic>
+        <p:pic>
+          <p:nvPicPr>
+            <p:cNvPr id="50" name="Picture 49">
+              <a:extLst>
+                <a:ext uri="{FF2B5EF4-FFF2-40B4-BE49-F238E27FC236}">
+                  <a16:creationId xmlns:a16="http://schemas.microsoft.com/office/drawing/2014/main" id="{204E24D5-38CE-F075-BB8A-8E58D832CA13}"/>
+                </a:ext>
+              </a:extLst>
+            </p:cNvPr>
+            <p:cNvPicPr>
+              <a:picLocks noChangeAspect="1"/>
+            </p:cNvPicPr>
+            <p:nvPr/>
+          </p:nvPicPr>
+          <p:blipFill>
+            <a:blip r:embed="rId8"/>
+            <a:stretch>
+              <a:fillRect/>
+            </a:stretch>
+          </p:blipFill>
+          <p:spPr>
+            <a:xfrm>
+              <a:off x="668229" y="2223604"/>
+              <a:ext cx="116394" cy="72000"/>
+            </a:xfrm>
+            <a:prstGeom prst="rect">
+              <a:avLst/>
+            </a:prstGeom>
+          </p:spPr>
+        </p:pic>
+        <p:pic>
+          <p:nvPicPr>
+            <p:cNvPr id="51" name="Picture 50">
+              <a:extLst>
+                <a:ext uri="{FF2B5EF4-FFF2-40B4-BE49-F238E27FC236}">
+                  <a16:creationId xmlns:a16="http://schemas.microsoft.com/office/drawing/2014/main" id="{96D5F2FA-4416-72EB-B547-E7B9D7176362}"/>
+                </a:ext>
+              </a:extLst>
+            </p:cNvPr>
+            <p:cNvPicPr>
+              <a:picLocks noChangeAspect="1"/>
+            </p:cNvPicPr>
+            <p:nvPr/>
+          </p:nvPicPr>
+          <p:blipFill>
+            <a:blip r:embed="rId9"/>
+            <a:stretch>
+              <a:fillRect/>
+            </a:stretch>
+          </p:blipFill>
+          <p:spPr>
+            <a:xfrm>
+              <a:off x="1023079" y="2223604"/>
+              <a:ext cx="116394" cy="72000"/>
+            </a:xfrm>
+            <a:prstGeom prst="rect">
+              <a:avLst/>
+            </a:prstGeom>
+          </p:spPr>
+        </p:pic>
+        <p:pic>
+          <p:nvPicPr>
+            <p:cNvPr id="52" name="Picture 51">
+              <a:extLst>
+                <a:ext uri="{FF2B5EF4-FFF2-40B4-BE49-F238E27FC236}">
+                  <a16:creationId xmlns:a16="http://schemas.microsoft.com/office/drawing/2014/main" id="{B69A4449-5E05-C132-6AB4-D983D0C053C5}"/>
+                </a:ext>
+              </a:extLst>
+            </p:cNvPr>
+            <p:cNvPicPr>
+              <a:picLocks noChangeAspect="1"/>
+            </p:cNvPicPr>
+            <p:nvPr/>
+          </p:nvPicPr>
+          <p:blipFill>
+            <a:blip r:embed="rId10"/>
+            <a:stretch>
+              <a:fillRect/>
+            </a:stretch>
+          </p:blipFill>
+          <p:spPr>
+            <a:xfrm>
+              <a:off x="1135594" y="2215816"/>
+              <a:ext cx="117001" cy="72000"/>
+            </a:xfrm>
+            <a:prstGeom prst="rect">
+              <a:avLst/>
+            </a:prstGeom>
+          </p:spPr>
+        </p:pic>
+        <p:pic>
+          <p:nvPicPr>
+            <p:cNvPr id="53" name="Picture 52">
+              <a:extLst>
+                <a:ext uri="{FF2B5EF4-FFF2-40B4-BE49-F238E27FC236}">
+                  <a16:creationId xmlns:a16="http://schemas.microsoft.com/office/drawing/2014/main" id="{A3210EAA-203C-2D5D-9F3A-077DFE0A7B2F}"/>
+                </a:ext>
+              </a:extLst>
+            </p:cNvPr>
+            <p:cNvPicPr>
+              <a:picLocks noChangeAspect="1"/>
+            </p:cNvPicPr>
+            <p:nvPr/>
+          </p:nvPicPr>
+          <p:blipFill>
+            <a:blip r:embed="rId11"/>
+            <a:stretch>
+              <a:fillRect/>
+            </a:stretch>
+          </p:blipFill>
+          <p:spPr>
+            <a:xfrm>
+              <a:off x="348298" y="2223604"/>
+              <a:ext cx="116394" cy="72000"/>
+            </a:xfrm>
+            <a:prstGeom prst="rect">
+              <a:avLst/>
+            </a:prstGeom>
+          </p:spPr>
+        </p:pic>
+        <p:sp>
+          <p:nvSpPr>
+            <p:cNvPr id="141" name="Rectangle 140">
+              <a:extLst>
+                <a:ext uri="{FF2B5EF4-FFF2-40B4-BE49-F238E27FC236}">
+                  <a16:creationId xmlns:a16="http://schemas.microsoft.com/office/drawing/2014/main" id="{F959B1C1-522A-86B4-600F-28598F1BA02A}"/>
+                </a:ext>
+              </a:extLst>
+            </p:cNvPr>
+            <p:cNvSpPr/>
+            <p:nvPr/>
+          </p:nvSpPr>
+          <p:spPr>
+            <a:xfrm rot="2700000">
+              <a:off x="68702" y="2218344"/>
+              <a:ext cx="189979" cy="339033"/>
+            </a:xfrm>
+            <a:prstGeom prst="rect">
+              <a:avLst/>
+            </a:prstGeom>
+            <a:noFill/>
+            <a:ln w="3175">
+              <a:noFill/>
+            </a:ln>
+          </p:spPr>
+          <p:style>
+            <a:lnRef idx="2">
+              <a:schemeClr val="accent1">
+                <a:shade val="15000"/>
               </a:schemeClr>
-            </a:solidFill>
-          </a:ln>
-        </p:spPr>
-        <p:txBody>
-          <a:bodyPr wrap="none" rtlCol="0">
-            <a:spAutoFit/>
-          </a:bodyPr>
-          <a:lstStyle/>
-          <a:p>
-            <a:r>
-              <a:rPr lang="en-US" sz="800" dirty="0">
-                <a:latin typeface="Calibri Light" panose="020F0302020204030204" pitchFamily="34" charset="0"/>
-                <a:cs typeface="Calibri Light" panose="020F0302020204030204" pitchFamily="34" charset="0"/>
-              </a:rPr>
-              <a:t>a</a:t>
-            </a:r>
-            <a:endParaRPr lang="en-GB" sz="800" dirty="0">
-              <a:latin typeface="Calibri Light" panose="020F0302020204030204" pitchFamily="34" charset="0"/>
-              <a:cs typeface="Calibri Light" panose="020F0302020204030204" pitchFamily="34" charset="0"/>
-            </a:endParaRPr>
-          </a:p>
-        </p:txBody>
-      </p:sp>
-      <p:sp>
-        <p:nvSpPr>
-          <p:cNvPr id="3" name="TextBox 2">
-            <a:extLst>
-              <a:ext uri="{FF2B5EF4-FFF2-40B4-BE49-F238E27FC236}">
-                <a16:creationId xmlns:a16="http://schemas.microsoft.com/office/drawing/2014/main" id="{48B1BB4E-6C4E-428B-1CAA-32551A7D637F}"/>
-              </a:ext>
-            </a:extLst>
-          </p:cNvPr>
-          <p:cNvSpPr txBox="1"/>
-          <p:nvPr/>
-        </p:nvSpPr>
-        <p:spPr>
-          <a:xfrm>
-            <a:off x="2410356" y="1189292"/>
-            <a:ext cx="237566" cy="215444"/>
-          </a:xfrm>
-          <a:prstGeom prst="rect">
-            <a:avLst/>
-          </a:prstGeom>
-          <a:noFill/>
-          <a:ln w="3175">
-            <a:solidFill>
-              <a:schemeClr val="tx1">
-                <a:lumMod val="75000"/>
-                <a:lumOff val="25000"/>
-              </a:schemeClr>
-            </a:solidFill>
-          </a:ln>
-        </p:spPr>
-        <p:txBody>
-          <a:bodyPr wrap="none" rtlCol="0">
-            <a:spAutoFit/>
-          </a:bodyPr>
-          <a:lstStyle/>
-          <a:p>
-            <a:r>
-              <a:rPr lang="en-US" sz="800" dirty="0">
-                <a:latin typeface="Calibri Light" panose="020F0302020204030204" pitchFamily="34" charset="0"/>
-                <a:cs typeface="Calibri Light" panose="020F0302020204030204" pitchFamily="34" charset="0"/>
-              </a:rPr>
-              <a:t>b</a:t>
-            </a:r>
-            <a:endParaRPr lang="en-GB" sz="800" dirty="0">
-              <a:latin typeface="Calibri Light" panose="020F0302020204030204" pitchFamily="34" charset="0"/>
-              <a:cs typeface="Calibri Light" panose="020F0302020204030204" pitchFamily="34" charset="0"/>
-            </a:endParaRPr>
-          </a:p>
-        </p:txBody>
-      </p:sp>
-      <p:sp>
-        <p:nvSpPr>
-          <p:cNvPr id="4" name="TextBox 3">
-            <a:extLst>
-              <a:ext uri="{FF2B5EF4-FFF2-40B4-BE49-F238E27FC236}">
-                <a16:creationId xmlns:a16="http://schemas.microsoft.com/office/drawing/2014/main" id="{6A86CF01-D0E3-F046-5F1A-335B8A751FF9}"/>
-              </a:ext>
-            </a:extLst>
-          </p:cNvPr>
-          <p:cNvSpPr txBox="1"/>
-          <p:nvPr/>
-        </p:nvSpPr>
-        <p:spPr>
-          <a:xfrm>
-            <a:off x="3848516" y="1196375"/>
-            <a:ext cx="227948" cy="215444"/>
-          </a:xfrm>
-          <a:prstGeom prst="rect">
-            <a:avLst/>
-          </a:prstGeom>
-          <a:noFill/>
-          <a:ln w="3175">
-            <a:solidFill>
-              <a:schemeClr val="tx1">
-                <a:lumMod val="75000"/>
-                <a:lumOff val="25000"/>
-              </a:schemeClr>
-            </a:solidFill>
-          </a:ln>
-        </p:spPr>
-        <p:txBody>
-          <a:bodyPr wrap="none" rtlCol="0">
-            <a:spAutoFit/>
-          </a:bodyPr>
-          <a:lstStyle/>
-          <a:p>
-            <a:r>
-              <a:rPr lang="en-US" sz="800" dirty="0">
-                <a:latin typeface="Calibri Light" panose="020F0302020204030204" pitchFamily="34" charset="0"/>
-                <a:cs typeface="Calibri Light" panose="020F0302020204030204" pitchFamily="34" charset="0"/>
-              </a:rPr>
-              <a:t>c</a:t>
-            </a:r>
-            <a:endParaRPr lang="en-GB" sz="800" dirty="0">
-              <a:latin typeface="Calibri Light" panose="020F0302020204030204" pitchFamily="34" charset="0"/>
-              <a:cs typeface="Calibri Light" panose="020F0302020204030204" pitchFamily="34" charset="0"/>
-            </a:endParaRPr>
-          </a:p>
-        </p:txBody>
-      </p:sp>
-      <p:sp>
-        <p:nvSpPr>
-          <p:cNvPr id="5" name="Rectangle 4">
-            <a:extLst>
-              <a:ext uri="{FF2B5EF4-FFF2-40B4-BE49-F238E27FC236}">
-                <a16:creationId xmlns:a16="http://schemas.microsoft.com/office/drawing/2014/main" id="{C28FD63F-BB9E-AD69-71B9-B973AD33F83F}"/>
-              </a:ext>
-            </a:extLst>
-          </p:cNvPr>
-          <p:cNvSpPr/>
-          <p:nvPr/>
-        </p:nvSpPr>
-        <p:spPr>
-          <a:xfrm rot="5400000">
-            <a:off x="581235" y="981465"/>
-            <a:ext cx="190946" cy="1080000"/>
-          </a:xfrm>
-          <a:prstGeom prst="rect">
-            <a:avLst/>
-          </a:prstGeom>
-          <a:noFill/>
-          <a:ln w="3175">
-            <a:noFill/>
-          </a:ln>
-        </p:spPr>
-        <p:style>
-          <a:lnRef idx="2">
-            <a:schemeClr val="accent1">
-              <a:shade val="15000"/>
-            </a:schemeClr>
-          </a:lnRef>
-          <a:fillRef idx="1">
-            <a:schemeClr val="accent1"/>
-          </a:fillRef>
-          <a:effectRef idx="0">
-            <a:schemeClr val="accent1"/>
-          </a:effectRef>
-          <a:fontRef idx="minor">
-            <a:schemeClr val="lt1"/>
-          </a:fontRef>
-        </p:style>
-        <p:txBody>
-          <a:bodyPr vert="vert270" rtlCol="0" anchor="ctr"/>
-          <a:lstStyle/>
-          <a:p>
-            <a:pPr algn="ctr"/>
-            <a:r>
-              <a:rPr lang="en-US" sz="800" dirty="0">
+            </a:lnRef>
+            <a:fillRef idx="1">
+              <a:schemeClr val="accent1"/>
+            </a:fillRef>
+            <a:effectRef idx="0">
+              <a:schemeClr val="accent1"/>
+            </a:effectRef>
+            <a:fontRef idx="minor">
+              <a:schemeClr val="lt1"/>
+            </a:fontRef>
+          </p:style>
+          <p:txBody>
+            <a:bodyPr vert="vert270" rtlCol="0" anchor="ctr"/>
+            <a:lstStyle/>
+            <a:p>
+              <a:pPr algn="ctr"/>
+              <a:r>
+                <a:rPr lang="en-US" sz="700" dirty="0">
+                  <a:solidFill>
+                    <a:schemeClr val="tx1">
+                      <a:lumMod val="75000"/>
+                      <a:lumOff val="25000"/>
+                    </a:schemeClr>
+                  </a:solidFill>
+                  <a:latin typeface="Calibri Light" panose="020F0302020204030204" pitchFamily="34" charset="0"/>
+                  <a:cs typeface="Calibri Light" panose="020F0302020204030204" pitchFamily="34" charset="0"/>
+                </a:rPr>
+                <a:t>TA1-1</a:t>
+              </a:r>
+              <a:endParaRPr lang="en-GB" sz="700" dirty="0">
                 <a:solidFill>
                   <a:schemeClr val="tx1">
                     <a:lumMod val="75000"/>
@@ -7809,70 +8542,70 @@
                 </a:solidFill>
                 <a:latin typeface="Calibri Light" panose="020F0302020204030204" pitchFamily="34" charset="0"/>
                 <a:cs typeface="Calibri Light" panose="020F0302020204030204" pitchFamily="34" charset="0"/>
-              </a:rPr>
-              <a:t>Refer to Figure 6.11a</a:t>
-            </a:r>
-            <a:endParaRPr lang="en-GB" sz="800" dirty="0">
-              <a:solidFill>
-                <a:schemeClr val="tx1">
-                  <a:lumMod val="75000"/>
-                  <a:lumOff val="25000"/>
-                </a:schemeClr>
-              </a:solidFill>
-              <a:latin typeface="Calibri Light" panose="020F0302020204030204" pitchFamily="34" charset="0"/>
-              <a:cs typeface="Calibri Light" panose="020F0302020204030204" pitchFamily="34" charset="0"/>
-            </a:endParaRPr>
-          </a:p>
-        </p:txBody>
-      </p:sp>
-      <p:sp>
-        <p:nvSpPr>
-          <p:cNvPr id="6" name="Rectangle 5">
-            <a:extLst>
-              <a:ext uri="{FF2B5EF4-FFF2-40B4-BE49-F238E27FC236}">
-                <a16:creationId xmlns:a16="http://schemas.microsoft.com/office/drawing/2014/main" id="{36457D3F-8BF8-12D2-AF79-76238B803265}"/>
-              </a:ext>
-            </a:extLst>
-          </p:cNvPr>
-          <p:cNvSpPr/>
-          <p:nvPr/>
-        </p:nvSpPr>
-        <p:spPr>
-          <a:xfrm rot="5400000">
-            <a:off x="2027980" y="1219383"/>
-            <a:ext cx="190946" cy="1080000"/>
-          </a:xfrm>
-          <a:prstGeom prst="rect">
-            <a:avLst/>
-          </a:prstGeom>
-          <a:noFill/>
-          <a:ln w="3175">
+              </a:endParaRPr>
+            </a:p>
+          </p:txBody>
+        </p:sp>
+        <p:sp>
+          <p:nvSpPr>
+            <p:cNvPr id="142" name="Rectangle 141">
+              <a:extLst>
+                <a:ext uri="{FF2B5EF4-FFF2-40B4-BE49-F238E27FC236}">
+                  <a16:creationId xmlns:a16="http://schemas.microsoft.com/office/drawing/2014/main" id="{A3C2AA43-7D01-E39B-C621-FC16CE1CD069}"/>
+                </a:ext>
+              </a:extLst>
+            </p:cNvPr>
+            <p:cNvSpPr/>
+            <p:nvPr/>
+          </p:nvSpPr>
+          <p:spPr>
+            <a:xfrm rot="2700000">
+              <a:off x="230761" y="2218344"/>
+              <a:ext cx="189979" cy="339033"/>
+            </a:xfrm>
+            <a:prstGeom prst="rect">
+              <a:avLst/>
+            </a:prstGeom>
             <a:noFill/>
-          </a:ln>
-        </p:spPr>
-        <p:style>
-          <a:lnRef idx="2">
-            <a:schemeClr val="accent1">
-              <a:shade val="15000"/>
-            </a:schemeClr>
-          </a:lnRef>
-          <a:fillRef idx="1">
-            <a:schemeClr val="accent1"/>
-          </a:fillRef>
-          <a:effectRef idx="0">
-            <a:schemeClr val="accent1"/>
-          </a:effectRef>
-          <a:fontRef idx="minor">
-            <a:schemeClr val="lt1"/>
-          </a:fontRef>
-        </p:style>
-        <p:txBody>
-          <a:bodyPr vert="vert270" rtlCol="0" anchor="ctr"/>
-          <a:lstStyle/>
-          <a:p>
-            <a:pPr algn="ctr"/>
-            <a:r>
-              <a:rPr lang="en-US" sz="800" dirty="0">
+            <a:ln w="3175">
+              <a:noFill/>
+            </a:ln>
+          </p:spPr>
+          <p:style>
+            <a:lnRef idx="2">
+              <a:schemeClr val="accent1">
+                <a:shade val="15000"/>
+              </a:schemeClr>
+            </a:lnRef>
+            <a:fillRef idx="1">
+              <a:schemeClr val="accent1"/>
+            </a:fillRef>
+            <a:effectRef idx="0">
+              <a:schemeClr val="accent1"/>
+            </a:effectRef>
+            <a:fontRef idx="minor">
+              <a:schemeClr val="lt1"/>
+            </a:fontRef>
+          </p:style>
+          <p:txBody>
+            <a:bodyPr vert="vert270" rtlCol="0" anchor="ctr"/>
+            <a:lstStyle/>
+            <a:p>
+              <a:pPr algn="ctr"/>
+              <a:r>
+                <a:rPr lang="en-US" sz="700" dirty="0">
+                  <a:solidFill>
+                    <a:schemeClr val="tx1">
+                      <a:lumMod val="75000"/>
+                      <a:lumOff val="25000"/>
+                    </a:schemeClr>
+                  </a:solidFill>
+                  <a:latin typeface="Calibri Light" panose="020F0302020204030204" pitchFamily="34" charset="0"/>
+                  <a:cs typeface="Calibri Light" panose="020F0302020204030204" pitchFamily="34" charset="0"/>
+                </a:rPr>
+                <a:t>TA1-2</a:t>
+              </a:r>
+              <a:endParaRPr lang="en-GB" sz="700" dirty="0">
                 <a:solidFill>
                   <a:schemeClr val="tx1">
                     <a:lumMod val="75000"/>
@@ -7881,70 +8614,70 @@
                 </a:solidFill>
                 <a:latin typeface="Calibri Light" panose="020F0302020204030204" pitchFamily="34" charset="0"/>
                 <a:cs typeface="Calibri Light" panose="020F0302020204030204" pitchFamily="34" charset="0"/>
-              </a:rPr>
-              <a:t>Refer to Figure 6.11e</a:t>
-            </a:r>
-            <a:endParaRPr lang="en-GB" sz="800" dirty="0">
-              <a:solidFill>
-                <a:schemeClr val="tx1">
-                  <a:lumMod val="75000"/>
-                  <a:lumOff val="25000"/>
-                </a:schemeClr>
-              </a:solidFill>
-              <a:latin typeface="Calibri Light" panose="020F0302020204030204" pitchFamily="34" charset="0"/>
-              <a:cs typeface="Calibri Light" panose="020F0302020204030204" pitchFamily="34" charset="0"/>
-            </a:endParaRPr>
-          </a:p>
-        </p:txBody>
-      </p:sp>
-      <p:sp>
-        <p:nvSpPr>
-          <p:cNvPr id="7" name="Rectangle 6">
-            <a:extLst>
-              <a:ext uri="{FF2B5EF4-FFF2-40B4-BE49-F238E27FC236}">
-                <a16:creationId xmlns:a16="http://schemas.microsoft.com/office/drawing/2014/main" id="{BFAC298E-30EC-6611-2990-7CB80A58CA76}"/>
-              </a:ext>
-            </a:extLst>
-          </p:cNvPr>
-          <p:cNvSpPr/>
-          <p:nvPr/>
-        </p:nvSpPr>
-        <p:spPr>
-          <a:xfrm rot="5400000">
-            <a:off x="3482769" y="964083"/>
-            <a:ext cx="190946" cy="1080000"/>
-          </a:xfrm>
-          <a:prstGeom prst="rect">
-            <a:avLst/>
-          </a:prstGeom>
-          <a:noFill/>
-          <a:ln w="3175">
+              </a:endParaRPr>
+            </a:p>
+          </p:txBody>
+        </p:sp>
+        <p:sp>
+          <p:nvSpPr>
+            <p:cNvPr id="143" name="Rectangle 142">
+              <a:extLst>
+                <a:ext uri="{FF2B5EF4-FFF2-40B4-BE49-F238E27FC236}">
+                  <a16:creationId xmlns:a16="http://schemas.microsoft.com/office/drawing/2014/main" id="{77CF0A1E-E8C5-FA22-B5E2-42111D50D28F}"/>
+                </a:ext>
+              </a:extLst>
+            </p:cNvPr>
+            <p:cNvSpPr/>
+            <p:nvPr/>
+          </p:nvSpPr>
+          <p:spPr>
+            <a:xfrm rot="2700000">
+              <a:off x="392820" y="2218344"/>
+              <a:ext cx="189979" cy="339033"/>
+            </a:xfrm>
+            <a:prstGeom prst="rect">
+              <a:avLst/>
+            </a:prstGeom>
             <a:noFill/>
-          </a:ln>
-        </p:spPr>
-        <p:style>
-          <a:lnRef idx="2">
-            <a:schemeClr val="accent1">
-              <a:shade val="15000"/>
-            </a:schemeClr>
-          </a:lnRef>
-          <a:fillRef idx="1">
-            <a:schemeClr val="accent1"/>
-          </a:fillRef>
-          <a:effectRef idx="0">
-            <a:schemeClr val="accent1"/>
-          </a:effectRef>
-          <a:fontRef idx="minor">
-            <a:schemeClr val="lt1"/>
-          </a:fontRef>
-        </p:style>
-        <p:txBody>
-          <a:bodyPr vert="vert270" rtlCol="0" anchor="ctr"/>
-          <a:lstStyle/>
-          <a:p>
-            <a:pPr algn="ctr"/>
-            <a:r>
-              <a:rPr lang="en-US" sz="800" dirty="0">
+            <a:ln w="3175">
+              <a:noFill/>
+            </a:ln>
+          </p:spPr>
+          <p:style>
+            <a:lnRef idx="2">
+              <a:schemeClr val="accent1">
+                <a:shade val="15000"/>
+              </a:schemeClr>
+            </a:lnRef>
+            <a:fillRef idx="1">
+              <a:schemeClr val="accent1"/>
+            </a:fillRef>
+            <a:effectRef idx="0">
+              <a:schemeClr val="accent1"/>
+            </a:effectRef>
+            <a:fontRef idx="minor">
+              <a:schemeClr val="lt1"/>
+            </a:fontRef>
+          </p:style>
+          <p:txBody>
+            <a:bodyPr vert="vert270" rtlCol="0" anchor="ctr"/>
+            <a:lstStyle/>
+            <a:p>
+              <a:pPr algn="ctr"/>
+              <a:r>
+                <a:rPr lang="en-US" sz="700" dirty="0">
+                  <a:solidFill>
+                    <a:schemeClr val="tx1">
+                      <a:lumMod val="75000"/>
+                      <a:lumOff val="25000"/>
+                    </a:schemeClr>
+                  </a:solidFill>
+                  <a:latin typeface="Calibri Light" panose="020F0302020204030204" pitchFamily="34" charset="0"/>
+                  <a:cs typeface="Calibri Light" panose="020F0302020204030204" pitchFamily="34" charset="0"/>
+                </a:rPr>
+                <a:t>TA1-3</a:t>
+              </a:r>
+              <a:endParaRPr lang="en-GB" sz="700" dirty="0">
                 <a:solidFill>
                   <a:schemeClr val="tx1">
                     <a:lumMod val="75000"/>
@@ -7953,11 +8686,70 @@
                 </a:solidFill>
                 <a:latin typeface="Calibri Light" panose="020F0302020204030204" pitchFamily="34" charset="0"/>
                 <a:cs typeface="Calibri Light" panose="020F0302020204030204" pitchFamily="34" charset="0"/>
-              </a:rPr>
-              <a:t>Refer to </a:t>
-            </a:r>
-            <a:r>
-              <a:rPr lang="en-US" sz="800">
+              </a:endParaRPr>
+            </a:p>
+          </p:txBody>
+        </p:sp>
+        <p:sp>
+          <p:nvSpPr>
+            <p:cNvPr id="144" name="Rectangle 143">
+              <a:extLst>
+                <a:ext uri="{FF2B5EF4-FFF2-40B4-BE49-F238E27FC236}">
+                  <a16:creationId xmlns:a16="http://schemas.microsoft.com/office/drawing/2014/main" id="{93B9BE9E-8BE0-0CC2-C17F-8C8514BC17B2}"/>
+                </a:ext>
+              </a:extLst>
+            </p:cNvPr>
+            <p:cNvSpPr/>
+            <p:nvPr/>
+          </p:nvSpPr>
+          <p:spPr>
+            <a:xfrm rot="2700000">
+              <a:off x="554879" y="2218344"/>
+              <a:ext cx="189979" cy="339033"/>
+            </a:xfrm>
+            <a:prstGeom prst="rect">
+              <a:avLst/>
+            </a:prstGeom>
+            <a:noFill/>
+            <a:ln w="3175">
+              <a:noFill/>
+            </a:ln>
+          </p:spPr>
+          <p:style>
+            <a:lnRef idx="2">
+              <a:schemeClr val="accent1">
+                <a:shade val="15000"/>
+              </a:schemeClr>
+            </a:lnRef>
+            <a:fillRef idx="1">
+              <a:schemeClr val="accent1"/>
+            </a:fillRef>
+            <a:effectRef idx="0">
+              <a:schemeClr val="accent1"/>
+            </a:effectRef>
+            <a:fontRef idx="minor">
+              <a:schemeClr val="lt1"/>
+            </a:fontRef>
+          </p:style>
+          <p:txBody>
+            <a:bodyPr vert="vert270" rtlCol="0" anchor="ctr"/>
+            <a:lstStyle/>
+            <a:p>
+              <a:pPr algn="ctr"/>
+              <a:r>
+                <a:rPr lang="en-US" sz="700" dirty="0">
+                  <a:solidFill>
+                    <a:schemeClr val="tx1">
+                      <a:lumMod val="75000"/>
+                      <a:lumOff val="25000"/>
+                    </a:schemeClr>
+                  </a:solidFill>
+                  <a:latin typeface="Calibri Light" panose="020F0302020204030204" pitchFamily="34" charset="0"/>
+                  <a:cs typeface="Calibri Light" panose="020F0302020204030204" pitchFamily="34" charset="0"/>
+                </a:rPr>
+                <a:t>TA2-1</a:t>
+              </a:r>
+              <a:endParaRPr lang="en-GB" sz="700" dirty="0">
                 <a:solidFill>
                   <a:schemeClr val="tx1">
                     <a:lumMod val="75000"/>
@@ -7966,22 +8758,1697 @@
                 </a:solidFill>
                 <a:latin typeface="Calibri Light" panose="020F0302020204030204" pitchFamily="34" charset="0"/>
                 <a:cs typeface="Calibri Light" panose="020F0302020204030204" pitchFamily="34" charset="0"/>
-              </a:rPr>
-              <a:t>Figure 6.11i</a:t>
-            </a:r>
-            <a:endParaRPr lang="en-GB" sz="800" dirty="0">
-              <a:solidFill>
-                <a:schemeClr val="tx1">
-                  <a:lumMod val="75000"/>
-                  <a:lumOff val="25000"/>
-                </a:schemeClr>
-              </a:solidFill>
-              <a:latin typeface="Calibri Light" panose="020F0302020204030204" pitchFamily="34" charset="0"/>
-              <a:cs typeface="Calibri Light" panose="020F0302020204030204" pitchFamily="34" charset="0"/>
-            </a:endParaRPr>
-          </a:p>
-        </p:txBody>
-      </p:sp>
+              </a:endParaRPr>
+            </a:p>
+          </p:txBody>
+        </p:sp>
+        <p:sp>
+          <p:nvSpPr>
+            <p:cNvPr id="145" name="Rectangle 144">
+              <a:extLst>
+                <a:ext uri="{FF2B5EF4-FFF2-40B4-BE49-F238E27FC236}">
+                  <a16:creationId xmlns:a16="http://schemas.microsoft.com/office/drawing/2014/main" id="{1EC539E1-A3FB-C75B-3E46-4D6B1444A1B1}"/>
+                </a:ext>
+              </a:extLst>
+            </p:cNvPr>
+            <p:cNvSpPr/>
+            <p:nvPr/>
+          </p:nvSpPr>
+          <p:spPr>
+            <a:xfrm rot="2700000">
+              <a:off x="716938" y="2218344"/>
+              <a:ext cx="189979" cy="339033"/>
+            </a:xfrm>
+            <a:prstGeom prst="rect">
+              <a:avLst/>
+            </a:prstGeom>
+            <a:noFill/>
+            <a:ln w="3175">
+              <a:noFill/>
+            </a:ln>
+          </p:spPr>
+          <p:style>
+            <a:lnRef idx="2">
+              <a:schemeClr val="accent1">
+                <a:shade val="15000"/>
+              </a:schemeClr>
+            </a:lnRef>
+            <a:fillRef idx="1">
+              <a:schemeClr val="accent1"/>
+            </a:fillRef>
+            <a:effectRef idx="0">
+              <a:schemeClr val="accent1"/>
+            </a:effectRef>
+            <a:fontRef idx="minor">
+              <a:schemeClr val="lt1"/>
+            </a:fontRef>
+          </p:style>
+          <p:txBody>
+            <a:bodyPr vert="vert270" rtlCol="0" anchor="ctr"/>
+            <a:lstStyle/>
+            <a:p>
+              <a:pPr algn="ctr"/>
+              <a:r>
+                <a:rPr lang="en-US" sz="700" dirty="0">
+                  <a:solidFill>
+                    <a:schemeClr val="tx1">
+                      <a:lumMod val="75000"/>
+                      <a:lumOff val="25000"/>
+                    </a:schemeClr>
+                  </a:solidFill>
+                  <a:latin typeface="Calibri Light" panose="020F0302020204030204" pitchFamily="34" charset="0"/>
+                  <a:cs typeface="Calibri Light" panose="020F0302020204030204" pitchFamily="34" charset="0"/>
+                </a:rPr>
+                <a:t>TA2-2</a:t>
+              </a:r>
+              <a:endParaRPr lang="en-GB" sz="700" dirty="0">
+                <a:solidFill>
+                  <a:schemeClr val="tx1">
+                    <a:lumMod val="75000"/>
+                    <a:lumOff val="25000"/>
+                  </a:schemeClr>
+                </a:solidFill>
+                <a:latin typeface="Calibri Light" panose="020F0302020204030204" pitchFamily="34" charset="0"/>
+                <a:cs typeface="Calibri Light" panose="020F0302020204030204" pitchFamily="34" charset="0"/>
+              </a:endParaRPr>
+            </a:p>
+          </p:txBody>
+        </p:sp>
+        <p:sp>
+          <p:nvSpPr>
+            <p:cNvPr id="146" name="Rectangle 145">
+              <a:extLst>
+                <a:ext uri="{FF2B5EF4-FFF2-40B4-BE49-F238E27FC236}">
+                  <a16:creationId xmlns:a16="http://schemas.microsoft.com/office/drawing/2014/main" id="{A390E18E-6C70-F72C-F2FB-B9F54055E83E}"/>
+                </a:ext>
+              </a:extLst>
+            </p:cNvPr>
+            <p:cNvSpPr/>
+            <p:nvPr/>
+          </p:nvSpPr>
+          <p:spPr>
+            <a:xfrm rot="2700000">
+              <a:off x="878997" y="2218344"/>
+              <a:ext cx="189979" cy="339033"/>
+            </a:xfrm>
+            <a:prstGeom prst="rect">
+              <a:avLst/>
+            </a:prstGeom>
+            <a:noFill/>
+            <a:ln w="3175">
+              <a:noFill/>
+            </a:ln>
+          </p:spPr>
+          <p:style>
+            <a:lnRef idx="2">
+              <a:schemeClr val="accent1">
+                <a:shade val="15000"/>
+              </a:schemeClr>
+            </a:lnRef>
+            <a:fillRef idx="1">
+              <a:schemeClr val="accent1"/>
+            </a:fillRef>
+            <a:effectRef idx="0">
+              <a:schemeClr val="accent1"/>
+            </a:effectRef>
+            <a:fontRef idx="minor">
+              <a:schemeClr val="lt1"/>
+            </a:fontRef>
+          </p:style>
+          <p:txBody>
+            <a:bodyPr vert="vert270" rtlCol="0" anchor="ctr"/>
+            <a:lstStyle/>
+            <a:p>
+              <a:pPr algn="ctr"/>
+              <a:r>
+                <a:rPr lang="en-US" sz="700" dirty="0">
+                  <a:solidFill>
+                    <a:schemeClr val="tx1">
+                      <a:lumMod val="75000"/>
+                      <a:lumOff val="25000"/>
+                    </a:schemeClr>
+                  </a:solidFill>
+                  <a:latin typeface="Calibri Light" panose="020F0302020204030204" pitchFamily="34" charset="0"/>
+                  <a:cs typeface="Calibri Light" panose="020F0302020204030204" pitchFamily="34" charset="0"/>
+                </a:rPr>
+                <a:t>TA3-1</a:t>
+              </a:r>
+              <a:endParaRPr lang="en-GB" sz="700" dirty="0">
+                <a:solidFill>
+                  <a:schemeClr val="tx1">
+                    <a:lumMod val="75000"/>
+                    <a:lumOff val="25000"/>
+                  </a:schemeClr>
+                </a:solidFill>
+                <a:latin typeface="Calibri Light" panose="020F0302020204030204" pitchFamily="34" charset="0"/>
+                <a:cs typeface="Calibri Light" panose="020F0302020204030204" pitchFamily="34" charset="0"/>
+              </a:endParaRPr>
+            </a:p>
+          </p:txBody>
+        </p:sp>
+        <p:sp>
+          <p:nvSpPr>
+            <p:cNvPr id="147" name="Rectangle 146">
+              <a:extLst>
+                <a:ext uri="{FF2B5EF4-FFF2-40B4-BE49-F238E27FC236}">
+                  <a16:creationId xmlns:a16="http://schemas.microsoft.com/office/drawing/2014/main" id="{C25B0ECE-5041-D514-3CA1-6D1C5EA1C90A}"/>
+                </a:ext>
+              </a:extLst>
+            </p:cNvPr>
+            <p:cNvSpPr/>
+            <p:nvPr/>
+          </p:nvSpPr>
+          <p:spPr>
+            <a:xfrm rot="2700000">
+              <a:off x="1041054" y="2218344"/>
+              <a:ext cx="189979" cy="339033"/>
+            </a:xfrm>
+            <a:prstGeom prst="rect">
+              <a:avLst/>
+            </a:prstGeom>
+            <a:noFill/>
+            <a:ln w="3175">
+              <a:noFill/>
+            </a:ln>
+          </p:spPr>
+          <p:style>
+            <a:lnRef idx="2">
+              <a:schemeClr val="accent1">
+                <a:shade val="15000"/>
+              </a:schemeClr>
+            </a:lnRef>
+            <a:fillRef idx="1">
+              <a:schemeClr val="accent1"/>
+            </a:fillRef>
+            <a:effectRef idx="0">
+              <a:schemeClr val="accent1"/>
+            </a:effectRef>
+            <a:fontRef idx="minor">
+              <a:schemeClr val="lt1"/>
+            </a:fontRef>
+          </p:style>
+          <p:txBody>
+            <a:bodyPr vert="vert270" rtlCol="0" anchor="ctr"/>
+            <a:lstStyle/>
+            <a:p>
+              <a:pPr algn="ctr"/>
+              <a:r>
+                <a:rPr lang="en-US" sz="700" dirty="0">
+                  <a:solidFill>
+                    <a:schemeClr val="tx1">
+                      <a:lumMod val="75000"/>
+                      <a:lumOff val="25000"/>
+                    </a:schemeClr>
+                  </a:solidFill>
+                  <a:latin typeface="Calibri Light" panose="020F0302020204030204" pitchFamily="34" charset="0"/>
+                  <a:cs typeface="Calibri Light" panose="020F0302020204030204" pitchFamily="34" charset="0"/>
+                </a:rPr>
+                <a:t>TA3-2</a:t>
+              </a:r>
+              <a:endParaRPr lang="en-GB" sz="700" dirty="0">
+                <a:solidFill>
+                  <a:schemeClr val="tx1">
+                    <a:lumMod val="75000"/>
+                    <a:lumOff val="25000"/>
+                  </a:schemeClr>
+                </a:solidFill>
+                <a:latin typeface="Calibri Light" panose="020F0302020204030204" pitchFamily="34" charset="0"/>
+                <a:cs typeface="Calibri Light" panose="020F0302020204030204" pitchFamily="34" charset="0"/>
+              </a:endParaRPr>
+            </a:p>
+          </p:txBody>
+        </p:sp>
+      </p:grpSp>
+      <p:grpSp>
+        <p:nvGrpSpPr>
+          <p:cNvPr id="149" name="Group 148">
+            <a:extLst>
+              <a:ext uri="{FF2B5EF4-FFF2-40B4-BE49-F238E27FC236}">
+                <a16:creationId xmlns:a16="http://schemas.microsoft.com/office/drawing/2014/main" id="{C2E9A82F-14E1-982A-C99A-DED1624AADCF}"/>
+              </a:ext>
+            </a:extLst>
+          </p:cNvPr>
+          <p:cNvGrpSpPr/>
+          <p:nvPr/>
+        </p:nvGrpSpPr>
+        <p:grpSpPr>
+          <a:xfrm>
+            <a:off x="1435184" y="2223604"/>
+            <a:ext cx="1311385" cy="267034"/>
+            <a:chOff x="-5825" y="2215816"/>
+            <a:chExt cx="1311385" cy="267034"/>
+          </a:xfrm>
+        </p:grpSpPr>
+        <p:pic>
+          <p:nvPicPr>
+            <p:cNvPr id="150" name="Picture 149">
+              <a:extLst>
+                <a:ext uri="{FF2B5EF4-FFF2-40B4-BE49-F238E27FC236}">
+                  <a16:creationId xmlns:a16="http://schemas.microsoft.com/office/drawing/2014/main" id="{608F5AF1-4500-A00E-B108-B91EF437DB17}"/>
+                </a:ext>
+              </a:extLst>
+            </p:cNvPr>
+            <p:cNvPicPr>
+              <a:picLocks noChangeAspect="1"/>
+            </p:cNvPicPr>
+            <p:nvPr/>
+          </p:nvPicPr>
+          <p:blipFill>
+            <a:blip r:embed="rId5"/>
+            <a:stretch>
+              <a:fillRect/>
+            </a:stretch>
+          </p:blipFill>
+          <p:spPr>
+            <a:xfrm>
+              <a:off x="506022" y="2223604"/>
+              <a:ext cx="117000" cy="72000"/>
+            </a:xfrm>
+            <a:prstGeom prst="rect">
+              <a:avLst/>
+            </a:prstGeom>
+          </p:spPr>
+        </p:pic>
+        <p:pic>
+          <p:nvPicPr>
+            <p:cNvPr id="151" name="Picture 150">
+              <a:extLst>
+                <a:ext uri="{FF2B5EF4-FFF2-40B4-BE49-F238E27FC236}">
+                  <a16:creationId xmlns:a16="http://schemas.microsoft.com/office/drawing/2014/main" id="{527A9B20-6442-4274-FCEB-2AF135F5ABB0}"/>
+                </a:ext>
+              </a:extLst>
+            </p:cNvPr>
+            <p:cNvPicPr>
+              <a:picLocks noChangeAspect="1"/>
+            </p:cNvPicPr>
+            <p:nvPr/>
+          </p:nvPicPr>
+          <p:blipFill>
+            <a:blip r:embed="rId6"/>
+            <a:stretch>
+              <a:fillRect/>
+            </a:stretch>
+          </p:blipFill>
+          <p:spPr>
+            <a:xfrm>
+              <a:off x="187229" y="2223604"/>
+              <a:ext cx="117000" cy="72000"/>
+            </a:xfrm>
+            <a:prstGeom prst="rect">
+              <a:avLst/>
+            </a:prstGeom>
+          </p:spPr>
+        </p:pic>
+        <p:pic>
+          <p:nvPicPr>
+            <p:cNvPr id="152" name="Picture 151">
+              <a:extLst>
+                <a:ext uri="{FF2B5EF4-FFF2-40B4-BE49-F238E27FC236}">
+                  <a16:creationId xmlns:a16="http://schemas.microsoft.com/office/drawing/2014/main" id="{F5321BBA-4D06-B8C5-40BA-68223D1F84FE}"/>
+                </a:ext>
+              </a:extLst>
+            </p:cNvPr>
+            <p:cNvPicPr>
+              <a:picLocks noChangeAspect="1"/>
+            </p:cNvPicPr>
+            <p:nvPr/>
+          </p:nvPicPr>
+          <p:blipFill>
+            <a:blip r:embed="rId7"/>
+            <a:stretch>
+              <a:fillRect/>
+            </a:stretch>
+          </p:blipFill>
+          <p:spPr>
+            <a:xfrm>
+              <a:off x="843648" y="2223604"/>
+              <a:ext cx="117000" cy="72000"/>
+            </a:xfrm>
+            <a:prstGeom prst="rect">
+              <a:avLst/>
+            </a:prstGeom>
+          </p:spPr>
+        </p:pic>
+        <p:pic>
+          <p:nvPicPr>
+            <p:cNvPr id="153" name="Picture 152">
+              <a:extLst>
+                <a:ext uri="{FF2B5EF4-FFF2-40B4-BE49-F238E27FC236}">
+                  <a16:creationId xmlns:a16="http://schemas.microsoft.com/office/drawing/2014/main" id="{EE564FDF-3266-B565-B0CE-425389560139}"/>
+                </a:ext>
+              </a:extLst>
+            </p:cNvPr>
+            <p:cNvPicPr>
+              <a:picLocks noChangeAspect="1"/>
+            </p:cNvPicPr>
+            <p:nvPr/>
+          </p:nvPicPr>
+          <p:blipFill>
+            <a:blip r:embed="rId8"/>
+            <a:stretch>
+              <a:fillRect/>
+            </a:stretch>
+          </p:blipFill>
+          <p:spPr>
+            <a:xfrm>
+              <a:off x="668229" y="2223604"/>
+              <a:ext cx="116394" cy="72000"/>
+            </a:xfrm>
+            <a:prstGeom prst="rect">
+              <a:avLst/>
+            </a:prstGeom>
+          </p:spPr>
+        </p:pic>
+        <p:pic>
+          <p:nvPicPr>
+            <p:cNvPr id="154" name="Picture 153">
+              <a:extLst>
+                <a:ext uri="{FF2B5EF4-FFF2-40B4-BE49-F238E27FC236}">
+                  <a16:creationId xmlns:a16="http://schemas.microsoft.com/office/drawing/2014/main" id="{9D30B4AC-7A4C-05A1-0A26-04B263D3481D}"/>
+                </a:ext>
+              </a:extLst>
+            </p:cNvPr>
+            <p:cNvPicPr>
+              <a:picLocks noChangeAspect="1"/>
+            </p:cNvPicPr>
+            <p:nvPr/>
+          </p:nvPicPr>
+          <p:blipFill>
+            <a:blip r:embed="rId9"/>
+            <a:stretch>
+              <a:fillRect/>
+            </a:stretch>
+          </p:blipFill>
+          <p:spPr>
+            <a:xfrm>
+              <a:off x="1023079" y="2223604"/>
+              <a:ext cx="116394" cy="72000"/>
+            </a:xfrm>
+            <a:prstGeom prst="rect">
+              <a:avLst/>
+            </a:prstGeom>
+          </p:spPr>
+        </p:pic>
+        <p:pic>
+          <p:nvPicPr>
+            <p:cNvPr id="155" name="Picture 154">
+              <a:extLst>
+                <a:ext uri="{FF2B5EF4-FFF2-40B4-BE49-F238E27FC236}">
+                  <a16:creationId xmlns:a16="http://schemas.microsoft.com/office/drawing/2014/main" id="{F55C663A-37AD-4542-99E0-AED6FBD2CBED}"/>
+                </a:ext>
+              </a:extLst>
+            </p:cNvPr>
+            <p:cNvPicPr>
+              <a:picLocks noChangeAspect="1"/>
+            </p:cNvPicPr>
+            <p:nvPr/>
+          </p:nvPicPr>
+          <p:blipFill>
+            <a:blip r:embed="rId10"/>
+            <a:stretch>
+              <a:fillRect/>
+            </a:stretch>
+          </p:blipFill>
+          <p:spPr>
+            <a:xfrm>
+              <a:off x="1135594" y="2215816"/>
+              <a:ext cx="117001" cy="72000"/>
+            </a:xfrm>
+            <a:prstGeom prst="rect">
+              <a:avLst/>
+            </a:prstGeom>
+          </p:spPr>
+        </p:pic>
+        <p:pic>
+          <p:nvPicPr>
+            <p:cNvPr id="156" name="Picture 155">
+              <a:extLst>
+                <a:ext uri="{FF2B5EF4-FFF2-40B4-BE49-F238E27FC236}">
+                  <a16:creationId xmlns:a16="http://schemas.microsoft.com/office/drawing/2014/main" id="{DBCB0E48-A4D7-D808-157B-3380AEA6F0EF}"/>
+                </a:ext>
+              </a:extLst>
+            </p:cNvPr>
+            <p:cNvPicPr>
+              <a:picLocks noChangeAspect="1"/>
+            </p:cNvPicPr>
+            <p:nvPr/>
+          </p:nvPicPr>
+          <p:blipFill>
+            <a:blip r:embed="rId11"/>
+            <a:stretch>
+              <a:fillRect/>
+            </a:stretch>
+          </p:blipFill>
+          <p:spPr>
+            <a:xfrm>
+              <a:off x="348298" y="2223604"/>
+              <a:ext cx="116394" cy="72000"/>
+            </a:xfrm>
+            <a:prstGeom prst="rect">
+              <a:avLst/>
+            </a:prstGeom>
+          </p:spPr>
+        </p:pic>
+        <p:sp>
+          <p:nvSpPr>
+            <p:cNvPr id="157" name="Rectangle 156">
+              <a:extLst>
+                <a:ext uri="{FF2B5EF4-FFF2-40B4-BE49-F238E27FC236}">
+                  <a16:creationId xmlns:a16="http://schemas.microsoft.com/office/drawing/2014/main" id="{FEE8368E-CE89-0F85-012A-85640739907F}"/>
+                </a:ext>
+              </a:extLst>
+            </p:cNvPr>
+            <p:cNvSpPr/>
+            <p:nvPr/>
+          </p:nvSpPr>
+          <p:spPr>
+            <a:xfrm rot="2700000">
+              <a:off x="68702" y="2218344"/>
+              <a:ext cx="189979" cy="339033"/>
+            </a:xfrm>
+            <a:prstGeom prst="rect">
+              <a:avLst/>
+            </a:prstGeom>
+            <a:noFill/>
+            <a:ln w="3175">
+              <a:noFill/>
+            </a:ln>
+          </p:spPr>
+          <p:style>
+            <a:lnRef idx="2">
+              <a:schemeClr val="accent1">
+                <a:shade val="15000"/>
+              </a:schemeClr>
+            </a:lnRef>
+            <a:fillRef idx="1">
+              <a:schemeClr val="accent1"/>
+            </a:fillRef>
+            <a:effectRef idx="0">
+              <a:schemeClr val="accent1"/>
+            </a:effectRef>
+            <a:fontRef idx="minor">
+              <a:schemeClr val="lt1"/>
+            </a:fontRef>
+          </p:style>
+          <p:txBody>
+            <a:bodyPr vert="vert270" rtlCol="0" anchor="ctr"/>
+            <a:lstStyle/>
+            <a:p>
+              <a:pPr algn="ctr"/>
+              <a:r>
+                <a:rPr lang="en-US" sz="700" dirty="0">
+                  <a:solidFill>
+                    <a:schemeClr val="tx1">
+                      <a:lumMod val="75000"/>
+                      <a:lumOff val="25000"/>
+                    </a:schemeClr>
+                  </a:solidFill>
+                  <a:latin typeface="Calibri Light" panose="020F0302020204030204" pitchFamily="34" charset="0"/>
+                  <a:cs typeface="Calibri Light" panose="020F0302020204030204" pitchFamily="34" charset="0"/>
+                </a:rPr>
+                <a:t>TA1-1</a:t>
+              </a:r>
+              <a:endParaRPr lang="en-GB" sz="700" dirty="0">
+                <a:solidFill>
+                  <a:schemeClr val="tx1">
+                    <a:lumMod val="75000"/>
+                    <a:lumOff val="25000"/>
+                  </a:schemeClr>
+                </a:solidFill>
+                <a:latin typeface="Calibri Light" panose="020F0302020204030204" pitchFamily="34" charset="0"/>
+                <a:cs typeface="Calibri Light" panose="020F0302020204030204" pitchFamily="34" charset="0"/>
+              </a:endParaRPr>
+            </a:p>
+          </p:txBody>
+        </p:sp>
+        <p:sp>
+          <p:nvSpPr>
+            <p:cNvPr id="158" name="Rectangle 157">
+              <a:extLst>
+                <a:ext uri="{FF2B5EF4-FFF2-40B4-BE49-F238E27FC236}">
+                  <a16:creationId xmlns:a16="http://schemas.microsoft.com/office/drawing/2014/main" id="{44C49D3B-E39B-73A6-1604-4157D6E162A7}"/>
+                </a:ext>
+              </a:extLst>
+            </p:cNvPr>
+            <p:cNvSpPr/>
+            <p:nvPr/>
+          </p:nvSpPr>
+          <p:spPr>
+            <a:xfrm rot="2700000">
+              <a:off x="230761" y="2218344"/>
+              <a:ext cx="189979" cy="339033"/>
+            </a:xfrm>
+            <a:prstGeom prst="rect">
+              <a:avLst/>
+            </a:prstGeom>
+            <a:noFill/>
+            <a:ln w="3175">
+              <a:noFill/>
+            </a:ln>
+          </p:spPr>
+          <p:style>
+            <a:lnRef idx="2">
+              <a:schemeClr val="accent1">
+                <a:shade val="15000"/>
+              </a:schemeClr>
+            </a:lnRef>
+            <a:fillRef idx="1">
+              <a:schemeClr val="accent1"/>
+            </a:fillRef>
+            <a:effectRef idx="0">
+              <a:schemeClr val="accent1"/>
+            </a:effectRef>
+            <a:fontRef idx="minor">
+              <a:schemeClr val="lt1"/>
+            </a:fontRef>
+          </p:style>
+          <p:txBody>
+            <a:bodyPr vert="vert270" rtlCol="0" anchor="ctr"/>
+            <a:lstStyle/>
+            <a:p>
+              <a:pPr algn="ctr"/>
+              <a:r>
+                <a:rPr lang="en-US" sz="700" dirty="0">
+                  <a:solidFill>
+                    <a:schemeClr val="tx1">
+                      <a:lumMod val="75000"/>
+                      <a:lumOff val="25000"/>
+                    </a:schemeClr>
+                  </a:solidFill>
+                  <a:latin typeface="Calibri Light" panose="020F0302020204030204" pitchFamily="34" charset="0"/>
+                  <a:cs typeface="Calibri Light" panose="020F0302020204030204" pitchFamily="34" charset="0"/>
+                </a:rPr>
+                <a:t>TA1-2</a:t>
+              </a:r>
+              <a:endParaRPr lang="en-GB" sz="700" dirty="0">
+                <a:solidFill>
+                  <a:schemeClr val="tx1">
+                    <a:lumMod val="75000"/>
+                    <a:lumOff val="25000"/>
+                  </a:schemeClr>
+                </a:solidFill>
+                <a:latin typeface="Calibri Light" panose="020F0302020204030204" pitchFamily="34" charset="0"/>
+                <a:cs typeface="Calibri Light" panose="020F0302020204030204" pitchFamily="34" charset="0"/>
+              </a:endParaRPr>
+            </a:p>
+          </p:txBody>
+        </p:sp>
+        <p:sp>
+          <p:nvSpPr>
+            <p:cNvPr id="159" name="Rectangle 158">
+              <a:extLst>
+                <a:ext uri="{FF2B5EF4-FFF2-40B4-BE49-F238E27FC236}">
+                  <a16:creationId xmlns:a16="http://schemas.microsoft.com/office/drawing/2014/main" id="{4508F22C-56AE-0192-3ECC-5913FA647FF1}"/>
+                </a:ext>
+              </a:extLst>
+            </p:cNvPr>
+            <p:cNvSpPr/>
+            <p:nvPr/>
+          </p:nvSpPr>
+          <p:spPr>
+            <a:xfrm rot="2700000">
+              <a:off x="392820" y="2218344"/>
+              <a:ext cx="189979" cy="339033"/>
+            </a:xfrm>
+            <a:prstGeom prst="rect">
+              <a:avLst/>
+            </a:prstGeom>
+            <a:noFill/>
+            <a:ln w="3175">
+              <a:noFill/>
+            </a:ln>
+          </p:spPr>
+          <p:style>
+            <a:lnRef idx="2">
+              <a:schemeClr val="accent1">
+                <a:shade val="15000"/>
+              </a:schemeClr>
+            </a:lnRef>
+            <a:fillRef idx="1">
+              <a:schemeClr val="accent1"/>
+            </a:fillRef>
+            <a:effectRef idx="0">
+              <a:schemeClr val="accent1"/>
+            </a:effectRef>
+            <a:fontRef idx="minor">
+              <a:schemeClr val="lt1"/>
+            </a:fontRef>
+          </p:style>
+          <p:txBody>
+            <a:bodyPr vert="vert270" rtlCol="0" anchor="ctr"/>
+            <a:lstStyle/>
+            <a:p>
+              <a:pPr algn="ctr"/>
+              <a:r>
+                <a:rPr lang="en-US" sz="700" dirty="0">
+                  <a:solidFill>
+                    <a:schemeClr val="tx1">
+                      <a:lumMod val="75000"/>
+                      <a:lumOff val="25000"/>
+                    </a:schemeClr>
+                  </a:solidFill>
+                  <a:latin typeface="Calibri Light" panose="020F0302020204030204" pitchFamily="34" charset="0"/>
+                  <a:cs typeface="Calibri Light" panose="020F0302020204030204" pitchFamily="34" charset="0"/>
+                </a:rPr>
+                <a:t>TA1-3</a:t>
+              </a:r>
+              <a:endParaRPr lang="en-GB" sz="700" dirty="0">
+                <a:solidFill>
+                  <a:schemeClr val="tx1">
+                    <a:lumMod val="75000"/>
+                    <a:lumOff val="25000"/>
+                  </a:schemeClr>
+                </a:solidFill>
+                <a:latin typeface="Calibri Light" panose="020F0302020204030204" pitchFamily="34" charset="0"/>
+                <a:cs typeface="Calibri Light" panose="020F0302020204030204" pitchFamily="34" charset="0"/>
+              </a:endParaRPr>
+            </a:p>
+          </p:txBody>
+        </p:sp>
+        <p:sp>
+          <p:nvSpPr>
+            <p:cNvPr id="221" name="Rectangle 220">
+              <a:extLst>
+                <a:ext uri="{FF2B5EF4-FFF2-40B4-BE49-F238E27FC236}">
+                  <a16:creationId xmlns:a16="http://schemas.microsoft.com/office/drawing/2014/main" id="{7A5ACFF5-B593-5258-0AA8-4338CB1D7B7F}"/>
+                </a:ext>
+              </a:extLst>
+            </p:cNvPr>
+            <p:cNvSpPr/>
+            <p:nvPr/>
+          </p:nvSpPr>
+          <p:spPr>
+            <a:xfrm rot="2700000">
+              <a:off x="554879" y="2218344"/>
+              <a:ext cx="189979" cy="339033"/>
+            </a:xfrm>
+            <a:prstGeom prst="rect">
+              <a:avLst/>
+            </a:prstGeom>
+            <a:noFill/>
+            <a:ln w="3175">
+              <a:noFill/>
+            </a:ln>
+          </p:spPr>
+          <p:style>
+            <a:lnRef idx="2">
+              <a:schemeClr val="accent1">
+                <a:shade val="15000"/>
+              </a:schemeClr>
+            </a:lnRef>
+            <a:fillRef idx="1">
+              <a:schemeClr val="accent1"/>
+            </a:fillRef>
+            <a:effectRef idx="0">
+              <a:schemeClr val="accent1"/>
+            </a:effectRef>
+            <a:fontRef idx="minor">
+              <a:schemeClr val="lt1"/>
+            </a:fontRef>
+          </p:style>
+          <p:txBody>
+            <a:bodyPr vert="vert270" rtlCol="0" anchor="ctr"/>
+            <a:lstStyle/>
+            <a:p>
+              <a:pPr algn="ctr"/>
+              <a:r>
+                <a:rPr lang="en-US" sz="700" dirty="0">
+                  <a:solidFill>
+                    <a:schemeClr val="tx1">
+                      <a:lumMod val="75000"/>
+                      <a:lumOff val="25000"/>
+                    </a:schemeClr>
+                  </a:solidFill>
+                  <a:latin typeface="Calibri Light" panose="020F0302020204030204" pitchFamily="34" charset="0"/>
+                  <a:cs typeface="Calibri Light" panose="020F0302020204030204" pitchFamily="34" charset="0"/>
+                </a:rPr>
+                <a:t>TA2-1</a:t>
+              </a:r>
+              <a:endParaRPr lang="en-GB" sz="700" dirty="0">
+                <a:solidFill>
+                  <a:schemeClr val="tx1">
+                    <a:lumMod val="75000"/>
+                    <a:lumOff val="25000"/>
+                  </a:schemeClr>
+                </a:solidFill>
+                <a:latin typeface="Calibri Light" panose="020F0302020204030204" pitchFamily="34" charset="0"/>
+                <a:cs typeface="Calibri Light" panose="020F0302020204030204" pitchFamily="34" charset="0"/>
+              </a:endParaRPr>
+            </a:p>
+          </p:txBody>
+        </p:sp>
+        <p:sp>
+          <p:nvSpPr>
+            <p:cNvPr id="222" name="Rectangle 221">
+              <a:extLst>
+                <a:ext uri="{FF2B5EF4-FFF2-40B4-BE49-F238E27FC236}">
+                  <a16:creationId xmlns:a16="http://schemas.microsoft.com/office/drawing/2014/main" id="{7E7D005F-C4F2-504F-8DF8-F8B9E2992679}"/>
+                </a:ext>
+              </a:extLst>
+            </p:cNvPr>
+            <p:cNvSpPr/>
+            <p:nvPr/>
+          </p:nvSpPr>
+          <p:spPr>
+            <a:xfrm rot="2700000">
+              <a:off x="716938" y="2218344"/>
+              <a:ext cx="189979" cy="339033"/>
+            </a:xfrm>
+            <a:prstGeom prst="rect">
+              <a:avLst/>
+            </a:prstGeom>
+            <a:noFill/>
+            <a:ln w="3175">
+              <a:noFill/>
+            </a:ln>
+          </p:spPr>
+          <p:style>
+            <a:lnRef idx="2">
+              <a:schemeClr val="accent1">
+                <a:shade val="15000"/>
+              </a:schemeClr>
+            </a:lnRef>
+            <a:fillRef idx="1">
+              <a:schemeClr val="accent1"/>
+            </a:fillRef>
+            <a:effectRef idx="0">
+              <a:schemeClr val="accent1"/>
+            </a:effectRef>
+            <a:fontRef idx="minor">
+              <a:schemeClr val="lt1"/>
+            </a:fontRef>
+          </p:style>
+          <p:txBody>
+            <a:bodyPr vert="vert270" rtlCol="0" anchor="ctr"/>
+            <a:lstStyle/>
+            <a:p>
+              <a:pPr algn="ctr"/>
+              <a:r>
+                <a:rPr lang="en-US" sz="700" dirty="0">
+                  <a:solidFill>
+                    <a:schemeClr val="tx1">
+                      <a:lumMod val="75000"/>
+                      <a:lumOff val="25000"/>
+                    </a:schemeClr>
+                  </a:solidFill>
+                  <a:latin typeface="Calibri Light" panose="020F0302020204030204" pitchFamily="34" charset="0"/>
+                  <a:cs typeface="Calibri Light" panose="020F0302020204030204" pitchFamily="34" charset="0"/>
+                </a:rPr>
+                <a:t>TA2-2</a:t>
+              </a:r>
+              <a:endParaRPr lang="en-GB" sz="700" dirty="0">
+                <a:solidFill>
+                  <a:schemeClr val="tx1">
+                    <a:lumMod val="75000"/>
+                    <a:lumOff val="25000"/>
+                  </a:schemeClr>
+                </a:solidFill>
+                <a:latin typeface="Calibri Light" panose="020F0302020204030204" pitchFamily="34" charset="0"/>
+                <a:cs typeface="Calibri Light" panose="020F0302020204030204" pitchFamily="34" charset="0"/>
+              </a:endParaRPr>
+            </a:p>
+          </p:txBody>
+        </p:sp>
+        <p:sp>
+          <p:nvSpPr>
+            <p:cNvPr id="223" name="Rectangle 222">
+              <a:extLst>
+                <a:ext uri="{FF2B5EF4-FFF2-40B4-BE49-F238E27FC236}">
+                  <a16:creationId xmlns:a16="http://schemas.microsoft.com/office/drawing/2014/main" id="{E3897602-E572-4F2A-1E2C-94FE50A334FD}"/>
+                </a:ext>
+              </a:extLst>
+            </p:cNvPr>
+            <p:cNvSpPr/>
+            <p:nvPr/>
+          </p:nvSpPr>
+          <p:spPr>
+            <a:xfrm rot="2700000">
+              <a:off x="878997" y="2218344"/>
+              <a:ext cx="189979" cy="339033"/>
+            </a:xfrm>
+            <a:prstGeom prst="rect">
+              <a:avLst/>
+            </a:prstGeom>
+            <a:noFill/>
+            <a:ln w="3175">
+              <a:noFill/>
+            </a:ln>
+          </p:spPr>
+          <p:style>
+            <a:lnRef idx="2">
+              <a:schemeClr val="accent1">
+                <a:shade val="15000"/>
+              </a:schemeClr>
+            </a:lnRef>
+            <a:fillRef idx="1">
+              <a:schemeClr val="accent1"/>
+            </a:fillRef>
+            <a:effectRef idx="0">
+              <a:schemeClr val="accent1"/>
+            </a:effectRef>
+            <a:fontRef idx="minor">
+              <a:schemeClr val="lt1"/>
+            </a:fontRef>
+          </p:style>
+          <p:txBody>
+            <a:bodyPr vert="vert270" rtlCol="0" anchor="ctr"/>
+            <a:lstStyle/>
+            <a:p>
+              <a:pPr algn="ctr"/>
+              <a:r>
+                <a:rPr lang="en-US" sz="700" dirty="0">
+                  <a:solidFill>
+                    <a:schemeClr val="tx1">
+                      <a:lumMod val="75000"/>
+                      <a:lumOff val="25000"/>
+                    </a:schemeClr>
+                  </a:solidFill>
+                  <a:latin typeface="Calibri Light" panose="020F0302020204030204" pitchFamily="34" charset="0"/>
+                  <a:cs typeface="Calibri Light" panose="020F0302020204030204" pitchFamily="34" charset="0"/>
+                </a:rPr>
+                <a:t>TA3-1</a:t>
+              </a:r>
+              <a:endParaRPr lang="en-GB" sz="700" dirty="0">
+                <a:solidFill>
+                  <a:schemeClr val="tx1">
+                    <a:lumMod val="75000"/>
+                    <a:lumOff val="25000"/>
+                  </a:schemeClr>
+                </a:solidFill>
+                <a:latin typeface="Calibri Light" panose="020F0302020204030204" pitchFamily="34" charset="0"/>
+                <a:cs typeface="Calibri Light" panose="020F0302020204030204" pitchFamily="34" charset="0"/>
+              </a:endParaRPr>
+            </a:p>
+          </p:txBody>
+        </p:sp>
+        <p:sp>
+          <p:nvSpPr>
+            <p:cNvPr id="224" name="Rectangle 223">
+              <a:extLst>
+                <a:ext uri="{FF2B5EF4-FFF2-40B4-BE49-F238E27FC236}">
+                  <a16:creationId xmlns:a16="http://schemas.microsoft.com/office/drawing/2014/main" id="{845C521F-8D9E-AC60-12CA-DA0D6390F82C}"/>
+                </a:ext>
+              </a:extLst>
+            </p:cNvPr>
+            <p:cNvSpPr/>
+            <p:nvPr/>
+          </p:nvSpPr>
+          <p:spPr>
+            <a:xfrm rot="2700000">
+              <a:off x="1041054" y="2218344"/>
+              <a:ext cx="189979" cy="339033"/>
+            </a:xfrm>
+            <a:prstGeom prst="rect">
+              <a:avLst/>
+            </a:prstGeom>
+            <a:noFill/>
+            <a:ln w="3175">
+              <a:noFill/>
+            </a:ln>
+          </p:spPr>
+          <p:style>
+            <a:lnRef idx="2">
+              <a:schemeClr val="accent1">
+                <a:shade val="15000"/>
+              </a:schemeClr>
+            </a:lnRef>
+            <a:fillRef idx="1">
+              <a:schemeClr val="accent1"/>
+            </a:fillRef>
+            <a:effectRef idx="0">
+              <a:schemeClr val="accent1"/>
+            </a:effectRef>
+            <a:fontRef idx="minor">
+              <a:schemeClr val="lt1"/>
+            </a:fontRef>
+          </p:style>
+          <p:txBody>
+            <a:bodyPr vert="vert270" rtlCol="0" anchor="ctr"/>
+            <a:lstStyle/>
+            <a:p>
+              <a:pPr algn="ctr"/>
+              <a:r>
+                <a:rPr lang="en-US" sz="700" dirty="0">
+                  <a:solidFill>
+                    <a:schemeClr val="tx1">
+                      <a:lumMod val="75000"/>
+                      <a:lumOff val="25000"/>
+                    </a:schemeClr>
+                  </a:solidFill>
+                  <a:latin typeface="Calibri Light" panose="020F0302020204030204" pitchFamily="34" charset="0"/>
+                  <a:cs typeface="Calibri Light" panose="020F0302020204030204" pitchFamily="34" charset="0"/>
+                </a:rPr>
+                <a:t>TA3-2</a:t>
+              </a:r>
+              <a:endParaRPr lang="en-GB" sz="700" dirty="0">
+                <a:solidFill>
+                  <a:schemeClr val="tx1">
+                    <a:lumMod val="75000"/>
+                    <a:lumOff val="25000"/>
+                  </a:schemeClr>
+                </a:solidFill>
+                <a:latin typeface="Calibri Light" panose="020F0302020204030204" pitchFamily="34" charset="0"/>
+                <a:cs typeface="Calibri Light" panose="020F0302020204030204" pitchFamily="34" charset="0"/>
+              </a:endParaRPr>
+            </a:p>
+          </p:txBody>
+        </p:sp>
+      </p:grpSp>
+      <p:grpSp>
+        <p:nvGrpSpPr>
+          <p:cNvPr id="225" name="Group 224">
+            <a:extLst>
+              <a:ext uri="{FF2B5EF4-FFF2-40B4-BE49-F238E27FC236}">
+                <a16:creationId xmlns:a16="http://schemas.microsoft.com/office/drawing/2014/main" id="{A4F2CE50-5DC7-43B0-FE70-A1304504C9C5}"/>
+              </a:ext>
+            </a:extLst>
+          </p:cNvPr>
+          <p:cNvGrpSpPr/>
+          <p:nvPr/>
+        </p:nvGrpSpPr>
+        <p:grpSpPr>
+          <a:xfrm>
+            <a:off x="2859614" y="2223604"/>
+            <a:ext cx="1311385" cy="267034"/>
+            <a:chOff x="-5825" y="2215816"/>
+            <a:chExt cx="1311385" cy="267034"/>
+          </a:xfrm>
+        </p:grpSpPr>
+        <p:pic>
+          <p:nvPicPr>
+            <p:cNvPr id="226" name="Picture 225">
+              <a:extLst>
+                <a:ext uri="{FF2B5EF4-FFF2-40B4-BE49-F238E27FC236}">
+                  <a16:creationId xmlns:a16="http://schemas.microsoft.com/office/drawing/2014/main" id="{90E8AFA2-71E7-9720-D2E0-1189B5980E3D}"/>
+                </a:ext>
+              </a:extLst>
+            </p:cNvPr>
+            <p:cNvPicPr>
+              <a:picLocks noChangeAspect="1"/>
+            </p:cNvPicPr>
+            <p:nvPr/>
+          </p:nvPicPr>
+          <p:blipFill>
+            <a:blip r:embed="rId5"/>
+            <a:stretch>
+              <a:fillRect/>
+            </a:stretch>
+          </p:blipFill>
+          <p:spPr>
+            <a:xfrm>
+              <a:off x="506022" y="2223604"/>
+              <a:ext cx="117000" cy="72000"/>
+            </a:xfrm>
+            <a:prstGeom prst="rect">
+              <a:avLst/>
+            </a:prstGeom>
+          </p:spPr>
+        </p:pic>
+        <p:pic>
+          <p:nvPicPr>
+            <p:cNvPr id="227" name="Picture 226">
+              <a:extLst>
+                <a:ext uri="{FF2B5EF4-FFF2-40B4-BE49-F238E27FC236}">
+                  <a16:creationId xmlns:a16="http://schemas.microsoft.com/office/drawing/2014/main" id="{DCFEAF49-C3E3-290C-87B3-87A7AD1DECF7}"/>
+                </a:ext>
+              </a:extLst>
+            </p:cNvPr>
+            <p:cNvPicPr>
+              <a:picLocks noChangeAspect="1"/>
+            </p:cNvPicPr>
+            <p:nvPr/>
+          </p:nvPicPr>
+          <p:blipFill>
+            <a:blip r:embed="rId6"/>
+            <a:stretch>
+              <a:fillRect/>
+            </a:stretch>
+          </p:blipFill>
+          <p:spPr>
+            <a:xfrm>
+              <a:off x="187229" y="2223604"/>
+              <a:ext cx="117000" cy="72000"/>
+            </a:xfrm>
+            <a:prstGeom prst="rect">
+              <a:avLst/>
+            </a:prstGeom>
+          </p:spPr>
+        </p:pic>
+        <p:pic>
+          <p:nvPicPr>
+            <p:cNvPr id="228" name="Picture 227">
+              <a:extLst>
+                <a:ext uri="{FF2B5EF4-FFF2-40B4-BE49-F238E27FC236}">
+                  <a16:creationId xmlns:a16="http://schemas.microsoft.com/office/drawing/2014/main" id="{616D85DF-2BB1-D214-FF87-2BAD11D572FF}"/>
+                </a:ext>
+              </a:extLst>
+            </p:cNvPr>
+            <p:cNvPicPr>
+              <a:picLocks noChangeAspect="1"/>
+            </p:cNvPicPr>
+            <p:nvPr/>
+          </p:nvPicPr>
+          <p:blipFill>
+            <a:blip r:embed="rId7"/>
+            <a:stretch>
+              <a:fillRect/>
+            </a:stretch>
+          </p:blipFill>
+          <p:spPr>
+            <a:xfrm>
+              <a:off x="843648" y="2223604"/>
+              <a:ext cx="117000" cy="72000"/>
+            </a:xfrm>
+            <a:prstGeom prst="rect">
+              <a:avLst/>
+            </a:prstGeom>
+          </p:spPr>
+        </p:pic>
+        <p:pic>
+          <p:nvPicPr>
+            <p:cNvPr id="229" name="Picture 228">
+              <a:extLst>
+                <a:ext uri="{FF2B5EF4-FFF2-40B4-BE49-F238E27FC236}">
+                  <a16:creationId xmlns:a16="http://schemas.microsoft.com/office/drawing/2014/main" id="{4DFD59DC-AB94-8795-49B5-35EA09129A1B}"/>
+                </a:ext>
+              </a:extLst>
+            </p:cNvPr>
+            <p:cNvPicPr>
+              <a:picLocks noChangeAspect="1"/>
+            </p:cNvPicPr>
+            <p:nvPr/>
+          </p:nvPicPr>
+          <p:blipFill>
+            <a:blip r:embed="rId8"/>
+            <a:stretch>
+              <a:fillRect/>
+            </a:stretch>
+          </p:blipFill>
+          <p:spPr>
+            <a:xfrm>
+              <a:off x="668229" y="2223604"/>
+              <a:ext cx="116394" cy="72000"/>
+            </a:xfrm>
+            <a:prstGeom prst="rect">
+              <a:avLst/>
+            </a:prstGeom>
+          </p:spPr>
+        </p:pic>
+        <p:pic>
+          <p:nvPicPr>
+            <p:cNvPr id="230" name="Picture 229">
+              <a:extLst>
+                <a:ext uri="{FF2B5EF4-FFF2-40B4-BE49-F238E27FC236}">
+                  <a16:creationId xmlns:a16="http://schemas.microsoft.com/office/drawing/2014/main" id="{47AC7C6E-E001-E28E-0C06-C7BBDA301ABB}"/>
+                </a:ext>
+              </a:extLst>
+            </p:cNvPr>
+            <p:cNvPicPr>
+              <a:picLocks noChangeAspect="1"/>
+            </p:cNvPicPr>
+            <p:nvPr/>
+          </p:nvPicPr>
+          <p:blipFill>
+            <a:blip r:embed="rId9"/>
+            <a:stretch>
+              <a:fillRect/>
+            </a:stretch>
+          </p:blipFill>
+          <p:spPr>
+            <a:xfrm>
+              <a:off x="1023079" y="2223604"/>
+              <a:ext cx="116394" cy="72000"/>
+            </a:xfrm>
+            <a:prstGeom prst="rect">
+              <a:avLst/>
+            </a:prstGeom>
+          </p:spPr>
+        </p:pic>
+        <p:pic>
+          <p:nvPicPr>
+            <p:cNvPr id="231" name="Picture 230">
+              <a:extLst>
+                <a:ext uri="{FF2B5EF4-FFF2-40B4-BE49-F238E27FC236}">
+                  <a16:creationId xmlns:a16="http://schemas.microsoft.com/office/drawing/2014/main" id="{B00E30C1-3925-AFBE-5F29-367199499FE2}"/>
+                </a:ext>
+              </a:extLst>
+            </p:cNvPr>
+            <p:cNvPicPr>
+              <a:picLocks noChangeAspect="1"/>
+            </p:cNvPicPr>
+            <p:nvPr/>
+          </p:nvPicPr>
+          <p:blipFill>
+            <a:blip r:embed="rId10"/>
+            <a:stretch>
+              <a:fillRect/>
+            </a:stretch>
+          </p:blipFill>
+          <p:spPr>
+            <a:xfrm>
+              <a:off x="1135594" y="2215816"/>
+              <a:ext cx="117001" cy="72000"/>
+            </a:xfrm>
+            <a:prstGeom prst="rect">
+              <a:avLst/>
+            </a:prstGeom>
+          </p:spPr>
+        </p:pic>
+        <p:pic>
+          <p:nvPicPr>
+            <p:cNvPr id="232" name="Picture 231">
+              <a:extLst>
+                <a:ext uri="{FF2B5EF4-FFF2-40B4-BE49-F238E27FC236}">
+                  <a16:creationId xmlns:a16="http://schemas.microsoft.com/office/drawing/2014/main" id="{25060532-1509-9268-82B8-4B3CC8CBE0EB}"/>
+                </a:ext>
+              </a:extLst>
+            </p:cNvPr>
+            <p:cNvPicPr>
+              <a:picLocks noChangeAspect="1"/>
+            </p:cNvPicPr>
+            <p:nvPr/>
+          </p:nvPicPr>
+          <p:blipFill>
+            <a:blip r:embed="rId11"/>
+            <a:stretch>
+              <a:fillRect/>
+            </a:stretch>
+          </p:blipFill>
+          <p:spPr>
+            <a:xfrm>
+              <a:off x="348298" y="2223604"/>
+              <a:ext cx="116394" cy="72000"/>
+            </a:xfrm>
+            <a:prstGeom prst="rect">
+              <a:avLst/>
+            </a:prstGeom>
+          </p:spPr>
+        </p:pic>
+        <p:sp>
+          <p:nvSpPr>
+            <p:cNvPr id="233" name="Rectangle 232">
+              <a:extLst>
+                <a:ext uri="{FF2B5EF4-FFF2-40B4-BE49-F238E27FC236}">
+                  <a16:creationId xmlns:a16="http://schemas.microsoft.com/office/drawing/2014/main" id="{F7112DAD-8B6D-848E-C159-33BC61E263FE}"/>
+                </a:ext>
+              </a:extLst>
+            </p:cNvPr>
+            <p:cNvSpPr/>
+            <p:nvPr/>
+          </p:nvSpPr>
+          <p:spPr>
+            <a:xfrm rot="2700000">
+              <a:off x="68702" y="2218344"/>
+              <a:ext cx="189979" cy="339033"/>
+            </a:xfrm>
+            <a:prstGeom prst="rect">
+              <a:avLst/>
+            </a:prstGeom>
+            <a:noFill/>
+            <a:ln w="3175">
+              <a:noFill/>
+            </a:ln>
+          </p:spPr>
+          <p:style>
+            <a:lnRef idx="2">
+              <a:schemeClr val="accent1">
+                <a:shade val="15000"/>
+              </a:schemeClr>
+            </a:lnRef>
+            <a:fillRef idx="1">
+              <a:schemeClr val="accent1"/>
+            </a:fillRef>
+            <a:effectRef idx="0">
+              <a:schemeClr val="accent1"/>
+            </a:effectRef>
+            <a:fontRef idx="minor">
+              <a:schemeClr val="lt1"/>
+            </a:fontRef>
+          </p:style>
+          <p:txBody>
+            <a:bodyPr vert="vert270" rtlCol="0" anchor="ctr"/>
+            <a:lstStyle/>
+            <a:p>
+              <a:pPr algn="ctr"/>
+              <a:r>
+                <a:rPr lang="en-US" sz="700" dirty="0">
+                  <a:solidFill>
+                    <a:schemeClr val="tx1">
+                      <a:lumMod val="75000"/>
+                      <a:lumOff val="25000"/>
+                    </a:schemeClr>
+                  </a:solidFill>
+                  <a:latin typeface="Calibri Light" panose="020F0302020204030204" pitchFamily="34" charset="0"/>
+                  <a:cs typeface="Calibri Light" panose="020F0302020204030204" pitchFamily="34" charset="0"/>
+                </a:rPr>
+                <a:t>TA1-1</a:t>
+              </a:r>
+              <a:endParaRPr lang="en-GB" sz="700" dirty="0">
+                <a:solidFill>
+                  <a:schemeClr val="tx1">
+                    <a:lumMod val="75000"/>
+                    <a:lumOff val="25000"/>
+                  </a:schemeClr>
+                </a:solidFill>
+                <a:latin typeface="Calibri Light" panose="020F0302020204030204" pitchFamily="34" charset="0"/>
+                <a:cs typeface="Calibri Light" panose="020F0302020204030204" pitchFamily="34" charset="0"/>
+              </a:endParaRPr>
+            </a:p>
+          </p:txBody>
+        </p:sp>
+        <p:sp>
+          <p:nvSpPr>
+            <p:cNvPr id="234" name="Rectangle 233">
+              <a:extLst>
+                <a:ext uri="{FF2B5EF4-FFF2-40B4-BE49-F238E27FC236}">
+                  <a16:creationId xmlns:a16="http://schemas.microsoft.com/office/drawing/2014/main" id="{AAFE7917-4217-3AD5-26B2-9E1B2E20EAAC}"/>
+                </a:ext>
+              </a:extLst>
+            </p:cNvPr>
+            <p:cNvSpPr/>
+            <p:nvPr/>
+          </p:nvSpPr>
+          <p:spPr>
+            <a:xfrm rot="2700000">
+              <a:off x="230761" y="2218344"/>
+              <a:ext cx="189979" cy="339033"/>
+            </a:xfrm>
+            <a:prstGeom prst="rect">
+              <a:avLst/>
+            </a:prstGeom>
+            <a:noFill/>
+            <a:ln w="3175">
+              <a:noFill/>
+            </a:ln>
+          </p:spPr>
+          <p:style>
+            <a:lnRef idx="2">
+              <a:schemeClr val="accent1">
+                <a:shade val="15000"/>
+              </a:schemeClr>
+            </a:lnRef>
+            <a:fillRef idx="1">
+              <a:schemeClr val="accent1"/>
+            </a:fillRef>
+            <a:effectRef idx="0">
+              <a:schemeClr val="accent1"/>
+            </a:effectRef>
+            <a:fontRef idx="minor">
+              <a:schemeClr val="lt1"/>
+            </a:fontRef>
+          </p:style>
+          <p:txBody>
+            <a:bodyPr vert="vert270" rtlCol="0" anchor="ctr"/>
+            <a:lstStyle/>
+            <a:p>
+              <a:pPr algn="ctr"/>
+              <a:r>
+                <a:rPr lang="en-US" sz="700" dirty="0">
+                  <a:solidFill>
+                    <a:schemeClr val="tx1">
+                      <a:lumMod val="75000"/>
+                      <a:lumOff val="25000"/>
+                    </a:schemeClr>
+                  </a:solidFill>
+                  <a:latin typeface="Calibri Light" panose="020F0302020204030204" pitchFamily="34" charset="0"/>
+                  <a:cs typeface="Calibri Light" panose="020F0302020204030204" pitchFamily="34" charset="0"/>
+                </a:rPr>
+                <a:t>TA1-2</a:t>
+              </a:r>
+              <a:endParaRPr lang="en-GB" sz="700" dirty="0">
+                <a:solidFill>
+                  <a:schemeClr val="tx1">
+                    <a:lumMod val="75000"/>
+                    <a:lumOff val="25000"/>
+                  </a:schemeClr>
+                </a:solidFill>
+                <a:latin typeface="Calibri Light" panose="020F0302020204030204" pitchFamily="34" charset="0"/>
+                <a:cs typeface="Calibri Light" panose="020F0302020204030204" pitchFamily="34" charset="0"/>
+              </a:endParaRPr>
+            </a:p>
+          </p:txBody>
+        </p:sp>
+        <p:sp>
+          <p:nvSpPr>
+            <p:cNvPr id="235" name="Rectangle 234">
+              <a:extLst>
+                <a:ext uri="{FF2B5EF4-FFF2-40B4-BE49-F238E27FC236}">
+                  <a16:creationId xmlns:a16="http://schemas.microsoft.com/office/drawing/2014/main" id="{14E2A411-2E78-FCFE-BDE1-0AA7A7D1177A}"/>
+                </a:ext>
+              </a:extLst>
+            </p:cNvPr>
+            <p:cNvSpPr/>
+            <p:nvPr/>
+          </p:nvSpPr>
+          <p:spPr>
+            <a:xfrm rot="2700000">
+              <a:off x="392820" y="2218344"/>
+              <a:ext cx="189979" cy="339033"/>
+            </a:xfrm>
+            <a:prstGeom prst="rect">
+              <a:avLst/>
+            </a:prstGeom>
+            <a:noFill/>
+            <a:ln w="3175">
+              <a:noFill/>
+            </a:ln>
+          </p:spPr>
+          <p:style>
+            <a:lnRef idx="2">
+              <a:schemeClr val="accent1">
+                <a:shade val="15000"/>
+              </a:schemeClr>
+            </a:lnRef>
+            <a:fillRef idx="1">
+              <a:schemeClr val="accent1"/>
+            </a:fillRef>
+            <a:effectRef idx="0">
+              <a:schemeClr val="accent1"/>
+            </a:effectRef>
+            <a:fontRef idx="minor">
+              <a:schemeClr val="lt1"/>
+            </a:fontRef>
+          </p:style>
+          <p:txBody>
+            <a:bodyPr vert="vert270" rtlCol="0" anchor="ctr"/>
+            <a:lstStyle/>
+            <a:p>
+              <a:pPr algn="ctr"/>
+              <a:r>
+                <a:rPr lang="en-US" sz="700" dirty="0">
+                  <a:solidFill>
+                    <a:schemeClr val="tx1">
+                      <a:lumMod val="75000"/>
+                      <a:lumOff val="25000"/>
+                    </a:schemeClr>
+                  </a:solidFill>
+                  <a:latin typeface="Calibri Light" panose="020F0302020204030204" pitchFamily="34" charset="0"/>
+                  <a:cs typeface="Calibri Light" panose="020F0302020204030204" pitchFamily="34" charset="0"/>
+                </a:rPr>
+                <a:t>TA1-3</a:t>
+              </a:r>
+              <a:endParaRPr lang="en-GB" sz="700" dirty="0">
+                <a:solidFill>
+                  <a:schemeClr val="tx1">
+                    <a:lumMod val="75000"/>
+                    <a:lumOff val="25000"/>
+                  </a:schemeClr>
+                </a:solidFill>
+                <a:latin typeface="Calibri Light" panose="020F0302020204030204" pitchFamily="34" charset="0"/>
+                <a:cs typeface="Calibri Light" panose="020F0302020204030204" pitchFamily="34" charset="0"/>
+              </a:endParaRPr>
+            </a:p>
+          </p:txBody>
+        </p:sp>
+        <p:sp>
+          <p:nvSpPr>
+            <p:cNvPr id="236" name="Rectangle 235">
+              <a:extLst>
+                <a:ext uri="{FF2B5EF4-FFF2-40B4-BE49-F238E27FC236}">
+                  <a16:creationId xmlns:a16="http://schemas.microsoft.com/office/drawing/2014/main" id="{B709ADF5-DB37-F213-6AC1-DE6A5F4D9067}"/>
+                </a:ext>
+              </a:extLst>
+            </p:cNvPr>
+            <p:cNvSpPr/>
+            <p:nvPr/>
+          </p:nvSpPr>
+          <p:spPr>
+            <a:xfrm rot="2700000">
+              <a:off x="554879" y="2218344"/>
+              <a:ext cx="189979" cy="339033"/>
+            </a:xfrm>
+            <a:prstGeom prst="rect">
+              <a:avLst/>
+            </a:prstGeom>
+            <a:noFill/>
+            <a:ln w="3175">
+              <a:noFill/>
+            </a:ln>
+          </p:spPr>
+          <p:style>
+            <a:lnRef idx="2">
+              <a:schemeClr val="accent1">
+                <a:shade val="15000"/>
+              </a:schemeClr>
+            </a:lnRef>
+            <a:fillRef idx="1">
+              <a:schemeClr val="accent1"/>
+            </a:fillRef>
+            <a:effectRef idx="0">
+              <a:schemeClr val="accent1"/>
+            </a:effectRef>
+            <a:fontRef idx="minor">
+              <a:schemeClr val="lt1"/>
+            </a:fontRef>
+          </p:style>
+          <p:txBody>
+            <a:bodyPr vert="vert270" rtlCol="0" anchor="ctr"/>
+            <a:lstStyle/>
+            <a:p>
+              <a:pPr algn="ctr"/>
+              <a:r>
+                <a:rPr lang="en-US" sz="700" dirty="0">
+                  <a:solidFill>
+                    <a:schemeClr val="tx1">
+                      <a:lumMod val="75000"/>
+                      <a:lumOff val="25000"/>
+                    </a:schemeClr>
+                  </a:solidFill>
+                  <a:latin typeface="Calibri Light" panose="020F0302020204030204" pitchFamily="34" charset="0"/>
+                  <a:cs typeface="Calibri Light" panose="020F0302020204030204" pitchFamily="34" charset="0"/>
+                </a:rPr>
+                <a:t>TA2-1</a:t>
+              </a:r>
+              <a:endParaRPr lang="en-GB" sz="700" dirty="0">
+                <a:solidFill>
+                  <a:schemeClr val="tx1">
+                    <a:lumMod val="75000"/>
+                    <a:lumOff val="25000"/>
+                  </a:schemeClr>
+                </a:solidFill>
+                <a:latin typeface="Calibri Light" panose="020F0302020204030204" pitchFamily="34" charset="0"/>
+                <a:cs typeface="Calibri Light" panose="020F0302020204030204" pitchFamily="34" charset="0"/>
+              </a:endParaRPr>
+            </a:p>
+          </p:txBody>
+        </p:sp>
+        <p:sp>
+          <p:nvSpPr>
+            <p:cNvPr id="237" name="Rectangle 236">
+              <a:extLst>
+                <a:ext uri="{FF2B5EF4-FFF2-40B4-BE49-F238E27FC236}">
+                  <a16:creationId xmlns:a16="http://schemas.microsoft.com/office/drawing/2014/main" id="{CBD8E5EA-F211-E307-3199-AE09D36216F5}"/>
+                </a:ext>
+              </a:extLst>
+            </p:cNvPr>
+            <p:cNvSpPr/>
+            <p:nvPr/>
+          </p:nvSpPr>
+          <p:spPr>
+            <a:xfrm rot="2700000">
+              <a:off x="716938" y="2218344"/>
+              <a:ext cx="189979" cy="339033"/>
+            </a:xfrm>
+            <a:prstGeom prst="rect">
+              <a:avLst/>
+            </a:prstGeom>
+            <a:noFill/>
+            <a:ln w="3175">
+              <a:noFill/>
+            </a:ln>
+          </p:spPr>
+          <p:style>
+            <a:lnRef idx="2">
+              <a:schemeClr val="accent1">
+                <a:shade val="15000"/>
+              </a:schemeClr>
+            </a:lnRef>
+            <a:fillRef idx="1">
+              <a:schemeClr val="accent1"/>
+            </a:fillRef>
+            <a:effectRef idx="0">
+              <a:schemeClr val="accent1"/>
+            </a:effectRef>
+            <a:fontRef idx="minor">
+              <a:schemeClr val="lt1"/>
+            </a:fontRef>
+          </p:style>
+          <p:txBody>
+            <a:bodyPr vert="vert270" rtlCol="0" anchor="ctr"/>
+            <a:lstStyle/>
+            <a:p>
+              <a:pPr algn="ctr"/>
+              <a:r>
+                <a:rPr lang="en-US" sz="700" dirty="0">
+                  <a:solidFill>
+                    <a:schemeClr val="tx1">
+                      <a:lumMod val="75000"/>
+                      <a:lumOff val="25000"/>
+                    </a:schemeClr>
+                  </a:solidFill>
+                  <a:latin typeface="Calibri Light" panose="020F0302020204030204" pitchFamily="34" charset="0"/>
+                  <a:cs typeface="Calibri Light" panose="020F0302020204030204" pitchFamily="34" charset="0"/>
+                </a:rPr>
+                <a:t>TA2-2</a:t>
+              </a:r>
+              <a:endParaRPr lang="en-GB" sz="700" dirty="0">
+                <a:solidFill>
+                  <a:schemeClr val="tx1">
+                    <a:lumMod val="75000"/>
+                    <a:lumOff val="25000"/>
+                  </a:schemeClr>
+                </a:solidFill>
+                <a:latin typeface="Calibri Light" panose="020F0302020204030204" pitchFamily="34" charset="0"/>
+                <a:cs typeface="Calibri Light" panose="020F0302020204030204" pitchFamily="34" charset="0"/>
+              </a:endParaRPr>
+            </a:p>
+          </p:txBody>
+        </p:sp>
+        <p:sp>
+          <p:nvSpPr>
+            <p:cNvPr id="238" name="Rectangle 237">
+              <a:extLst>
+                <a:ext uri="{FF2B5EF4-FFF2-40B4-BE49-F238E27FC236}">
+                  <a16:creationId xmlns:a16="http://schemas.microsoft.com/office/drawing/2014/main" id="{7B8D9C1B-FD2F-92B5-52B5-D3580AA26F0B}"/>
+                </a:ext>
+              </a:extLst>
+            </p:cNvPr>
+            <p:cNvSpPr/>
+            <p:nvPr/>
+          </p:nvSpPr>
+          <p:spPr>
+            <a:xfrm rot="2700000">
+              <a:off x="878997" y="2218344"/>
+              <a:ext cx="189979" cy="339033"/>
+            </a:xfrm>
+            <a:prstGeom prst="rect">
+              <a:avLst/>
+            </a:prstGeom>
+            <a:noFill/>
+            <a:ln w="3175">
+              <a:noFill/>
+            </a:ln>
+          </p:spPr>
+          <p:style>
+            <a:lnRef idx="2">
+              <a:schemeClr val="accent1">
+                <a:shade val="15000"/>
+              </a:schemeClr>
+            </a:lnRef>
+            <a:fillRef idx="1">
+              <a:schemeClr val="accent1"/>
+            </a:fillRef>
+            <a:effectRef idx="0">
+              <a:schemeClr val="accent1"/>
+            </a:effectRef>
+            <a:fontRef idx="minor">
+              <a:schemeClr val="lt1"/>
+            </a:fontRef>
+          </p:style>
+          <p:txBody>
+            <a:bodyPr vert="vert270" rtlCol="0" anchor="ctr"/>
+            <a:lstStyle/>
+            <a:p>
+              <a:pPr algn="ctr"/>
+              <a:r>
+                <a:rPr lang="en-US" sz="700" dirty="0">
+                  <a:solidFill>
+                    <a:schemeClr val="tx1">
+                      <a:lumMod val="75000"/>
+                      <a:lumOff val="25000"/>
+                    </a:schemeClr>
+                  </a:solidFill>
+                  <a:latin typeface="Calibri Light" panose="020F0302020204030204" pitchFamily="34" charset="0"/>
+                  <a:cs typeface="Calibri Light" panose="020F0302020204030204" pitchFamily="34" charset="0"/>
+                </a:rPr>
+                <a:t>TA3-1</a:t>
+              </a:r>
+              <a:endParaRPr lang="en-GB" sz="700" dirty="0">
+                <a:solidFill>
+                  <a:schemeClr val="tx1">
+                    <a:lumMod val="75000"/>
+                    <a:lumOff val="25000"/>
+                  </a:schemeClr>
+                </a:solidFill>
+                <a:latin typeface="Calibri Light" panose="020F0302020204030204" pitchFamily="34" charset="0"/>
+                <a:cs typeface="Calibri Light" panose="020F0302020204030204" pitchFamily="34" charset="0"/>
+              </a:endParaRPr>
+            </a:p>
+          </p:txBody>
+        </p:sp>
+        <p:sp>
+          <p:nvSpPr>
+            <p:cNvPr id="239" name="Rectangle 238">
+              <a:extLst>
+                <a:ext uri="{FF2B5EF4-FFF2-40B4-BE49-F238E27FC236}">
+                  <a16:creationId xmlns:a16="http://schemas.microsoft.com/office/drawing/2014/main" id="{2531575D-0229-ED07-68E3-F522463A1026}"/>
+                </a:ext>
+              </a:extLst>
+            </p:cNvPr>
+            <p:cNvSpPr/>
+            <p:nvPr/>
+          </p:nvSpPr>
+          <p:spPr>
+            <a:xfrm rot="2700000">
+              <a:off x="1041054" y="2218344"/>
+              <a:ext cx="189979" cy="339033"/>
+            </a:xfrm>
+            <a:prstGeom prst="rect">
+              <a:avLst/>
+            </a:prstGeom>
+            <a:noFill/>
+            <a:ln w="3175">
+              <a:noFill/>
+            </a:ln>
+          </p:spPr>
+          <p:style>
+            <a:lnRef idx="2">
+              <a:schemeClr val="accent1">
+                <a:shade val="15000"/>
+              </a:schemeClr>
+            </a:lnRef>
+            <a:fillRef idx="1">
+              <a:schemeClr val="accent1"/>
+            </a:fillRef>
+            <a:effectRef idx="0">
+              <a:schemeClr val="accent1"/>
+            </a:effectRef>
+            <a:fontRef idx="minor">
+              <a:schemeClr val="lt1"/>
+            </a:fontRef>
+          </p:style>
+          <p:txBody>
+            <a:bodyPr vert="vert270" rtlCol="0" anchor="ctr"/>
+            <a:lstStyle/>
+            <a:p>
+              <a:pPr algn="ctr"/>
+              <a:r>
+                <a:rPr lang="en-US" sz="700" dirty="0">
+                  <a:solidFill>
+                    <a:schemeClr val="tx1">
+                      <a:lumMod val="75000"/>
+                      <a:lumOff val="25000"/>
+                    </a:schemeClr>
+                  </a:solidFill>
+                  <a:latin typeface="Calibri Light" panose="020F0302020204030204" pitchFamily="34" charset="0"/>
+                  <a:cs typeface="Calibri Light" panose="020F0302020204030204" pitchFamily="34" charset="0"/>
+                </a:rPr>
+                <a:t>TA3-2</a:t>
+              </a:r>
+              <a:endParaRPr lang="en-GB" sz="700" dirty="0">
+                <a:solidFill>
+                  <a:schemeClr val="tx1">
+                    <a:lumMod val="75000"/>
+                    <a:lumOff val="25000"/>
+                  </a:schemeClr>
+                </a:solidFill>
+                <a:latin typeface="Calibri Light" panose="020F0302020204030204" pitchFamily="34" charset="0"/>
+                <a:cs typeface="Calibri Light" panose="020F0302020204030204" pitchFamily="34" charset="0"/>
+              </a:endParaRPr>
+            </a:p>
+          </p:txBody>
+        </p:sp>
+      </p:grpSp>
     </p:spTree>
     <p:extLst>
       <p:ext uri="{BB962C8B-B14F-4D97-AF65-F5344CB8AC3E}">
